--- a/courseMaterial/Interfaces/Interfaces.pptx
+++ b/courseMaterial/Interfaces/Interfaces.pptx
@@ -5,10 +5,10 @@
     <p:sldMasterId id="2147483648" r:id="rId4"/>
   </p:sldMasterIdLst>
   <p:notesMasterIdLst>
-    <p:notesMasterId r:id="rId30"/>
+    <p:notesMasterId r:id="rId31"/>
   </p:notesMasterIdLst>
   <p:handoutMasterIdLst>
-    <p:handoutMasterId r:id="rId31"/>
+    <p:handoutMasterId r:id="rId32"/>
   </p:handoutMasterIdLst>
   <p:sldIdLst>
     <p:sldId id="256" r:id="rId5"/>
@@ -17,25 +17,26 @@
     <p:sldId id="310" r:id="rId8"/>
     <p:sldId id="309" r:id="rId9"/>
     <p:sldId id="294" r:id="rId10"/>
-    <p:sldId id="282" r:id="rId11"/>
-    <p:sldId id="311" r:id="rId12"/>
-    <p:sldId id="312" r:id="rId13"/>
-    <p:sldId id="313" r:id="rId14"/>
-    <p:sldId id="299" r:id="rId15"/>
-    <p:sldId id="300" r:id="rId16"/>
-    <p:sldId id="304" r:id="rId17"/>
-    <p:sldId id="314" r:id="rId18"/>
-    <p:sldId id="301" r:id="rId19"/>
-    <p:sldId id="297" r:id="rId20"/>
-    <p:sldId id="283" r:id="rId21"/>
-    <p:sldId id="315" r:id="rId22"/>
-    <p:sldId id="302" r:id="rId23"/>
-    <p:sldId id="298" r:id="rId24"/>
-    <p:sldId id="316" r:id="rId25"/>
-    <p:sldId id="317" r:id="rId26"/>
-    <p:sldId id="307" r:id="rId27"/>
-    <p:sldId id="318" r:id="rId28"/>
-    <p:sldId id="268" r:id="rId29"/>
+    <p:sldId id="319" r:id="rId11"/>
+    <p:sldId id="282" r:id="rId12"/>
+    <p:sldId id="311" r:id="rId13"/>
+    <p:sldId id="312" r:id="rId14"/>
+    <p:sldId id="313" r:id="rId15"/>
+    <p:sldId id="299" r:id="rId16"/>
+    <p:sldId id="300" r:id="rId17"/>
+    <p:sldId id="304" r:id="rId18"/>
+    <p:sldId id="314" r:id="rId19"/>
+    <p:sldId id="301" r:id="rId20"/>
+    <p:sldId id="297" r:id="rId21"/>
+    <p:sldId id="283" r:id="rId22"/>
+    <p:sldId id="315" r:id="rId23"/>
+    <p:sldId id="302" r:id="rId24"/>
+    <p:sldId id="298" r:id="rId25"/>
+    <p:sldId id="316" r:id="rId26"/>
+    <p:sldId id="317" r:id="rId27"/>
+    <p:sldId id="307" r:id="rId28"/>
+    <p:sldId id="318" r:id="rId29"/>
+    <p:sldId id="268" r:id="rId30"/>
   </p:sldIdLst>
   <p:sldSz cx="12192000" cy="6858000"/>
   <p:notesSz cx="6858000" cy="9144000"/>
@@ -239,7 +240,7 @@
           <a:p>
             <a:fld id="{68416927-5E9C-4E77-85FE-EE4C81C1DE39}" type="datetimeFigureOut">
               <a:rPr lang="en-US" smtClean="0"/>
-              <a:t>5/2/2020</a:t>
+              <a:t>5/3/2020</a:t>
             </a:fld>
             <a:endParaRPr lang="en-US" dirty="0"/>
           </a:p>
@@ -416,7 +417,7 @@
           <a:p>
             <a:fld id="{FA798B7E-6604-4F74-86DB-B30627D56244}" type="datetimeFigureOut">
               <a:rPr lang="en-US" smtClean="0"/>
-              <a:t>5/2/2020</a:t>
+              <a:t>5/3/2020</a:t>
             </a:fld>
             <a:endParaRPr lang="en-US" dirty="0"/>
           </a:p>
@@ -4742,7 +4743,7 @@
             <a:pPr algn="ctr"/>
             <a:r>
               <a:rPr lang="en-US" dirty="0" smtClean="0"/>
-              <a:t>Order of Object Initialization : this &amp; super</a:t>
+              <a:t>Object Initialization : this &amp; super</a:t>
             </a:r>
             <a:endParaRPr lang="en-US" dirty="0"/>
           </a:p>
@@ -4778,7 +4779,25 @@
           <a:p>
             <a:r>
               <a:rPr lang="en-US" sz="2800" dirty="0" smtClean="0"/>
-              <a:t>Diagram showing algorithm</a:t>
+              <a:t>For an object of inheriting class, state consist if its data members along with the members of the parent class. Hence the object initialization process consists of initializing the state of the members from the current class as well as the parent.</a:t>
+            </a:r>
+          </a:p>
+          <a:p>
+            <a:r>
+              <a:rPr lang="en-US" sz="2800" dirty="0" smtClean="0"/>
+              <a:t>For this purpose, JVM provides a super() constructor call for calling the parent class constructor which would initialize the parent class members.</a:t>
+            </a:r>
+          </a:p>
+          <a:p>
+            <a:r>
+              <a:rPr lang="en-US" sz="2800" dirty="0" smtClean="0"/>
+              <a:t>We already have know about this() constructor chaining, which can be used to call different constructors within the same class.</a:t>
+            </a:r>
+          </a:p>
+          <a:p>
+            <a:r>
+              <a:rPr lang="en-US" sz="2800" dirty="0" smtClean="0"/>
+              <a:t>Either of super() or this() calls can be the first call in any constructor.</a:t>
             </a:r>
           </a:p>
         </p:txBody>
@@ -4830,7 +4849,7 @@
                 <a16:creationId xmlns:a16="http://schemas.microsoft.com/office/drawing/2014/main" id="{5F253864-26FA-4AB1-9F0A-4F57D870EE85}"/>
               </a:ext>
               <a:ext uri="{C183D7F6-B498-43B3-948B-1728B52AA6E4}">
-                <adec:decorative xmlns="" xmlns:adec="http://schemas.microsoft.com/office/drawing/2017/decorative" val="1"/>
+                <adec:decorative xmlns:adec="http://schemas.microsoft.com/office/drawing/2017/decorative" xmlns="" val="1"/>
               </a:ext>
             </a:extLst>
           </p:cNvPr>
@@ -4883,7 +4902,7 @@
     </p:spTree>
     <p:extLst>
       <p:ext uri="{BB962C8B-B14F-4D97-AF65-F5344CB8AC3E}">
-        <p14:creationId xmlns:p14="http://schemas.microsoft.com/office/powerpoint/2010/main" val="3431905853"/>
+        <p14:creationId xmlns:p14="http://schemas.microsoft.com/office/powerpoint/2010/main" val="334955774"/>
       </p:ext>
     </p:extLst>
   </p:cSld>
@@ -4946,7 +4965,7 @@
             <a:pPr algn="ctr"/>
             <a:r>
               <a:rPr lang="en-US" dirty="0" smtClean="0"/>
-              <a:t>Abstract Classes</a:t>
+              <a:t>Order of Object Initialization : this &amp; super</a:t>
             </a:r>
             <a:endParaRPr lang="en-US" dirty="0"/>
           </a:p>
@@ -4971,7 +4990,7 @@
         <p:spPr>
           <a:xfrm>
             <a:off x="838199" y="1825625"/>
-            <a:ext cx="6689437" cy="4351338"/>
+            <a:ext cx="10515599" cy="4351338"/>
           </a:xfrm>
         </p:spPr>
         <p:txBody>
@@ -4981,60 +5000,9 @@
           <a:lstStyle/>
           <a:p>
             <a:r>
-              <a:rPr lang="en-US" dirty="0"/>
-              <a:t>A home represents a place which provides all living beings with shelter and safety. However, home is a concept while flat, row house or farm house is an actuality.</a:t>
-            </a:r>
-          </a:p>
-          <a:p>
-            <a:r>
-              <a:rPr lang="en-US" dirty="0"/>
-              <a:t>Similarly Country represents a land where people live and share a </a:t>
-            </a:r>
-            <a:r>
-              <a:rPr lang="en-US" dirty="0" smtClean="0"/>
-              <a:t>common idea of homeland. </a:t>
-            </a:r>
-            <a:r>
-              <a:rPr lang="en-US" dirty="0"/>
-              <a:t>However, country is a concept while India , USA, China are an actuality.</a:t>
-            </a:r>
-          </a:p>
-          <a:p>
-            <a:r>
-              <a:rPr lang="en-US" dirty="0"/>
-              <a:t>Based on similar lines we have abstract classes in java. These are those classes which cannot be instantiated</a:t>
-            </a:r>
-            <a:r>
-              <a:rPr lang="en-US" dirty="0" smtClean="0"/>
-              <a:t>.</a:t>
-            </a:r>
-          </a:p>
-          <a:p>
-            <a:r>
-              <a:rPr lang="en-US" dirty="0" smtClean="0"/>
-              <a:t>An </a:t>
-            </a:r>
-            <a:r>
-              <a:rPr lang="en-US" dirty="0"/>
-              <a:t>important part of being an abstract class is that </a:t>
-            </a:r>
-            <a:r>
-              <a:rPr lang="en-US" dirty="0" smtClean="0"/>
-              <a:t>it can </a:t>
-            </a:r>
-            <a:r>
-              <a:rPr lang="en-US" dirty="0"/>
-              <a:t>have certain methods which can be left unimplemented by declaring them abstract while there can be some which can be fully implemented.</a:t>
-            </a:r>
-          </a:p>
-          <a:p>
-            <a:endParaRPr lang="en-US" dirty="0" smtClean="0"/>
-          </a:p>
-          <a:p>
-            <a:endParaRPr lang="en-US" noProof="1" smtClean="0"/>
-          </a:p>
-          <a:p>
-            <a:endParaRPr lang="en-US" noProof="1"/>
+              <a:rPr lang="en-US" sz="2800" dirty="0" smtClean="0"/>
+              <a:t>Diagram showing algorithm</a:t>
+            </a:r>
           </a:p>
         </p:txBody>
       </p:sp>
@@ -5085,7 +5053,7 @@
                 <a16:creationId xmlns:a16="http://schemas.microsoft.com/office/drawing/2014/main" id="{5F253864-26FA-4AB1-9F0A-4F57D870EE85}"/>
               </a:ext>
               <a:ext uri="{C183D7F6-B498-43B3-948B-1728B52AA6E4}">
-                <adec:decorative xmlns="" xmlns:adec="http://schemas.microsoft.com/office/drawing/2017/decorative" val="1"/>
+                <adec:decorative xmlns:adec="http://schemas.microsoft.com/office/drawing/2017/decorative" xmlns="" val="1"/>
               </a:ext>
             </a:extLst>
           </p:cNvPr>
@@ -5135,40 +5103,10 @@
           </a:p>
         </p:txBody>
       </p:sp>
-      <p:pic>
-        <p:nvPicPr>
-          <p:cNvPr id="5" name="Picture 4"/>
-          <p:cNvPicPr>
-            <a:picLocks noChangeAspect="1"/>
-          </p:cNvPicPr>
-          <p:nvPr/>
-        </p:nvPicPr>
-        <p:blipFill>
-          <a:blip r:embed="rId2">
-            <a:extLst>
-              <a:ext uri="{28A0092B-C50C-407E-A947-70E740481C1C}">
-                <a14:useLocalDpi xmlns:a14="http://schemas.microsoft.com/office/drawing/2010/main" val="0"/>
-              </a:ext>
-            </a:extLst>
-          </a:blip>
-          <a:stretch>
-            <a:fillRect/>
-          </a:stretch>
-        </p:blipFill>
-        <p:spPr>
-          <a:xfrm>
-            <a:off x="8343744" y="1825625"/>
-            <a:ext cx="3010055" cy="4011757"/>
-          </a:xfrm>
-          <a:prstGeom prst="rect">
-            <a:avLst/>
-          </a:prstGeom>
-        </p:spPr>
-      </p:pic>
     </p:spTree>
     <p:extLst>
       <p:ext uri="{BB962C8B-B14F-4D97-AF65-F5344CB8AC3E}">
-        <p14:creationId xmlns:p14="http://schemas.microsoft.com/office/powerpoint/2010/main" val="2081229395"/>
+        <p14:creationId xmlns:p14="http://schemas.microsoft.com/office/powerpoint/2010/main" val="3431905853"/>
       </p:ext>
     </p:extLst>
   </p:cSld>
@@ -5256,7 +5194,7 @@
         <p:spPr>
           <a:xfrm>
             <a:off x="838199" y="1825625"/>
-            <a:ext cx="10515599" cy="4351338"/>
+            <a:ext cx="6689437" cy="4351338"/>
           </a:xfrm>
         </p:spPr>
         <p:txBody>
@@ -5266,44 +5204,60 @@
           <a:lstStyle/>
           <a:p>
             <a:r>
-              <a:rPr lang="en-US" sz="2800" dirty="0" smtClean="0"/>
-              <a:t>Abstract classes are declared as abstract.</a:t>
-            </a:r>
-          </a:p>
-          <a:p>
-            <a:r>
-              <a:rPr lang="en-US" sz="2800" dirty="0" smtClean="0"/>
-              <a:t>Abstract classes have one or more methods defined as abstract. These are those methods which are intended to be left unimplemented. The y just have the method declaration but no </a:t>
-            </a:r>
-            <a:r>
-              <a:rPr lang="en-US" sz="2800" dirty="0"/>
-              <a:t>b</a:t>
-            </a:r>
-            <a:r>
-              <a:rPr lang="en-US" sz="2800" dirty="0" smtClean="0"/>
-              <a:t>ody.</a:t>
-            </a:r>
-          </a:p>
-          <a:p>
-            <a:r>
-              <a:rPr lang="en-US" sz="2800" dirty="0" smtClean="0"/>
-              <a:t>It can also have methods which are given fully implemented.</a:t>
-            </a:r>
-          </a:p>
-          <a:p>
-            <a:r>
-              <a:rPr lang="en-US" sz="2800" dirty="0" smtClean="0"/>
-              <a:t>If a class chooses to extend the abstract class, then it is required that it gives definition to all the abstract methods from the parent class. </a:t>
-            </a:r>
-          </a:p>
-          <a:p>
-            <a:r>
-              <a:rPr lang="en-US" sz="2800" dirty="0" smtClean="0"/>
-              <a:t>However if a class intends to partially implement an abstract class , then it will also have to declare itself abstract.</a:t>
-            </a:r>
-          </a:p>
-          <a:p>
-            <a:endParaRPr lang="en-US" sz="2800" dirty="0"/>
+              <a:rPr lang="en-US" dirty="0"/>
+              <a:t>A home represents a place which provides all living beings with shelter and safety. However, home is a concept while flat, row house or farm house is an actuality.</a:t>
+            </a:r>
+          </a:p>
+          <a:p>
+            <a:r>
+              <a:rPr lang="en-US" dirty="0"/>
+              <a:t>Similarly Country represents a land where people live and share a </a:t>
+            </a:r>
+            <a:r>
+              <a:rPr lang="en-US" dirty="0" smtClean="0"/>
+              <a:t>common idea of homeland. </a:t>
+            </a:r>
+            <a:r>
+              <a:rPr lang="en-US" dirty="0"/>
+              <a:t>However, country is a concept while India , USA, China are an actuality.</a:t>
+            </a:r>
+          </a:p>
+          <a:p>
+            <a:r>
+              <a:rPr lang="en-US" dirty="0"/>
+              <a:t>Based on similar lines we have abstract classes in java. These are those classes which cannot be instantiated</a:t>
+            </a:r>
+            <a:r>
+              <a:rPr lang="en-US" dirty="0" smtClean="0"/>
+              <a:t>.</a:t>
+            </a:r>
+          </a:p>
+          <a:p>
+            <a:r>
+              <a:rPr lang="en-US" dirty="0" smtClean="0"/>
+              <a:t>An </a:t>
+            </a:r>
+            <a:r>
+              <a:rPr lang="en-US" dirty="0"/>
+              <a:t>important part of being an abstract class is that </a:t>
+            </a:r>
+            <a:r>
+              <a:rPr lang="en-US" dirty="0" smtClean="0"/>
+              <a:t>it can </a:t>
+            </a:r>
+            <a:r>
+              <a:rPr lang="en-US" dirty="0"/>
+              <a:t>have certain methods which can be left unimplemented by declaring them abstract while there can be some which can be fully implemented.</a:t>
+            </a:r>
+          </a:p>
+          <a:p>
+            <a:endParaRPr lang="en-US" dirty="0" smtClean="0"/>
+          </a:p>
+          <a:p>
+            <a:endParaRPr lang="en-US" noProof="1" smtClean="0"/>
+          </a:p>
+          <a:p>
+            <a:endParaRPr lang="en-US" noProof="1"/>
           </a:p>
         </p:txBody>
       </p:sp>
@@ -5354,7 +5308,7 @@
                 <a16:creationId xmlns:a16="http://schemas.microsoft.com/office/drawing/2014/main" id="{5F253864-26FA-4AB1-9F0A-4F57D870EE85}"/>
               </a:ext>
               <a:ext uri="{C183D7F6-B498-43B3-948B-1728B52AA6E4}">
-                <adec:decorative xmlns="" xmlns:adec="http://schemas.microsoft.com/office/drawing/2017/decorative" val="1"/>
+                <adec:decorative xmlns:adec="http://schemas.microsoft.com/office/drawing/2017/decorative" xmlns="" val="1"/>
               </a:ext>
             </a:extLst>
           </p:cNvPr>
@@ -5404,10 +5358,40 @@
           </a:p>
         </p:txBody>
       </p:sp>
+      <p:pic>
+        <p:nvPicPr>
+          <p:cNvPr id="5" name="Picture 4"/>
+          <p:cNvPicPr>
+            <a:picLocks noChangeAspect="1"/>
+          </p:cNvPicPr>
+          <p:nvPr/>
+        </p:nvPicPr>
+        <p:blipFill>
+          <a:blip r:embed="rId2">
+            <a:extLst>
+              <a:ext uri="{28A0092B-C50C-407E-A947-70E740481C1C}">
+                <a14:useLocalDpi xmlns:a14="http://schemas.microsoft.com/office/drawing/2010/main" val="0"/>
+              </a:ext>
+            </a:extLst>
+          </a:blip>
+          <a:stretch>
+            <a:fillRect/>
+          </a:stretch>
+        </p:blipFill>
+        <p:spPr>
+          <a:xfrm>
+            <a:off x="8343744" y="1825625"/>
+            <a:ext cx="3010055" cy="4011757"/>
+          </a:xfrm>
+          <a:prstGeom prst="rect">
+            <a:avLst/>
+          </a:prstGeom>
+        </p:spPr>
+      </p:pic>
     </p:spTree>
     <p:extLst>
       <p:ext uri="{BB962C8B-B14F-4D97-AF65-F5344CB8AC3E}">
-        <p14:creationId xmlns:p14="http://schemas.microsoft.com/office/powerpoint/2010/main" val="570373965"/>
+        <p14:creationId xmlns:p14="http://schemas.microsoft.com/office/powerpoint/2010/main" val="2081229395"/>
       </p:ext>
     </p:extLst>
   </p:cSld>
@@ -5470,7 +5454,7 @@
             <a:pPr algn="ctr"/>
             <a:r>
               <a:rPr lang="en-US" dirty="0" smtClean="0"/>
-              <a:t>Polymorphism</a:t>
+              <a:t>Abstract Classes</a:t>
             </a:r>
             <a:endParaRPr lang="en-US" dirty="0"/>
           </a:p>
@@ -5506,8 +5490,42 @@
           <a:p>
             <a:r>
               <a:rPr lang="en-US" sz="2800" dirty="0" smtClean="0"/>
-              <a:t>With inheritance in place, the program is at liberty to play around with a reference and the object.</a:t>
-            </a:r>
+              <a:t>Abstract classes are declared as abstract.</a:t>
+            </a:r>
+          </a:p>
+          <a:p>
+            <a:r>
+              <a:rPr lang="en-US" sz="2800" dirty="0" smtClean="0"/>
+              <a:t>Abstract classes have one or more methods defined as abstract. These are those methods which are intended to be left unimplemented. The y just have the method declaration but no </a:t>
+            </a:r>
+            <a:r>
+              <a:rPr lang="en-US" sz="2800" dirty="0"/>
+              <a:t>b</a:t>
+            </a:r>
+            <a:r>
+              <a:rPr lang="en-US" sz="2800" dirty="0" smtClean="0"/>
+              <a:t>ody.</a:t>
+            </a:r>
+          </a:p>
+          <a:p>
+            <a:r>
+              <a:rPr lang="en-US" sz="2800" dirty="0" smtClean="0"/>
+              <a:t>It can also have methods which are given fully implemented.</a:t>
+            </a:r>
+          </a:p>
+          <a:p>
+            <a:r>
+              <a:rPr lang="en-US" sz="2800" dirty="0" smtClean="0"/>
+              <a:t>If a class chooses to extend the abstract class, then it is required that it gives definition to all the abstract methods from the parent class. </a:t>
+            </a:r>
+          </a:p>
+          <a:p>
+            <a:r>
+              <a:rPr lang="en-US" sz="2800" dirty="0" smtClean="0"/>
+              <a:t>However if a class intends to partially implement an abstract class , then it will also have to declare itself abstract.</a:t>
+            </a:r>
+          </a:p>
+          <a:p>
             <a:endParaRPr lang="en-US" sz="2800" dirty="0"/>
           </a:p>
         </p:txBody>
@@ -5559,7 +5577,7 @@
                 <a16:creationId xmlns:a16="http://schemas.microsoft.com/office/drawing/2014/main" id="{5F253864-26FA-4AB1-9F0A-4F57D870EE85}"/>
               </a:ext>
               <a:ext uri="{C183D7F6-B498-43B3-948B-1728B52AA6E4}">
-                <adec:decorative xmlns="" xmlns:adec="http://schemas.microsoft.com/office/drawing/2017/decorative" val="1"/>
+                <adec:decorative xmlns:adec="http://schemas.microsoft.com/office/drawing/2017/decorative" xmlns="" val="1"/>
               </a:ext>
             </a:extLst>
           </p:cNvPr>
@@ -5612,7 +5630,7 @@
     </p:spTree>
     <p:extLst>
       <p:ext uri="{BB962C8B-B14F-4D97-AF65-F5344CB8AC3E}">
-        <p14:creationId xmlns:p14="http://schemas.microsoft.com/office/powerpoint/2010/main" val="1262960452"/>
+        <p14:creationId xmlns:p14="http://schemas.microsoft.com/office/powerpoint/2010/main" val="570373965"/>
       </p:ext>
     </p:extLst>
   </p:cSld>
@@ -5700,7 +5718,7 @@
         <p:spPr>
           <a:xfrm>
             <a:off x="838199" y="1825625"/>
-            <a:ext cx="6689437" cy="4351338"/>
+            <a:ext cx="10515599" cy="4351338"/>
           </a:xfrm>
         </p:spPr>
         <p:txBody>
@@ -5710,50 +5728,10 @@
           <a:lstStyle/>
           <a:p>
             <a:r>
-              <a:rPr lang="en-US" dirty="0" smtClean="0"/>
-              <a:t>With inheritance in our armory, we can now start playing around with the world of OOPS!!!</a:t>
-            </a:r>
-          </a:p>
-          <a:p>
-            <a:r>
-              <a:rPr lang="en-US" dirty="0" smtClean="0"/>
-              <a:t>Enter </a:t>
-            </a:r>
-            <a:r>
-              <a:rPr lang="en-US" dirty="0"/>
-              <a:t>polymorphism</a:t>
-            </a:r>
-            <a:r>
-              <a:rPr lang="en-US" dirty="0" smtClean="0"/>
-              <a:t>. Let the game begin.</a:t>
-            </a:r>
-            <a:endParaRPr lang="en-US" dirty="0"/>
-          </a:p>
-          <a:p>
-            <a:r>
-              <a:rPr lang="en-US" noProof="1" smtClean="0"/>
-              <a:t>With inheritance in place, a super class reference can point to any of the subclass object. This is referred to as polymorphism.</a:t>
-            </a:r>
-          </a:p>
-          <a:p>
-            <a:r>
-              <a:rPr lang="en-US" noProof="1" smtClean="0"/>
-              <a:t>Combined with polymorphism is concept of </a:t>
-            </a:r>
-            <a:r>
-              <a:rPr lang="en-US" b="1" i="1" u="sng" noProof="1" smtClean="0"/>
-              <a:t>dynamic method lookup</a:t>
-            </a:r>
-            <a:r>
-              <a:rPr lang="en-US" noProof="1" smtClean="0"/>
-              <a:t>. Dynamic method lookup as the name suggests invokes a method based on the runtime type of the object.</a:t>
-            </a:r>
-          </a:p>
-          <a:p>
-            <a:r>
-              <a:rPr lang="en-US" noProof="1" smtClean="0"/>
-              <a:t>As the picture says, when an animal is asked to speak, each speaks out in his own unique and different ways depending on the animal.</a:t>
-            </a:r>
+              <a:rPr lang="en-US" sz="2800" dirty="0" smtClean="0"/>
+              <a:t>With inheritance in place, the program is at liberty to play around with a reference and the object.</a:t>
+            </a:r>
+            <a:endParaRPr lang="en-US" sz="2800" dirty="0"/>
           </a:p>
         </p:txBody>
       </p:sp>
@@ -5804,7 +5782,7 @@
                 <a16:creationId xmlns:a16="http://schemas.microsoft.com/office/drawing/2014/main" id="{5F253864-26FA-4AB1-9F0A-4F57D870EE85}"/>
               </a:ext>
               <a:ext uri="{C183D7F6-B498-43B3-948B-1728B52AA6E4}">
-                <adec:decorative xmlns="" xmlns:adec="http://schemas.microsoft.com/office/drawing/2017/decorative" val="1"/>
+                <adec:decorative xmlns:adec="http://schemas.microsoft.com/office/drawing/2017/decorative" xmlns="" val="1"/>
               </a:ext>
             </a:extLst>
           </p:cNvPr>
@@ -5854,40 +5832,10 @@
           </a:p>
         </p:txBody>
       </p:sp>
-      <p:pic>
-        <p:nvPicPr>
-          <p:cNvPr id="6" name="Picture 5"/>
-          <p:cNvPicPr>
-            <a:picLocks noChangeAspect="1"/>
-          </p:cNvPicPr>
-          <p:nvPr/>
-        </p:nvPicPr>
-        <p:blipFill>
-          <a:blip r:embed="rId2">
-            <a:extLst>
-              <a:ext uri="{28A0092B-C50C-407E-A947-70E740481C1C}">
-                <a14:useLocalDpi xmlns:a14="http://schemas.microsoft.com/office/drawing/2010/main" val="0"/>
-              </a:ext>
-            </a:extLst>
-          </a:blip>
-          <a:stretch>
-            <a:fillRect/>
-          </a:stretch>
-        </p:blipFill>
-        <p:spPr>
-          <a:xfrm>
-            <a:off x="7700211" y="1825625"/>
-            <a:ext cx="3653588" cy="4351338"/>
-          </a:xfrm>
-          <a:prstGeom prst="rect">
-            <a:avLst/>
-          </a:prstGeom>
-        </p:spPr>
-      </p:pic>
     </p:spTree>
     <p:extLst>
       <p:ext uri="{BB962C8B-B14F-4D97-AF65-F5344CB8AC3E}">
-        <p14:creationId xmlns:p14="http://schemas.microsoft.com/office/powerpoint/2010/main" val="114648560"/>
+        <p14:creationId xmlns:p14="http://schemas.microsoft.com/office/powerpoint/2010/main" val="1262960452"/>
       </p:ext>
     </p:extLst>
   </p:cSld>
@@ -5950,11 +5898,7 @@
             <a:pPr algn="ctr"/>
             <a:r>
               <a:rPr lang="en-US" dirty="0" smtClean="0"/>
-              <a:t>Benefits of </a:t>
-            </a:r>
-            <a:r>
-              <a:rPr lang="en-US" dirty="0" err="1" smtClean="0"/>
-              <a:t>Polymorpohism</a:t>
+              <a:t>Polymorphism</a:t>
             </a:r>
             <a:endParaRPr lang="en-US" dirty="0"/>
           </a:p>
@@ -5979,7 +5923,7 @@
         <p:spPr>
           <a:xfrm>
             <a:off x="838199" y="1825625"/>
-            <a:ext cx="10515599" cy="4351338"/>
+            <a:ext cx="6689437" cy="4351338"/>
           </a:xfrm>
         </p:spPr>
         <p:txBody>
@@ -5988,48 +5932,51 @@
           </a:bodyPr>
           <a:lstStyle/>
           <a:p>
-            <a:endParaRPr lang="en-US" sz="2800" dirty="0" smtClean="0"/>
-          </a:p>
-          <a:p>
-            <a:endParaRPr lang="en-US" sz="2800" dirty="0"/>
-          </a:p>
-          <a:p>
-            <a:r>
-              <a:rPr lang="en-US" sz="2800" dirty="0" smtClean="0"/>
-              <a:t>Promotes </a:t>
-            </a:r>
-            <a:r>
-              <a:rPr lang="en-US" sz="2800" dirty="0"/>
-              <a:t>substitutability</a:t>
-            </a:r>
-            <a:r>
-              <a:rPr lang="en-US" sz="2800" dirty="0" smtClean="0"/>
-              <a:t>.</a:t>
-            </a:r>
-          </a:p>
-          <a:p>
-            <a:pPr lvl="1"/>
-            <a:r>
-              <a:rPr lang="en-US" sz="2600" dirty="0" smtClean="0"/>
-              <a:t>Instead of using specific class names, we make use of generic parent class references. This reduces the overall code that needs to be written.</a:t>
-            </a:r>
-          </a:p>
-          <a:p>
-            <a:pPr lvl="1"/>
-            <a:r>
-              <a:rPr lang="en-US" sz="2400" dirty="0" smtClean="0"/>
-              <a:t>Whenever there arises a need for introducing a new type, then the existing code can take care of the new type as well since it is written in a generic way.</a:t>
-            </a:r>
-            <a:endParaRPr lang="en-US" sz="2800" dirty="0"/>
-          </a:p>
-          <a:p>
-            <a:pPr marL="0" indent="0">
-              <a:buNone/>
-            </a:pPr>
-            <a:endParaRPr lang="en-US" sz="2800" dirty="0" smtClean="0"/>
-          </a:p>
-          <a:p>
-            <a:endParaRPr lang="en-US" sz="2800" dirty="0" smtClean="0"/>
+            <a:r>
+              <a:rPr lang="en-US" dirty="0" smtClean="0"/>
+              <a:t>With inheritance in our armory, we can now start playing around with the world of OOPS!!!</a:t>
+            </a:r>
+          </a:p>
+          <a:p>
+            <a:r>
+              <a:rPr lang="en-US" dirty="0" smtClean="0"/>
+              <a:t>Enter </a:t>
+            </a:r>
+            <a:r>
+              <a:rPr lang="en-US" dirty="0"/>
+              <a:t>polymorphism</a:t>
+            </a:r>
+            <a:r>
+              <a:rPr lang="en-US" dirty="0" smtClean="0"/>
+              <a:t>. Let the game begin.</a:t>
+            </a:r>
+            <a:endParaRPr lang="en-US" dirty="0"/>
+          </a:p>
+          <a:p>
+            <a:r>
+              <a:rPr lang="en-US" noProof="1" smtClean="0"/>
+              <a:t>With inheritance in place, a super class reference can point to any of the subclass object. This is referred to as polymorphism.</a:t>
+            </a:r>
+          </a:p>
+          <a:p>
+            <a:r>
+              <a:rPr lang="en-US" noProof="1" smtClean="0"/>
+              <a:t>Combined with polymorphism is concept of </a:t>
+            </a:r>
+            <a:r>
+              <a:rPr lang="en-US" b="1" i="1" u="sng" noProof="1" smtClean="0"/>
+              <a:t>dynamic method lookup</a:t>
+            </a:r>
+            <a:r>
+              <a:rPr lang="en-US" noProof="1" smtClean="0"/>
+              <a:t>. Dynamic method lookup as the name suggests invokes a method based on the runtime type of the object.</a:t>
+            </a:r>
+          </a:p>
+          <a:p>
+            <a:r>
+              <a:rPr lang="en-US" noProof="1" smtClean="0"/>
+              <a:t>As the picture says, when an animal is asked to speak, each speaks out in his own unique and different ways depending on the animal.</a:t>
+            </a:r>
           </a:p>
         </p:txBody>
       </p:sp>
@@ -6080,7 +6027,7 @@
                 <a16:creationId xmlns:a16="http://schemas.microsoft.com/office/drawing/2014/main" id="{5F253864-26FA-4AB1-9F0A-4F57D870EE85}"/>
               </a:ext>
               <a:ext uri="{C183D7F6-B498-43B3-948B-1728B52AA6E4}">
-                <adec:decorative xmlns="" xmlns:adec="http://schemas.microsoft.com/office/drawing/2017/decorative" val="1"/>
+                <adec:decorative xmlns:adec="http://schemas.microsoft.com/office/drawing/2017/decorative" xmlns="" val="1"/>
               </a:ext>
             </a:extLst>
           </p:cNvPr>
@@ -6130,10 +6077,40 @@
           </a:p>
         </p:txBody>
       </p:sp>
+      <p:pic>
+        <p:nvPicPr>
+          <p:cNvPr id="6" name="Picture 5"/>
+          <p:cNvPicPr>
+            <a:picLocks noChangeAspect="1"/>
+          </p:cNvPicPr>
+          <p:nvPr/>
+        </p:nvPicPr>
+        <p:blipFill>
+          <a:blip r:embed="rId2">
+            <a:extLst>
+              <a:ext uri="{28A0092B-C50C-407E-A947-70E740481C1C}">
+                <a14:useLocalDpi xmlns:a14="http://schemas.microsoft.com/office/drawing/2010/main" val="0"/>
+              </a:ext>
+            </a:extLst>
+          </a:blip>
+          <a:stretch>
+            <a:fillRect/>
+          </a:stretch>
+        </p:blipFill>
+        <p:spPr>
+          <a:xfrm>
+            <a:off x="7700211" y="1825625"/>
+            <a:ext cx="3653588" cy="4351338"/>
+          </a:xfrm>
+          <a:prstGeom prst="rect">
+            <a:avLst/>
+          </a:prstGeom>
+        </p:spPr>
+      </p:pic>
     </p:spTree>
     <p:extLst>
       <p:ext uri="{BB962C8B-B14F-4D97-AF65-F5344CB8AC3E}">
-        <p14:creationId xmlns:p14="http://schemas.microsoft.com/office/powerpoint/2010/main" val="65767595"/>
+        <p14:creationId xmlns:p14="http://schemas.microsoft.com/office/powerpoint/2010/main" val="114648560"/>
       </p:ext>
     </p:extLst>
   </p:cSld>
@@ -6196,7 +6173,11 @@
             <a:pPr algn="ctr"/>
             <a:r>
               <a:rPr lang="en-US" dirty="0" smtClean="0"/>
-              <a:t>Overriding</a:t>
+              <a:t>Benefits of </a:t>
+            </a:r>
+            <a:r>
+              <a:rPr lang="en-US" dirty="0" err="1" smtClean="0"/>
+              <a:t>Polymorpohism</a:t>
             </a:r>
             <a:endParaRPr lang="en-US" dirty="0"/>
           </a:p>
@@ -6230,28 +6211,48 @@
           </a:bodyPr>
           <a:lstStyle/>
           <a:p>
+            <a:endParaRPr lang="en-US" sz="2800" dirty="0" smtClean="0"/>
+          </a:p>
+          <a:p>
+            <a:endParaRPr lang="en-US" sz="2800" dirty="0"/>
+          </a:p>
+          <a:p>
             <a:r>
               <a:rPr lang="en-US" sz="2800" dirty="0" smtClean="0"/>
-              <a:t>Inheritance provides us the luxury of using things from our parents, its like getting the to the hidden reassure of riches from my father. I can use it with no additional efforts.</a:t>
-            </a:r>
-          </a:p>
-          <a:p>
-            <a:r>
-              <a:rPr lang="en-US" sz="2800" noProof="1" smtClean="0"/>
-              <a:t>On the other hand, it may be sometimes necessary that things inherited from our parents/ancestors be changed or modified to make them better or to make them into something that is more useful for us or more accustomed to what we need.</a:t>
-            </a:r>
-          </a:p>
-          <a:p>
-            <a:r>
-              <a:rPr lang="en-US" sz="2800" noProof="1" smtClean="0"/>
-              <a:t>This is where we get to know the phenomenon of overriding.</a:t>
-            </a:r>
-          </a:p>
-          <a:p>
-            <a:r>
-              <a:rPr lang="en-US" sz="2800" noProof="1" smtClean="0"/>
-              <a:t>Imagine getting an old car from your father , Yuck !! Who drives it today. You need something which looks more trendy.</a:t>
-            </a:r>
+              <a:t>Promotes </a:t>
+            </a:r>
+            <a:r>
+              <a:rPr lang="en-US" sz="2800" dirty="0"/>
+              <a:t>substitutability</a:t>
+            </a:r>
+            <a:r>
+              <a:rPr lang="en-US" sz="2800" dirty="0" smtClean="0"/>
+              <a:t>.</a:t>
+            </a:r>
+          </a:p>
+          <a:p>
+            <a:pPr lvl="1"/>
+            <a:r>
+              <a:rPr lang="en-US" sz="2600" dirty="0" smtClean="0"/>
+              <a:t>Instead of using specific class names, we make use of generic parent class references. This reduces the overall code that needs to be written.</a:t>
+            </a:r>
+          </a:p>
+          <a:p>
+            <a:pPr lvl="1"/>
+            <a:r>
+              <a:rPr lang="en-US" sz="2400" dirty="0" smtClean="0"/>
+              <a:t>Whenever there arises a need for introducing a new type, then the existing code can take care of the new type as well since it is written in a generic way.</a:t>
+            </a:r>
+            <a:endParaRPr lang="en-US" sz="2800" dirty="0"/>
+          </a:p>
+          <a:p>
+            <a:pPr marL="0" indent="0">
+              <a:buNone/>
+            </a:pPr>
+            <a:endParaRPr lang="en-US" sz="2800" dirty="0" smtClean="0"/>
+          </a:p>
+          <a:p>
+            <a:endParaRPr lang="en-US" sz="2800" dirty="0" smtClean="0"/>
           </a:p>
         </p:txBody>
       </p:sp>
@@ -6302,7 +6303,7 @@
                 <a16:creationId xmlns:a16="http://schemas.microsoft.com/office/drawing/2014/main" id="{5F253864-26FA-4AB1-9F0A-4F57D870EE85}"/>
               </a:ext>
               <a:ext uri="{C183D7F6-B498-43B3-948B-1728B52AA6E4}">
-                <adec:decorative xmlns="" xmlns:adec="http://schemas.microsoft.com/office/drawing/2017/decorative" val="1"/>
+                <adec:decorative xmlns:adec="http://schemas.microsoft.com/office/drawing/2017/decorative" xmlns="" val="1"/>
               </a:ext>
             </a:extLst>
           </p:cNvPr>
@@ -6355,7 +6356,7 @@
     </p:spTree>
     <p:extLst>
       <p:ext uri="{BB962C8B-B14F-4D97-AF65-F5344CB8AC3E}">
-        <p14:creationId xmlns:p14="http://schemas.microsoft.com/office/powerpoint/2010/main" val="859118885"/>
+        <p14:creationId xmlns:p14="http://schemas.microsoft.com/office/powerpoint/2010/main" val="65767595"/>
       </p:ext>
     </p:extLst>
   </p:cSld>
@@ -6418,9 +6419,62 @@
             <a:pPr algn="ctr"/>
             <a:r>
               <a:rPr lang="en-US" dirty="0" smtClean="0"/>
-              <a:t>Overriding My father’s Old Car</a:t>
+              <a:t>Overriding</a:t>
             </a:r>
             <a:endParaRPr lang="en-US" dirty="0"/>
+          </a:p>
+        </p:txBody>
+      </p:sp>
+      <p:sp>
+        <p:nvSpPr>
+          <p:cNvPr id="3" name="Content Placeholder 2">
+            <a:extLst>
+              <a:ext uri="{FF2B5EF4-FFF2-40B4-BE49-F238E27FC236}">
+                <a16:creationId xmlns:a16="http://schemas.microsoft.com/office/drawing/2014/main" id="{FA6A4B49-27C8-46B6-8B11-AD7E8F615E2C}"/>
+              </a:ext>
+            </a:extLst>
+          </p:cNvPr>
+          <p:cNvSpPr>
+            <a:spLocks noGrp="1"/>
+          </p:cNvSpPr>
+          <p:nvPr>
+            <p:ph idx="1"/>
+          </p:nvPr>
+        </p:nvSpPr>
+        <p:spPr>
+          <a:xfrm>
+            <a:off x="838199" y="1825625"/>
+            <a:ext cx="10515599" cy="4351338"/>
+          </a:xfrm>
+        </p:spPr>
+        <p:txBody>
+          <a:bodyPr>
+            <a:normAutofit/>
+          </a:bodyPr>
+          <a:lstStyle/>
+          <a:p>
+            <a:r>
+              <a:rPr lang="en-US" sz="2800" dirty="0" smtClean="0"/>
+              <a:t>Inheritance provides us the luxury of using things from our parents, its like getting the to the hidden reassure of riches from my father. I can use it with no additional efforts.</a:t>
+            </a:r>
+          </a:p>
+          <a:p>
+            <a:r>
+              <a:rPr lang="en-US" sz="2800" noProof="1" smtClean="0"/>
+              <a:t>On the other hand, it may be sometimes necessary that things inherited from our parents/ancestors be changed or modified to make them better or to make them into something that is more useful for us or more accustomed to what we need.</a:t>
+            </a:r>
+          </a:p>
+          <a:p>
+            <a:r>
+              <a:rPr lang="en-US" sz="2800" noProof="1" smtClean="0"/>
+              <a:t>This is where we get to know the phenomenon of overriding.</a:t>
+            </a:r>
+          </a:p>
+          <a:p>
+            <a:r>
+              <a:rPr lang="en-US" sz="2800" noProof="1" smtClean="0"/>
+              <a:t>Imagine getting an old car from your father , Yuck !! Who drives it today. You need something which looks more trendy.</a:t>
+            </a:r>
           </a:p>
         </p:txBody>
       </p:sp>
@@ -6471,7 +6525,7 @@
                 <a16:creationId xmlns:a16="http://schemas.microsoft.com/office/drawing/2014/main" id="{5F253864-26FA-4AB1-9F0A-4F57D870EE85}"/>
               </a:ext>
               <a:ext uri="{C183D7F6-B498-43B3-948B-1728B52AA6E4}">
-                <adec:decorative xmlns="" xmlns:adec="http://schemas.microsoft.com/office/drawing/2017/decorative" val="1"/>
+                <adec:decorative xmlns:adec="http://schemas.microsoft.com/office/drawing/2017/decorative" xmlns="" val="1"/>
               </a:ext>
             </a:extLst>
           </p:cNvPr>
@@ -6521,141 +6575,10 @@
           </a:p>
         </p:txBody>
       </p:sp>
-      <p:pic>
-        <p:nvPicPr>
-          <p:cNvPr id="5" name="Content Placeholder 4"/>
-          <p:cNvPicPr>
-            <a:picLocks noGrp="1" noChangeAspect="1"/>
-          </p:cNvPicPr>
-          <p:nvPr>
-            <p:ph idx="1"/>
-          </p:nvPr>
-        </p:nvPicPr>
-        <p:blipFill>
-          <a:blip r:embed="rId2">
-            <a:extLst>
-              <a:ext uri="{28A0092B-C50C-407E-A947-70E740481C1C}">
-                <a14:useLocalDpi xmlns:a14="http://schemas.microsoft.com/office/drawing/2010/main" val="0"/>
-              </a:ext>
-            </a:extLst>
-          </a:blip>
-          <a:stretch>
-            <a:fillRect/>
-          </a:stretch>
-        </p:blipFill>
-        <p:spPr>
-          <a:xfrm>
-            <a:off x="838199" y="1890208"/>
-            <a:ext cx="3983183" cy="3594100"/>
-          </a:xfrm>
-        </p:spPr>
-      </p:pic>
-      <p:pic>
-        <p:nvPicPr>
-          <p:cNvPr id="6" name="Picture 5"/>
-          <p:cNvPicPr>
-            <a:picLocks noChangeAspect="1"/>
-          </p:cNvPicPr>
-          <p:nvPr/>
-        </p:nvPicPr>
-        <p:blipFill>
-          <a:blip r:embed="rId3" cstate="hqprint">
-            <a:extLst>
-              <a:ext uri="{28A0092B-C50C-407E-A947-70E740481C1C}">
-                <a14:useLocalDpi xmlns:a14="http://schemas.microsoft.com/office/drawing/2010/main" val="0"/>
-              </a:ext>
-            </a:extLst>
-          </a:blip>
-          <a:stretch>
-            <a:fillRect/>
-          </a:stretch>
-        </p:blipFill>
-        <p:spPr>
-          <a:xfrm>
-            <a:off x="7342909" y="1890208"/>
-            <a:ext cx="3808018" cy="3594100"/>
-          </a:xfrm>
-          <a:prstGeom prst="rect">
-            <a:avLst/>
-          </a:prstGeom>
-        </p:spPr>
-      </p:pic>
-      <p:pic>
-        <p:nvPicPr>
-          <p:cNvPr id="9" name="Picture 8"/>
-          <p:cNvPicPr>
-            <a:picLocks noChangeAspect="1"/>
-          </p:cNvPicPr>
-          <p:nvPr/>
-        </p:nvPicPr>
-        <p:blipFill>
-          <a:blip r:embed="rId4"/>
-          <a:stretch>
-            <a:fillRect/>
-          </a:stretch>
-        </p:blipFill>
-        <p:spPr>
-          <a:xfrm>
-            <a:off x="1062182" y="5595793"/>
-            <a:ext cx="3546764" cy="574098"/>
-          </a:xfrm>
-          <a:prstGeom prst="rect">
-            <a:avLst/>
-          </a:prstGeom>
-        </p:spPr>
-      </p:pic>
-      <p:pic>
-        <p:nvPicPr>
-          <p:cNvPr id="10" name="Picture 9"/>
-          <p:cNvPicPr>
-            <a:picLocks noChangeAspect="1"/>
-          </p:cNvPicPr>
-          <p:nvPr/>
-        </p:nvPicPr>
-        <p:blipFill>
-          <a:blip r:embed="rId5"/>
-          <a:stretch>
-            <a:fillRect/>
-          </a:stretch>
-        </p:blipFill>
-        <p:spPr>
-          <a:xfrm>
-            <a:off x="7521902" y="5597416"/>
-            <a:ext cx="3629025" cy="572475"/>
-          </a:xfrm>
-          <a:prstGeom prst="rect">
-            <a:avLst/>
-          </a:prstGeom>
-        </p:spPr>
-      </p:pic>
-      <p:pic>
-        <p:nvPicPr>
-          <p:cNvPr id="12" name="Picture 11"/>
-          <p:cNvPicPr>
-            <a:picLocks noChangeAspect="1"/>
-          </p:cNvPicPr>
-          <p:nvPr/>
-        </p:nvPicPr>
-        <p:blipFill>
-          <a:blip r:embed="rId6"/>
-          <a:stretch>
-            <a:fillRect/>
-          </a:stretch>
-        </p:blipFill>
-        <p:spPr>
-          <a:xfrm>
-            <a:off x="4821382" y="3214687"/>
-            <a:ext cx="2410691" cy="428625"/>
-          </a:xfrm>
-          <a:prstGeom prst="rect">
-            <a:avLst/>
-          </a:prstGeom>
-        </p:spPr>
-      </p:pic>
     </p:spTree>
     <p:extLst>
       <p:ext uri="{BB962C8B-B14F-4D97-AF65-F5344CB8AC3E}">
-        <p14:creationId xmlns:p14="http://schemas.microsoft.com/office/powerpoint/2010/main" val="2745771103"/>
+        <p14:creationId xmlns:p14="http://schemas.microsoft.com/office/powerpoint/2010/main" val="859118885"/>
       </p:ext>
     </p:extLst>
   </p:cSld>
@@ -6718,60 +6641,9 @@
             <a:pPr algn="ctr"/>
             <a:r>
               <a:rPr lang="en-US" dirty="0" smtClean="0"/>
-              <a:t>Overriding….</a:t>
+              <a:t>Overriding My father’s Old Car</a:t>
             </a:r>
             <a:endParaRPr lang="en-US" dirty="0"/>
-          </a:p>
-        </p:txBody>
-      </p:sp>
-      <p:sp>
-        <p:nvSpPr>
-          <p:cNvPr id="3" name="Content Placeholder 2">
-            <a:extLst>
-              <a:ext uri="{FF2B5EF4-FFF2-40B4-BE49-F238E27FC236}">
-                <a16:creationId xmlns:a16="http://schemas.microsoft.com/office/drawing/2014/main" id="{FA6A4B49-27C8-46B6-8B11-AD7E8F615E2C}"/>
-              </a:ext>
-            </a:extLst>
-          </p:cNvPr>
-          <p:cNvSpPr>
-            <a:spLocks noGrp="1"/>
-          </p:cNvSpPr>
-          <p:nvPr>
-            <p:ph idx="1"/>
-          </p:nvPr>
-        </p:nvSpPr>
-        <p:spPr>
-          <a:xfrm>
-            <a:off x="838199" y="1825625"/>
-            <a:ext cx="10515599" cy="4351338"/>
-          </a:xfrm>
-        </p:spPr>
-        <p:txBody>
-          <a:bodyPr>
-            <a:normAutofit/>
-          </a:bodyPr>
-          <a:lstStyle/>
-          <a:p>
-            <a:endParaRPr lang="en-US" sz="2800" dirty="0" smtClean="0"/>
-          </a:p>
-          <a:p>
-            <a:endParaRPr lang="en-US" sz="2800" dirty="0"/>
-          </a:p>
-          <a:p>
-            <a:r>
-              <a:rPr lang="en-US" sz="2800" dirty="0" smtClean="0"/>
-              <a:t>Overriding only applies to behavioral aspect of the class. This means the subclass can override only the method of the parent class.</a:t>
-            </a:r>
-          </a:p>
-          <a:p>
-            <a:r>
-              <a:rPr lang="en-US" sz="2800" dirty="0" smtClean="0"/>
-              <a:t>In order to transparently override the method from the parent class, it is important to follow certain rules of overriding.</a:t>
-            </a:r>
-          </a:p>
-          <a:p>
-            <a:pPr lvl="1"/>
-            <a:endParaRPr lang="en-US" sz="2600" dirty="0" smtClean="0"/>
           </a:p>
         </p:txBody>
       </p:sp>
@@ -6822,7 +6694,7 @@
                 <a16:creationId xmlns:a16="http://schemas.microsoft.com/office/drawing/2014/main" id="{5F253864-26FA-4AB1-9F0A-4F57D870EE85}"/>
               </a:ext>
               <a:ext uri="{C183D7F6-B498-43B3-948B-1728B52AA6E4}">
-                <adec:decorative xmlns="" xmlns:adec="http://schemas.microsoft.com/office/drawing/2017/decorative" val="1"/>
+                <adec:decorative xmlns:adec="http://schemas.microsoft.com/office/drawing/2017/decorative" xmlns="" val="1"/>
               </a:ext>
             </a:extLst>
           </p:cNvPr>
@@ -6872,10 +6744,141 @@
           </a:p>
         </p:txBody>
       </p:sp>
+      <p:pic>
+        <p:nvPicPr>
+          <p:cNvPr id="5" name="Content Placeholder 4"/>
+          <p:cNvPicPr>
+            <a:picLocks noGrp="1" noChangeAspect="1"/>
+          </p:cNvPicPr>
+          <p:nvPr>
+            <p:ph idx="1"/>
+          </p:nvPr>
+        </p:nvPicPr>
+        <p:blipFill>
+          <a:blip r:embed="rId2">
+            <a:extLst>
+              <a:ext uri="{28A0092B-C50C-407E-A947-70E740481C1C}">
+                <a14:useLocalDpi xmlns:a14="http://schemas.microsoft.com/office/drawing/2010/main" val="0"/>
+              </a:ext>
+            </a:extLst>
+          </a:blip>
+          <a:stretch>
+            <a:fillRect/>
+          </a:stretch>
+        </p:blipFill>
+        <p:spPr>
+          <a:xfrm>
+            <a:off x="838199" y="1890208"/>
+            <a:ext cx="3983183" cy="3594100"/>
+          </a:xfrm>
+        </p:spPr>
+      </p:pic>
+      <p:pic>
+        <p:nvPicPr>
+          <p:cNvPr id="6" name="Picture 5"/>
+          <p:cNvPicPr>
+            <a:picLocks noChangeAspect="1"/>
+          </p:cNvPicPr>
+          <p:nvPr/>
+        </p:nvPicPr>
+        <p:blipFill>
+          <a:blip r:embed="rId3" cstate="hqprint">
+            <a:extLst>
+              <a:ext uri="{28A0092B-C50C-407E-A947-70E740481C1C}">
+                <a14:useLocalDpi xmlns:a14="http://schemas.microsoft.com/office/drawing/2010/main" val="0"/>
+              </a:ext>
+            </a:extLst>
+          </a:blip>
+          <a:stretch>
+            <a:fillRect/>
+          </a:stretch>
+        </p:blipFill>
+        <p:spPr>
+          <a:xfrm>
+            <a:off x="7342909" y="1890208"/>
+            <a:ext cx="3808018" cy="3594100"/>
+          </a:xfrm>
+          <a:prstGeom prst="rect">
+            <a:avLst/>
+          </a:prstGeom>
+        </p:spPr>
+      </p:pic>
+      <p:pic>
+        <p:nvPicPr>
+          <p:cNvPr id="9" name="Picture 8"/>
+          <p:cNvPicPr>
+            <a:picLocks noChangeAspect="1"/>
+          </p:cNvPicPr>
+          <p:nvPr/>
+        </p:nvPicPr>
+        <p:blipFill>
+          <a:blip r:embed="rId4"/>
+          <a:stretch>
+            <a:fillRect/>
+          </a:stretch>
+        </p:blipFill>
+        <p:spPr>
+          <a:xfrm>
+            <a:off x="1062182" y="5595793"/>
+            <a:ext cx="3546764" cy="574098"/>
+          </a:xfrm>
+          <a:prstGeom prst="rect">
+            <a:avLst/>
+          </a:prstGeom>
+        </p:spPr>
+      </p:pic>
+      <p:pic>
+        <p:nvPicPr>
+          <p:cNvPr id="10" name="Picture 9"/>
+          <p:cNvPicPr>
+            <a:picLocks noChangeAspect="1"/>
+          </p:cNvPicPr>
+          <p:nvPr/>
+        </p:nvPicPr>
+        <p:blipFill>
+          <a:blip r:embed="rId5"/>
+          <a:stretch>
+            <a:fillRect/>
+          </a:stretch>
+        </p:blipFill>
+        <p:spPr>
+          <a:xfrm>
+            <a:off x="7521902" y="5597416"/>
+            <a:ext cx="3629025" cy="572475"/>
+          </a:xfrm>
+          <a:prstGeom prst="rect">
+            <a:avLst/>
+          </a:prstGeom>
+        </p:spPr>
+      </p:pic>
+      <p:pic>
+        <p:nvPicPr>
+          <p:cNvPr id="12" name="Picture 11"/>
+          <p:cNvPicPr>
+            <a:picLocks noChangeAspect="1"/>
+          </p:cNvPicPr>
+          <p:nvPr/>
+        </p:nvPicPr>
+        <p:blipFill>
+          <a:blip r:embed="rId6"/>
+          <a:stretch>
+            <a:fillRect/>
+          </a:stretch>
+        </p:blipFill>
+        <p:spPr>
+          <a:xfrm>
+            <a:off x="4821382" y="3214687"/>
+            <a:ext cx="2410691" cy="428625"/>
+          </a:xfrm>
+          <a:prstGeom prst="rect">
+            <a:avLst/>
+          </a:prstGeom>
+        </p:spPr>
+      </p:pic>
     </p:spTree>
     <p:extLst>
       <p:ext uri="{BB962C8B-B14F-4D97-AF65-F5344CB8AC3E}">
-        <p14:creationId xmlns:p14="http://schemas.microsoft.com/office/powerpoint/2010/main" val="3440705767"/>
+        <p14:creationId xmlns:p14="http://schemas.microsoft.com/office/powerpoint/2010/main" val="2745771103"/>
       </p:ext>
     </p:extLst>
   </p:cSld>
@@ -6938,7 +6941,7 @@
             <a:pPr algn="ctr"/>
             <a:r>
               <a:rPr lang="en-US" dirty="0" smtClean="0"/>
-              <a:t>Rules of Overriding</a:t>
+              <a:t>Overriding….</a:t>
             </a:r>
             <a:endParaRPr lang="en-US" dirty="0"/>
           </a:p>
@@ -6968,156 +6971,30 @@
         </p:spPr>
         <p:txBody>
           <a:bodyPr>
-            <a:normAutofit fontScale="55000" lnSpcReduction="20000"/>
+            <a:normAutofit/>
           </a:bodyPr>
           <a:lstStyle/>
           <a:p>
-            <a:r>
-              <a:rPr lang="en-US" sz="2800" dirty="0"/>
-              <a:t>In order to override a method from parent class, the child class must ensure following rules : </a:t>
-            </a:r>
             <a:endParaRPr lang="en-US" sz="2800" dirty="0" smtClean="0"/>
           </a:p>
           <a:p>
+            <a:endParaRPr lang="en-US" sz="2800" dirty="0"/>
+          </a:p>
+          <a:p>
+            <a:r>
+              <a:rPr lang="en-US" sz="2800" dirty="0" smtClean="0"/>
+              <a:t>Overriding only applies to behavioral aspect of the class. This means the subclass can override only the method of the parent class.</a:t>
+            </a:r>
+          </a:p>
+          <a:p>
+            <a:r>
+              <a:rPr lang="en-US" sz="2800" dirty="0" smtClean="0"/>
+              <a:t>In order to transparently override the method from the parent class, it is important to follow certain rules of overriding.</a:t>
+            </a:r>
+          </a:p>
+          <a:p>
             <a:pPr lvl="1"/>
-            <a:r>
-              <a:rPr lang="en-US" sz="2600" dirty="0" smtClean="0"/>
-              <a:t>Name</a:t>
-            </a:r>
-          </a:p>
-          <a:p>
-            <a:pPr lvl="2"/>
-            <a:r>
-              <a:rPr lang="en-US" sz="2400" dirty="0" smtClean="0"/>
-              <a:t>Name of the method must be the same as that of the parent class.</a:t>
-            </a:r>
-          </a:p>
-          <a:p>
-            <a:pPr lvl="1"/>
-            <a:r>
-              <a:rPr lang="en-US" sz="2600" dirty="0" smtClean="0"/>
-              <a:t>Accessibility</a:t>
-            </a:r>
-          </a:p>
-          <a:p>
-            <a:pPr lvl="2"/>
-            <a:r>
-              <a:rPr lang="en-US" sz="2400" dirty="0"/>
-              <a:t>O</a:t>
-            </a:r>
-            <a:r>
-              <a:rPr lang="en-US" sz="2400" dirty="0" smtClean="0"/>
-              <a:t>verriding method can increase the accessibility of the method. This means that if a method is declared as protected in the parent class then the subclass can declare it as public.</a:t>
-            </a:r>
-          </a:p>
-          <a:p>
-            <a:pPr lvl="1"/>
-            <a:r>
-              <a:rPr lang="en-US" sz="2600" dirty="0" smtClean="0"/>
-              <a:t>Return Type</a:t>
-            </a:r>
-          </a:p>
-          <a:p>
-            <a:pPr lvl="2"/>
-            <a:r>
-              <a:rPr lang="en-US" sz="2400" dirty="0" smtClean="0"/>
-              <a:t>Overriding method can declare the same return type as that of the parent or can declare a return type which is a subtype of the return type of parent. </a:t>
-            </a:r>
-          </a:p>
-          <a:p>
-            <a:pPr lvl="2"/>
-            <a:r>
-              <a:rPr lang="en-US" sz="2400" dirty="0" smtClean="0"/>
-              <a:t>For ex. if the parent overridden method declares return type as Object then the overriding method in the subclass can declare return type as Object or a subclass of Object like String, Integer etc. </a:t>
-            </a:r>
-          </a:p>
-          <a:p>
-            <a:pPr lvl="2"/>
-            <a:r>
-              <a:rPr lang="en-US" sz="2400" dirty="0" smtClean="0"/>
-              <a:t>In case of primitive types the return type should match exactly.</a:t>
-            </a:r>
-          </a:p>
-          <a:p>
-            <a:pPr lvl="1"/>
-            <a:r>
-              <a:rPr lang="en-US" sz="2600" dirty="0" smtClean="0"/>
-              <a:t>Parameters</a:t>
-            </a:r>
-          </a:p>
-          <a:p>
-            <a:pPr lvl="2"/>
-            <a:r>
-              <a:rPr lang="en-US" sz="2400" dirty="0" smtClean="0"/>
-              <a:t>The number &amp;  type of parameters should be exactly the same along with its order.</a:t>
-            </a:r>
-          </a:p>
-          <a:p>
-            <a:pPr lvl="1"/>
-            <a:r>
-              <a:rPr lang="en-US" sz="2600" dirty="0" smtClean="0"/>
-              <a:t>Throws Clause</a:t>
-            </a:r>
-          </a:p>
-          <a:p>
-            <a:pPr lvl="2"/>
-            <a:r>
-              <a:rPr lang="en-US" sz="2400" dirty="0" smtClean="0"/>
-              <a:t>Overriding method can declare exception which are same or subtype of the exception declared in the parent class overriding method.</a:t>
-            </a:r>
-          </a:p>
-          <a:p>
-            <a:pPr lvl="2"/>
-            <a:r>
-              <a:rPr lang="en-US" sz="2400" dirty="0" smtClean="0"/>
-              <a:t>Any number </a:t>
-            </a:r>
-            <a:r>
-              <a:rPr lang="en-US" sz="2400" dirty="0"/>
-              <a:t>of exceptions </a:t>
-            </a:r>
-            <a:r>
-              <a:rPr lang="en-US" sz="2400" dirty="0" smtClean="0"/>
-              <a:t>can be declared in </a:t>
-            </a:r>
-            <a:r>
-              <a:rPr lang="en-US" sz="2400" dirty="0"/>
-              <a:t>the overridden method </a:t>
-            </a:r>
-            <a:r>
-              <a:rPr lang="en-US" sz="2400" dirty="0" smtClean="0"/>
-              <a:t>provided they are all subtype of the exception type declared in the parent class overriding method.</a:t>
-            </a:r>
-          </a:p>
-          <a:p>
-            <a:pPr lvl="2"/>
-            <a:r>
-              <a:rPr lang="en-US" sz="2400" dirty="0" smtClean="0"/>
-              <a:t>An overriding class cannot declare exception not listed in the throws clause of parent class overridden method.</a:t>
-            </a:r>
-          </a:p>
-          <a:p>
-            <a:pPr lvl="2"/>
-            <a:r>
-              <a:rPr lang="en-US" sz="2400" dirty="0" smtClean="0"/>
-              <a:t>Overriding method can choose to altogether skip the throws clause.</a:t>
-            </a:r>
-          </a:p>
-          <a:p>
-            <a:pPr lvl="2"/>
-            <a:r>
-              <a:rPr lang="en-US" sz="2400" dirty="0" smtClean="0"/>
-              <a:t>All rules relating to exceptions apply only to checked exceptions. They are no rules for unchecked exceptions.</a:t>
-            </a:r>
-            <a:endParaRPr lang="en-US" sz="2400" dirty="0"/>
-          </a:p>
-          <a:p>
-            <a:pPr lvl="2"/>
-            <a:endParaRPr lang="en-US" sz="2400" dirty="0"/>
-          </a:p>
-          <a:p>
-            <a:pPr lvl="1"/>
-            <a:endParaRPr lang="en-US" sz="2600" dirty="0"/>
+            <a:endParaRPr lang="en-US" sz="2600" dirty="0" smtClean="0"/>
           </a:p>
         </p:txBody>
       </p:sp>
@@ -7168,7 +7045,7 @@
                 <a16:creationId xmlns:a16="http://schemas.microsoft.com/office/drawing/2014/main" id="{5F253864-26FA-4AB1-9F0A-4F57D870EE85}"/>
               </a:ext>
               <a:ext uri="{C183D7F6-B498-43B3-948B-1728B52AA6E4}">
-                <adec:decorative xmlns="" xmlns:adec="http://schemas.microsoft.com/office/drawing/2017/decorative" val="1"/>
+                <adec:decorative xmlns:adec="http://schemas.microsoft.com/office/drawing/2017/decorative" xmlns="" val="1"/>
               </a:ext>
             </a:extLst>
           </p:cNvPr>
@@ -7221,7 +7098,7 @@
     </p:spTree>
     <p:extLst>
       <p:ext uri="{BB962C8B-B14F-4D97-AF65-F5344CB8AC3E}">
-        <p14:creationId xmlns:p14="http://schemas.microsoft.com/office/powerpoint/2010/main" val="2322328032"/>
+        <p14:creationId xmlns:p14="http://schemas.microsoft.com/office/powerpoint/2010/main" val="3440705767"/>
       </p:ext>
     </p:extLst>
   </p:cSld>
@@ -7414,7 +7291,7 @@
                 <a16:creationId xmlns:a16="http://schemas.microsoft.com/office/drawing/2014/main" id="{5F253864-26FA-4AB1-9F0A-4F57D870EE85}"/>
               </a:ext>
               <a:ext uri="{C183D7F6-B498-43B3-948B-1728B52AA6E4}">
-                <adec:decorative xmlns="" xmlns:adec="http://schemas.microsoft.com/office/drawing/2017/decorative" val="1"/>
+                <adec:decorative xmlns:adec="http://schemas.microsoft.com/office/drawing/2017/decorative" xmlns="" val="1"/>
               </a:ext>
             </a:extLst>
           </p:cNvPr>
@@ -7560,7 +7437,7 @@
             <a:pPr algn="ctr"/>
             <a:r>
               <a:rPr lang="en-US" dirty="0" smtClean="0"/>
-              <a:t>The “final” class</a:t>
+              <a:t>Rules of Overriding</a:t>
             </a:r>
             <a:endParaRPr lang="en-US" dirty="0"/>
           </a:p>
@@ -7585,57 +7462,161 @@
         <p:spPr>
           <a:xfrm>
             <a:off x="838199" y="1825625"/>
-            <a:ext cx="5969001" cy="4351338"/>
+            <a:ext cx="10515599" cy="4351338"/>
           </a:xfrm>
         </p:spPr>
         <p:txBody>
           <a:bodyPr>
-            <a:normAutofit fontScale="92500" lnSpcReduction="10000"/>
+            <a:normAutofit fontScale="55000" lnSpcReduction="20000"/>
           </a:bodyPr>
           <a:lstStyle/>
           <a:p>
             <a:r>
-              <a:rPr lang="en-US" dirty="0"/>
-              <a:t>Limited edition cars are a special form of art, </a:t>
-            </a:r>
-            <a:r>
-              <a:rPr lang="en-US" dirty="0" smtClean="0"/>
-              <a:t>style </a:t>
-            </a:r>
-            <a:r>
-              <a:rPr lang="en-US" dirty="0"/>
-              <a:t>and performance of a </a:t>
-            </a:r>
-            <a:r>
-              <a:rPr lang="en-US" dirty="0" smtClean="0"/>
-              <a:t>model. </a:t>
-            </a:r>
-            <a:r>
-              <a:rPr lang="en-US" dirty="0"/>
-              <a:t>Limited production cars are usually reserved for a special occasion, maybe an </a:t>
-            </a:r>
-            <a:r>
-              <a:rPr lang="en-US" dirty="0" smtClean="0"/>
-              <a:t>anniversary. They are a one time make and no new cars extending the features of the limited edition car comes out.</a:t>
-            </a:r>
-          </a:p>
-          <a:p>
-            <a:r>
-              <a:rPr lang="en-US" dirty="0" smtClean="0"/>
-              <a:t>Similarly we can make a class that cannot be inherited further. This can be achieved by declaring a class as final.</a:t>
-            </a:r>
-          </a:p>
-          <a:p>
-            <a:r>
-              <a:rPr lang="en-US" dirty="0" smtClean="0"/>
-              <a:t>Generally special purpose classes which have functionality that can be broken by inheriting them are declared as final.</a:t>
-            </a:r>
-          </a:p>
-          <a:p>
-            <a:r>
-              <a:rPr lang="en-US" dirty="0" smtClean="0"/>
-              <a:t>Good example of this is String class. Strings in java are immutable, and if allowed to be inherited then any class can implement them and change the internal functionality.</a:t>
-            </a:r>
+              <a:rPr lang="en-US" sz="2800" dirty="0"/>
+              <a:t>In order to override a method from parent class, the child class must ensure following rules : </a:t>
+            </a:r>
+            <a:endParaRPr lang="en-US" sz="2800" dirty="0" smtClean="0"/>
+          </a:p>
+          <a:p>
+            <a:pPr lvl="1"/>
+            <a:r>
+              <a:rPr lang="en-US" sz="2600" dirty="0" smtClean="0"/>
+              <a:t>Name</a:t>
+            </a:r>
+          </a:p>
+          <a:p>
+            <a:pPr lvl="2"/>
+            <a:r>
+              <a:rPr lang="en-US" sz="2400" dirty="0" smtClean="0"/>
+              <a:t>Name of the method must be the same as that of the parent class.</a:t>
+            </a:r>
+          </a:p>
+          <a:p>
+            <a:pPr lvl="1"/>
+            <a:r>
+              <a:rPr lang="en-US" sz="2600" dirty="0" smtClean="0"/>
+              <a:t>Accessibility</a:t>
+            </a:r>
+          </a:p>
+          <a:p>
+            <a:pPr lvl="2"/>
+            <a:r>
+              <a:rPr lang="en-US" sz="2400" dirty="0"/>
+              <a:t>O</a:t>
+            </a:r>
+            <a:r>
+              <a:rPr lang="en-US" sz="2400" dirty="0" smtClean="0"/>
+              <a:t>verriding method can increase the accessibility of the method. This means that if a method is declared as protected in the parent class then the subclass can declare it as public.</a:t>
+            </a:r>
+          </a:p>
+          <a:p>
+            <a:pPr lvl="1"/>
+            <a:r>
+              <a:rPr lang="en-US" sz="2600" dirty="0" smtClean="0"/>
+              <a:t>Return Type</a:t>
+            </a:r>
+          </a:p>
+          <a:p>
+            <a:pPr lvl="2"/>
+            <a:r>
+              <a:rPr lang="en-US" sz="2400" dirty="0" smtClean="0"/>
+              <a:t>Overriding method can declare the same return type as that of the parent or can declare a return type which is a subtype of the return type of parent. </a:t>
+            </a:r>
+          </a:p>
+          <a:p>
+            <a:pPr lvl="2"/>
+            <a:r>
+              <a:rPr lang="en-US" sz="2400" dirty="0" smtClean="0"/>
+              <a:t>For ex. if the parent overridden method declares return type as Object then the overriding method in the subclass can declare return type as Object or a subclass of Object like String, Integer etc. </a:t>
+            </a:r>
+          </a:p>
+          <a:p>
+            <a:pPr lvl="2"/>
+            <a:r>
+              <a:rPr lang="en-US" sz="2400" dirty="0" smtClean="0"/>
+              <a:t>In case of primitive types the return type should match exactly.</a:t>
+            </a:r>
+          </a:p>
+          <a:p>
+            <a:pPr lvl="1"/>
+            <a:r>
+              <a:rPr lang="en-US" sz="2600" dirty="0" smtClean="0"/>
+              <a:t>Parameters</a:t>
+            </a:r>
+          </a:p>
+          <a:p>
+            <a:pPr lvl="2"/>
+            <a:r>
+              <a:rPr lang="en-US" sz="2400" dirty="0" smtClean="0"/>
+              <a:t>The number &amp;  type of parameters should be exactly the same along with its order.</a:t>
+            </a:r>
+          </a:p>
+          <a:p>
+            <a:pPr lvl="1"/>
+            <a:r>
+              <a:rPr lang="en-US" sz="2600" dirty="0" smtClean="0"/>
+              <a:t>Throws Clause</a:t>
+            </a:r>
+          </a:p>
+          <a:p>
+            <a:pPr lvl="2"/>
+            <a:r>
+              <a:rPr lang="en-US" sz="2400" dirty="0" smtClean="0"/>
+              <a:t>Overriding method can declare exception which are same or subtype of the exception declared in the parent class overriding method.</a:t>
+            </a:r>
+          </a:p>
+          <a:p>
+            <a:pPr lvl="2"/>
+            <a:r>
+              <a:rPr lang="en-US" sz="2400" dirty="0" smtClean="0"/>
+              <a:t>Any number </a:t>
+            </a:r>
+            <a:r>
+              <a:rPr lang="en-US" sz="2400" dirty="0"/>
+              <a:t>of exceptions </a:t>
+            </a:r>
+            <a:r>
+              <a:rPr lang="en-US" sz="2400" dirty="0" smtClean="0"/>
+              <a:t>can be declared in </a:t>
+            </a:r>
+            <a:r>
+              <a:rPr lang="en-US" sz="2400" dirty="0"/>
+              <a:t>the overridden method </a:t>
+            </a:r>
+            <a:r>
+              <a:rPr lang="en-US" sz="2400" dirty="0" smtClean="0"/>
+              <a:t>provided they are all subtype of the exception type declared in the parent class overriding method.</a:t>
+            </a:r>
+          </a:p>
+          <a:p>
+            <a:pPr lvl="2"/>
+            <a:r>
+              <a:rPr lang="en-US" sz="2400" dirty="0" smtClean="0"/>
+              <a:t>An overriding class cannot declare exception not listed in the throws clause of parent class overridden method.</a:t>
+            </a:r>
+          </a:p>
+          <a:p>
+            <a:pPr lvl="2"/>
+            <a:r>
+              <a:rPr lang="en-US" sz="2400" dirty="0" smtClean="0"/>
+              <a:t>Overriding method can choose to altogether skip the throws clause.</a:t>
+            </a:r>
+          </a:p>
+          <a:p>
+            <a:pPr lvl="2"/>
+            <a:r>
+              <a:rPr lang="en-US" sz="2400" dirty="0" smtClean="0"/>
+              <a:t>All rules relating to exceptions apply only to checked exceptions. They are no rules for unchecked exceptions.</a:t>
+            </a:r>
+            <a:endParaRPr lang="en-US" sz="2400" dirty="0"/>
+          </a:p>
+          <a:p>
+            <a:pPr lvl="2"/>
+            <a:endParaRPr lang="en-US" sz="2400" dirty="0"/>
+          </a:p>
+          <a:p>
+            <a:pPr lvl="1"/>
+            <a:endParaRPr lang="en-US" sz="2600" dirty="0"/>
           </a:p>
         </p:txBody>
       </p:sp>
@@ -7686,7 +7667,7 @@
                 <a16:creationId xmlns:a16="http://schemas.microsoft.com/office/drawing/2014/main" id="{5F253864-26FA-4AB1-9F0A-4F57D870EE85}"/>
               </a:ext>
               <a:ext uri="{C183D7F6-B498-43B3-948B-1728B52AA6E4}">
-                <adec:decorative xmlns="" xmlns:adec="http://schemas.microsoft.com/office/drawing/2017/decorative" val="1"/>
+                <adec:decorative xmlns:adec="http://schemas.microsoft.com/office/drawing/2017/decorative" xmlns="" val="1"/>
               </a:ext>
             </a:extLst>
           </p:cNvPr>
@@ -7736,40 +7717,10 @@
           </a:p>
         </p:txBody>
       </p:sp>
-      <p:pic>
-        <p:nvPicPr>
-          <p:cNvPr id="5" name="Picture 4"/>
-          <p:cNvPicPr>
-            <a:picLocks noChangeAspect="1"/>
-          </p:cNvPicPr>
-          <p:nvPr/>
-        </p:nvPicPr>
-        <p:blipFill>
-          <a:blip r:embed="rId2">
-            <a:extLst>
-              <a:ext uri="{28A0092B-C50C-407E-A947-70E740481C1C}">
-                <a14:useLocalDpi xmlns:a14="http://schemas.microsoft.com/office/drawing/2010/main" val="0"/>
-              </a:ext>
-            </a:extLst>
-          </a:blip>
-          <a:stretch>
-            <a:fillRect/>
-          </a:stretch>
-        </p:blipFill>
-        <p:spPr>
-          <a:xfrm>
-            <a:off x="7204364" y="1754969"/>
-            <a:ext cx="4149435" cy="4421994"/>
-          </a:xfrm>
-          <a:prstGeom prst="rect">
-            <a:avLst/>
-          </a:prstGeom>
-        </p:spPr>
-      </p:pic>
     </p:spTree>
     <p:extLst>
       <p:ext uri="{BB962C8B-B14F-4D97-AF65-F5344CB8AC3E}">
-        <p14:creationId xmlns:p14="http://schemas.microsoft.com/office/powerpoint/2010/main" val="3546705181"/>
+        <p14:creationId xmlns:p14="http://schemas.microsoft.com/office/powerpoint/2010/main" val="2322328032"/>
       </p:ext>
     </p:extLst>
   </p:cSld>
@@ -7832,7 +7783,7 @@
             <a:pPr algn="ctr"/>
             <a:r>
               <a:rPr lang="en-US" dirty="0" smtClean="0"/>
-              <a:t>The “final” method</a:t>
+              <a:t>The “final” class</a:t>
             </a:r>
             <a:endParaRPr lang="en-US" dirty="0"/>
           </a:p>
@@ -7862,65 +7813,51 @@
         </p:spPr>
         <p:txBody>
           <a:bodyPr>
-            <a:normAutofit fontScale="77500" lnSpcReduction="20000"/>
+            <a:normAutofit fontScale="92500" lnSpcReduction="10000"/>
           </a:bodyPr>
           <a:lstStyle/>
           <a:p>
             <a:r>
+              <a:rPr lang="en-US" dirty="0"/>
+              <a:t>Limited edition cars are a special form of art, </a:t>
+            </a:r>
+            <a:r>
               <a:rPr lang="en-US" dirty="0" smtClean="0"/>
-              <a:t>We all have heard about the popularity of open source. One of the main reasons behind its popularity is that anyone can download the code and do changes to it and create something new out of the existing piece of software.</a:t>
-            </a:r>
-          </a:p>
-          <a:p>
+              <a:t>style </a:t>
+            </a:r>
+            <a:r>
+              <a:rPr lang="en-US" dirty="0"/>
+              <a:t>and performance of a </a:t>
+            </a:r>
             <a:r>
               <a:rPr lang="en-US" dirty="0" smtClean="0"/>
-              <a:t>Being freely available and open for modification makes it all the more cool.</a:t>
-            </a:r>
-          </a:p>
-          <a:p>
+              <a:t>model. </a:t>
+            </a:r>
+            <a:r>
+              <a:rPr lang="en-US" dirty="0"/>
+              <a:t>Limited production cars are usually reserved for a special occasion, maybe an </a:t>
+            </a:r>
             <a:r>
               <a:rPr lang="en-US" dirty="0" smtClean="0"/>
-              <a:t>On the other hand we also know about licensed </a:t>
-            </a:r>
-            <a:r>
-              <a:rPr lang="en-US" dirty="0" err="1" smtClean="0"/>
-              <a:t>softwares</a:t>
-            </a:r>
+              <a:t>anniversary. They are a one time make and no new cars extending the features of the limited edition car comes out.</a:t>
+            </a:r>
+          </a:p>
+          <a:p>
             <a:r>
               <a:rPr lang="en-US" dirty="0" smtClean="0"/>
-              <a:t> like MS power point or Adobe photo shop.</a:t>
+              <a:t>Similarly we can make a class that cannot be inherited further. This can be achieved by declaring a class as final.</a:t>
             </a:r>
           </a:p>
           <a:p>
             <a:r>
               <a:rPr lang="en-US" dirty="0" smtClean="0"/>
-              <a:t>These are proprietary software and can only be used and provide no way of extending their functionality.</a:t>
+              <a:t>Generally special purpose classes which have functionality that can be broken by inheriting them are declared as final.</a:t>
             </a:r>
           </a:p>
           <a:p>
             <a:r>
               <a:rPr lang="en-US" dirty="0" smtClean="0"/>
-              <a:t>Similarly we have “final” methods in java. These methods prevent the subclasses from overriding the final method.</a:t>
-            </a:r>
-          </a:p>
-          <a:p>
-            <a:r>
-              <a:rPr lang="en-US" dirty="0" smtClean="0"/>
-              <a:t>Unlike “final” classes, in case of “final” method a parent class can be extended completely except that its final methods cannot be overridden by the child class.</a:t>
-            </a:r>
-          </a:p>
-          <a:p>
-            <a:r>
-              <a:rPr lang="en-US" dirty="0" smtClean="0"/>
-              <a:t>Declaring a static method “final”, prevents it from getting hidden by the subclass method. In case we try to declare a method with same signature as parent then compiler raises an exception. This exception that compiler raises is incorrectly </a:t>
-            </a:r>
-            <a:r>
-              <a:rPr lang="en-US" smtClean="0"/>
-              <a:t>written and </a:t>
-            </a:r>
-            <a:r>
-              <a:rPr lang="en-US" dirty="0" smtClean="0"/>
-              <a:t>should I ideally say hiding instead of overriding.</a:t>
+              <a:t>Good example of this is String class. Strings in java are immutable, and if allowed to be inherited then any class can implement them and change the internal functionality.</a:t>
             </a:r>
           </a:p>
         </p:txBody>
@@ -7972,7 +7909,7 @@
                 <a16:creationId xmlns:a16="http://schemas.microsoft.com/office/drawing/2014/main" id="{5F253864-26FA-4AB1-9F0A-4F57D870EE85}"/>
               </a:ext>
               <a:ext uri="{C183D7F6-B498-43B3-948B-1728B52AA6E4}">
-                <adec:decorative xmlns="" xmlns:adec="http://schemas.microsoft.com/office/drawing/2017/decorative" val="1"/>
+                <adec:decorative xmlns:adec="http://schemas.microsoft.com/office/drawing/2017/decorative" xmlns="" val="1"/>
               </a:ext>
             </a:extLst>
           </p:cNvPr>
@@ -8024,7 +7961,7 @@
       </p:sp>
       <p:pic>
         <p:nvPicPr>
-          <p:cNvPr id="6" name="Picture 5"/>
+          <p:cNvPr id="5" name="Picture 4"/>
           <p:cNvPicPr>
             <a:picLocks noChangeAspect="1"/>
           </p:cNvPicPr>
@@ -8044,8 +7981,8 @@
         </p:blipFill>
         <p:spPr>
           <a:xfrm>
-            <a:off x="6807199" y="1825625"/>
-            <a:ext cx="4546599" cy="4351338"/>
+            <a:off x="7204364" y="1754969"/>
+            <a:ext cx="4149435" cy="4421994"/>
           </a:xfrm>
           <a:prstGeom prst="rect">
             <a:avLst/>
@@ -8055,7 +7992,7 @@
     </p:spTree>
     <p:extLst>
       <p:ext uri="{BB962C8B-B14F-4D97-AF65-F5344CB8AC3E}">
-        <p14:creationId xmlns:p14="http://schemas.microsoft.com/office/powerpoint/2010/main" val="3079201952"/>
+        <p14:creationId xmlns:p14="http://schemas.microsoft.com/office/powerpoint/2010/main" val="3546705181"/>
       </p:ext>
     </p:extLst>
   </p:cSld>
@@ -8118,7 +8055,7 @@
             <a:pPr algn="ctr"/>
             <a:r>
               <a:rPr lang="en-US" dirty="0" smtClean="0"/>
-              <a:t>Compiler: Developers true well wisher</a:t>
+              <a:t>The “final” method</a:t>
             </a:r>
             <a:endParaRPr lang="en-US" dirty="0"/>
           </a:p>
@@ -8142,37 +8079,71 @@
         </p:nvSpPr>
         <p:spPr>
           <a:xfrm>
-            <a:off x="838199" y="1689822"/>
-            <a:ext cx="6310746" cy="4487141"/>
+            <a:off x="838199" y="1825625"/>
+            <a:ext cx="5969001" cy="4351338"/>
           </a:xfrm>
         </p:spPr>
         <p:txBody>
           <a:bodyPr>
-            <a:normAutofit/>
+            <a:normAutofit fontScale="77500" lnSpcReduction="20000"/>
           </a:bodyPr>
           <a:lstStyle/>
           <a:p>
             <a:r>
               <a:rPr lang="en-US" dirty="0" smtClean="0"/>
-              <a:t>Ever saw a soccer coach, prepare his kids for the game. Why does he do that? To ensure that when they go out there in a real game they are able to give their best.</a:t>
+              <a:t>We all have heard about the popularity of open source. One of the main reasons behind its popularity is that anyone can download the code and do changes to it and create something new out of the existing piece of software.</a:t>
             </a:r>
           </a:p>
           <a:p>
             <a:r>
               <a:rPr lang="en-US" dirty="0" smtClean="0"/>
-              <a:t>What does a coach do for this ? He points out each and every mistakes to his kids and ensures that every kid works on them, so that in a real game they come out with flying colors.</a:t>
+              <a:t>Being freely available and open for modification makes it all the more cool.</a:t>
             </a:r>
           </a:p>
           <a:p>
             <a:r>
               <a:rPr lang="en-US" dirty="0" smtClean="0"/>
-              <a:t>In the programmers world, none other than the compiler is our true well wisher.</a:t>
-            </a:r>
-          </a:p>
-          <a:p>
+              <a:t>On the other hand we also know about licensed </a:t>
+            </a:r>
+            <a:r>
+              <a:rPr lang="en-US" dirty="0" err="1" smtClean="0"/>
+              <a:t>softwares</a:t>
+            </a:r>
             <a:r>
               <a:rPr lang="en-US" dirty="0" smtClean="0"/>
-              <a:t>Lets see , How ????</a:t>
+              <a:t> like MS power point or Adobe photo shop.</a:t>
+            </a:r>
+          </a:p>
+          <a:p>
+            <a:r>
+              <a:rPr lang="en-US" dirty="0" smtClean="0"/>
+              <a:t>These are proprietary software and can only be used and provide no way of extending their functionality.</a:t>
+            </a:r>
+          </a:p>
+          <a:p>
+            <a:r>
+              <a:rPr lang="en-US" dirty="0" smtClean="0"/>
+              <a:t>Similarly we have “final” methods in java. These methods prevent the subclasses from overriding the final method.</a:t>
+            </a:r>
+          </a:p>
+          <a:p>
+            <a:r>
+              <a:rPr lang="en-US" dirty="0" smtClean="0"/>
+              <a:t>Unlike “final” classes, in case of “final” method a parent class can be extended completely except that its final methods cannot be overridden by the child class.</a:t>
+            </a:r>
+          </a:p>
+          <a:p>
+            <a:r>
+              <a:rPr lang="en-US" dirty="0" smtClean="0"/>
+              <a:t>Declaring a static method “final”, prevents it from getting hidden by the subclass method. In case we try to declare a method with same signature as parent then compiler raises an exception. This exception that compiler raises is incorrectly </a:t>
+            </a:r>
+            <a:r>
+              <a:rPr lang="en-US" smtClean="0"/>
+              <a:t>written and </a:t>
+            </a:r>
+            <a:r>
+              <a:rPr lang="en-US" dirty="0" smtClean="0"/>
+              <a:t>should I ideally say hiding instead of overriding.</a:t>
             </a:r>
           </a:p>
         </p:txBody>
@@ -8224,7 +8195,7 @@
                 <a16:creationId xmlns:a16="http://schemas.microsoft.com/office/drawing/2014/main" id="{5F253864-26FA-4AB1-9F0A-4F57D870EE85}"/>
               </a:ext>
               <a:ext uri="{C183D7F6-B498-43B3-948B-1728B52AA6E4}">
-                <adec:decorative xmlns="" xmlns:adec="http://schemas.microsoft.com/office/drawing/2017/decorative" val="1"/>
+                <adec:decorative xmlns:adec="http://schemas.microsoft.com/office/drawing/2017/decorative" xmlns="" val="1"/>
               </a:ext>
             </a:extLst>
           </p:cNvPr>
@@ -8276,7 +8247,7 @@
       </p:sp>
       <p:pic>
         <p:nvPicPr>
-          <p:cNvPr id="5" name="Picture 4"/>
+          <p:cNvPr id="6" name="Picture 5"/>
           <p:cNvPicPr>
             <a:picLocks noChangeAspect="1"/>
           </p:cNvPicPr>
@@ -8296,8 +8267,8 @@
         </p:blipFill>
         <p:spPr>
           <a:xfrm>
-            <a:off x="7278255" y="1689822"/>
-            <a:ext cx="4075544" cy="4671653"/>
+            <a:off x="6807199" y="1825625"/>
+            <a:ext cx="4546599" cy="4351338"/>
           </a:xfrm>
           <a:prstGeom prst="rect">
             <a:avLst/>
@@ -8307,7 +8278,7 @@
     </p:spTree>
     <p:extLst>
       <p:ext uri="{BB962C8B-B14F-4D97-AF65-F5344CB8AC3E}">
-        <p14:creationId xmlns:p14="http://schemas.microsoft.com/office/powerpoint/2010/main" val="495533325"/>
+        <p14:creationId xmlns:p14="http://schemas.microsoft.com/office/powerpoint/2010/main" val="3079201952"/>
       </p:ext>
     </p:extLst>
   </p:cSld>
@@ -8359,8 +8330,8 @@
         </p:nvSpPr>
         <p:spPr>
           <a:xfrm>
-            <a:off x="838199" y="641857"/>
-            <a:ext cx="10515600" cy="772107"/>
+            <a:off x="838199" y="611079"/>
+            <a:ext cx="10515600" cy="833663"/>
           </a:xfrm>
         </p:spPr>
         <p:txBody>
@@ -8369,10 +8340,10 @@
           <a:p>
             <a:pPr algn="ctr"/>
             <a:r>
-              <a:rPr lang="en-US" sz="3600" dirty="0" smtClean="0"/>
-              <a:t>Compiler &amp; Polymorphism</a:t>
-            </a:r>
-            <a:endParaRPr lang="en-US" sz="3600" dirty="0"/>
+              <a:rPr lang="en-US" dirty="0" smtClean="0"/>
+              <a:t>Compiler: Developers true well wisher</a:t>
+            </a:r>
+            <a:endParaRPr lang="en-US" dirty="0"/>
           </a:p>
         </p:txBody>
       </p:sp>
@@ -8394,43 +8365,37 @@
         </p:nvSpPr>
         <p:spPr>
           <a:xfrm>
-            <a:off x="838199" y="1625600"/>
-            <a:ext cx="10515599" cy="4735875"/>
+            <a:off x="838199" y="1689822"/>
+            <a:ext cx="6310746" cy="4487141"/>
           </a:xfrm>
         </p:spPr>
         <p:txBody>
           <a:bodyPr>
-            <a:normAutofit fontScale="92500" lnSpcReduction="10000"/>
+            <a:normAutofit/>
           </a:bodyPr>
           <a:lstStyle/>
           <a:p>
             <a:r>
-              <a:rPr lang="en-US" sz="2800" dirty="0" smtClean="0"/>
-              <a:t>Due to polymorphic behavior, a reference and the object it points to can be completely different. This is possible because in the case of inheritance a class higher in the hierarchy can point to an object that is lower in the hierarchy.</a:t>
-            </a:r>
-          </a:p>
-          <a:p>
-            <a:r>
-              <a:rPr lang="en-US" sz="2800" dirty="0" smtClean="0"/>
-              <a:t> Example : A reference of Object class can point to an object of String class.</a:t>
-            </a:r>
-          </a:p>
-          <a:p>
-            <a:r>
-              <a:rPr lang="en-US" sz="2800" dirty="0" smtClean="0"/>
-              <a:t>Due to polymorphic behavior, at compile time only type of the reference is known while no whereabouts of the actual object can be known.</a:t>
-            </a:r>
-          </a:p>
-          <a:p>
-            <a:r>
-              <a:rPr lang="en-US" sz="2800" dirty="0" smtClean="0"/>
-              <a:t>As a result of above fact, during assignment of one reference type to other, the compiler ensures that references on the right hand side of the assignment operator(=) always is a subclass of the reference type on the left hand side. This essentially means right hand side reference has “is a” relationship with the reference type on the left hand side.</a:t>
-            </a:r>
-          </a:p>
-          <a:p>
-            <a:r>
-              <a:rPr lang="en-US" sz="2800" dirty="0" smtClean="0"/>
-              <a:t>For example, Fruit f = m(mango type). Here mango “is a” fruit.</a:t>
+              <a:rPr lang="en-US" dirty="0" smtClean="0"/>
+              <a:t>Ever saw a soccer coach, prepare his kids for the game. Why does he do that? To ensure that when they go out there in a real game they are able to give their best.</a:t>
+            </a:r>
+          </a:p>
+          <a:p>
+            <a:r>
+              <a:rPr lang="en-US" dirty="0" smtClean="0"/>
+              <a:t>What does a coach do for this ? He points out each and every mistakes to his kids and ensures that every kid works on them, so that in a real game they come out with flying colors.</a:t>
+            </a:r>
+          </a:p>
+          <a:p>
+            <a:r>
+              <a:rPr lang="en-US" dirty="0" smtClean="0"/>
+              <a:t>In the programmers world, none other than the compiler is our true well wisher.</a:t>
+            </a:r>
+          </a:p>
+          <a:p>
+            <a:r>
+              <a:rPr lang="en-US" dirty="0" smtClean="0"/>
+              <a:t>Lets see , How ????</a:t>
             </a:r>
           </a:p>
         </p:txBody>
@@ -8482,7 +8447,7 @@
                 <a16:creationId xmlns:a16="http://schemas.microsoft.com/office/drawing/2014/main" id="{5F253864-26FA-4AB1-9F0A-4F57D870EE85}"/>
               </a:ext>
               <a:ext uri="{C183D7F6-B498-43B3-948B-1728B52AA6E4}">
-                <adec:decorative xmlns="" xmlns:adec="http://schemas.microsoft.com/office/drawing/2017/decorative" val="1"/>
+                <adec:decorative xmlns:adec="http://schemas.microsoft.com/office/drawing/2017/decorative" xmlns="" val="1"/>
               </a:ext>
             </a:extLst>
           </p:cNvPr>
@@ -8532,10 +8497,40 @@
           </a:p>
         </p:txBody>
       </p:sp>
+      <p:pic>
+        <p:nvPicPr>
+          <p:cNvPr id="5" name="Picture 4"/>
+          <p:cNvPicPr>
+            <a:picLocks noChangeAspect="1"/>
+          </p:cNvPicPr>
+          <p:nvPr/>
+        </p:nvPicPr>
+        <p:blipFill>
+          <a:blip r:embed="rId2">
+            <a:extLst>
+              <a:ext uri="{28A0092B-C50C-407E-A947-70E740481C1C}">
+                <a14:useLocalDpi xmlns:a14="http://schemas.microsoft.com/office/drawing/2010/main" val="0"/>
+              </a:ext>
+            </a:extLst>
+          </a:blip>
+          <a:stretch>
+            <a:fillRect/>
+          </a:stretch>
+        </p:blipFill>
+        <p:spPr>
+          <a:xfrm>
+            <a:off x="7278255" y="1689822"/>
+            <a:ext cx="4075544" cy="4671653"/>
+          </a:xfrm>
+          <a:prstGeom prst="rect">
+            <a:avLst/>
+          </a:prstGeom>
+        </p:spPr>
+      </p:pic>
     </p:spTree>
     <p:extLst>
       <p:ext uri="{BB962C8B-B14F-4D97-AF65-F5344CB8AC3E}">
-        <p14:creationId xmlns:p14="http://schemas.microsoft.com/office/powerpoint/2010/main" val="2549937363"/>
+        <p14:creationId xmlns:p14="http://schemas.microsoft.com/office/powerpoint/2010/main" val="495533325"/>
       </p:ext>
     </p:extLst>
   </p:cSld>
@@ -8598,7 +8593,7 @@
             <a:pPr algn="ctr"/>
             <a:r>
               <a:rPr lang="en-US" sz="3600" dirty="0" smtClean="0"/>
-              <a:t>Casting</a:t>
+              <a:t>Compiler &amp; Polymorphism</a:t>
             </a:r>
             <a:endParaRPr lang="en-US" sz="3600" dirty="0"/>
           </a:p>
@@ -8622,19 +8617,43 @@
         </p:nvSpPr>
         <p:spPr>
           <a:xfrm>
-            <a:off x="838199" y="1542474"/>
-            <a:ext cx="10515599" cy="5019530"/>
+            <a:off x="838199" y="1625600"/>
+            <a:ext cx="10515599" cy="4735875"/>
           </a:xfrm>
         </p:spPr>
         <p:txBody>
           <a:bodyPr>
-            <a:normAutofit/>
+            <a:normAutofit fontScale="92500" lnSpcReduction="10000"/>
           </a:bodyPr>
           <a:lstStyle/>
           <a:p>
             <a:r>
               <a:rPr lang="en-US" sz="2800" dirty="0" smtClean="0"/>
-              <a:t>Though the compiler ensures that only subclass reference type be assigned to a parent class reference, there are loopholes in this approach.</a:t>
+              <a:t>Due to polymorphic behavior, a reference and the object it points to can be completely different. This is possible because in the case of inheritance a class higher in the hierarchy can point to an object that is lower in the hierarchy.</a:t>
+            </a:r>
+          </a:p>
+          <a:p>
+            <a:r>
+              <a:rPr lang="en-US" sz="2800" dirty="0" smtClean="0"/>
+              <a:t> Example : A reference of Object class can point to an object of String class.</a:t>
+            </a:r>
+          </a:p>
+          <a:p>
+            <a:r>
+              <a:rPr lang="en-US" sz="2800" dirty="0" smtClean="0"/>
+              <a:t>Due to polymorphic behavior, at compile time only type of the reference is known while no whereabouts of the actual object can be known.</a:t>
+            </a:r>
+          </a:p>
+          <a:p>
+            <a:r>
+              <a:rPr lang="en-US" sz="2800" dirty="0" smtClean="0"/>
+              <a:t>As a result of above fact, during assignment of one reference type to other, the compiler ensures that references on the right hand side of the assignment operator(=) always is a subclass of the reference type on the left hand side. This essentially means right hand side reference has “is a” relationship with the reference type on the left hand side.</a:t>
+            </a:r>
+          </a:p>
+          <a:p>
+            <a:r>
+              <a:rPr lang="en-US" sz="2800" dirty="0" smtClean="0"/>
+              <a:t>For example, Fruit f = m(mango type). Here mango “is a” fruit.</a:t>
             </a:r>
           </a:p>
         </p:txBody>
@@ -8686,7 +8705,7 @@
                 <a16:creationId xmlns:a16="http://schemas.microsoft.com/office/drawing/2014/main" id="{5F253864-26FA-4AB1-9F0A-4F57D870EE85}"/>
               </a:ext>
               <a:ext uri="{C183D7F6-B498-43B3-948B-1728B52AA6E4}">
-                <adec:decorative xmlns="" xmlns:adec="http://schemas.microsoft.com/office/drawing/2017/decorative" val="1"/>
+                <adec:decorative xmlns:adec="http://schemas.microsoft.com/office/drawing/2017/decorative" xmlns="" val="1"/>
               </a:ext>
             </a:extLst>
           </p:cNvPr>
@@ -8739,7 +8758,7 @@
     </p:spTree>
     <p:extLst>
       <p:ext uri="{BB962C8B-B14F-4D97-AF65-F5344CB8AC3E}">
-        <p14:creationId xmlns:p14="http://schemas.microsoft.com/office/powerpoint/2010/main" val="2912250523"/>
+        <p14:creationId xmlns:p14="http://schemas.microsoft.com/office/powerpoint/2010/main" val="2549937363"/>
       </p:ext>
     </p:extLst>
   </p:cSld>
@@ -8778,6 +8797,210 @@
           <p:cNvPr id="2" name="Title 1">
             <a:extLst>
               <a:ext uri="{FF2B5EF4-FFF2-40B4-BE49-F238E27FC236}">
+                <a16:creationId xmlns:a16="http://schemas.microsoft.com/office/drawing/2014/main" id="{E199600F-A17E-4354-A7AB-0CC2A43A9354}"/>
+              </a:ext>
+            </a:extLst>
+          </p:cNvPr>
+          <p:cNvSpPr>
+            <a:spLocks noGrp="1"/>
+          </p:cNvSpPr>
+          <p:nvPr>
+            <p:ph type="title"/>
+          </p:nvPr>
+        </p:nvSpPr>
+        <p:spPr>
+          <a:xfrm>
+            <a:off x="838199" y="641857"/>
+            <a:ext cx="10515600" cy="772107"/>
+          </a:xfrm>
+        </p:spPr>
+        <p:txBody>
+          <a:bodyPr/>
+          <a:lstStyle/>
+          <a:p>
+            <a:pPr algn="ctr"/>
+            <a:r>
+              <a:rPr lang="en-US" sz="3600" dirty="0" smtClean="0"/>
+              <a:t>Casting</a:t>
+            </a:r>
+            <a:endParaRPr lang="en-US" sz="3600" dirty="0"/>
+          </a:p>
+        </p:txBody>
+      </p:sp>
+      <p:sp>
+        <p:nvSpPr>
+          <p:cNvPr id="3" name="Content Placeholder 2">
+            <a:extLst>
+              <a:ext uri="{FF2B5EF4-FFF2-40B4-BE49-F238E27FC236}">
+                <a16:creationId xmlns:a16="http://schemas.microsoft.com/office/drawing/2014/main" id="{FA6A4B49-27C8-46B6-8B11-AD7E8F615E2C}"/>
+              </a:ext>
+            </a:extLst>
+          </p:cNvPr>
+          <p:cNvSpPr>
+            <a:spLocks noGrp="1"/>
+          </p:cNvSpPr>
+          <p:nvPr>
+            <p:ph idx="1"/>
+          </p:nvPr>
+        </p:nvSpPr>
+        <p:spPr>
+          <a:xfrm>
+            <a:off x="838199" y="1542474"/>
+            <a:ext cx="10515599" cy="5019530"/>
+          </a:xfrm>
+        </p:spPr>
+        <p:txBody>
+          <a:bodyPr>
+            <a:normAutofit/>
+          </a:bodyPr>
+          <a:lstStyle/>
+          <a:p>
+            <a:r>
+              <a:rPr lang="en-US" sz="2800" dirty="0" smtClean="0"/>
+              <a:t>Though the compiler ensures that only subclass reference type be assigned to a parent class reference, there are loopholes in this approach.</a:t>
+            </a:r>
+          </a:p>
+        </p:txBody>
+      </p:sp>
+      <p:sp>
+        <p:nvSpPr>
+          <p:cNvPr id="4" name="Slide Number Placeholder 3">
+            <a:extLst>
+              <a:ext uri="{FF2B5EF4-FFF2-40B4-BE49-F238E27FC236}">
+                <a16:creationId xmlns:a16="http://schemas.microsoft.com/office/drawing/2014/main" id="{62B4CE3A-8C88-45AA-A849-57E5A7AC22C1}"/>
+              </a:ext>
+            </a:extLst>
+          </p:cNvPr>
+          <p:cNvSpPr>
+            <a:spLocks noGrp="1"/>
+          </p:cNvSpPr>
+          <p:nvPr>
+            <p:ph type="sldNum" sz="quarter" idx="10"/>
+          </p:nvPr>
+        </p:nvSpPr>
+        <p:spPr>
+          <a:xfrm>
+            <a:off x="11353800" y="6361475"/>
+            <a:ext cx="838200" cy="360000"/>
+          </a:xfrm>
+        </p:spPr>
+        <p:txBody>
+          <a:bodyPr/>
+          <a:lstStyle/>
+          <a:p>
+            <a:r>
+              <a:rPr lang="en-US" dirty="0"/>
+              <a:t>PAGE </a:t>
+            </a:r>
+            <a:fld id="{4A9B5881-4007-4345-955A-79C2656F0C49}" type="slidenum">
+              <a:rPr lang="en-US" smtClean="0"/>
+              <a:pPr/>
+              <a:t>25</a:t>
+            </a:fld>
+            <a:endParaRPr lang="en-US" dirty="0"/>
+          </a:p>
+        </p:txBody>
+      </p:sp>
+      <p:sp>
+        <p:nvSpPr>
+          <p:cNvPr id="11" name="Rectangle 10">
+            <a:extLst>
+              <a:ext uri="{FF2B5EF4-FFF2-40B4-BE49-F238E27FC236}">
+                <a16:creationId xmlns:a16="http://schemas.microsoft.com/office/drawing/2014/main" id="{5F253864-26FA-4AB1-9F0A-4F57D870EE85}"/>
+              </a:ext>
+              <a:ext uri="{C183D7F6-B498-43B3-948B-1728B52AA6E4}">
+                <adec:decorative xmlns:adec="http://schemas.microsoft.com/office/drawing/2017/decorative" xmlns="" val="1"/>
+              </a:ext>
+            </a:extLst>
+          </p:cNvPr>
+          <p:cNvSpPr/>
+          <p:nvPr/>
+        </p:nvSpPr>
+        <p:spPr>
+          <a:xfrm>
+            <a:off x="6249555" y="6562004"/>
+            <a:ext cx="2552123" cy="159471"/>
+          </a:xfrm>
+          <a:prstGeom prst="rect">
+            <a:avLst/>
+          </a:prstGeom>
+          <a:solidFill>
+            <a:schemeClr val="tx1">
+              <a:lumMod val="85000"/>
+              <a:lumOff val="15000"/>
+            </a:schemeClr>
+          </a:solidFill>
+          <a:ln>
+            <a:noFill/>
+          </a:ln>
+        </p:spPr>
+        <p:style>
+          <a:lnRef idx="2">
+            <a:schemeClr val="accent1">
+              <a:shade val="50000"/>
+            </a:schemeClr>
+          </a:lnRef>
+          <a:fillRef idx="1">
+            <a:schemeClr val="accent1"/>
+          </a:fillRef>
+          <a:effectRef idx="0">
+            <a:schemeClr val="accent1"/>
+          </a:effectRef>
+          <a:fontRef idx="minor">
+            <a:schemeClr val="lt1"/>
+          </a:fontRef>
+        </p:style>
+        <p:txBody>
+          <a:bodyPr anchor="ctr"/>
+          <a:lstStyle/>
+          <a:p>
+            <a:pPr algn="ctr"/>
+            <a:endParaRPr lang="en-US" sz="1200" dirty="0"/>
+          </a:p>
+        </p:txBody>
+      </p:sp>
+    </p:spTree>
+    <p:extLst>
+      <p:ext uri="{BB962C8B-B14F-4D97-AF65-F5344CB8AC3E}">
+        <p14:creationId xmlns:p14="http://schemas.microsoft.com/office/powerpoint/2010/main" val="2912250523"/>
+      </p:ext>
+    </p:extLst>
+  </p:cSld>
+  <p:clrMapOvr>
+    <a:masterClrMapping/>
+  </p:clrMapOvr>
+  <p:timing>
+    <p:tnLst>
+      <p:par>
+        <p:cTn id="1" dur="indefinite" restart="never" nodeType="tmRoot"/>
+      </p:par>
+    </p:tnLst>
+  </p:timing>
+</p:sld>
+</file>
+
+<file path=ppt/slides/slide26.xml><?xml version="1.0" encoding="utf-8"?>
+<p:sld xmlns:a="http://schemas.openxmlformats.org/drawingml/2006/main" xmlns:r="http://schemas.openxmlformats.org/officeDocument/2006/relationships" xmlns:p="http://schemas.openxmlformats.org/presentationml/2006/main">
+  <p:cSld>
+    <p:spTree>
+      <p:nvGrpSpPr>
+        <p:cNvPr id="1" name=""/>
+        <p:cNvGrpSpPr/>
+        <p:nvPr/>
+      </p:nvGrpSpPr>
+      <p:grpSpPr>
+        <a:xfrm>
+          <a:off x="0" y="0"/>
+          <a:ext cx="0" cy="0"/>
+          <a:chOff x="0" y="0"/>
+          <a:chExt cx="0" cy="0"/>
+        </a:xfrm>
+      </p:grpSpPr>
+      <p:sp>
+        <p:nvSpPr>
+          <p:cNvPr id="2" name="Title 1">
+            <a:extLst>
+              <a:ext uri="{FF2B5EF4-FFF2-40B4-BE49-F238E27FC236}">
                 <a16:creationId xmlns:a16="http://schemas.microsoft.com/office/drawing/2014/main" id="{C8F58AE6-56F6-44E8-8BBF-23277B1773E4}"/>
               </a:ext>
             </a:extLst>
@@ -8864,7 +9087,7 @@
             <a:fld id="{4A9B5881-4007-4345-955A-79C2656F0C49}" type="slidenum">
               <a:rPr lang="en-US" smtClean="0"/>
               <a:pPr/>
-              <a:t>25</a:t>
+              <a:t>26</a:t>
             </a:fld>
             <a:endParaRPr lang="en-US" dirty="0"/>
           </a:p>
@@ -8878,7 +9101,7 @@
                 <a16:creationId xmlns:a16="http://schemas.microsoft.com/office/drawing/2014/main" id="{792980D7-ED01-4955-83DB-59BA18C94FBA}"/>
               </a:ext>
               <a:ext uri="{C183D7F6-B498-43B3-948B-1728B52AA6E4}">
-                <adec:decorative xmlns="" xmlns:adec="http://schemas.microsoft.com/office/drawing/2017/decorative" val="1"/>
+                <adec:decorative xmlns:adec="http://schemas.microsoft.com/office/drawing/2017/decorative" xmlns="" val="1"/>
               </a:ext>
             </a:extLst>
           </p:cNvPr>
@@ -9123,7 +9346,7 @@
                 <a16:creationId xmlns:a16="http://schemas.microsoft.com/office/drawing/2014/main" id="{5F253864-26FA-4AB1-9F0A-4F57D870EE85}"/>
               </a:ext>
               <a:ext uri="{C183D7F6-B498-43B3-948B-1728B52AA6E4}">
-                <adec:decorative xmlns="" xmlns:adec="http://schemas.microsoft.com/office/drawing/2017/decorative" val="1"/>
+                <adec:decorative xmlns:adec="http://schemas.microsoft.com/office/drawing/2017/decorative" xmlns="" val="1"/>
               </a:ext>
             </a:extLst>
           </p:cNvPr>
@@ -9310,104 +9533,104 @@
         </p:spPr>
         <p:txBody>
           <a:bodyPr>
-            <a:normAutofit fontScale="92500" lnSpcReduction="20000"/>
+            <a:noAutofit/>
           </a:bodyPr>
           <a:lstStyle/>
           <a:p>
             <a:r>
+              <a:rPr lang="en-US" sz="1800" dirty="0" smtClean="0"/>
+              <a:t>An interface cannot be instantiated. It only serves to declare the contract and allow subclass to provide a definition.</a:t>
+            </a:r>
+          </a:p>
+          <a:p>
+            <a:r>
+              <a:rPr lang="en-US" sz="1800" dirty="0" smtClean="0"/>
+              <a:t> Prior to java 8, interface members had following restrictions:</a:t>
+            </a:r>
+          </a:p>
+          <a:p>
+            <a:pPr lvl="1"/>
+            <a:r>
               <a:rPr lang="en-US" dirty="0" smtClean="0"/>
-              <a:t>An interface cannot be instantiated. It only serves to declare the contract and allow subclass to provide a definition.</a:t>
-            </a:r>
-          </a:p>
-          <a:p>
+              <a:t>An interface does not provide any implementation and hence cannot be instantiated.</a:t>
+            </a:r>
+          </a:p>
+          <a:p>
+            <a:pPr lvl="1"/>
             <a:r>
               <a:rPr lang="en-US" dirty="0" smtClean="0"/>
-              <a:t> Prior to java 8, interface members had following restrictions:</a:t>
+              <a:t>All methods were required to be abstract and public.</a:t>
             </a:r>
           </a:p>
           <a:p>
             <a:pPr lvl="1"/>
             <a:r>
-              <a:rPr lang="en-US" sz="2000" dirty="0" smtClean="0"/>
-              <a:t>An interface does not provide any implementation and hence cannot be instantiated.</a:t>
+              <a:rPr lang="en-US" dirty="0" smtClean="0"/>
+              <a:t>Static methods are not allowed.</a:t>
             </a:r>
           </a:p>
           <a:p>
             <a:pPr lvl="1"/>
             <a:r>
-              <a:rPr lang="en-US" sz="2000" dirty="0" smtClean="0"/>
-              <a:t>All methods were required to be abstract and public.</a:t>
+              <a:rPr lang="en-US" dirty="0" smtClean="0"/>
+              <a:t>All data members were required to be public, static, final.</a:t>
+            </a:r>
+          </a:p>
+          <a:p>
+            <a:r>
+              <a:rPr lang="en-US" sz="1800" dirty="0" smtClean="0"/>
+              <a:t>After java 9, rules of interface were changed. Following are the new rules :</a:t>
             </a:r>
           </a:p>
           <a:p>
             <a:pPr lvl="1"/>
             <a:r>
-              <a:rPr lang="en-US" sz="2000" dirty="0" smtClean="0"/>
-              <a:t>Static methods are not allowed.</a:t>
+              <a:rPr lang="en-US" dirty="0" smtClean="0"/>
+              <a:t>Methods can have implementation if : </a:t>
+            </a:r>
+          </a:p>
+          <a:p>
+            <a:pPr lvl="2"/>
+            <a:r>
+              <a:rPr lang="en-US" sz="1800" dirty="0"/>
+              <a:t>They are implemented with a keyword default prefixed to their definition.</a:t>
+            </a:r>
+          </a:p>
+          <a:p>
+            <a:pPr lvl="3"/>
+            <a:r>
+              <a:rPr lang="en-US" sz="1800" dirty="0"/>
+              <a:t>This feature was opened up with the launch of Java8.This was implemented so that any new functionality could be provided to all the classes down in the hierarchy rather than implementing it at multiple locations</a:t>
+            </a:r>
+            <a:r>
+              <a:rPr lang="en-US" sz="1800" dirty="0" smtClean="0"/>
+              <a:t>.</a:t>
+            </a:r>
+          </a:p>
+          <a:p>
+            <a:pPr lvl="2"/>
+            <a:r>
+              <a:rPr lang="en-US" sz="1800" dirty="0" smtClean="0"/>
+              <a:t>They </a:t>
+            </a:r>
+            <a:r>
+              <a:rPr lang="en-US" sz="1800" dirty="0"/>
+              <a:t>have private </a:t>
+            </a:r>
+            <a:r>
+              <a:rPr lang="en-US" sz="1800" dirty="0" smtClean="0"/>
+              <a:t>accessibility. This allows for writing all the common functionality at a single place and allowing for a reuse with other methods/default methods.</a:t>
             </a:r>
           </a:p>
           <a:p>
             <a:pPr lvl="1"/>
             <a:r>
-              <a:rPr lang="en-US" sz="2000" dirty="0" smtClean="0"/>
-              <a:t>All data members were required to be public, static, final.</a:t>
-            </a:r>
-          </a:p>
-          <a:p>
-            <a:r>
               <a:rPr lang="en-US" dirty="0" smtClean="0"/>
-              <a:t>After java 9, rules of interface were changed. Following are the new rules :</a:t>
-            </a:r>
-          </a:p>
-          <a:p>
-            <a:pPr lvl="1"/>
-            <a:r>
-              <a:rPr lang="en-US" sz="2000" dirty="0" smtClean="0"/>
-              <a:t>Methods can have implementation if : </a:t>
-            </a:r>
-          </a:p>
-          <a:p>
-            <a:pPr lvl="2"/>
-            <a:r>
-              <a:rPr lang="en-US" sz="2000" dirty="0"/>
-              <a:t>They are implemented with a keyword default prefixed to their definition.</a:t>
-            </a:r>
-          </a:p>
-          <a:p>
-            <a:pPr lvl="3"/>
-            <a:r>
-              <a:rPr lang="en-US" sz="2000" dirty="0"/>
-              <a:t>This feature was opened up with the launch of Java8.This was implemented so that any new functionality could be provided to all the classes down in the hierarchy rather than implementing it at multiple locations</a:t>
-            </a:r>
-            <a:r>
-              <a:rPr lang="en-US" sz="2000" dirty="0" smtClean="0"/>
-              <a:t>.</a:t>
-            </a:r>
-          </a:p>
-          <a:p>
-            <a:pPr lvl="2"/>
-            <a:r>
-              <a:rPr lang="en-US" sz="2000" dirty="0" smtClean="0"/>
-              <a:t>They </a:t>
-            </a:r>
-            <a:r>
-              <a:rPr lang="en-US" sz="2000" dirty="0"/>
-              <a:t>have private </a:t>
-            </a:r>
-            <a:r>
-              <a:rPr lang="en-US" sz="2000" dirty="0" smtClean="0"/>
-              <a:t>accessibility. This allows for writing all the common functionality at a single place and allowing for a reuse with other methods/default methods.</a:t>
-            </a:r>
-          </a:p>
-          <a:p>
-            <a:pPr lvl="1"/>
-            <a:r>
-              <a:rPr lang="en-US" sz="2200" dirty="0" smtClean="0"/>
               <a:t>Static methods can be defined.</a:t>
             </a:r>
           </a:p>
           <a:p>
-            <a:endParaRPr lang="en-US" sz="2400" dirty="0"/>
+            <a:endParaRPr lang="en-US" sz="1800" dirty="0"/>
           </a:p>
         </p:txBody>
       </p:sp>
@@ -9458,7 +9681,7 @@
                 <a16:creationId xmlns:a16="http://schemas.microsoft.com/office/drawing/2014/main" id="{5F253864-26FA-4AB1-9F0A-4F57D870EE85}"/>
               </a:ext>
               <a:ext uri="{C183D7F6-B498-43B3-948B-1728B52AA6E4}">
-                <adec:decorative xmlns="" xmlns:adec="http://schemas.microsoft.com/office/drawing/2017/decorative" val="1"/>
+                <adec:decorative xmlns:adec="http://schemas.microsoft.com/office/drawing/2017/decorative" xmlns="" val="1"/>
               </a:ext>
             </a:extLst>
           </p:cNvPr>
@@ -9693,7 +9916,7 @@
                 <a16:creationId xmlns:a16="http://schemas.microsoft.com/office/drawing/2014/main" id="{5F253864-26FA-4AB1-9F0A-4F57D870EE85}"/>
               </a:ext>
               <a:ext uri="{C183D7F6-B498-43B3-948B-1728B52AA6E4}">
-                <adec:decorative xmlns="" xmlns:adec="http://schemas.microsoft.com/office/drawing/2017/decorative" val="1"/>
+                <adec:decorative xmlns:adec="http://schemas.microsoft.com/office/drawing/2017/decorative" xmlns="" val="1"/>
               </a:ext>
             </a:extLst>
           </p:cNvPr>
@@ -9809,7 +10032,11 @@
             <a:pPr algn="ctr"/>
             <a:r>
               <a:rPr lang="en-US" dirty="0" smtClean="0"/>
-              <a:t>Other Important points</a:t>
+              <a:t>Other </a:t>
+            </a:r>
+            <a:r>
+              <a:rPr lang="en-US" dirty="0" smtClean="0"/>
+              <a:t>points…</a:t>
             </a:r>
             <a:endParaRPr lang="en-US" dirty="0"/>
           </a:p>
@@ -9862,11 +10089,7 @@
             </a:r>
             <a:r>
               <a:rPr lang="en-US" sz="2800" dirty="0" smtClean="0"/>
-              <a:t> : If a class implements multiple interfaces each of which have a default method with the same name then in the implementing class compiler is unable to resolve actually which method to refer to. Prior to jav</a:t>
-            </a:r>
-            <a:r>
-              <a:rPr lang="en-US" sz="2800" dirty="0" smtClean="0"/>
-              <a:t>a 8, since interfaces did not have default methods hence this problem did not occur.</a:t>
+              <a:t> : If a class implements multiple interfaces each of which have a default method with the same name then in the implementing class compiler is unable to resolve actually which method to refer to. Prior to java 8, since interfaces did not have default methods hence this problem did not occur.</a:t>
             </a:r>
           </a:p>
           <a:p>
@@ -9874,7 +10097,6 @@
               <a:rPr lang="en-US" sz="2800" dirty="0" smtClean="0"/>
               <a:t>Resolution : The interface implementing class is required to give an implementation of the same-named-method so as to resolve any ambiguity.</a:t>
             </a:r>
-            <a:endParaRPr lang="en-US" sz="2800" dirty="0" smtClean="0"/>
           </a:p>
         </p:txBody>
       </p:sp>
@@ -9925,7 +10147,7 @@
                 <a16:creationId xmlns:a16="http://schemas.microsoft.com/office/drawing/2014/main" id="{5F253864-26FA-4AB1-9F0A-4F57D870EE85}"/>
               </a:ext>
               <a:ext uri="{C183D7F6-B498-43B3-948B-1728B52AA6E4}">
-                <adec:decorative xmlns="" xmlns:adec="http://schemas.microsoft.com/office/drawing/2017/decorative" val="1"/>
+                <adec:decorative xmlns:adec="http://schemas.microsoft.com/office/drawing/2017/decorative" xmlns="" val="1"/>
               </a:ext>
             </a:extLst>
           </p:cNvPr>
@@ -10041,7 +10263,11 @@
             <a:pPr algn="ctr"/>
             <a:r>
               <a:rPr lang="en-US" dirty="0" smtClean="0"/>
-              <a:t>Marker Interface</a:t>
+              <a:t>Other </a:t>
+            </a:r>
+            <a:r>
+              <a:rPr lang="en-US" dirty="0" smtClean="0"/>
+              <a:t>points…</a:t>
             </a:r>
             <a:endParaRPr lang="en-US" dirty="0"/>
           </a:p>
@@ -10065,29 +10291,145 @@
         </p:nvSpPr>
         <p:spPr>
           <a:xfrm>
-            <a:off x="838199" y="1825625"/>
-            <a:ext cx="10515599" cy="4351338"/>
+            <a:off x="838199" y="1597891"/>
+            <a:ext cx="10515599" cy="4839854"/>
           </a:xfrm>
         </p:spPr>
         <p:txBody>
           <a:bodyPr>
-            <a:normAutofit/>
+            <a:normAutofit fontScale="85000" lnSpcReduction="20000"/>
           </a:bodyPr>
           <a:lstStyle/>
           <a:p>
             <a:r>
               <a:rPr lang="en-US" sz="2800" dirty="0" smtClean="0"/>
-              <a:t>Marker interfaces are special interfaces that are provided with the JDK </a:t>
-            </a:r>
-            <a:r>
-              <a:rPr lang="en-US" sz="2800" dirty="0" err="1" smtClean="0"/>
-              <a:t>api</a:t>
+              <a:t>Show accessibility of fields in the child </a:t>
+            </a:r>
+            <a:r>
+              <a:rPr lang="en-US" sz="2800" dirty="0" smtClean="0"/>
+              <a:t>c</a:t>
+            </a:r>
+            <a:r>
+              <a:rPr lang="en-US" sz="2800" dirty="0" smtClean="0"/>
+              <a:t>lass implementing two </a:t>
+            </a:r>
+            <a:r>
+              <a:rPr lang="en-US" sz="2800" dirty="0"/>
+              <a:t>interfaces having  same-named </a:t>
+            </a:r>
+            <a:r>
+              <a:rPr lang="en-US" sz="2800" dirty="0" smtClean="0"/>
+              <a:t>fields.</a:t>
+            </a:r>
+          </a:p>
+          <a:p>
+            <a:r>
+              <a:rPr lang="en-US" sz="2800" dirty="0" smtClean="0"/>
+              <a:t>In interface can also inherit from other interface by using the ‘extends’ keyword.</a:t>
+            </a:r>
+          </a:p>
+          <a:p>
+            <a:r>
+              <a:rPr lang="en-US" sz="2800" dirty="0" smtClean="0"/>
+              <a:t>A class </a:t>
+            </a:r>
+            <a:r>
+              <a:rPr lang="en-US" sz="2800" dirty="0"/>
+              <a:t>cannot extend an interface, it can only implement </a:t>
+            </a:r>
+            <a:r>
+              <a:rPr lang="en-US" sz="2800" dirty="0"/>
+              <a:t>an interface</a:t>
+            </a:r>
+            <a:r>
+              <a:rPr lang="en-US" sz="2800" dirty="0"/>
+              <a:t>. </a:t>
+            </a:r>
+            <a:r>
+              <a:rPr lang="en-US" sz="2800" dirty="0" smtClean="0"/>
+              <a:t>On the other hand, </a:t>
+            </a:r>
+            <a:r>
+              <a:rPr lang="en-US" sz="2800" dirty="0"/>
+              <a:t>an interface cannot implement any interface it can </a:t>
+            </a:r>
+            <a:r>
+              <a:rPr lang="en-US" sz="2800" dirty="0"/>
+              <a:t>only extend </a:t>
+            </a:r>
+            <a:r>
+              <a:rPr lang="en-US" sz="2800" dirty="0"/>
+              <a:t>an interface</a:t>
             </a:r>
             <a:r>
               <a:rPr lang="en-US" sz="2800" dirty="0" smtClean="0"/>
               <a:t>.</a:t>
             </a:r>
-            <a:endParaRPr lang="en-US" sz="2800" dirty="0" smtClean="0"/>
+          </a:p>
+          <a:p>
+            <a:r>
+              <a:rPr lang="en-US" sz="2800" dirty="0" smtClean="0"/>
+              <a:t>Interface to interface inheritance :</a:t>
+            </a:r>
+          </a:p>
+          <a:p>
+            <a:pPr lvl="1"/>
+            <a:r>
+              <a:rPr lang="en-US" sz="2600" dirty="0" smtClean="0"/>
+              <a:t>Same-named fields</a:t>
+            </a:r>
+          </a:p>
+          <a:p>
+            <a:pPr lvl="1"/>
+            <a:r>
+              <a:rPr lang="en-US" sz="2600" dirty="0" smtClean="0"/>
+              <a:t>Same-named default methods</a:t>
+            </a:r>
+          </a:p>
+          <a:p>
+            <a:r>
+              <a:rPr lang="en-US" sz="2800" dirty="0" smtClean="0"/>
+              <a:t>Interface to class inheritance</a:t>
+            </a:r>
+          </a:p>
+          <a:p>
+            <a:pPr lvl="1"/>
+            <a:r>
+              <a:rPr lang="en-US" sz="2600" dirty="0"/>
+              <a:t>Same-named fields</a:t>
+            </a:r>
+          </a:p>
+          <a:p>
+            <a:pPr lvl="1"/>
+            <a:r>
+              <a:rPr lang="en-US" sz="2600" dirty="0"/>
+              <a:t>Same-named default </a:t>
+            </a:r>
+            <a:r>
+              <a:rPr lang="en-US" sz="2600" dirty="0" smtClean="0"/>
+              <a:t>methods</a:t>
+            </a:r>
+          </a:p>
+          <a:p>
+            <a:r>
+              <a:rPr lang="en-US" sz="2800" dirty="0" smtClean="0"/>
+              <a:t>Anonymous classes.</a:t>
+            </a:r>
+          </a:p>
+          <a:p>
+            <a:r>
+              <a:rPr lang="en-US" sz="2800" dirty="0" smtClean="0"/>
+              <a:t>Difference between an interface and an abstract class.</a:t>
+            </a:r>
+            <a:endParaRPr lang="en-US" sz="2800" dirty="0"/>
+          </a:p>
+          <a:p>
+            <a:pPr lvl="1"/>
+            <a:endParaRPr lang="en-US" sz="2600" dirty="0" smtClean="0"/>
+          </a:p>
+          <a:p>
+            <a:pPr lvl="1"/>
+            <a:endParaRPr lang="en-US" sz="2600" dirty="0"/>
           </a:p>
         </p:txBody>
       </p:sp>
@@ -10138,7 +10480,7 @@
                 <a16:creationId xmlns:a16="http://schemas.microsoft.com/office/drawing/2014/main" id="{5F253864-26FA-4AB1-9F0A-4F57D870EE85}"/>
               </a:ext>
               <a:ext uri="{C183D7F6-B498-43B3-948B-1728B52AA6E4}">
-                <adec:decorative xmlns="" xmlns:adec="http://schemas.microsoft.com/office/drawing/2017/decorative" val="1"/>
+                <adec:decorative xmlns:adec="http://schemas.microsoft.com/office/drawing/2017/decorative" xmlns="" val="1"/>
               </a:ext>
             </a:extLst>
           </p:cNvPr>
@@ -10191,7 +10533,7 @@
     </p:spTree>
     <p:extLst>
       <p:ext uri="{BB962C8B-B14F-4D97-AF65-F5344CB8AC3E}">
-        <p14:creationId xmlns:p14="http://schemas.microsoft.com/office/powerpoint/2010/main" val="3666108874"/>
+        <p14:creationId xmlns:p14="http://schemas.microsoft.com/office/powerpoint/2010/main" val="1581878262"/>
       </p:ext>
     </p:extLst>
   </p:cSld>
@@ -10254,7 +10596,7 @@
             <a:pPr algn="ctr"/>
             <a:r>
               <a:rPr lang="en-US" dirty="0" smtClean="0"/>
-              <a:t>Access Modifiers</a:t>
+              <a:t>Marker Interface</a:t>
             </a:r>
             <a:endParaRPr lang="en-US" dirty="0"/>
           </a:p>
@@ -10284,75 +10626,22 @@
         </p:spPr>
         <p:txBody>
           <a:bodyPr>
-            <a:normAutofit fontScale="92500"/>
+            <a:normAutofit/>
           </a:bodyPr>
           <a:lstStyle/>
           <a:p>
             <a:r>
               <a:rPr lang="en-US" sz="2800" dirty="0" smtClean="0"/>
-              <a:t>Private</a:t>
-            </a:r>
-          </a:p>
-          <a:p>
-            <a:pPr lvl="1"/>
-            <a:r>
-              <a:rPr lang="en-US" sz="2600" dirty="0" smtClean="0"/>
-              <a:t>Members are visible only within the declaring class.</a:t>
-            </a:r>
-          </a:p>
-          <a:p>
+              <a:t>Marker interfaces are special interfaces that are provided with the JDK </a:t>
+            </a:r>
+            <a:r>
+              <a:rPr lang="en-US" sz="2800" dirty="0" err="1" smtClean="0"/>
+              <a:t>api</a:t>
+            </a:r>
             <a:r>
               <a:rPr lang="en-US" sz="2800" dirty="0" smtClean="0"/>
-              <a:t>Default</a:t>
-            </a:r>
-          </a:p>
-          <a:p>
-            <a:pPr lvl="1"/>
-            <a:r>
-              <a:rPr lang="en-US" sz="2600" dirty="0" smtClean="0"/>
-              <a:t>Members are visible within the same package as that of the declaring class.</a:t>
-            </a:r>
-          </a:p>
-          <a:p>
-            <a:pPr lvl="1"/>
-            <a:r>
-              <a:rPr lang="en-US" sz="2600" dirty="0" smtClean="0"/>
-              <a:t>Default members are like public members within the package.</a:t>
-            </a:r>
-          </a:p>
-          <a:p>
-            <a:r>
-              <a:rPr lang="en-US" sz="2800" dirty="0" smtClean="0"/>
-              <a:t>Protected</a:t>
-            </a:r>
-          </a:p>
-          <a:p>
-            <a:pPr lvl="1"/>
-            <a:r>
-              <a:rPr lang="en-US" sz="2600" dirty="0" smtClean="0"/>
-              <a:t>Extend the visibility of default package and are also visible in the inheriting class.</a:t>
-            </a:r>
-          </a:p>
-          <a:p>
-            <a:r>
-              <a:rPr lang="en-US" sz="2800" dirty="0" smtClean="0"/>
-              <a:t>Public</a:t>
-            </a:r>
-          </a:p>
-          <a:p>
-            <a:pPr lvl="1"/>
-            <a:r>
-              <a:rPr lang="en-US" sz="2600" dirty="0" smtClean="0"/>
-              <a:t>Members are directly visible </a:t>
-            </a:r>
-            <a:r>
-              <a:rPr lang="en-US" sz="2600" smtClean="0"/>
-              <a:t>from everywhere.</a:t>
-            </a:r>
-            <a:endParaRPr lang="en-US" sz="2600" dirty="0" smtClean="0"/>
-          </a:p>
-          <a:p>
-            <a:endParaRPr lang="en-US" sz="2800" dirty="0" smtClean="0"/>
+              <a:t>.</a:t>
+            </a:r>
           </a:p>
         </p:txBody>
       </p:sp>
@@ -10403,7 +10692,7 @@
                 <a16:creationId xmlns:a16="http://schemas.microsoft.com/office/drawing/2014/main" id="{5F253864-26FA-4AB1-9F0A-4F57D870EE85}"/>
               </a:ext>
               <a:ext uri="{C183D7F6-B498-43B3-948B-1728B52AA6E4}">
-                <adec:decorative xmlns="" xmlns:adec="http://schemas.microsoft.com/office/drawing/2017/decorative" val="1"/>
+                <adec:decorative xmlns:adec="http://schemas.microsoft.com/office/drawing/2017/decorative" xmlns="" val="1"/>
               </a:ext>
             </a:extLst>
           </p:cNvPr>
@@ -10456,7 +10745,7 @@
     </p:spTree>
     <p:extLst>
       <p:ext uri="{BB962C8B-B14F-4D97-AF65-F5344CB8AC3E}">
-        <p14:creationId xmlns:p14="http://schemas.microsoft.com/office/powerpoint/2010/main" val="4186711489"/>
+        <p14:creationId xmlns:p14="http://schemas.microsoft.com/office/powerpoint/2010/main" val="3666108874"/>
       </p:ext>
     </p:extLst>
   </p:cSld>
@@ -10519,7 +10808,7 @@
             <a:pPr algn="ctr"/>
             <a:r>
               <a:rPr lang="en-US" dirty="0" smtClean="0"/>
-              <a:t>Object Initialization : this &amp; super</a:t>
+              <a:t>Access Modifiers</a:t>
             </a:r>
             <a:endParaRPr lang="en-US" dirty="0"/>
           </a:p>
@@ -10549,32 +10838,75 @@
         </p:spPr>
         <p:txBody>
           <a:bodyPr>
-            <a:normAutofit/>
+            <a:normAutofit fontScale="92500"/>
           </a:bodyPr>
           <a:lstStyle/>
           <a:p>
             <a:r>
               <a:rPr lang="en-US" sz="2800" dirty="0" smtClean="0"/>
-              <a:t>For an object of inheriting class, state consist if its data members along with the members of the parent class. Hence the object initialization process consists of initializing the state of the members from the current class as well as the parent.</a:t>
+              <a:t>Private</a:t>
+            </a:r>
+          </a:p>
+          <a:p>
+            <a:pPr lvl="1"/>
+            <a:r>
+              <a:rPr lang="en-US" sz="2600" dirty="0" smtClean="0"/>
+              <a:t>Members are visible only within the declaring class.</a:t>
             </a:r>
           </a:p>
           <a:p>
             <a:r>
               <a:rPr lang="en-US" sz="2800" dirty="0" smtClean="0"/>
-              <a:t>For this purpose, JVM provides a super() constructor call for calling the parent class constructor which would initialize the parent class members.</a:t>
+              <a:t>Default</a:t>
+            </a:r>
+          </a:p>
+          <a:p>
+            <a:pPr lvl="1"/>
+            <a:r>
+              <a:rPr lang="en-US" sz="2600" dirty="0" smtClean="0"/>
+              <a:t>Members are visible within the same package as that of the declaring class.</a:t>
+            </a:r>
+          </a:p>
+          <a:p>
+            <a:pPr lvl="1"/>
+            <a:r>
+              <a:rPr lang="en-US" sz="2600" dirty="0" smtClean="0"/>
+              <a:t>Default members are like public members within the package.</a:t>
             </a:r>
           </a:p>
           <a:p>
             <a:r>
               <a:rPr lang="en-US" sz="2800" dirty="0" smtClean="0"/>
-              <a:t>We already have know about this() constructor chaining, which can be used to call different constructors within the same class.</a:t>
+              <a:t>Protected</a:t>
+            </a:r>
+          </a:p>
+          <a:p>
+            <a:pPr lvl="1"/>
+            <a:r>
+              <a:rPr lang="en-US" sz="2600" dirty="0" smtClean="0"/>
+              <a:t>Extend the visibility of default package and are also visible in the inheriting class.</a:t>
             </a:r>
           </a:p>
           <a:p>
             <a:r>
               <a:rPr lang="en-US" sz="2800" dirty="0" smtClean="0"/>
-              <a:t>Either of super() or this() calls can be the first call in any constructor.</a:t>
-            </a:r>
+              <a:t>Public</a:t>
+            </a:r>
+          </a:p>
+          <a:p>
+            <a:pPr lvl="1"/>
+            <a:r>
+              <a:rPr lang="en-US" sz="2600" dirty="0" smtClean="0"/>
+              <a:t>Members are directly visible </a:t>
+            </a:r>
+            <a:r>
+              <a:rPr lang="en-US" sz="2600" smtClean="0"/>
+              <a:t>from everywhere.</a:t>
+            </a:r>
+            <a:endParaRPr lang="en-US" sz="2600" dirty="0" smtClean="0"/>
+          </a:p>
+          <a:p>
+            <a:endParaRPr lang="en-US" sz="2800" dirty="0" smtClean="0"/>
           </a:p>
         </p:txBody>
       </p:sp>
@@ -10625,7 +10957,7 @@
                 <a16:creationId xmlns:a16="http://schemas.microsoft.com/office/drawing/2014/main" id="{5F253864-26FA-4AB1-9F0A-4F57D870EE85}"/>
               </a:ext>
               <a:ext uri="{C183D7F6-B498-43B3-948B-1728B52AA6E4}">
-                <adec:decorative xmlns="" xmlns:adec="http://schemas.microsoft.com/office/drawing/2017/decorative" val="1"/>
+                <adec:decorative xmlns:adec="http://schemas.microsoft.com/office/drawing/2017/decorative" xmlns="" val="1"/>
               </a:ext>
             </a:extLst>
           </p:cNvPr>
@@ -10678,7 +11010,7 @@
     </p:spTree>
     <p:extLst>
       <p:ext uri="{BB962C8B-B14F-4D97-AF65-F5344CB8AC3E}">
-        <p14:creationId xmlns:p14="http://schemas.microsoft.com/office/powerpoint/2010/main" val="334955774"/>
+        <p14:creationId xmlns:p14="http://schemas.microsoft.com/office/powerpoint/2010/main" val="4186711489"/>
       </p:ext>
     </p:extLst>
   </p:cSld>
@@ -11573,15 +11905,6 @@
 </file>
 
 <file path=customXml/item1.xml><?xml version="1.0" encoding="utf-8"?>
-<?mso-contentType ?>
-<FormTemplates xmlns="http://schemas.microsoft.com/sharepoint/v3/contenttype/forms">
-  <Display>DocumentLibraryForm</Display>
-  <Edit>DocumentLibraryForm</Edit>
-  <New>DocumentLibraryForm</New>
-</FormTemplates>
-</file>
-
-<file path=customXml/item2.xml><?xml version="1.0" encoding="utf-8"?>
 <ct:contentTypeSchema xmlns:ct="http://schemas.microsoft.com/office/2006/metadata/contentType" xmlns:ma="http://schemas.microsoft.com/office/2006/metadata/properties/metaAttributes" ct:_="" ma:_="" ma:contentTypeName="Document" ma:contentTypeID="0x01010079F111ED35F8CC479449609E8A0923A6" ma:contentTypeVersion="12" ma:contentTypeDescription="Create a new document." ma:contentTypeScope="" ma:versionID="fa6e671f1cd7e4d96ff9652be322dd5e">
   <xsd:schema xmlns:xsd="http://www.w3.org/2001/XMLSchema" xmlns:xs="http://www.w3.org/2001/XMLSchema" xmlns:p="http://schemas.microsoft.com/office/2006/metadata/properties" xmlns:ns2="71af3243-3dd4-4a8d-8c0d-dd76da1f02a5" xmlns:ns3="16c05727-aa75-4e4a-9b5f-8a80a1165891" targetNamespace="http://schemas.microsoft.com/office/2006/metadata/properties" ma:root="true" ma:fieldsID="4e2496f70b101db0b8013f30a071bbf7" ns2:_="" ns3:_="">
     <xsd:import namespace="71af3243-3dd4-4a8d-8c0d-dd76da1f02a5"/>
@@ -11802,6 +12125,15 @@
 </ct:contentTypeSchema>
 </file>
 
+<file path=customXml/item2.xml><?xml version="1.0" encoding="utf-8"?>
+<?mso-contentType ?>
+<FormTemplates xmlns="http://schemas.microsoft.com/sharepoint/v3/contenttype/forms">
+  <Display>DocumentLibraryForm</Display>
+  <Edit>DocumentLibraryForm</Edit>
+  <New>DocumentLibraryForm</New>
+</FormTemplates>
+</file>
+
 <file path=customXml/item3.xml><?xml version="1.0" encoding="utf-8"?>
 <p:properties xmlns:p="http://schemas.microsoft.com/office/2006/metadata/properties" xmlns:xsi="http://www.w3.org/2001/XMLSchema-instance" xmlns:pc="http://schemas.microsoft.com/office/infopath/2007/PartnerControls">
   <documentManagement>
@@ -11812,14 +12144,6 @@
 </file>
 
 <file path=customXml/itemProps1.xml><?xml version="1.0" encoding="utf-8"?>
-<ds:datastoreItem xmlns:ds="http://schemas.openxmlformats.org/officeDocument/2006/customXml" ds:itemID="{EBB7C387-AFDC-4FE3-A658-984B7F35F155}">
-  <ds:schemaRefs>
-    <ds:schemaRef ds:uri="http://schemas.microsoft.com/sharepoint/v3/contenttype/forms"/>
-  </ds:schemaRefs>
-</ds:datastoreItem>
-</file>
-
-<file path=customXml/itemProps2.xml><?xml version="1.0" encoding="utf-8"?>
 <ds:datastoreItem xmlns:ds="http://schemas.openxmlformats.org/officeDocument/2006/customXml" ds:itemID="{D6766BD6-F648-49AA-B7EC-13E75CECB99A}">
   <ds:schemaRefs>
     <ds:schemaRef ds:uri="http://schemas.microsoft.com/office/2006/metadata/contentType"/>
@@ -11838,6 +12162,14 @@
 </ds:datastoreItem>
 </file>
 
+<file path=customXml/itemProps2.xml><?xml version="1.0" encoding="utf-8"?>
+<ds:datastoreItem xmlns:ds="http://schemas.openxmlformats.org/officeDocument/2006/customXml" ds:itemID="{EBB7C387-AFDC-4FE3-A658-984B7F35F155}">
+  <ds:schemaRefs>
+    <ds:schemaRef ds:uri="http://schemas.microsoft.com/sharepoint/v3/contenttype/forms"/>
+  </ds:schemaRefs>
+</ds:datastoreItem>
+</file>
+
 <file path=customXml/itemProps3.xml><?xml version="1.0" encoding="utf-8"?>
 <ds:datastoreItem xmlns:ds="http://schemas.openxmlformats.org/officeDocument/2006/customXml" ds:itemID="{F4E32C0B-4052-44CB-9341-8AD8B2CC4712}">
   <ds:schemaRefs>

--- a/courseMaterial/Interfaces/Interfaces.pptx
+++ b/courseMaterial/Interfaces/Interfaces.pptx
@@ -5,10 +5,10 @@
     <p:sldMasterId id="2147483648" r:id="rId4"/>
   </p:sldMasterIdLst>
   <p:notesMasterIdLst>
-    <p:notesMasterId r:id="rId31"/>
+    <p:notesMasterId r:id="rId13"/>
   </p:notesMasterIdLst>
   <p:handoutMasterIdLst>
-    <p:handoutMasterId r:id="rId32"/>
+    <p:handoutMasterId r:id="rId14"/>
   </p:handoutMasterIdLst>
   <p:sldIdLst>
     <p:sldId id="256" r:id="rId5"/>
@@ -17,26 +17,8 @@
     <p:sldId id="310" r:id="rId8"/>
     <p:sldId id="309" r:id="rId9"/>
     <p:sldId id="294" r:id="rId10"/>
-    <p:sldId id="319" r:id="rId11"/>
-    <p:sldId id="282" r:id="rId12"/>
-    <p:sldId id="311" r:id="rId13"/>
-    <p:sldId id="312" r:id="rId14"/>
-    <p:sldId id="313" r:id="rId15"/>
-    <p:sldId id="299" r:id="rId16"/>
-    <p:sldId id="300" r:id="rId17"/>
-    <p:sldId id="304" r:id="rId18"/>
-    <p:sldId id="314" r:id="rId19"/>
-    <p:sldId id="301" r:id="rId20"/>
-    <p:sldId id="297" r:id="rId21"/>
-    <p:sldId id="283" r:id="rId22"/>
-    <p:sldId id="315" r:id="rId23"/>
-    <p:sldId id="302" r:id="rId24"/>
-    <p:sldId id="298" r:id="rId25"/>
-    <p:sldId id="316" r:id="rId26"/>
-    <p:sldId id="317" r:id="rId27"/>
-    <p:sldId id="307" r:id="rId28"/>
-    <p:sldId id="318" r:id="rId29"/>
-    <p:sldId id="268" r:id="rId30"/>
+    <p:sldId id="282" r:id="rId11"/>
+    <p:sldId id="268" r:id="rId12"/>
   </p:sldIdLst>
   <p:sldSz cx="12192000" cy="6858000"/>
   <p:notesSz cx="6858000" cy="9144000"/>
@@ -137,10 +119,10 @@
   </p:defaultTextStyle>
   <p:extLst>
     <p:ext uri="{EFAFB233-063F-42B5-8137-9DF3F51BA10A}">
-      <p15:sldGuideLst xmlns:p15="http://schemas.microsoft.com/office/powerpoint/2012/main"/>
+      <p15:sldGuideLst xmlns:p15="http://schemas.microsoft.com/office/powerpoint/2012/main" xmlns=""/>
     </p:ext>
     <p:ext uri="{2D200454-40CA-4A62-9FC3-DE9A4176ACB9}">
-      <p15:notesGuideLst xmlns:p15="http://schemas.microsoft.com/office/powerpoint/2012/main"/>
+      <p15:notesGuideLst xmlns:p15="http://schemas.microsoft.com/office/powerpoint/2012/main" xmlns=""/>
     </p:ext>
   </p:extLst>
 </p:presentation>
@@ -173,7 +155,7 @@
           <p:cNvPr id="2" name="Header Placeholder 1">
             <a:extLst>
               <a:ext uri="{FF2B5EF4-FFF2-40B4-BE49-F238E27FC236}">
-                <a16:creationId xmlns:a16="http://schemas.microsoft.com/office/drawing/2014/main" id="{2BC10188-DC2C-458D-AB41-143A0BE9A310}"/>
+                <a16:creationId xmlns:a16="http://schemas.microsoft.com/office/drawing/2014/main" xmlns="" id="{2BC10188-DC2C-458D-AB41-143A0BE9A310}"/>
               </a:ext>
             </a:extLst>
           </p:cNvPr>
@@ -210,7 +192,7 @@
           <p:cNvPr id="3" name="Date Placeholder 2">
             <a:extLst>
               <a:ext uri="{FF2B5EF4-FFF2-40B4-BE49-F238E27FC236}">
-                <a16:creationId xmlns:a16="http://schemas.microsoft.com/office/drawing/2014/main" id="{C9634E15-7196-43FC-B912-C4D8B4A2CE79}"/>
+                <a16:creationId xmlns:a16="http://schemas.microsoft.com/office/drawing/2014/main" xmlns="" id="{C9634E15-7196-43FC-B912-C4D8B4A2CE79}"/>
               </a:ext>
             </a:extLst>
           </p:cNvPr>
@@ -240,6 +222,7 @@
           <a:p>
             <a:fld id="{68416927-5E9C-4E77-85FE-EE4C81C1DE39}" type="datetimeFigureOut">
               <a:rPr lang="en-US" smtClean="0"/>
+              <a:pPr/>
               <a:t>5/3/2020</a:t>
             </a:fld>
             <a:endParaRPr lang="en-US" dirty="0"/>
@@ -251,7 +234,7 @@
           <p:cNvPr id="4" name="Footer Placeholder 3">
             <a:extLst>
               <a:ext uri="{FF2B5EF4-FFF2-40B4-BE49-F238E27FC236}">
-                <a16:creationId xmlns:a16="http://schemas.microsoft.com/office/drawing/2014/main" id="{89EA2570-D5B6-41CB-96C2-FFC9944668E5}"/>
+                <a16:creationId xmlns:a16="http://schemas.microsoft.com/office/drawing/2014/main" xmlns="" id="{89EA2570-D5B6-41CB-96C2-FFC9944668E5}"/>
               </a:ext>
             </a:extLst>
           </p:cNvPr>
@@ -288,7 +271,7 @@
           <p:cNvPr id="5" name="Slide Number Placeholder 4">
             <a:extLst>
               <a:ext uri="{FF2B5EF4-FFF2-40B4-BE49-F238E27FC236}">
-                <a16:creationId xmlns:a16="http://schemas.microsoft.com/office/drawing/2014/main" id="{15C31B37-7A69-4C30-9B63-29F8242FC246}"/>
+                <a16:creationId xmlns:a16="http://schemas.microsoft.com/office/drawing/2014/main" xmlns="" id="{15C31B37-7A69-4C30-9B63-29F8242FC246}"/>
               </a:ext>
             </a:extLst>
           </p:cNvPr>
@@ -318,6 +301,7 @@
           <a:p>
             <a:fld id="{D389B6C8-888A-401B-9F9B-D41D36B6C3E9}" type="slidenum">
               <a:rPr lang="en-US" smtClean="0"/>
+              <a:pPr/>
               <a:t>‹#›</a:t>
             </a:fld>
             <a:endParaRPr lang="en-US" dirty="0"/>
@@ -327,7 +311,7 @@
     </p:spTree>
     <p:extLst>
       <p:ext uri="{BB962C8B-B14F-4D97-AF65-F5344CB8AC3E}">
-        <p14:creationId xmlns:p14="http://schemas.microsoft.com/office/powerpoint/2010/main" val="2413100067"/>
+        <p14:creationId xmlns:p14="http://schemas.microsoft.com/office/powerpoint/2010/main" xmlns="" val="2413100067"/>
       </p:ext>
     </p:extLst>
   </p:cSld>
@@ -417,6 +401,7 @@
           <a:p>
             <a:fld id="{FA798B7E-6604-4F74-86DB-B30627D56244}" type="datetimeFigureOut">
               <a:rPr lang="en-US" smtClean="0"/>
+              <a:pPr/>
               <a:t>5/3/2020</a:t>
             </a:fld>
             <a:endParaRPr lang="en-US" dirty="0"/>
@@ -575,6 +560,7 @@
           <a:p>
             <a:fld id="{D3F28A1F-3E69-47E5-AE93-E7F2155A242D}" type="slidenum">
               <a:rPr lang="en-US" smtClean="0"/>
+              <a:pPr/>
               <a:t>‹#›</a:t>
             </a:fld>
             <a:endParaRPr lang="en-US" dirty="0"/>
@@ -584,7 +570,7 @@
     </p:spTree>
     <p:extLst>
       <p:ext uri="{BB962C8B-B14F-4D97-AF65-F5344CB8AC3E}">
-        <p14:creationId xmlns:p14="http://schemas.microsoft.com/office/powerpoint/2010/main" val="2075933273"/>
+        <p14:creationId xmlns:p14="http://schemas.microsoft.com/office/powerpoint/2010/main" xmlns="" val="2075933273"/>
       </p:ext>
     </p:extLst>
   </p:cSld>
@@ -706,7 +692,7 @@
           <p:cNvPr id="2" name="Title 1">
             <a:extLst>
               <a:ext uri="{FF2B5EF4-FFF2-40B4-BE49-F238E27FC236}">
-                <a16:creationId xmlns:a16="http://schemas.microsoft.com/office/drawing/2014/main" id="{E5798B13-3B32-4354-B2B5-3165F2F6E65F}"/>
+                <a16:creationId xmlns:a16="http://schemas.microsoft.com/office/drawing/2014/main" xmlns="" id="{E5798B13-3B32-4354-B2B5-3165F2F6E65F}"/>
               </a:ext>
             </a:extLst>
           </p:cNvPr>
@@ -749,7 +735,7 @@
           <p:cNvPr id="4" name="Text Placeholder 3">
             <a:extLst>
               <a:ext uri="{FF2B5EF4-FFF2-40B4-BE49-F238E27FC236}">
-                <a16:creationId xmlns:a16="http://schemas.microsoft.com/office/drawing/2014/main" id="{16BB88CF-DF4F-4857-8602-72BCF5DDCDA1}"/>
+                <a16:creationId xmlns:a16="http://schemas.microsoft.com/office/drawing/2014/main" xmlns="" id="{16BB88CF-DF4F-4857-8602-72BCF5DDCDA1}"/>
               </a:ext>
             </a:extLst>
           </p:cNvPr>
@@ -820,7 +806,7 @@
           <p:cNvPr id="12" name="Straight Connector 11">
             <a:extLst>
               <a:ext uri="{FF2B5EF4-FFF2-40B4-BE49-F238E27FC236}">
-                <a16:creationId xmlns:a16="http://schemas.microsoft.com/office/drawing/2014/main" id="{A7EEBB7C-1679-4665-8688-1FA973E73DC1}"/>
+                <a16:creationId xmlns:a16="http://schemas.microsoft.com/office/drawing/2014/main" xmlns="" id="{A7EEBB7C-1679-4665-8688-1FA973E73DC1}"/>
               </a:ext>
             </a:extLst>
           </p:cNvPr>
@@ -872,7 +858,7 @@
           <p:cNvPr id="7" name="Rectangle 6">
             <a:extLst>
               <a:ext uri="{FF2B5EF4-FFF2-40B4-BE49-F238E27FC236}">
-                <a16:creationId xmlns:a16="http://schemas.microsoft.com/office/drawing/2014/main" id="{F1E3214F-3A93-4A1C-920D-D86BE35A58FB}"/>
+                <a16:creationId xmlns:a16="http://schemas.microsoft.com/office/drawing/2014/main" xmlns="" id="{F1E3214F-3A93-4A1C-920D-D86BE35A58FB}"/>
               </a:ext>
             </a:extLst>
           </p:cNvPr>
@@ -927,7 +913,7 @@
           <p:cNvPr id="3" name="Slide Number Placeholder 2">
             <a:extLst>
               <a:ext uri="{FF2B5EF4-FFF2-40B4-BE49-F238E27FC236}">
-                <a16:creationId xmlns:a16="http://schemas.microsoft.com/office/drawing/2014/main" id="{213E97E5-C83B-444A-8C07-35D699E7C342}"/>
+                <a16:creationId xmlns:a16="http://schemas.microsoft.com/office/drawing/2014/main" xmlns="" id="{213E97E5-C83B-444A-8C07-35D699E7C342}"/>
               </a:ext>
             </a:extLst>
           </p:cNvPr>
@@ -959,7 +945,7 @@
     </p:spTree>
     <p:extLst>
       <p:ext uri="{BB962C8B-B14F-4D97-AF65-F5344CB8AC3E}">
-        <p14:creationId xmlns:p14="http://schemas.microsoft.com/office/powerpoint/2010/main" val="2226532245"/>
+        <p14:creationId xmlns:p14="http://schemas.microsoft.com/office/powerpoint/2010/main" xmlns="" val="2226532245"/>
       </p:ext>
     </p:extLst>
   </p:cSld>
@@ -991,7 +977,7 @@
           <p:cNvPr id="2" name="Title 1">
             <a:extLst>
               <a:ext uri="{FF2B5EF4-FFF2-40B4-BE49-F238E27FC236}">
-                <a16:creationId xmlns:a16="http://schemas.microsoft.com/office/drawing/2014/main" id="{0D1AB651-5612-4E6A-9B35-A555D082EC2F}"/>
+                <a16:creationId xmlns:a16="http://schemas.microsoft.com/office/drawing/2014/main" xmlns="" id="{0D1AB651-5612-4E6A-9B35-A555D082EC2F}"/>
               </a:ext>
             </a:extLst>
           </p:cNvPr>
@@ -1020,7 +1006,7 @@
           <p:cNvPr id="3" name="Content Placeholder 2">
             <a:extLst>
               <a:ext uri="{FF2B5EF4-FFF2-40B4-BE49-F238E27FC236}">
-                <a16:creationId xmlns:a16="http://schemas.microsoft.com/office/drawing/2014/main" id="{881389A2-D77B-40CA-AD1E-0178AEFAD15A}"/>
+                <a16:creationId xmlns:a16="http://schemas.microsoft.com/office/drawing/2014/main" xmlns="" id="{881389A2-D77B-40CA-AD1E-0178AEFAD15A}"/>
               </a:ext>
             </a:extLst>
           </p:cNvPr>
@@ -1101,7 +1087,7 @@
           <p:cNvPr id="4" name="Content Placeholder 3">
             <a:extLst>
               <a:ext uri="{FF2B5EF4-FFF2-40B4-BE49-F238E27FC236}">
-                <a16:creationId xmlns:a16="http://schemas.microsoft.com/office/drawing/2014/main" id="{A1DCA993-CBEA-48C5-BD35-50ABDFF64065}"/>
+                <a16:creationId xmlns:a16="http://schemas.microsoft.com/office/drawing/2014/main" xmlns="" id="{A1DCA993-CBEA-48C5-BD35-50ABDFF64065}"/>
               </a:ext>
             </a:extLst>
           </p:cNvPr>
@@ -1182,7 +1168,7 @@
           <p:cNvPr id="5" name="Slide Number Placeholder 4">
             <a:extLst>
               <a:ext uri="{FF2B5EF4-FFF2-40B4-BE49-F238E27FC236}">
-                <a16:creationId xmlns:a16="http://schemas.microsoft.com/office/drawing/2014/main" id="{B88ED8E0-95EC-469F-9B7E-562FBDFDE6CC}"/>
+                <a16:creationId xmlns:a16="http://schemas.microsoft.com/office/drawing/2014/main" xmlns="" id="{B88ED8E0-95EC-469F-9B7E-562FBDFDE6CC}"/>
               </a:ext>
             </a:extLst>
           </p:cNvPr>
@@ -1214,7 +1200,7 @@
     </p:spTree>
     <p:extLst>
       <p:ext uri="{BB962C8B-B14F-4D97-AF65-F5344CB8AC3E}">
-        <p14:creationId xmlns:p14="http://schemas.microsoft.com/office/powerpoint/2010/main" val="646344805"/>
+        <p14:creationId xmlns:p14="http://schemas.microsoft.com/office/powerpoint/2010/main" xmlns="" val="646344805"/>
       </p:ext>
     </p:extLst>
   </p:cSld>
@@ -1246,7 +1232,7 @@
           <p:cNvPr id="2" name="Title 1">
             <a:extLst>
               <a:ext uri="{FF2B5EF4-FFF2-40B4-BE49-F238E27FC236}">
-                <a16:creationId xmlns:a16="http://schemas.microsoft.com/office/drawing/2014/main" id="{EF776F88-2A37-410D-A685-E455AF3D07B4}"/>
+                <a16:creationId xmlns:a16="http://schemas.microsoft.com/office/drawing/2014/main" xmlns="" id="{EF776F88-2A37-410D-A685-E455AF3D07B4}"/>
               </a:ext>
             </a:extLst>
           </p:cNvPr>
@@ -1280,7 +1266,7 @@
           <p:cNvPr id="3" name="Text Placeholder 2">
             <a:extLst>
               <a:ext uri="{FF2B5EF4-FFF2-40B4-BE49-F238E27FC236}">
-                <a16:creationId xmlns:a16="http://schemas.microsoft.com/office/drawing/2014/main" id="{6C764B46-B015-44F7-8DC0-AFB8D275E486}"/>
+                <a16:creationId xmlns:a16="http://schemas.microsoft.com/office/drawing/2014/main" xmlns="" id="{6C764B46-B015-44F7-8DC0-AFB8D275E486}"/>
               </a:ext>
             </a:extLst>
           </p:cNvPr>
@@ -1351,7 +1337,7 @@
           <p:cNvPr id="4" name="Content Placeholder 3">
             <a:extLst>
               <a:ext uri="{FF2B5EF4-FFF2-40B4-BE49-F238E27FC236}">
-                <a16:creationId xmlns:a16="http://schemas.microsoft.com/office/drawing/2014/main" id="{2D3C8232-2077-497A-9142-B787E2B03A73}"/>
+                <a16:creationId xmlns:a16="http://schemas.microsoft.com/office/drawing/2014/main" xmlns="" id="{2D3C8232-2077-497A-9142-B787E2B03A73}"/>
               </a:ext>
             </a:extLst>
           </p:cNvPr>
@@ -1432,7 +1418,7 @@
           <p:cNvPr id="5" name="Text Placeholder 4">
             <a:extLst>
               <a:ext uri="{FF2B5EF4-FFF2-40B4-BE49-F238E27FC236}">
-                <a16:creationId xmlns:a16="http://schemas.microsoft.com/office/drawing/2014/main" id="{AAF6077C-D913-4FD0-B6E0-6D70BEFD40E6}"/>
+                <a16:creationId xmlns:a16="http://schemas.microsoft.com/office/drawing/2014/main" xmlns="" id="{AAF6077C-D913-4FD0-B6E0-6D70BEFD40E6}"/>
               </a:ext>
             </a:extLst>
           </p:cNvPr>
@@ -1503,7 +1489,7 @@
           <p:cNvPr id="6" name="Content Placeholder 5">
             <a:extLst>
               <a:ext uri="{FF2B5EF4-FFF2-40B4-BE49-F238E27FC236}">
-                <a16:creationId xmlns:a16="http://schemas.microsoft.com/office/drawing/2014/main" id="{43905DBB-3AA9-4435-AC97-732293FDE7EF}"/>
+                <a16:creationId xmlns:a16="http://schemas.microsoft.com/office/drawing/2014/main" xmlns="" id="{43905DBB-3AA9-4435-AC97-732293FDE7EF}"/>
               </a:ext>
             </a:extLst>
           </p:cNvPr>
@@ -1584,7 +1570,7 @@
           <p:cNvPr id="7" name="Slide Number Placeholder 6">
             <a:extLst>
               <a:ext uri="{FF2B5EF4-FFF2-40B4-BE49-F238E27FC236}">
-                <a16:creationId xmlns:a16="http://schemas.microsoft.com/office/drawing/2014/main" id="{1954C901-FCAF-4DFB-A621-6A969641CA73}"/>
+                <a16:creationId xmlns:a16="http://schemas.microsoft.com/office/drawing/2014/main" xmlns="" id="{1954C901-FCAF-4DFB-A621-6A969641CA73}"/>
               </a:ext>
             </a:extLst>
           </p:cNvPr>
@@ -1616,7 +1602,7 @@
     </p:spTree>
     <p:extLst>
       <p:ext uri="{BB962C8B-B14F-4D97-AF65-F5344CB8AC3E}">
-        <p14:creationId xmlns:p14="http://schemas.microsoft.com/office/powerpoint/2010/main" val="2292145525"/>
+        <p14:creationId xmlns:p14="http://schemas.microsoft.com/office/powerpoint/2010/main" xmlns="" val="2292145525"/>
       </p:ext>
     </p:extLst>
   </p:cSld>
@@ -1648,7 +1634,7 @@
           <p:cNvPr id="2" name="Title 1">
             <a:extLst>
               <a:ext uri="{FF2B5EF4-FFF2-40B4-BE49-F238E27FC236}">
-                <a16:creationId xmlns:a16="http://schemas.microsoft.com/office/drawing/2014/main" id="{99AF2623-2255-4BBA-9577-B3A3FD2AE8E8}"/>
+                <a16:creationId xmlns:a16="http://schemas.microsoft.com/office/drawing/2014/main" xmlns="" id="{99AF2623-2255-4BBA-9577-B3A3FD2AE8E8}"/>
               </a:ext>
             </a:extLst>
           </p:cNvPr>
@@ -1677,7 +1663,7 @@
           <p:cNvPr id="3" name="Slide Number Placeholder 2">
             <a:extLst>
               <a:ext uri="{FF2B5EF4-FFF2-40B4-BE49-F238E27FC236}">
-                <a16:creationId xmlns:a16="http://schemas.microsoft.com/office/drawing/2014/main" id="{5259F0F0-5E7C-4FC9-8E90-6ADCD7A714B6}"/>
+                <a16:creationId xmlns:a16="http://schemas.microsoft.com/office/drawing/2014/main" xmlns="" id="{5259F0F0-5E7C-4FC9-8E90-6ADCD7A714B6}"/>
               </a:ext>
             </a:extLst>
           </p:cNvPr>
@@ -1709,7 +1695,7 @@
     </p:spTree>
     <p:extLst>
       <p:ext uri="{BB962C8B-B14F-4D97-AF65-F5344CB8AC3E}">
-        <p14:creationId xmlns:p14="http://schemas.microsoft.com/office/powerpoint/2010/main" val="3105532259"/>
+        <p14:creationId xmlns:p14="http://schemas.microsoft.com/office/powerpoint/2010/main" xmlns="" val="3105532259"/>
       </p:ext>
     </p:extLst>
   </p:cSld>
@@ -1741,7 +1727,7 @@
           <p:cNvPr id="2" name="Slide Number Placeholder 1">
             <a:extLst>
               <a:ext uri="{FF2B5EF4-FFF2-40B4-BE49-F238E27FC236}">
-                <a16:creationId xmlns:a16="http://schemas.microsoft.com/office/drawing/2014/main" id="{0A9D3FFB-BE14-4D90-A515-10EDD1BEE6F1}"/>
+                <a16:creationId xmlns:a16="http://schemas.microsoft.com/office/drawing/2014/main" xmlns="" id="{0A9D3FFB-BE14-4D90-A515-10EDD1BEE6F1}"/>
               </a:ext>
             </a:extLst>
           </p:cNvPr>
@@ -1773,7 +1759,7 @@
     </p:spTree>
     <p:extLst>
       <p:ext uri="{BB962C8B-B14F-4D97-AF65-F5344CB8AC3E}">
-        <p14:creationId xmlns:p14="http://schemas.microsoft.com/office/powerpoint/2010/main" val="3627673970"/>
+        <p14:creationId xmlns:p14="http://schemas.microsoft.com/office/powerpoint/2010/main" xmlns="" val="3627673970"/>
       </p:ext>
     </p:extLst>
   </p:cSld>
@@ -1805,7 +1791,7 @@
           <p:cNvPr id="2" name="Title 1">
             <a:extLst>
               <a:ext uri="{FF2B5EF4-FFF2-40B4-BE49-F238E27FC236}">
-                <a16:creationId xmlns:a16="http://schemas.microsoft.com/office/drawing/2014/main" id="{A2451E51-BE82-4B1B-9CB6-89C26464DBE2}"/>
+                <a16:creationId xmlns:a16="http://schemas.microsoft.com/office/drawing/2014/main" xmlns="" id="{A2451E51-BE82-4B1B-9CB6-89C26464DBE2}"/>
               </a:ext>
             </a:extLst>
           </p:cNvPr>
@@ -1843,7 +1829,7 @@
           <p:cNvPr id="3" name="Content Placeholder 2">
             <a:extLst>
               <a:ext uri="{FF2B5EF4-FFF2-40B4-BE49-F238E27FC236}">
-                <a16:creationId xmlns:a16="http://schemas.microsoft.com/office/drawing/2014/main" id="{04CCBF8C-3CF7-47E6-9AB0-15584178B449}"/>
+                <a16:creationId xmlns:a16="http://schemas.microsoft.com/office/drawing/2014/main" xmlns="" id="{04CCBF8C-3CF7-47E6-9AB0-15584178B449}"/>
               </a:ext>
             </a:extLst>
           </p:cNvPr>
@@ -1934,7 +1920,7 @@
           <p:cNvPr id="4" name="Text Placeholder 3">
             <a:extLst>
               <a:ext uri="{FF2B5EF4-FFF2-40B4-BE49-F238E27FC236}">
-                <a16:creationId xmlns:a16="http://schemas.microsoft.com/office/drawing/2014/main" id="{3D07DA3C-0298-45CF-AFC3-41031C0763E3}"/>
+                <a16:creationId xmlns:a16="http://schemas.microsoft.com/office/drawing/2014/main" xmlns="" id="{3D07DA3C-0298-45CF-AFC3-41031C0763E3}"/>
               </a:ext>
             </a:extLst>
           </p:cNvPr>
@@ -2005,7 +1991,7 @@
           <p:cNvPr id="5" name="Slide Number Placeholder 4">
             <a:extLst>
               <a:ext uri="{FF2B5EF4-FFF2-40B4-BE49-F238E27FC236}">
-                <a16:creationId xmlns:a16="http://schemas.microsoft.com/office/drawing/2014/main" id="{F7C4FF87-D01E-416B-9EF8-E107C4EDDC42}"/>
+                <a16:creationId xmlns:a16="http://schemas.microsoft.com/office/drawing/2014/main" xmlns="" id="{F7C4FF87-D01E-416B-9EF8-E107C4EDDC42}"/>
               </a:ext>
             </a:extLst>
           </p:cNvPr>
@@ -2037,7 +2023,7 @@
     </p:spTree>
     <p:extLst>
       <p:ext uri="{BB962C8B-B14F-4D97-AF65-F5344CB8AC3E}">
-        <p14:creationId xmlns:p14="http://schemas.microsoft.com/office/powerpoint/2010/main" val="398533459"/>
+        <p14:creationId xmlns:p14="http://schemas.microsoft.com/office/powerpoint/2010/main" xmlns="" val="398533459"/>
       </p:ext>
     </p:extLst>
   </p:cSld>
@@ -2069,7 +2055,7 @@
           <p:cNvPr id="2" name="Title 1">
             <a:extLst>
               <a:ext uri="{FF2B5EF4-FFF2-40B4-BE49-F238E27FC236}">
-                <a16:creationId xmlns:a16="http://schemas.microsoft.com/office/drawing/2014/main" id="{E5798B13-3B32-4354-B2B5-3165F2F6E65F}"/>
+                <a16:creationId xmlns:a16="http://schemas.microsoft.com/office/drawing/2014/main" xmlns="" id="{E5798B13-3B32-4354-B2B5-3165F2F6E65F}"/>
               </a:ext>
             </a:extLst>
           </p:cNvPr>
@@ -2112,7 +2098,7 @@
           <p:cNvPr id="4" name="Text Placeholder 3">
             <a:extLst>
               <a:ext uri="{FF2B5EF4-FFF2-40B4-BE49-F238E27FC236}">
-                <a16:creationId xmlns:a16="http://schemas.microsoft.com/office/drawing/2014/main" id="{16BB88CF-DF4F-4857-8602-72BCF5DDCDA1}"/>
+                <a16:creationId xmlns:a16="http://schemas.microsoft.com/office/drawing/2014/main" xmlns="" id="{16BB88CF-DF4F-4857-8602-72BCF5DDCDA1}"/>
               </a:ext>
             </a:extLst>
           </p:cNvPr>
@@ -2183,7 +2169,7 @@
           <p:cNvPr id="12" name="Straight Connector 11">
             <a:extLst>
               <a:ext uri="{FF2B5EF4-FFF2-40B4-BE49-F238E27FC236}">
-                <a16:creationId xmlns:a16="http://schemas.microsoft.com/office/drawing/2014/main" id="{A7EEBB7C-1679-4665-8688-1FA973E73DC1}"/>
+                <a16:creationId xmlns:a16="http://schemas.microsoft.com/office/drawing/2014/main" xmlns="" id="{A7EEBB7C-1679-4665-8688-1FA973E73DC1}"/>
               </a:ext>
             </a:extLst>
           </p:cNvPr>
@@ -2235,7 +2221,7 @@
           <p:cNvPr id="7" name="Rectangle 6">
             <a:extLst>
               <a:ext uri="{FF2B5EF4-FFF2-40B4-BE49-F238E27FC236}">
-                <a16:creationId xmlns:a16="http://schemas.microsoft.com/office/drawing/2014/main" id="{F1E3214F-3A93-4A1C-920D-D86BE35A58FB}"/>
+                <a16:creationId xmlns:a16="http://schemas.microsoft.com/office/drawing/2014/main" xmlns="" id="{F1E3214F-3A93-4A1C-920D-D86BE35A58FB}"/>
               </a:ext>
             </a:extLst>
           </p:cNvPr>
@@ -2290,7 +2276,7 @@
           <p:cNvPr id="3" name="Slide Number Placeholder 2">
             <a:extLst>
               <a:ext uri="{FF2B5EF4-FFF2-40B4-BE49-F238E27FC236}">
-                <a16:creationId xmlns:a16="http://schemas.microsoft.com/office/drawing/2014/main" id="{213E97E5-C83B-444A-8C07-35D699E7C342}"/>
+                <a16:creationId xmlns:a16="http://schemas.microsoft.com/office/drawing/2014/main" xmlns="" id="{213E97E5-C83B-444A-8C07-35D699E7C342}"/>
               </a:ext>
             </a:extLst>
           </p:cNvPr>
@@ -2324,7 +2310,7 @@
           <p:cNvPr id="8" name="Picture Placeholder 2">
             <a:extLst>
               <a:ext uri="{FF2B5EF4-FFF2-40B4-BE49-F238E27FC236}">
-                <a16:creationId xmlns:a16="http://schemas.microsoft.com/office/drawing/2014/main" id="{2641ECAC-0557-4843-8433-067E4414E2F5}"/>
+                <a16:creationId xmlns:a16="http://schemas.microsoft.com/office/drawing/2014/main" xmlns="" id="{2641ECAC-0557-4843-8433-067E4414E2F5}"/>
               </a:ext>
             </a:extLst>
           </p:cNvPr>
@@ -2400,7 +2386,7 @@
     </p:spTree>
     <p:extLst>
       <p:ext uri="{BB962C8B-B14F-4D97-AF65-F5344CB8AC3E}">
-        <p14:creationId xmlns:p14="http://schemas.microsoft.com/office/powerpoint/2010/main" val="3394383312"/>
+        <p14:creationId xmlns:p14="http://schemas.microsoft.com/office/powerpoint/2010/main" xmlns="" val="3394383312"/>
       </p:ext>
     </p:extLst>
   </p:cSld>
@@ -2443,7 +2429,7 @@
           <p:cNvPr id="2" name="Title 1">
             <a:extLst>
               <a:ext uri="{FF2B5EF4-FFF2-40B4-BE49-F238E27FC236}">
-                <a16:creationId xmlns:a16="http://schemas.microsoft.com/office/drawing/2014/main" id="{FE91AD08-4E28-4191-9B62-EAD61608E5CF}"/>
+                <a16:creationId xmlns:a16="http://schemas.microsoft.com/office/drawing/2014/main" xmlns="" id="{FE91AD08-4E28-4191-9B62-EAD61608E5CF}"/>
               </a:ext>
             </a:extLst>
           </p:cNvPr>
@@ -2491,7 +2477,7 @@
           <p:cNvPr id="3" name="Content Placeholder 2">
             <a:extLst>
               <a:ext uri="{FF2B5EF4-FFF2-40B4-BE49-F238E27FC236}">
-                <a16:creationId xmlns:a16="http://schemas.microsoft.com/office/drawing/2014/main" id="{90BF853D-76DB-46F3-AF6C-1E77C8E06AA9}"/>
+                <a16:creationId xmlns:a16="http://schemas.microsoft.com/office/drawing/2014/main" xmlns="" id="{90BF853D-76DB-46F3-AF6C-1E77C8E06AA9}"/>
               </a:ext>
             </a:extLst>
           </p:cNvPr>
@@ -2572,7 +2558,7 @@
           <p:cNvPr id="4" name="Slide Number Placeholder 3">
             <a:extLst>
               <a:ext uri="{FF2B5EF4-FFF2-40B4-BE49-F238E27FC236}">
-                <a16:creationId xmlns:a16="http://schemas.microsoft.com/office/drawing/2014/main" id="{0660D61A-B9FD-4DFF-AC42-4069DAFE238C}"/>
+                <a16:creationId xmlns:a16="http://schemas.microsoft.com/office/drawing/2014/main" xmlns="" id="{0660D61A-B9FD-4DFF-AC42-4069DAFE238C}"/>
               </a:ext>
             </a:extLst>
           </p:cNvPr>
@@ -2604,7 +2590,7 @@
     </p:spTree>
     <p:extLst>
       <p:ext uri="{BB962C8B-B14F-4D97-AF65-F5344CB8AC3E}">
-        <p14:creationId xmlns:p14="http://schemas.microsoft.com/office/powerpoint/2010/main" val="3839236654"/>
+        <p14:creationId xmlns:p14="http://schemas.microsoft.com/office/powerpoint/2010/main" xmlns="" val="3839236654"/>
       </p:ext>
     </p:extLst>
   </p:cSld>
@@ -2647,7 +2633,7 @@
           <p:cNvPr id="2" name="Title 1">
             <a:extLst>
               <a:ext uri="{FF2B5EF4-FFF2-40B4-BE49-F238E27FC236}">
-                <a16:creationId xmlns:a16="http://schemas.microsoft.com/office/drawing/2014/main" id="{FE91AD08-4E28-4191-9B62-EAD61608E5CF}"/>
+                <a16:creationId xmlns:a16="http://schemas.microsoft.com/office/drawing/2014/main" xmlns="" id="{FE91AD08-4E28-4191-9B62-EAD61608E5CF}"/>
               </a:ext>
             </a:extLst>
           </p:cNvPr>
@@ -2697,7 +2683,7 @@
           <p:cNvPr id="3" name="Content Placeholder 2">
             <a:extLst>
               <a:ext uri="{FF2B5EF4-FFF2-40B4-BE49-F238E27FC236}">
-                <a16:creationId xmlns:a16="http://schemas.microsoft.com/office/drawing/2014/main" id="{90BF853D-76DB-46F3-AF6C-1E77C8E06AA9}"/>
+                <a16:creationId xmlns:a16="http://schemas.microsoft.com/office/drawing/2014/main" xmlns="" id="{90BF853D-76DB-46F3-AF6C-1E77C8E06AA9}"/>
               </a:ext>
             </a:extLst>
           </p:cNvPr>
@@ -2778,7 +2764,7 @@
           <p:cNvPr id="4" name="Slide Number Placeholder 3">
             <a:extLst>
               <a:ext uri="{FF2B5EF4-FFF2-40B4-BE49-F238E27FC236}">
-                <a16:creationId xmlns:a16="http://schemas.microsoft.com/office/drawing/2014/main" id="{0660D61A-B9FD-4DFF-AC42-4069DAFE238C}"/>
+                <a16:creationId xmlns:a16="http://schemas.microsoft.com/office/drawing/2014/main" xmlns="" id="{0660D61A-B9FD-4DFF-AC42-4069DAFE238C}"/>
               </a:ext>
             </a:extLst>
           </p:cNvPr>
@@ -2810,7 +2796,7 @@
     </p:spTree>
     <p:extLst>
       <p:ext uri="{BB962C8B-B14F-4D97-AF65-F5344CB8AC3E}">
-        <p14:creationId xmlns:p14="http://schemas.microsoft.com/office/powerpoint/2010/main" val="1594571051"/>
+        <p14:creationId xmlns:p14="http://schemas.microsoft.com/office/powerpoint/2010/main" xmlns="" val="1594571051"/>
       </p:ext>
     </p:extLst>
   </p:cSld>
@@ -2842,7 +2828,7 @@
           <p:cNvPr id="7" name="Picture Placeholder 2">
             <a:extLst>
               <a:ext uri="{FF2B5EF4-FFF2-40B4-BE49-F238E27FC236}">
-                <a16:creationId xmlns:a16="http://schemas.microsoft.com/office/drawing/2014/main" id="{6D3C5ED2-B01D-4104-B193-BC78D76A4646}"/>
+                <a16:creationId xmlns:a16="http://schemas.microsoft.com/office/drawing/2014/main" xmlns="" id="{6D3C5ED2-B01D-4104-B193-BC78D76A4646}"/>
               </a:ext>
             </a:extLst>
           </p:cNvPr>
@@ -2915,7 +2901,7 @@
           <p:cNvPr id="2" name="Title 1">
             <a:extLst>
               <a:ext uri="{FF2B5EF4-FFF2-40B4-BE49-F238E27FC236}">
-                <a16:creationId xmlns:a16="http://schemas.microsoft.com/office/drawing/2014/main" id="{FE91AD08-4E28-4191-9B62-EAD61608E5CF}"/>
+                <a16:creationId xmlns:a16="http://schemas.microsoft.com/office/drawing/2014/main" xmlns="" id="{FE91AD08-4E28-4191-9B62-EAD61608E5CF}"/>
               </a:ext>
             </a:extLst>
           </p:cNvPr>
@@ -2962,7 +2948,7 @@
           <p:cNvPr id="3" name="Content Placeholder 2">
             <a:extLst>
               <a:ext uri="{FF2B5EF4-FFF2-40B4-BE49-F238E27FC236}">
-                <a16:creationId xmlns:a16="http://schemas.microsoft.com/office/drawing/2014/main" id="{90BF853D-76DB-46F3-AF6C-1E77C8E06AA9}"/>
+                <a16:creationId xmlns:a16="http://schemas.microsoft.com/office/drawing/2014/main" xmlns="" id="{90BF853D-76DB-46F3-AF6C-1E77C8E06AA9}"/>
               </a:ext>
             </a:extLst>
           </p:cNvPr>
@@ -3043,7 +3029,7 @@
           <p:cNvPr id="4" name="Slide Number Placeholder 3">
             <a:extLst>
               <a:ext uri="{FF2B5EF4-FFF2-40B4-BE49-F238E27FC236}">
-                <a16:creationId xmlns:a16="http://schemas.microsoft.com/office/drawing/2014/main" id="{0660D61A-B9FD-4DFF-AC42-4069DAFE238C}"/>
+                <a16:creationId xmlns:a16="http://schemas.microsoft.com/office/drawing/2014/main" xmlns="" id="{0660D61A-B9FD-4DFF-AC42-4069DAFE238C}"/>
               </a:ext>
             </a:extLst>
           </p:cNvPr>
@@ -3080,7 +3066,7 @@
     </p:spTree>
     <p:extLst>
       <p:ext uri="{BB962C8B-B14F-4D97-AF65-F5344CB8AC3E}">
-        <p14:creationId xmlns:p14="http://schemas.microsoft.com/office/powerpoint/2010/main" val="1797904098"/>
+        <p14:creationId xmlns:p14="http://schemas.microsoft.com/office/powerpoint/2010/main" xmlns="" val="1797904098"/>
       </p:ext>
     </p:extLst>
   </p:cSld>
@@ -3112,7 +3098,7 @@
           <p:cNvPr id="2" name="Title 1">
             <a:extLst>
               <a:ext uri="{FF2B5EF4-FFF2-40B4-BE49-F238E27FC236}">
-                <a16:creationId xmlns:a16="http://schemas.microsoft.com/office/drawing/2014/main" id="{FE91AD08-4E28-4191-9B62-EAD61608E5CF}"/>
+                <a16:creationId xmlns:a16="http://schemas.microsoft.com/office/drawing/2014/main" xmlns="" id="{FE91AD08-4E28-4191-9B62-EAD61608E5CF}"/>
               </a:ext>
             </a:extLst>
           </p:cNvPr>
@@ -3172,7 +3158,7 @@
           <p:cNvPr id="3" name="Content Placeholder 2">
             <a:extLst>
               <a:ext uri="{FF2B5EF4-FFF2-40B4-BE49-F238E27FC236}">
-                <a16:creationId xmlns:a16="http://schemas.microsoft.com/office/drawing/2014/main" id="{90BF853D-76DB-46F3-AF6C-1E77C8E06AA9}"/>
+                <a16:creationId xmlns:a16="http://schemas.microsoft.com/office/drawing/2014/main" xmlns="" id="{90BF853D-76DB-46F3-AF6C-1E77C8E06AA9}"/>
               </a:ext>
             </a:extLst>
           </p:cNvPr>
@@ -3253,7 +3239,7 @@
           <p:cNvPr id="14" name="Slide Number Placeholder 13">
             <a:extLst>
               <a:ext uri="{FF2B5EF4-FFF2-40B4-BE49-F238E27FC236}">
-                <a16:creationId xmlns:a16="http://schemas.microsoft.com/office/drawing/2014/main" id="{7746CAFB-2B99-470B-B55B-9BF378E3A04B}"/>
+                <a16:creationId xmlns:a16="http://schemas.microsoft.com/office/drawing/2014/main" xmlns="" id="{7746CAFB-2B99-470B-B55B-9BF378E3A04B}"/>
               </a:ext>
             </a:extLst>
           </p:cNvPr>
@@ -3285,7 +3271,7 @@
     </p:spTree>
     <p:extLst>
       <p:ext uri="{BB962C8B-B14F-4D97-AF65-F5344CB8AC3E}">
-        <p14:creationId xmlns:p14="http://schemas.microsoft.com/office/powerpoint/2010/main" val="1160496352"/>
+        <p14:creationId xmlns:p14="http://schemas.microsoft.com/office/powerpoint/2010/main" xmlns="" val="1160496352"/>
       </p:ext>
     </p:extLst>
   </p:cSld>
@@ -3317,7 +3303,7 @@
           <p:cNvPr id="17" name="Title 16">
             <a:extLst>
               <a:ext uri="{FF2B5EF4-FFF2-40B4-BE49-F238E27FC236}">
-                <a16:creationId xmlns:a16="http://schemas.microsoft.com/office/drawing/2014/main" id="{65237DA4-112F-40B2-8C8C-EB23506D9C45}"/>
+                <a16:creationId xmlns:a16="http://schemas.microsoft.com/office/drawing/2014/main" xmlns="" id="{65237DA4-112F-40B2-8C8C-EB23506D9C45}"/>
               </a:ext>
             </a:extLst>
           </p:cNvPr>
@@ -3376,7 +3362,7 @@
           <p:cNvPr id="3" name="Content Placeholder 2">
             <a:extLst>
               <a:ext uri="{FF2B5EF4-FFF2-40B4-BE49-F238E27FC236}">
-                <a16:creationId xmlns:a16="http://schemas.microsoft.com/office/drawing/2014/main" id="{90BF853D-76DB-46F3-AF6C-1E77C8E06AA9}"/>
+                <a16:creationId xmlns:a16="http://schemas.microsoft.com/office/drawing/2014/main" xmlns="" id="{90BF853D-76DB-46F3-AF6C-1E77C8E06AA9}"/>
               </a:ext>
             </a:extLst>
           </p:cNvPr>
@@ -3439,7 +3425,7 @@
           <p:cNvPr id="14" name="Slide Number Placeholder 13">
             <a:extLst>
               <a:ext uri="{FF2B5EF4-FFF2-40B4-BE49-F238E27FC236}">
-                <a16:creationId xmlns:a16="http://schemas.microsoft.com/office/drawing/2014/main" id="{7746CAFB-2B99-470B-B55B-9BF378E3A04B}"/>
+                <a16:creationId xmlns:a16="http://schemas.microsoft.com/office/drawing/2014/main" xmlns="" id="{7746CAFB-2B99-470B-B55B-9BF378E3A04B}"/>
               </a:ext>
             </a:extLst>
           </p:cNvPr>
@@ -3488,7 +3474,7 @@
     </p:spTree>
     <p:extLst>
       <p:ext uri="{BB962C8B-B14F-4D97-AF65-F5344CB8AC3E}">
-        <p14:creationId xmlns:p14="http://schemas.microsoft.com/office/powerpoint/2010/main" val="364498605"/>
+        <p14:creationId xmlns:p14="http://schemas.microsoft.com/office/powerpoint/2010/main" xmlns="" val="364498605"/>
       </p:ext>
     </p:extLst>
   </p:cSld>
@@ -3520,7 +3506,7 @@
           <p:cNvPr id="4" name="Slide Number Placeholder 3">
             <a:extLst>
               <a:ext uri="{FF2B5EF4-FFF2-40B4-BE49-F238E27FC236}">
-                <a16:creationId xmlns:a16="http://schemas.microsoft.com/office/drawing/2014/main" id="{0660D61A-B9FD-4DFF-AC42-4069DAFE238C}"/>
+                <a16:creationId xmlns:a16="http://schemas.microsoft.com/office/drawing/2014/main" xmlns="" id="{0660D61A-B9FD-4DFF-AC42-4069DAFE238C}"/>
               </a:ext>
             </a:extLst>
           </p:cNvPr>
@@ -3554,7 +3540,7 @@
           <p:cNvPr id="5" name="Content Placeholder 2">
             <a:extLst>
               <a:ext uri="{FF2B5EF4-FFF2-40B4-BE49-F238E27FC236}">
-                <a16:creationId xmlns:a16="http://schemas.microsoft.com/office/drawing/2014/main" id="{D68E6EF2-4B2F-4D0D-9505-CE92872972F7}"/>
+                <a16:creationId xmlns:a16="http://schemas.microsoft.com/office/drawing/2014/main" xmlns="" id="{D68E6EF2-4B2F-4D0D-9505-CE92872972F7}"/>
               </a:ext>
             </a:extLst>
           </p:cNvPr>
@@ -3617,7 +3603,7 @@
           <p:cNvPr id="6" name="Title 1">
             <a:extLst>
               <a:ext uri="{FF2B5EF4-FFF2-40B4-BE49-F238E27FC236}">
-                <a16:creationId xmlns:a16="http://schemas.microsoft.com/office/drawing/2014/main" id="{D91A21B9-BA54-413B-940E-027C32E4D429}"/>
+                <a16:creationId xmlns:a16="http://schemas.microsoft.com/office/drawing/2014/main" xmlns="" id="{D91A21B9-BA54-413B-940E-027C32E4D429}"/>
               </a:ext>
             </a:extLst>
           </p:cNvPr>
@@ -3663,7 +3649,7 @@
     </p:spTree>
     <p:extLst>
       <p:ext uri="{BB962C8B-B14F-4D97-AF65-F5344CB8AC3E}">
-        <p14:creationId xmlns:p14="http://schemas.microsoft.com/office/powerpoint/2010/main" val="3610051244"/>
+        <p14:creationId xmlns:p14="http://schemas.microsoft.com/office/powerpoint/2010/main" xmlns="" val="3610051244"/>
       </p:ext>
     </p:extLst>
   </p:cSld>
@@ -3695,7 +3681,7 @@
           <p:cNvPr id="2" name="Title 1">
             <a:extLst>
               <a:ext uri="{FF2B5EF4-FFF2-40B4-BE49-F238E27FC236}">
-                <a16:creationId xmlns:a16="http://schemas.microsoft.com/office/drawing/2014/main" id="{9722BDA7-8BE9-42D5-ACF1-0F51423A206E}"/>
+                <a16:creationId xmlns:a16="http://schemas.microsoft.com/office/drawing/2014/main" xmlns="" id="{9722BDA7-8BE9-42D5-ACF1-0F51423A206E}"/>
               </a:ext>
             </a:extLst>
           </p:cNvPr>
@@ -3733,7 +3719,7 @@
           <p:cNvPr id="3" name="Text Placeholder 2">
             <a:extLst>
               <a:ext uri="{FF2B5EF4-FFF2-40B4-BE49-F238E27FC236}">
-                <a16:creationId xmlns:a16="http://schemas.microsoft.com/office/drawing/2014/main" id="{71CEF73F-3CCA-4312-8E9C-2B4629DA1F66}"/>
+                <a16:creationId xmlns:a16="http://schemas.microsoft.com/office/drawing/2014/main" xmlns="" id="{71CEF73F-3CCA-4312-8E9C-2B4629DA1F66}"/>
               </a:ext>
             </a:extLst>
           </p:cNvPr>
@@ -3858,7 +3844,7 @@
           <p:cNvPr id="4" name="Slide Number Placeholder 3">
             <a:extLst>
               <a:ext uri="{FF2B5EF4-FFF2-40B4-BE49-F238E27FC236}">
-                <a16:creationId xmlns:a16="http://schemas.microsoft.com/office/drawing/2014/main" id="{293BF716-502C-4821-A3A0-19C2C508EED1}"/>
+                <a16:creationId xmlns:a16="http://schemas.microsoft.com/office/drawing/2014/main" xmlns="" id="{293BF716-502C-4821-A3A0-19C2C508EED1}"/>
               </a:ext>
             </a:extLst>
           </p:cNvPr>
@@ -3890,7 +3876,7 @@
     </p:spTree>
     <p:extLst>
       <p:ext uri="{BB962C8B-B14F-4D97-AF65-F5344CB8AC3E}">
-        <p14:creationId xmlns:p14="http://schemas.microsoft.com/office/powerpoint/2010/main" val="2665983131"/>
+        <p14:creationId xmlns:p14="http://schemas.microsoft.com/office/powerpoint/2010/main" xmlns="" val="2665983131"/>
       </p:ext>
     </p:extLst>
   </p:cSld>
@@ -3933,7 +3919,7 @@
           <p:cNvPr id="5" name="Picture 4">
             <a:extLst>
               <a:ext uri="{FF2B5EF4-FFF2-40B4-BE49-F238E27FC236}">
-                <a16:creationId xmlns:a16="http://schemas.microsoft.com/office/drawing/2014/main" id="{448E4AFE-E166-4B84-B0C8-9205038D8033}"/>
+                <a16:creationId xmlns:a16="http://schemas.microsoft.com/office/drawing/2014/main" xmlns="" id="{448E4AFE-E166-4B84-B0C8-9205038D8033}"/>
               </a:ext>
             </a:extLst>
           </p:cNvPr>
@@ -3946,7 +3932,7 @@
           <a:blip r:embed="rId16" cstate="screen">
             <a:extLst>
               <a:ext uri="{28A0092B-C50C-407E-A947-70E740481C1C}">
-                <a14:useLocalDpi xmlns:a14="http://schemas.microsoft.com/office/drawing/2010/main"/>
+                <a14:useLocalDpi xmlns:a14="http://schemas.microsoft.com/office/drawing/2010/main" xmlns=""/>
               </a:ext>
             </a:extLst>
           </a:blip>
@@ -3969,7 +3955,7 @@
           <p:cNvPr id="2" name="Title Placeholder 1">
             <a:extLst>
               <a:ext uri="{FF2B5EF4-FFF2-40B4-BE49-F238E27FC236}">
-                <a16:creationId xmlns:a16="http://schemas.microsoft.com/office/drawing/2014/main" id="{6C617517-B672-49BA-AC6E-AB66D0639A58}"/>
+                <a16:creationId xmlns:a16="http://schemas.microsoft.com/office/drawing/2014/main" xmlns="" id="{6C617517-B672-49BA-AC6E-AB66D0639A58}"/>
               </a:ext>
             </a:extLst>
           </p:cNvPr>
@@ -4008,7 +3994,7 @@
           <p:cNvPr id="3" name="Text Placeholder 2">
             <a:extLst>
               <a:ext uri="{FF2B5EF4-FFF2-40B4-BE49-F238E27FC236}">
-                <a16:creationId xmlns:a16="http://schemas.microsoft.com/office/drawing/2014/main" id="{6EC92C27-7843-4B22-9200-B7304E6AE4CD}"/>
+                <a16:creationId xmlns:a16="http://schemas.microsoft.com/office/drawing/2014/main" xmlns="" id="{6EC92C27-7843-4B22-9200-B7304E6AE4CD}"/>
               </a:ext>
             </a:extLst>
           </p:cNvPr>
@@ -4076,7 +4062,7 @@
           <p:cNvPr id="6" name="Slide Number Placeholder 5">
             <a:extLst>
               <a:ext uri="{FF2B5EF4-FFF2-40B4-BE49-F238E27FC236}">
-                <a16:creationId xmlns:a16="http://schemas.microsoft.com/office/drawing/2014/main" id="{52DB4F10-F75B-41A8-B994-BFF68949E59A}"/>
+                <a16:creationId xmlns:a16="http://schemas.microsoft.com/office/drawing/2014/main" xmlns="" id="{52DB4F10-F75B-41A8-B994-BFF68949E59A}"/>
               </a:ext>
             </a:extLst>
           </p:cNvPr>
@@ -4132,7 +4118,7 @@
           <p:cNvPr id="7" name="Rectangle 6">
             <a:extLst>
               <a:ext uri="{FF2B5EF4-FFF2-40B4-BE49-F238E27FC236}">
-                <a16:creationId xmlns:a16="http://schemas.microsoft.com/office/drawing/2014/main" id="{512D21E2-8DEB-4F43-A26E-B8DA900A9230}"/>
+                <a16:creationId xmlns:a16="http://schemas.microsoft.com/office/drawing/2014/main" xmlns="" id="{512D21E2-8DEB-4F43-A26E-B8DA900A9230}"/>
               </a:ext>
             </a:extLst>
           </p:cNvPr>
@@ -4195,7 +4181,7 @@
           <p:cNvPr id="8" name="Rectangle 7">
             <a:extLst>
               <a:ext uri="{FF2B5EF4-FFF2-40B4-BE49-F238E27FC236}">
-                <a16:creationId xmlns:a16="http://schemas.microsoft.com/office/drawing/2014/main" id="{35CD3143-7FD1-40EA-AA4A-47C72380AEC2}"/>
+                <a16:creationId xmlns:a16="http://schemas.microsoft.com/office/drawing/2014/main" xmlns="" id="{35CD3143-7FD1-40EA-AA4A-47C72380AEC2}"/>
               </a:ext>
             </a:extLst>
           </p:cNvPr>
@@ -4245,7 +4231,7 @@
     </p:spTree>
     <p:extLst>
       <p:ext uri="{BB962C8B-B14F-4D97-AF65-F5344CB8AC3E}">
-        <p14:creationId xmlns:p14="http://schemas.microsoft.com/office/powerpoint/2010/main" val="3853920126"/>
+        <p14:creationId xmlns:p14="http://schemas.microsoft.com/office/powerpoint/2010/main" xmlns="" val="3853920126"/>
       </p:ext>
     </p:extLst>
   </p:cSld>
@@ -4575,7 +4561,7 @@
           <p:cNvPr id="4" name="Title 3">
             <a:extLst>
               <a:ext uri="{FF2B5EF4-FFF2-40B4-BE49-F238E27FC236}">
-                <a16:creationId xmlns:a16="http://schemas.microsoft.com/office/drawing/2014/main" id="{E10C5037-DA4A-44E2-A9FB-84B1498768A7}"/>
+                <a16:creationId xmlns:a16="http://schemas.microsoft.com/office/drawing/2014/main" xmlns="" id="{E10C5037-DA4A-44E2-A9FB-84B1498768A7}"/>
               </a:ext>
             </a:extLst>
           </p:cNvPr>
@@ -4612,7 +4598,7 @@
           <p:cNvPr id="15" name="Slide Number Placeholder 14">
             <a:extLst>
               <a:ext uri="{FF2B5EF4-FFF2-40B4-BE49-F238E27FC236}">
-                <a16:creationId xmlns:a16="http://schemas.microsoft.com/office/drawing/2014/main" id="{26F5C050-EB87-421A-8A5C-E6CB30102699}"/>
+                <a16:creationId xmlns:a16="http://schemas.microsoft.com/office/drawing/2014/main" xmlns="" id="{26F5C050-EB87-421A-8A5C-E6CB30102699}"/>
               </a:ext>
             </a:extLst>
           </p:cNvPr>
@@ -4646,7 +4632,7 @@
           <p:cNvPr id="29" name="Picture Placeholder 28" descr="Young student drawing on a whiteboard">
             <a:extLst>
               <a:ext uri="{FF2B5EF4-FFF2-40B4-BE49-F238E27FC236}">
-                <a16:creationId xmlns:a16="http://schemas.microsoft.com/office/drawing/2014/main" id="{AE2FE2E9-1D1E-404B-A659-DD19B5D66B5B}"/>
+                <a16:creationId xmlns:a16="http://schemas.microsoft.com/office/drawing/2014/main" xmlns="" id="{AE2FE2E9-1D1E-404B-A659-DD19B5D66B5B}"/>
               </a:ext>
             </a:extLst>
           </p:cNvPr>
@@ -4661,7 +4647,7 @@
           <a:blip r:embed="rId2" cstate="screen">
             <a:extLst>
               <a:ext uri="{28A0092B-C50C-407E-A947-70E740481C1C}">
-                <a14:useLocalDpi xmlns:a14="http://schemas.microsoft.com/office/drawing/2010/main"/>
+                <a14:useLocalDpi xmlns:a14="http://schemas.microsoft.com/office/drawing/2010/main" xmlns=""/>
               </a:ext>
             </a:extLst>
           </a:blip>
@@ -4680,2425 +4666,7 @@
     </p:spTree>
     <p:extLst>
       <p:ext uri="{BB962C8B-B14F-4D97-AF65-F5344CB8AC3E}">
-        <p14:creationId xmlns:p14="http://schemas.microsoft.com/office/powerpoint/2010/main" val="1136250268"/>
-      </p:ext>
-    </p:extLst>
-  </p:cSld>
-  <p:clrMapOvr>
-    <a:masterClrMapping/>
-  </p:clrMapOvr>
-  <p:timing>
-    <p:tnLst>
-      <p:par>
-        <p:cTn id="1" dur="indefinite" restart="never" nodeType="tmRoot"/>
-      </p:par>
-    </p:tnLst>
-  </p:timing>
-</p:sld>
-</file>
-
-<file path=ppt/slides/slide10.xml><?xml version="1.0" encoding="utf-8"?>
-<p:sld xmlns:a="http://schemas.openxmlformats.org/drawingml/2006/main" xmlns:r="http://schemas.openxmlformats.org/officeDocument/2006/relationships" xmlns:p="http://schemas.openxmlformats.org/presentationml/2006/main">
-  <p:cSld>
-    <p:spTree>
-      <p:nvGrpSpPr>
-        <p:cNvPr id="1" name=""/>
-        <p:cNvGrpSpPr/>
-        <p:nvPr/>
-      </p:nvGrpSpPr>
-      <p:grpSpPr>
-        <a:xfrm>
-          <a:off x="0" y="0"/>
-          <a:ext cx="0" cy="0"/>
-          <a:chOff x="0" y="0"/>
-          <a:chExt cx="0" cy="0"/>
-        </a:xfrm>
-      </p:grpSpPr>
-      <p:sp>
-        <p:nvSpPr>
-          <p:cNvPr id="2" name="Title 1">
-            <a:extLst>
-              <a:ext uri="{FF2B5EF4-FFF2-40B4-BE49-F238E27FC236}">
-                <a16:creationId xmlns:a16="http://schemas.microsoft.com/office/drawing/2014/main" id="{E199600F-A17E-4354-A7AB-0CC2A43A9354}"/>
-              </a:ext>
-            </a:extLst>
-          </p:cNvPr>
-          <p:cNvSpPr>
-            <a:spLocks noGrp="1"/>
-          </p:cNvSpPr>
-          <p:nvPr>
-            <p:ph type="title"/>
-          </p:nvPr>
-        </p:nvSpPr>
-        <p:spPr>
-          <a:xfrm>
-            <a:off x="838199" y="611079"/>
-            <a:ext cx="10515600" cy="833663"/>
-          </a:xfrm>
-        </p:spPr>
-        <p:txBody>
-          <a:bodyPr/>
-          <a:lstStyle/>
-          <a:p>
-            <a:pPr algn="ctr"/>
-            <a:r>
-              <a:rPr lang="en-US" dirty="0" smtClean="0"/>
-              <a:t>Object Initialization : this &amp; super</a:t>
-            </a:r>
-            <a:endParaRPr lang="en-US" dirty="0"/>
-          </a:p>
-        </p:txBody>
-      </p:sp>
-      <p:sp>
-        <p:nvSpPr>
-          <p:cNvPr id="3" name="Content Placeholder 2">
-            <a:extLst>
-              <a:ext uri="{FF2B5EF4-FFF2-40B4-BE49-F238E27FC236}">
-                <a16:creationId xmlns:a16="http://schemas.microsoft.com/office/drawing/2014/main" id="{FA6A4B49-27C8-46B6-8B11-AD7E8F615E2C}"/>
-              </a:ext>
-            </a:extLst>
-          </p:cNvPr>
-          <p:cNvSpPr>
-            <a:spLocks noGrp="1"/>
-          </p:cNvSpPr>
-          <p:nvPr>
-            <p:ph idx="1"/>
-          </p:nvPr>
-        </p:nvSpPr>
-        <p:spPr>
-          <a:xfrm>
-            <a:off x="838199" y="1825625"/>
-            <a:ext cx="10515599" cy="4351338"/>
-          </a:xfrm>
-        </p:spPr>
-        <p:txBody>
-          <a:bodyPr>
-            <a:normAutofit/>
-          </a:bodyPr>
-          <a:lstStyle/>
-          <a:p>
-            <a:r>
-              <a:rPr lang="en-US" sz="2800" dirty="0" smtClean="0"/>
-              <a:t>For an object of inheriting class, state consist if its data members along with the members of the parent class. Hence the object initialization process consists of initializing the state of the members from the current class as well as the parent.</a:t>
-            </a:r>
-          </a:p>
-          <a:p>
-            <a:r>
-              <a:rPr lang="en-US" sz="2800" dirty="0" smtClean="0"/>
-              <a:t>For this purpose, JVM provides a super() constructor call for calling the parent class constructor which would initialize the parent class members.</a:t>
-            </a:r>
-          </a:p>
-          <a:p>
-            <a:r>
-              <a:rPr lang="en-US" sz="2800" dirty="0" smtClean="0"/>
-              <a:t>We already have know about this() constructor chaining, which can be used to call different constructors within the same class.</a:t>
-            </a:r>
-          </a:p>
-          <a:p>
-            <a:r>
-              <a:rPr lang="en-US" sz="2800" dirty="0" smtClean="0"/>
-              <a:t>Either of super() or this() calls can be the first call in any constructor.</a:t>
-            </a:r>
-          </a:p>
-        </p:txBody>
-      </p:sp>
-      <p:sp>
-        <p:nvSpPr>
-          <p:cNvPr id="4" name="Slide Number Placeholder 3">
-            <a:extLst>
-              <a:ext uri="{FF2B5EF4-FFF2-40B4-BE49-F238E27FC236}">
-                <a16:creationId xmlns:a16="http://schemas.microsoft.com/office/drawing/2014/main" id="{62B4CE3A-8C88-45AA-A849-57E5A7AC22C1}"/>
-              </a:ext>
-            </a:extLst>
-          </p:cNvPr>
-          <p:cNvSpPr>
-            <a:spLocks noGrp="1"/>
-          </p:cNvSpPr>
-          <p:nvPr>
-            <p:ph type="sldNum" sz="quarter" idx="10"/>
-          </p:nvPr>
-        </p:nvSpPr>
-        <p:spPr>
-          <a:xfrm>
-            <a:off x="11353800" y="6361475"/>
-            <a:ext cx="838200" cy="360000"/>
-          </a:xfrm>
-        </p:spPr>
-        <p:txBody>
-          <a:bodyPr/>
-          <a:lstStyle/>
-          <a:p>
-            <a:r>
-              <a:rPr lang="en-US" dirty="0"/>
-              <a:t>PAGE </a:t>
-            </a:r>
-            <a:fld id="{4A9B5881-4007-4345-955A-79C2656F0C49}" type="slidenum">
-              <a:rPr lang="en-US" smtClean="0"/>
-              <a:pPr/>
-              <a:t>10</a:t>
-            </a:fld>
-            <a:endParaRPr lang="en-US" dirty="0"/>
-          </a:p>
-        </p:txBody>
-      </p:sp>
-      <p:sp>
-        <p:nvSpPr>
-          <p:cNvPr id="11" name="Rectangle 10">
-            <a:extLst>
-              <a:ext uri="{FF2B5EF4-FFF2-40B4-BE49-F238E27FC236}">
-                <a16:creationId xmlns:a16="http://schemas.microsoft.com/office/drawing/2014/main" id="{5F253864-26FA-4AB1-9F0A-4F57D870EE85}"/>
-              </a:ext>
-              <a:ext uri="{C183D7F6-B498-43B3-948B-1728B52AA6E4}">
-                <adec:decorative xmlns:adec="http://schemas.microsoft.com/office/drawing/2017/decorative" xmlns="" val="1"/>
-              </a:ext>
-            </a:extLst>
-          </p:cNvPr>
-          <p:cNvSpPr/>
-          <p:nvPr/>
-        </p:nvSpPr>
-        <p:spPr>
-          <a:xfrm>
-            <a:off x="6249555" y="6562004"/>
-            <a:ext cx="2552123" cy="159471"/>
-          </a:xfrm>
-          <a:prstGeom prst="rect">
-            <a:avLst/>
-          </a:prstGeom>
-          <a:solidFill>
-            <a:schemeClr val="tx1">
-              <a:lumMod val="85000"/>
-              <a:lumOff val="15000"/>
-            </a:schemeClr>
-          </a:solidFill>
-          <a:ln>
-            <a:noFill/>
-          </a:ln>
-        </p:spPr>
-        <p:style>
-          <a:lnRef idx="2">
-            <a:schemeClr val="accent1">
-              <a:shade val="50000"/>
-            </a:schemeClr>
-          </a:lnRef>
-          <a:fillRef idx="1">
-            <a:schemeClr val="accent1"/>
-          </a:fillRef>
-          <a:effectRef idx="0">
-            <a:schemeClr val="accent1"/>
-          </a:effectRef>
-          <a:fontRef idx="minor">
-            <a:schemeClr val="lt1"/>
-          </a:fontRef>
-        </p:style>
-        <p:txBody>
-          <a:bodyPr anchor="ctr"/>
-          <a:lstStyle/>
-          <a:p>
-            <a:pPr algn="ctr"/>
-            <a:endParaRPr lang="en-US" sz="1200" dirty="0"/>
-          </a:p>
-        </p:txBody>
-      </p:sp>
-    </p:spTree>
-    <p:extLst>
-      <p:ext uri="{BB962C8B-B14F-4D97-AF65-F5344CB8AC3E}">
-        <p14:creationId xmlns:p14="http://schemas.microsoft.com/office/powerpoint/2010/main" val="334955774"/>
-      </p:ext>
-    </p:extLst>
-  </p:cSld>
-  <p:clrMapOvr>
-    <a:masterClrMapping/>
-  </p:clrMapOvr>
-  <p:timing>
-    <p:tnLst>
-      <p:par>
-        <p:cTn id="1" dur="indefinite" restart="never" nodeType="tmRoot"/>
-      </p:par>
-    </p:tnLst>
-  </p:timing>
-</p:sld>
-</file>
-
-<file path=ppt/slides/slide11.xml><?xml version="1.0" encoding="utf-8"?>
-<p:sld xmlns:a="http://schemas.openxmlformats.org/drawingml/2006/main" xmlns:r="http://schemas.openxmlformats.org/officeDocument/2006/relationships" xmlns:p="http://schemas.openxmlformats.org/presentationml/2006/main">
-  <p:cSld>
-    <p:spTree>
-      <p:nvGrpSpPr>
-        <p:cNvPr id="1" name=""/>
-        <p:cNvGrpSpPr/>
-        <p:nvPr/>
-      </p:nvGrpSpPr>
-      <p:grpSpPr>
-        <a:xfrm>
-          <a:off x="0" y="0"/>
-          <a:ext cx="0" cy="0"/>
-          <a:chOff x="0" y="0"/>
-          <a:chExt cx="0" cy="0"/>
-        </a:xfrm>
-      </p:grpSpPr>
-      <p:sp>
-        <p:nvSpPr>
-          <p:cNvPr id="2" name="Title 1">
-            <a:extLst>
-              <a:ext uri="{FF2B5EF4-FFF2-40B4-BE49-F238E27FC236}">
-                <a16:creationId xmlns:a16="http://schemas.microsoft.com/office/drawing/2014/main" id="{E199600F-A17E-4354-A7AB-0CC2A43A9354}"/>
-              </a:ext>
-            </a:extLst>
-          </p:cNvPr>
-          <p:cNvSpPr>
-            <a:spLocks noGrp="1"/>
-          </p:cNvSpPr>
-          <p:nvPr>
-            <p:ph type="title"/>
-          </p:nvPr>
-        </p:nvSpPr>
-        <p:spPr>
-          <a:xfrm>
-            <a:off x="838199" y="611079"/>
-            <a:ext cx="10515600" cy="833663"/>
-          </a:xfrm>
-        </p:spPr>
-        <p:txBody>
-          <a:bodyPr/>
-          <a:lstStyle/>
-          <a:p>
-            <a:pPr algn="ctr"/>
-            <a:r>
-              <a:rPr lang="en-US" dirty="0" smtClean="0"/>
-              <a:t>Order of Object Initialization : this &amp; super</a:t>
-            </a:r>
-            <a:endParaRPr lang="en-US" dirty="0"/>
-          </a:p>
-        </p:txBody>
-      </p:sp>
-      <p:sp>
-        <p:nvSpPr>
-          <p:cNvPr id="3" name="Content Placeholder 2">
-            <a:extLst>
-              <a:ext uri="{FF2B5EF4-FFF2-40B4-BE49-F238E27FC236}">
-                <a16:creationId xmlns:a16="http://schemas.microsoft.com/office/drawing/2014/main" id="{FA6A4B49-27C8-46B6-8B11-AD7E8F615E2C}"/>
-              </a:ext>
-            </a:extLst>
-          </p:cNvPr>
-          <p:cNvSpPr>
-            <a:spLocks noGrp="1"/>
-          </p:cNvSpPr>
-          <p:nvPr>
-            <p:ph idx="1"/>
-          </p:nvPr>
-        </p:nvSpPr>
-        <p:spPr>
-          <a:xfrm>
-            <a:off x="838199" y="1825625"/>
-            <a:ext cx="10515599" cy="4351338"/>
-          </a:xfrm>
-        </p:spPr>
-        <p:txBody>
-          <a:bodyPr>
-            <a:normAutofit/>
-          </a:bodyPr>
-          <a:lstStyle/>
-          <a:p>
-            <a:r>
-              <a:rPr lang="en-US" sz="2800" dirty="0" smtClean="0"/>
-              <a:t>Diagram showing algorithm</a:t>
-            </a:r>
-          </a:p>
-        </p:txBody>
-      </p:sp>
-      <p:sp>
-        <p:nvSpPr>
-          <p:cNvPr id="4" name="Slide Number Placeholder 3">
-            <a:extLst>
-              <a:ext uri="{FF2B5EF4-FFF2-40B4-BE49-F238E27FC236}">
-                <a16:creationId xmlns:a16="http://schemas.microsoft.com/office/drawing/2014/main" id="{62B4CE3A-8C88-45AA-A849-57E5A7AC22C1}"/>
-              </a:ext>
-            </a:extLst>
-          </p:cNvPr>
-          <p:cNvSpPr>
-            <a:spLocks noGrp="1"/>
-          </p:cNvSpPr>
-          <p:nvPr>
-            <p:ph type="sldNum" sz="quarter" idx="10"/>
-          </p:nvPr>
-        </p:nvSpPr>
-        <p:spPr>
-          <a:xfrm>
-            <a:off x="11353800" y="6361475"/>
-            <a:ext cx="838200" cy="360000"/>
-          </a:xfrm>
-        </p:spPr>
-        <p:txBody>
-          <a:bodyPr/>
-          <a:lstStyle/>
-          <a:p>
-            <a:r>
-              <a:rPr lang="en-US" dirty="0"/>
-              <a:t>PAGE </a:t>
-            </a:r>
-            <a:fld id="{4A9B5881-4007-4345-955A-79C2656F0C49}" type="slidenum">
-              <a:rPr lang="en-US" smtClean="0"/>
-              <a:pPr/>
-              <a:t>11</a:t>
-            </a:fld>
-            <a:endParaRPr lang="en-US" dirty="0"/>
-          </a:p>
-        </p:txBody>
-      </p:sp>
-      <p:sp>
-        <p:nvSpPr>
-          <p:cNvPr id="11" name="Rectangle 10">
-            <a:extLst>
-              <a:ext uri="{FF2B5EF4-FFF2-40B4-BE49-F238E27FC236}">
-                <a16:creationId xmlns:a16="http://schemas.microsoft.com/office/drawing/2014/main" id="{5F253864-26FA-4AB1-9F0A-4F57D870EE85}"/>
-              </a:ext>
-              <a:ext uri="{C183D7F6-B498-43B3-948B-1728B52AA6E4}">
-                <adec:decorative xmlns:adec="http://schemas.microsoft.com/office/drawing/2017/decorative" xmlns="" val="1"/>
-              </a:ext>
-            </a:extLst>
-          </p:cNvPr>
-          <p:cNvSpPr/>
-          <p:nvPr/>
-        </p:nvSpPr>
-        <p:spPr>
-          <a:xfrm>
-            <a:off x="6249555" y="6562004"/>
-            <a:ext cx="2552123" cy="159471"/>
-          </a:xfrm>
-          <a:prstGeom prst="rect">
-            <a:avLst/>
-          </a:prstGeom>
-          <a:solidFill>
-            <a:schemeClr val="tx1">
-              <a:lumMod val="85000"/>
-              <a:lumOff val="15000"/>
-            </a:schemeClr>
-          </a:solidFill>
-          <a:ln>
-            <a:noFill/>
-          </a:ln>
-        </p:spPr>
-        <p:style>
-          <a:lnRef idx="2">
-            <a:schemeClr val="accent1">
-              <a:shade val="50000"/>
-            </a:schemeClr>
-          </a:lnRef>
-          <a:fillRef idx="1">
-            <a:schemeClr val="accent1"/>
-          </a:fillRef>
-          <a:effectRef idx="0">
-            <a:schemeClr val="accent1"/>
-          </a:effectRef>
-          <a:fontRef idx="minor">
-            <a:schemeClr val="lt1"/>
-          </a:fontRef>
-        </p:style>
-        <p:txBody>
-          <a:bodyPr anchor="ctr"/>
-          <a:lstStyle/>
-          <a:p>
-            <a:pPr algn="ctr"/>
-            <a:endParaRPr lang="en-US" sz="1200" dirty="0"/>
-          </a:p>
-        </p:txBody>
-      </p:sp>
-    </p:spTree>
-    <p:extLst>
-      <p:ext uri="{BB962C8B-B14F-4D97-AF65-F5344CB8AC3E}">
-        <p14:creationId xmlns:p14="http://schemas.microsoft.com/office/powerpoint/2010/main" val="3431905853"/>
-      </p:ext>
-    </p:extLst>
-  </p:cSld>
-  <p:clrMapOvr>
-    <a:masterClrMapping/>
-  </p:clrMapOvr>
-  <p:timing>
-    <p:tnLst>
-      <p:par>
-        <p:cTn id="1" dur="indefinite" restart="never" nodeType="tmRoot"/>
-      </p:par>
-    </p:tnLst>
-  </p:timing>
-</p:sld>
-</file>
-
-<file path=ppt/slides/slide12.xml><?xml version="1.0" encoding="utf-8"?>
-<p:sld xmlns:a="http://schemas.openxmlformats.org/drawingml/2006/main" xmlns:r="http://schemas.openxmlformats.org/officeDocument/2006/relationships" xmlns:p="http://schemas.openxmlformats.org/presentationml/2006/main">
-  <p:cSld>
-    <p:spTree>
-      <p:nvGrpSpPr>
-        <p:cNvPr id="1" name=""/>
-        <p:cNvGrpSpPr/>
-        <p:nvPr/>
-      </p:nvGrpSpPr>
-      <p:grpSpPr>
-        <a:xfrm>
-          <a:off x="0" y="0"/>
-          <a:ext cx="0" cy="0"/>
-          <a:chOff x="0" y="0"/>
-          <a:chExt cx="0" cy="0"/>
-        </a:xfrm>
-      </p:grpSpPr>
-      <p:sp>
-        <p:nvSpPr>
-          <p:cNvPr id="2" name="Title 1">
-            <a:extLst>
-              <a:ext uri="{FF2B5EF4-FFF2-40B4-BE49-F238E27FC236}">
-                <a16:creationId xmlns:a16="http://schemas.microsoft.com/office/drawing/2014/main" id="{E199600F-A17E-4354-A7AB-0CC2A43A9354}"/>
-              </a:ext>
-            </a:extLst>
-          </p:cNvPr>
-          <p:cNvSpPr>
-            <a:spLocks noGrp="1"/>
-          </p:cNvSpPr>
-          <p:nvPr>
-            <p:ph type="title"/>
-          </p:nvPr>
-        </p:nvSpPr>
-        <p:spPr>
-          <a:xfrm>
-            <a:off x="838199" y="611079"/>
-            <a:ext cx="10515600" cy="833663"/>
-          </a:xfrm>
-        </p:spPr>
-        <p:txBody>
-          <a:bodyPr/>
-          <a:lstStyle/>
-          <a:p>
-            <a:pPr algn="ctr"/>
-            <a:r>
-              <a:rPr lang="en-US" dirty="0" smtClean="0"/>
-              <a:t>Abstract Classes</a:t>
-            </a:r>
-            <a:endParaRPr lang="en-US" dirty="0"/>
-          </a:p>
-        </p:txBody>
-      </p:sp>
-      <p:sp>
-        <p:nvSpPr>
-          <p:cNvPr id="3" name="Content Placeholder 2">
-            <a:extLst>
-              <a:ext uri="{FF2B5EF4-FFF2-40B4-BE49-F238E27FC236}">
-                <a16:creationId xmlns:a16="http://schemas.microsoft.com/office/drawing/2014/main" id="{FA6A4B49-27C8-46B6-8B11-AD7E8F615E2C}"/>
-              </a:ext>
-            </a:extLst>
-          </p:cNvPr>
-          <p:cNvSpPr>
-            <a:spLocks noGrp="1"/>
-          </p:cNvSpPr>
-          <p:nvPr>
-            <p:ph idx="1"/>
-          </p:nvPr>
-        </p:nvSpPr>
-        <p:spPr>
-          <a:xfrm>
-            <a:off x="838199" y="1825625"/>
-            <a:ext cx="6689437" cy="4351338"/>
-          </a:xfrm>
-        </p:spPr>
-        <p:txBody>
-          <a:bodyPr>
-            <a:normAutofit/>
-          </a:bodyPr>
-          <a:lstStyle/>
-          <a:p>
-            <a:r>
-              <a:rPr lang="en-US" dirty="0"/>
-              <a:t>A home represents a place which provides all living beings with shelter and safety. However, home is a concept while flat, row house or farm house is an actuality.</a:t>
-            </a:r>
-          </a:p>
-          <a:p>
-            <a:r>
-              <a:rPr lang="en-US" dirty="0"/>
-              <a:t>Similarly Country represents a land where people live and share a </a:t>
-            </a:r>
-            <a:r>
-              <a:rPr lang="en-US" dirty="0" smtClean="0"/>
-              <a:t>common idea of homeland. </a:t>
-            </a:r>
-            <a:r>
-              <a:rPr lang="en-US" dirty="0"/>
-              <a:t>However, country is a concept while India , USA, China are an actuality.</a:t>
-            </a:r>
-          </a:p>
-          <a:p>
-            <a:r>
-              <a:rPr lang="en-US" dirty="0"/>
-              <a:t>Based on similar lines we have abstract classes in java. These are those classes which cannot be instantiated</a:t>
-            </a:r>
-            <a:r>
-              <a:rPr lang="en-US" dirty="0" smtClean="0"/>
-              <a:t>.</a:t>
-            </a:r>
-          </a:p>
-          <a:p>
-            <a:r>
-              <a:rPr lang="en-US" dirty="0" smtClean="0"/>
-              <a:t>An </a:t>
-            </a:r>
-            <a:r>
-              <a:rPr lang="en-US" dirty="0"/>
-              <a:t>important part of being an abstract class is that </a:t>
-            </a:r>
-            <a:r>
-              <a:rPr lang="en-US" dirty="0" smtClean="0"/>
-              <a:t>it can </a:t>
-            </a:r>
-            <a:r>
-              <a:rPr lang="en-US" dirty="0"/>
-              <a:t>have certain methods which can be left unimplemented by declaring them abstract while there can be some which can be fully implemented.</a:t>
-            </a:r>
-          </a:p>
-          <a:p>
-            <a:endParaRPr lang="en-US" dirty="0" smtClean="0"/>
-          </a:p>
-          <a:p>
-            <a:endParaRPr lang="en-US" noProof="1" smtClean="0"/>
-          </a:p>
-          <a:p>
-            <a:endParaRPr lang="en-US" noProof="1"/>
-          </a:p>
-        </p:txBody>
-      </p:sp>
-      <p:sp>
-        <p:nvSpPr>
-          <p:cNvPr id="4" name="Slide Number Placeholder 3">
-            <a:extLst>
-              <a:ext uri="{FF2B5EF4-FFF2-40B4-BE49-F238E27FC236}">
-                <a16:creationId xmlns:a16="http://schemas.microsoft.com/office/drawing/2014/main" id="{62B4CE3A-8C88-45AA-A849-57E5A7AC22C1}"/>
-              </a:ext>
-            </a:extLst>
-          </p:cNvPr>
-          <p:cNvSpPr>
-            <a:spLocks noGrp="1"/>
-          </p:cNvSpPr>
-          <p:nvPr>
-            <p:ph type="sldNum" sz="quarter" idx="10"/>
-          </p:nvPr>
-        </p:nvSpPr>
-        <p:spPr>
-          <a:xfrm>
-            <a:off x="11353800" y="6361475"/>
-            <a:ext cx="838200" cy="360000"/>
-          </a:xfrm>
-        </p:spPr>
-        <p:txBody>
-          <a:bodyPr/>
-          <a:lstStyle/>
-          <a:p>
-            <a:r>
-              <a:rPr lang="en-US" dirty="0"/>
-              <a:t>PAGE </a:t>
-            </a:r>
-            <a:fld id="{4A9B5881-4007-4345-955A-79C2656F0C49}" type="slidenum">
-              <a:rPr lang="en-US" smtClean="0"/>
-              <a:pPr/>
-              <a:t>12</a:t>
-            </a:fld>
-            <a:endParaRPr lang="en-US" dirty="0"/>
-          </a:p>
-        </p:txBody>
-      </p:sp>
-      <p:sp>
-        <p:nvSpPr>
-          <p:cNvPr id="11" name="Rectangle 10">
-            <a:extLst>
-              <a:ext uri="{FF2B5EF4-FFF2-40B4-BE49-F238E27FC236}">
-                <a16:creationId xmlns:a16="http://schemas.microsoft.com/office/drawing/2014/main" id="{5F253864-26FA-4AB1-9F0A-4F57D870EE85}"/>
-              </a:ext>
-              <a:ext uri="{C183D7F6-B498-43B3-948B-1728B52AA6E4}">
-                <adec:decorative xmlns:adec="http://schemas.microsoft.com/office/drawing/2017/decorative" xmlns="" val="1"/>
-              </a:ext>
-            </a:extLst>
-          </p:cNvPr>
-          <p:cNvSpPr/>
-          <p:nvPr/>
-        </p:nvSpPr>
-        <p:spPr>
-          <a:xfrm>
-            <a:off x="6249555" y="6562004"/>
-            <a:ext cx="2552123" cy="159471"/>
-          </a:xfrm>
-          <a:prstGeom prst="rect">
-            <a:avLst/>
-          </a:prstGeom>
-          <a:solidFill>
-            <a:schemeClr val="tx1">
-              <a:lumMod val="85000"/>
-              <a:lumOff val="15000"/>
-            </a:schemeClr>
-          </a:solidFill>
-          <a:ln>
-            <a:noFill/>
-          </a:ln>
-        </p:spPr>
-        <p:style>
-          <a:lnRef idx="2">
-            <a:schemeClr val="accent1">
-              <a:shade val="50000"/>
-            </a:schemeClr>
-          </a:lnRef>
-          <a:fillRef idx="1">
-            <a:schemeClr val="accent1"/>
-          </a:fillRef>
-          <a:effectRef idx="0">
-            <a:schemeClr val="accent1"/>
-          </a:effectRef>
-          <a:fontRef idx="minor">
-            <a:schemeClr val="lt1"/>
-          </a:fontRef>
-        </p:style>
-        <p:txBody>
-          <a:bodyPr anchor="ctr"/>
-          <a:lstStyle/>
-          <a:p>
-            <a:pPr algn="ctr"/>
-            <a:endParaRPr lang="en-US" sz="1200" dirty="0"/>
-          </a:p>
-        </p:txBody>
-      </p:sp>
-      <p:pic>
-        <p:nvPicPr>
-          <p:cNvPr id="5" name="Picture 4"/>
-          <p:cNvPicPr>
-            <a:picLocks noChangeAspect="1"/>
-          </p:cNvPicPr>
-          <p:nvPr/>
-        </p:nvPicPr>
-        <p:blipFill>
-          <a:blip r:embed="rId2">
-            <a:extLst>
-              <a:ext uri="{28A0092B-C50C-407E-A947-70E740481C1C}">
-                <a14:useLocalDpi xmlns:a14="http://schemas.microsoft.com/office/drawing/2010/main" val="0"/>
-              </a:ext>
-            </a:extLst>
-          </a:blip>
-          <a:stretch>
-            <a:fillRect/>
-          </a:stretch>
-        </p:blipFill>
-        <p:spPr>
-          <a:xfrm>
-            <a:off x="8343744" y="1825625"/>
-            <a:ext cx="3010055" cy="4011757"/>
-          </a:xfrm>
-          <a:prstGeom prst="rect">
-            <a:avLst/>
-          </a:prstGeom>
-        </p:spPr>
-      </p:pic>
-    </p:spTree>
-    <p:extLst>
-      <p:ext uri="{BB962C8B-B14F-4D97-AF65-F5344CB8AC3E}">
-        <p14:creationId xmlns:p14="http://schemas.microsoft.com/office/powerpoint/2010/main" val="2081229395"/>
-      </p:ext>
-    </p:extLst>
-  </p:cSld>
-  <p:clrMapOvr>
-    <a:masterClrMapping/>
-  </p:clrMapOvr>
-  <p:timing>
-    <p:tnLst>
-      <p:par>
-        <p:cTn id="1" dur="indefinite" restart="never" nodeType="tmRoot"/>
-      </p:par>
-    </p:tnLst>
-  </p:timing>
-</p:sld>
-</file>
-
-<file path=ppt/slides/slide13.xml><?xml version="1.0" encoding="utf-8"?>
-<p:sld xmlns:a="http://schemas.openxmlformats.org/drawingml/2006/main" xmlns:r="http://schemas.openxmlformats.org/officeDocument/2006/relationships" xmlns:p="http://schemas.openxmlformats.org/presentationml/2006/main">
-  <p:cSld>
-    <p:spTree>
-      <p:nvGrpSpPr>
-        <p:cNvPr id="1" name=""/>
-        <p:cNvGrpSpPr/>
-        <p:nvPr/>
-      </p:nvGrpSpPr>
-      <p:grpSpPr>
-        <a:xfrm>
-          <a:off x="0" y="0"/>
-          <a:ext cx="0" cy="0"/>
-          <a:chOff x="0" y="0"/>
-          <a:chExt cx="0" cy="0"/>
-        </a:xfrm>
-      </p:grpSpPr>
-      <p:sp>
-        <p:nvSpPr>
-          <p:cNvPr id="2" name="Title 1">
-            <a:extLst>
-              <a:ext uri="{FF2B5EF4-FFF2-40B4-BE49-F238E27FC236}">
-                <a16:creationId xmlns:a16="http://schemas.microsoft.com/office/drawing/2014/main" id="{E199600F-A17E-4354-A7AB-0CC2A43A9354}"/>
-              </a:ext>
-            </a:extLst>
-          </p:cNvPr>
-          <p:cNvSpPr>
-            <a:spLocks noGrp="1"/>
-          </p:cNvSpPr>
-          <p:nvPr>
-            <p:ph type="title"/>
-          </p:nvPr>
-        </p:nvSpPr>
-        <p:spPr>
-          <a:xfrm>
-            <a:off x="838199" y="611079"/>
-            <a:ext cx="10515600" cy="833663"/>
-          </a:xfrm>
-        </p:spPr>
-        <p:txBody>
-          <a:bodyPr/>
-          <a:lstStyle/>
-          <a:p>
-            <a:pPr algn="ctr"/>
-            <a:r>
-              <a:rPr lang="en-US" dirty="0" smtClean="0"/>
-              <a:t>Abstract Classes</a:t>
-            </a:r>
-            <a:endParaRPr lang="en-US" dirty="0"/>
-          </a:p>
-        </p:txBody>
-      </p:sp>
-      <p:sp>
-        <p:nvSpPr>
-          <p:cNvPr id="3" name="Content Placeholder 2">
-            <a:extLst>
-              <a:ext uri="{FF2B5EF4-FFF2-40B4-BE49-F238E27FC236}">
-                <a16:creationId xmlns:a16="http://schemas.microsoft.com/office/drawing/2014/main" id="{FA6A4B49-27C8-46B6-8B11-AD7E8F615E2C}"/>
-              </a:ext>
-            </a:extLst>
-          </p:cNvPr>
-          <p:cNvSpPr>
-            <a:spLocks noGrp="1"/>
-          </p:cNvSpPr>
-          <p:nvPr>
-            <p:ph idx="1"/>
-          </p:nvPr>
-        </p:nvSpPr>
-        <p:spPr>
-          <a:xfrm>
-            <a:off x="838199" y="1825625"/>
-            <a:ext cx="10515599" cy="4351338"/>
-          </a:xfrm>
-        </p:spPr>
-        <p:txBody>
-          <a:bodyPr>
-            <a:normAutofit/>
-          </a:bodyPr>
-          <a:lstStyle/>
-          <a:p>
-            <a:r>
-              <a:rPr lang="en-US" sz="2800" dirty="0" smtClean="0"/>
-              <a:t>Abstract classes are declared as abstract.</a:t>
-            </a:r>
-          </a:p>
-          <a:p>
-            <a:r>
-              <a:rPr lang="en-US" sz="2800" dirty="0" smtClean="0"/>
-              <a:t>Abstract classes have one or more methods defined as abstract. These are those methods which are intended to be left unimplemented. The y just have the method declaration but no </a:t>
-            </a:r>
-            <a:r>
-              <a:rPr lang="en-US" sz="2800" dirty="0"/>
-              <a:t>b</a:t>
-            </a:r>
-            <a:r>
-              <a:rPr lang="en-US" sz="2800" dirty="0" smtClean="0"/>
-              <a:t>ody.</a:t>
-            </a:r>
-          </a:p>
-          <a:p>
-            <a:r>
-              <a:rPr lang="en-US" sz="2800" dirty="0" smtClean="0"/>
-              <a:t>It can also have methods which are given fully implemented.</a:t>
-            </a:r>
-          </a:p>
-          <a:p>
-            <a:r>
-              <a:rPr lang="en-US" sz="2800" dirty="0" smtClean="0"/>
-              <a:t>If a class chooses to extend the abstract class, then it is required that it gives definition to all the abstract methods from the parent class. </a:t>
-            </a:r>
-          </a:p>
-          <a:p>
-            <a:r>
-              <a:rPr lang="en-US" sz="2800" dirty="0" smtClean="0"/>
-              <a:t>However if a class intends to partially implement an abstract class , then it will also have to declare itself abstract.</a:t>
-            </a:r>
-          </a:p>
-          <a:p>
-            <a:endParaRPr lang="en-US" sz="2800" dirty="0"/>
-          </a:p>
-        </p:txBody>
-      </p:sp>
-      <p:sp>
-        <p:nvSpPr>
-          <p:cNvPr id="4" name="Slide Number Placeholder 3">
-            <a:extLst>
-              <a:ext uri="{FF2B5EF4-FFF2-40B4-BE49-F238E27FC236}">
-                <a16:creationId xmlns:a16="http://schemas.microsoft.com/office/drawing/2014/main" id="{62B4CE3A-8C88-45AA-A849-57E5A7AC22C1}"/>
-              </a:ext>
-            </a:extLst>
-          </p:cNvPr>
-          <p:cNvSpPr>
-            <a:spLocks noGrp="1"/>
-          </p:cNvSpPr>
-          <p:nvPr>
-            <p:ph type="sldNum" sz="quarter" idx="10"/>
-          </p:nvPr>
-        </p:nvSpPr>
-        <p:spPr>
-          <a:xfrm>
-            <a:off x="11353800" y="6361475"/>
-            <a:ext cx="838200" cy="360000"/>
-          </a:xfrm>
-        </p:spPr>
-        <p:txBody>
-          <a:bodyPr/>
-          <a:lstStyle/>
-          <a:p>
-            <a:r>
-              <a:rPr lang="en-US" dirty="0"/>
-              <a:t>PAGE </a:t>
-            </a:r>
-            <a:fld id="{4A9B5881-4007-4345-955A-79C2656F0C49}" type="slidenum">
-              <a:rPr lang="en-US" smtClean="0"/>
-              <a:pPr/>
-              <a:t>13</a:t>
-            </a:fld>
-            <a:endParaRPr lang="en-US" dirty="0"/>
-          </a:p>
-        </p:txBody>
-      </p:sp>
-      <p:sp>
-        <p:nvSpPr>
-          <p:cNvPr id="11" name="Rectangle 10">
-            <a:extLst>
-              <a:ext uri="{FF2B5EF4-FFF2-40B4-BE49-F238E27FC236}">
-                <a16:creationId xmlns:a16="http://schemas.microsoft.com/office/drawing/2014/main" id="{5F253864-26FA-4AB1-9F0A-4F57D870EE85}"/>
-              </a:ext>
-              <a:ext uri="{C183D7F6-B498-43B3-948B-1728B52AA6E4}">
-                <adec:decorative xmlns:adec="http://schemas.microsoft.com/office/drawing/2017/decorative" xmlns="" val="1"/>
-              </a:ext>
-            </a:extLst>
-          </p:cNvPr>
-          <p:cNvSpPr/>
-          <p:nvPr/>
-        </p:nvSpPr>
-        <p:spPr>
-          <a:xfrm>
-            <a:off x="6249555" y="6562004"/>
-            <a:ext cx="2552123" cy="159471"/>
-          </a:xfrm>
-          <a:prstGeom prst="rect">
-            <a:avLst/>
-          </a:prstGeom>
-          <a:solidFill>
-            <a:schemeClr val="tx1">
-              <a:lumMod val="85000"/>
-              <a:lumOff val="15000"/>
-            </a:schemeClr>
-          </a:solidFill>
-          <a:ln>
-            <a:noFill/>
-          </a:ln>
-        </p:spPr>
-        <p:style>
-          <a:lnRef idx="2">
-            <a:schemeClr val="accent1">
-              <a:shade val="50000"/>
-            </a:schemeClr>
-          </a:lnRef>
-          <a:fillRef idx="1">
-            <a:schemeClr val="accent1"/>
-          </a:fillRef>
-          <a:effectRef idx="0">
-            <a:schemeClr val="accent1"/>
-          </a:effectRef>
-          <a:fontRef idx="minor">
-            <a:schemeClr val="lt1"/>
-          </a:fontRef>
-        </p:style>
-        <p:txBody>
-          <a:bodyPr anchor="ctr"/>
-          <a:lstStyle/>
-          <a:p>
-            <a:pPr algn="ctr"/>
-            <a:endParaRPr lang="en-US" sz="1200" dirty="0"/>
-          </a:p>
-        </p:txBody>
-      </p:sp>
-    </p:spTree>
-    <p:extLst>
-      <p:ext uri="{BB962C8B-B14F-4D97-AF65-F5344CB8AC3E}">
-        <p14:creationId xmlns:p14="http://schemas.microsoft.com/office/powerpoint/2010/main" val="570373965"/>
-      </p:ext>
-    </p:extLst>
-  </p:cSld>
-  <p:clrMapOvr>
-    <a:masterClrMapping/>
-  </p:clrMapOvr>
-  <p:timing>
-    <p:tnLst>
-      <p:par>
-        <p:cTn id="1" dur="indefinite" restart="never" nodeType="tmRoot"/>
-      </p:par>
-    </p:tnLst>
-  </p:timing>
-</p:sld>
-</file>
-
-<file path=ppt/slides/slide14.xml><?xml version="1.0" encoding="utf-8"?>
-<p:sld xmlns:a="http://schemas.openxmlformats.org/drawingml/2006/main" xmlns:r="http://schemas.openxmlformats.org/officeDocument/2006/relationships" xmlns:p="http://schemas.openxmlformats.org/presentationml/2006/main">
-  <p:cSld>
-    <p:spTree>
-      <p:nvGrpSpPr>
-        <p:cNvPr id="1" name=""/>
-        <p:cNvGrpSpPr/>
-        <p:nvPr/>
-      </p:nvGrpSpPr>
-      <p:grpSpPr>
-        <a:xfrm>
-          <a:off x="0" y="0"/>
-          <a:ext cx="0" cy="0"/>
-          <a:chOff x="0" y="0"/>
-          <a:chExt cx="0" cy="0"/>
-        </a:xfrm>
-      </p:grpSpPr>
-      <p:sp>
-        <p:nvSpPr>
-          <p:cNvPr id="2" name="Title 1">
-            <a:extLst>
-              <a:ext uri="{FF2B5EF4-FFF2-40B4-BE49-F238E27FC236}">
-                <a16:creationId xmlns:a16="http://schemas.microsoft.com/office/drawing/2014/main" id="{E199600F-A17E-4354-A7AB-0CC2A43A9354}"/>
-              </a:ext>
-            </a:extLst>
-          </p:cNvPr>
-          <p:cNvSpPr>
-            <a:spLocks noGrp="1"/>
-          </p:cNvSpPr>
-          <p:nvPr>
-            <p:ph type="title"/>
-          </p:nvPr>
-        </p:nvSpPr>
-        <p:spPr>
-          <a:xfrm>
-            <a:off x="838199" y="611079"/>
-            <a:ext cx="10515600" cy="833663"/>
-          </a:xfrm>
-        </p:spPr>
-        <p:txBody>
-          <a:bodyPr/>
-          <a:lstStyle/>
-          <a:p>
-            <a:pPr algn="ctr"/>
-            <a:r>
-              <a:rPr lang="en-US" dirty="0" smtClean="0"/>
-              <a:t>Polymorphism</a:t>
-            </a:r>
-            <a:endParaRPr lang="en-US" dirty="0"/>
-          </a:p>
-        </p:txBody>
-      </p:sp>
-      <p:sp>
-        <p:nvSpPr>
-          <p:cNvPr id="3" name="Content Placeholder 2">
-            <a:extLst>
-              <a:ext uri="{FF2B5EF4-FFF2-40B4-BE49-F238E27FC236}">
-                <a16:creationId xmlns:a16="http://schemas.microsoft.com/office/drawing/2014/main" id="{FA6A4B49-27C8-46B6-8B11-AD7E8F615E2C}"/>
-              </a:ext>
-            </a:extLst>
-          </p:cNvPr>
-          <p:cNvSpPr>
-            <a:spLocks noGrp="1"/>
-          </p:cNvSpPr>
-          <p:nvPr>
-            <p:ph idx="1"/>
-          </p:nvPr>
-        </p:nvSpPr>
-        <p:spPr>
-          <a:xfrm>
-            <a:off x="838199" y="1825625"/>
-            <a:ext cx="10515599" cy="4351338"/>
-          </a:xfrm>
-        </p:spPr>
-        <p:txBody>
-          <a:bodyPr>
-            <a:normAutofit/>
-          </a:bodyPr>
-          <a:lstStyle/>
-          <a:p>
-            <a:r>
-              <a:rPr lang="en-US" sz="2800" dirty="0" smtClean="0"/>
-              <a:t>With inheritance in place, the program is at liberty to play around with a reference and the object.</a:t>
-            </a:r>
-            <a:endParaRPr lang="en-US" sz="2800" dirty="0"/>
-          </a:p>
-        </p:txBody>
-      </p:sp>
-      <p:sp>
-        <p:nvSpPr>
-          <p:cNvPr id="4" name="Slide Number Placeholder 3">
-            <a:extLst>
-              <a:ext uri="{FF2B5EF4-FFF2-40B4-BE49-F238E27FC236}">
-                <a16:creationId xmlns:a16="http://schemas.microsoft.com/office/drawing/2014/main" id="{62B4CE3A-8C88-45AA-A849-57E5A7AC22C1}"/>
-              </a:ext>
-            </a:extLst>
-          </p:cNvPr>
-          <p:cNvSpPr>
-            <a:spLocks noGrp="1"/>
-          </p:cNvSpPr>
-          <p:nvPr>
-            <p:ph type="sldNum" sz="quarter" idx="10"/>
-          </p:nvPr>
-        </p:nvSpPr>
-        <p:spPr>
-          <a:xfrm>
-            <a:off x="11353800" y="6361475"/>
-            <a:ext cx="838200" cy="360000"/>
-          </a:xfrm>
-        </p:spPr>
-        <p:txBody>
-          <a:bodyPr/>
-          <a:lstStyle/>
-          <a:p>
-            <a:r>
-              <a:rPr lang="en-US" dirty="0"/>
-              <a:t>PAGE </a:t>
-            </a:r>
-            <a:fld id="{4A9B5881-4007-4345-955A-79C2656F0C49}" type="slidenum">
-              <a:rPr lang="en-US" smtClean="0"/>
-              <a:pPr/>
-              <a:t>14</a:t>
-            </a:fld>
-            <a:endParaRPr lang="en-US" dirty="0"/>
-          </a:p>
-        </p:txBody>
-      </p:sp>
-      <p:sp>
-        <p:nvSpPr>
-          <p:cNvPr id="11" name="Rectangle 10">
-            <a:extLst>
-              <a:ext uri="{FF2B5EF4-FFF2-40B4-BE49-F238E27FC236}">
-                <a16:creationId xmlns:a16="http://schemas.microsoft.com/office/drawing/2014/main" id="{5F253864-26FA-4AB1-9F0A-4F57D870EE85}"/>
-              </a:ext>
-              <a:ext uri="{C183D7F6-B498-43B3-948B-1728B52AA6E4}">
-                <adec:decorative xmlns:adec="http://schemas.microsoft.com/office/drawing/2017/decorative" xmlns="" val="1"/>
-              </a:ext>
-            </a:extLst>
-          </p:cNvPr>
-          <p:cNvSpPr/>
-          <p:nvPr/>
-        </p:nvSpPr>
-        <p:spPr>
-          <a:xfrm>
-            <a:off x="6249555" y="6562004"/>
-            <a:ext cx="2552123" cy="159471"/>
-          </a:xfrm>
-          <a:prstGeom prst="rect">
-            <a:avLst/>
-          </a:prstGeom>
-          <a:solidFill>
-            <a:schemeClr val="tx1">
-              <a:lumMod val="85000"/>
-              <a:lumOff val="15000"/>
-            </a:schemeClr>
-          </a:solidFill>
-          <a:ln>
-            <a:noFill/>
-          </a:ln>
-        </p:spPr>
-        <p:style>
-          <a:lnRef idx="2">
-            <a:schemeClr val="accent1">
-              <a:shade val="50000"/>
-            </a:schemeClr>
-          </a:lnRef>
-          <a:fillRef idx="1">
-            <a:schemeClr val="accent1"/>
-          </a:fillRef>
-          <a:effectRef idx="0">
-            <a:schemeClr val="accent1"/>
-          </a:effectRef>
-          <a:fontRef idx="minor">
-            <a:schemeClr val="lt1"/>
-          </a:fontRef>
-        </p:style>
-        <p:txBody>
-          <a:bodyPr anchor="ctr"/>
-          <a:lstStyle/>
-          <a:p>
-            <a:pPr algn="ctr"/>
-            <a:endParaRPr lang="en-US" sz="1200" dirty="0"/>
-          </a:p>
-        </p:txBody>
-      </p:sp>
-    </p:spTree>
-    <p:extLst>
-      <p:ext uri="{BB962C8B-B14F-4D97-AF65-F5344CB8AC3E}">
-        <p14:creationId xmlns:p14="http://schemas.microsoft.com/office/powerpoint/2010/main" val="1262960452"/>
-      </p:ext>
-    </p:extLst>
-  </p:cSld>
-  <p:clrMapOvr>
-    <a:masterClrMapping/>
-  </p:clrMapOvr>
-  <p:timing>
-    <p:tnLst>
-      <p:par>
-        <p:cTn id="1" dur="indefinite" restart="never" nodeType="tmRoot"/>
-      </p:par>
-    </p:tnLst>
-  </p:timing>
-</p:sld>
-</file>
-
-<file path=ppt/slides/slide15.xml><?xml version="1.0" encoding="utf-8"?>
-<p:sld xmlns:a="http://schemas.openxmlformats.org/drawingml/2006/main" xmlns:r="http://schemas.openxmlformats.org/officeDocument/2006/relationships" xmlns:p="http://schemas.openxmlformats.org/presentationml/2006/main">
-  <p:cSld>
-    <p:spTree>
-      <p:nvGrpSpPr>
-        <p:cNvPr id="1" name=""/>
-        <p:cNvGrpSpPr/>
-        <p:nvPr/>
-      </p:nvGrpSpPr>
-      <p:grpSpPr>
-        <a:xfrm>
-          <a:off x="0" y="0"/>
-          <a:ext cx="0" cy="0"/>
-          <a:chOff x="0" y="0"/>
-          <a:chExt cx="0" cy="0"/>
-        </a:xfrm>
-      </p:grpSpPr>
-      <p:sp>
-        <p:nvSpPr>
-          <p:cNvPr id="2" name="Title 1">
-            <a:extLst>
-              <a:ext uri="{FF2B5EF4-FFF2-40B4-BE49-F238E27FC236}">
-                <a16:creationId xmlns:a16="http://schemas.microsoft.com/office/drawing/2014/main" id="{E199600F-A17E-4354-A7AB-0CC2A43A9354}"/>
-              </a:ext>
-            </a:extLst>
-          </p:cNvPr>
-          <p:cNvSpPr>
-            <a:spLocks noGrp="1"/>
-          </p:cNvSpPr>
-          <p:nvPr>
-            <p:ph type="title"/>
-          </p:nvPr>
-        </p:nvSpPr>
-        <p:spPr>
-          <a:xfrm>
-            <a:off x="838199" y="611079"/>
-            <a:ext cx="10515600" cy="833663"/>
-          </a:xfrm>
-        </p:spPr>
-        <p:txBody>
-          <a:bodyPr/>
-          <a:lstStyle/>
-          <a:p>
-            <a:pPr algn="ctr"/>
-            <a:r>
-              <a:rPr lang="en-US" dirty="0" smtClean="0"/>
-              <a:t>Polymorphism</a:t>
-            </a:r>
-            <a:endParaRPr lang="en-US" dirty="0"/>
-          </a:p>
-        </p:txBody>
-      </p:sp>
-      <p:sp>
-        <p:nvSpPr>
-          <p:cNvPr id="3" name="Content Placeholder 2">
-            <a:extLst>
-              <a:ext uri="{FF2B5EF4-FFF2-40B4-BE49-F238E27FC236}">
-                <a16:creationId xmlns:a16="http://schemas.microsoft.com/office/drawing/2014/main" id="{FA6A4B49-27C8-46B6-8B11-AD7E8F615E2C}"/>
-              </a:ext>
-            </a:extLst>
-          </p:cNvPr>
-          <p:cNvSpPr>
-            <a:spLocks noGrp="1"/>
-          </p:cNvSpPr>
-          <p:nvPr>
-            <p:ph idx="1"/>
-          </p:nvPr>
-        </p:nvSpPr>
-        <p:spPr>
-          <a:xfrm>
-            <a:off x="838199" y="1825625"/>
-            <a:ext cx="6689437" cy="4351338"/>
-          </a:xfrm>
-        </p:spPr>
-        <p:txBody>
-          <a:bodyPr>
-            <a:normAutofit/>
-          </a:bodyPr>
-          <a:lstStyle/>
-          <a:p>
-            <a:r>
-              <a:rPr lang="en-US" dirty="0" smtClean="0"/>
-              <a:t>With inheritance in our armory, we can now start playing around with the world of OOPS!!!</a:t>
-            </a:r>
-          </a:p>
-          <a:p>
-            <a:r>
-              <a:rPr lang="en-US" dirty="0" smtClean="0"/>
-              <a:t>Enter </a:t>
-            </a:r>
-            <a:r>
-              <a:rPr lang="en-US" dirty="0"/>
-              <a:t>polymorphism</a:t>
-            </a:r>
-            <a:r>
-              <a:rPr lang="en-US" dirty="0" smtClean="0"/>
-              <a:t>. Let the game begin.</a:t>
-            </a:r>
-            <a:endParaRPr lang="en-US" dirty="0"/>
-          </a:p>
-          <a:p>
-            <a:r>
-              <a:rPr lang="en-US" noProof="1" smtClean="0"/>
-              <a:t>With inheritance in place, a super class reference can point to any of the subclass object. This is referred to as polymorphism.</a:t>
-            </a:r>
-          </a:p>
-          <a:p>
-            <a:r>
-              <a:rPr lang="en-US" noProof="1" smtClean="0"/>
-              <a:t>Combined with polymorphism is concept of </a:t>
-            </a:r>
-            <a:r>
-              <a:rPr lang="en-US" b="1" i="1" u="sng" noProof="1" smtClean="0"/>
-              <a:t>dynamic method lookup</a:t>
-            </a:r>
-            <a:r>
-              <a:rPr lang="en-US" noProof="1" smtClean="0"/>
-              <a:t>. Dynamic method lookup as the name suggests invokes a method based on the runtime type of the object.</a:t>
-            </a:r>
-          </a:p>
-          <a:p>
-            <a:r>
-              <a:rPr lang="en-US" noProof="1" smtClean="0"/>
-              <a:t>As the picture says, when an animal is asked to speak, each speaks out in his own unique and different ways depending on the animal.</a:t>
-            </a:r>
-          </a:p>
-        </p:txBody>
-      </p:sp>
-      <p:sp>
-        <p:nvSpPr>
-          <p:cNvPr id="4" name="Slide Number Placeholder 3">
-            <a:extLst>
-              <a:ext uri="{FF2B5EF4-FFF2-40B4-BE49-F238E27FC236}">
-                <a16:creationId xmlns:a16="http://schemas.microsoft.com/office/drawing/2014/main" id="{62B4CE3A-8C88-45AA-A849-57E5A7AC22C1}"/>
-              </a:ext>
-            </a:extLst>
-          </p:cNvPr>
-          <p:cNvSpPr>
-            <a:spLocks noGrp="1"/>
-          </p:cNvSpPr>
-          <p:nvPr>
-            <p:ph type="sldNum" sz="quarter" idx="10"/>
-          </p:nvPr>
-        </p:nvSpPr>
-        <p:spPr>
-          <a:xfrm>
-            <a:off x="11353800" y="6361475"/>
-            <a:ext cx="838200" cy="360000"/>
-          </a:xfrm>
-        </p:spPr>
-        <p:txBody>
-          <a:bodyPr/>
-          <a:lstStyle/>
-          <a:p>
-            <a:r>
-              <a:rPr lang="en-US" dirty="0"/>
-              <a:t>PAGE </a:t>
-            </a:r>
-            <a:fld id="{4A9B5881-4007-4345-955A-79C2656F0C49}" type="slidenum">
-              <a:rPr lang="en-US" smtClean="0"/>
-              <a:pPr/>
-              <a:t>15</a:t>
-            </a:fld>
-            <a:endParaRPr lang="en-US" dirty="0"/>
-          </a:p>
-        </p:txBody>
-      </p:sp>
-      <p:sp>
-        <p:nvSpPr>
-          <p:cNvPr id="11" name="Rectangle 10">
-            <a:extLst>
-              <a:ext uri="{FF2B5EF4-FFF2-40B4-BE49-F238E27FC236}">
-                <a16:creationId xmlns:a16="http://schemas.microsoft.com/office/drawing/2014/main" id="{5F253864-26FA-4AB1-9F0A-4F57D870EE85}"/>
-              </a:ext>
-              <a:ext uri="{C183D7F6-B498-43B3-948B-1728B52AA6E4}">
-                <adec:decorative xmlns:adec="http://schemas.microsoft.com/office/drawing/2017/decorative" xmlns="" val="1"/>
-              </a:ext>
-            </a:extLst>
-          </p:cNvPr>
-          <p:cNvSpPr/>
-          <p:nvPr/>
-        </p:nvSpPr>
-        <p:spPr>
-          <a:xfrm>
-            <a:off x="6249555" y="6562004"/>
-            <a:ext cx="2552123" cy="159471"/>
-          </a:xfrm>
-          <a:prstGeom prst="rect">
-            <a:avLst/>
-          </a:prstGeom>
-          <a:solidFill>
-            <a:schemeClr val="tx1">
-              <a:lumMod val="85000"/>
-              <a:lumOff val="15000"/>
-            </a:schemeClr>
-          </a:solidFill>
-          <a:ln>
-            <a:noFill/>
-          </a:ln>
-        </p:spPr>
-        <p:style>
-          <a:lnRef idx="2">
-            <a:schemeClr val="accent1">
-              <a:shade val="50000"/>
-            </a:schemeClr>
-          </a:lnRef>
-          <a:fillRef idx="1">
-            <a:schemeClr val="accent1"/>
-          </a:fillRef>
-          <a:effectRef idx="0">
-            <a:schemeClr val="accent1"/>
-          </a:effectRef>
-          <a:fontRef idx="minor">
-            <a:schemeClr val="lt1"/>
-          </a:fontRef>
-        </p:style>
-        <p:txBody>
-          <a:bodyPr anchor="ctr"/>
-          <a:lstStyle/>
-          <a:p>
-            <a:pPr algn="ctr"/>
-            <a:endParaRPr lang="en-US" sz="1200" dirty="0"/>
-          </a:p>
-        </p:txBody>
-      </p:sp>
-      <p:pic>
-        <p:nvPicPr>
-          <p:cNvPr id="6" name="Picture 5"/>
-          <p:cNvPicPr>
-            <a:picLocks noChangeAspect="1"/>
-          </p:cNvPicPr>
-          <p:nvPr/>
-        </p:nvPicPr>
-        <p:blipFill>
-          <a:blip r:embed="rId2">
-            <a:extLst>
-              <a:ext uri="{28A0092B-C50C-407E-A947-70E740481C1C}">
-                <a14:useLocalDpi xmlns:a14="http://schemas.microsoft.com/office/drawing/2010/main" val="0"/>
-              </a:ext>
-            </a:extLst>
-          </a:blip>
-          <a:stretch>
-            <a:fillRect/>
-          </a:stretch>
-        </p:blipFill>
-        <p:spPr>
-          <a:xfrm>
-            <a:off x="7700211" y="1825625"/>
-            <a:ext cx="3653588" cy="4351338"/>
-          </a:xfrm>
-          <a:prstGeom prst="rect">
-            <a:avLst/>
-          </a:prstGeom>
-        </p:spPr>
-      </p:pic>
-    </p:spTree>
-    <p:extLst>
-      <p:ext uri="{BB962C8B-B14F-4D97-AF65-F5344CB8AC3E}">
-        <p14:creationId xmlns:p14="http://schemas.microsoft.com/office/powerpoint/2010/main" val="114648560"/>
-      </p:ext>
-    </p:extLst>
-  </p:cSld>
-  <p:clrMapOvr>
-    <a:masterClrMapping/>
-  </p:clrMapOvr>
-  <p:timing>
-    <p:tnLst>
-      <p:par>
-        <p:cTn id="1" dur="indefinite" restart="never" nodeType="tmRoot"/>
-      </p:par>
-    </p:tnLst>
-  </p:timing>
-</p:sld>
-</file>
-
-<file path=ppt/slides/slide16.xml><?xml version="1.0" encoding="utf-8"?>
-<p:sld xmlns:a="http://schemas.openxmlformats.org/drawingml/2006/main" xmlns:r="http://schemas.openxmlformats.org/officeDocument/2006/relationships" xmlns:p="http://schemas.openxmlformats.org/presentationml/2006/main">
-  <p:cSld>
-    <p:spTree>
-      <p:nvGrpSpPr>
-        <p:cNvPr id="1" name=""/>
-        <p:cNvGrpSpPr/>
-        <p:nvPr/>
-      </p:nvGrpSpPr>
-      <p:grpSpPr>
-        <a:xfrm>
-          <a:off x="0" y="0"/>
-          <a:ext cx="0" cy="0"/>
-          <a:chOff x="0" y="0"/>
-          <a:chExt cx="0" cy="0"/>
-        </a:xfrm>
-      </p:grpSpPr>
-      <p:sp>
-        <p:nvSpPr>
-          <p:cNvPr id="2" name="Title 1">
-            <a:extLst>
-              <a:ext uri="{FF2B5EF4-FFF2-40B4-BE49-F238E27FC236}">
-                <a16:creationId xmlns:a16="http://schemas.microsoft.com/office/drawing/2014/main" id="{E199600F-A17E-4354-A7AB-0CC2A43A9354}"/>
-              </a:ext>
-            </a:extLst>
-          </p:cNvPr>
-          <p:cNvSpPr>
-            <a:spLocks noGrp="1"/>
-          </p:cNvSpPr>
-          <p:nvPr>
-            <p:ph type="title"/>
-          </p:nvPr>
-        </p:nvSpPr>
-        <p:spPr>
-          <a:xfrm>
-            <a:off x="838199" y="611079"/>
-            <a:ext cx="10515600" cy="833663"/>
-          </a:xfrm>
-        </p:spPr>
-        <p:txBody>
-          <a:bodyPr/>
-          <a:lstStyle/>
-          <a:p>
-            <a:pPr algn="ctr"/>
-            <a:r>
-              <a:rPr lang="en-US" dirty="0" smtClean="0"/>
-              <a:t>Benefits of </a:t>
-            </a:r>
-            <a:r>
-              <a:rPr lang="en-US" dirty="0" err="1" smtClean="0"/>
-              <a:t>Polymorpohism</a:t>
-            </a:r>
-            <a:endParaRPr lang="en-US" dirty="0"/>
-          </a:p>
-        </p:txBody>
-      </p:sp>
-      <p:sp>
-        <p:nvSpPr>
-          <p:cNvPr id="3" name="Content Placeholder 2">
-            <a:extLst>
-              <a:ext uri="{FF2B5EF4-FFF2-40B4-BE49-F238E27FC236}">
-                <a16:creationId xmlns:a16="http://schemas.microsoft.com/office/drawing/2014/main" id="{FA6A4B49-27C8-46B6-8B11-AD7E8F615E2C}"/>
-              </a:ext>
-            </a:extLst>
-          </p:cNvPr>
-          <p:cNvSpPr>
-            <a:spLocks noGrp="1"/>
-          </p:cNvSpPr>
-          <p:nvPr>
-            <p:ph idx="1"/>
-          </p:nvPr>
-        </p:nvSpPr>
-        <p:spPr>
-          <a:xfrm>
-            <a:off x="838199" y="1825625"/>
-            <a:ext cx="10515599" cy="4351338"/>
-          </a:xfrm>
-        </p:spPr>
-        <p:txBody>
-          <a:bodyPr>
-            <a:normAutofit/>
-          </a:bodyPr>
-          <a:lstStyle/>
-          <a:p>
-            <a:endParaRPr lang="en-US" sz="2800" dirty="0" smtClean="0"/>
-          </a:p>
-          <a:p>
-            <a:endParaRPr lang="en-US" sz="2800" dirty="0"/>
-          </a:p>
-          <a:p>
-            <a:r>
-              <a:rPr lang="en-US" sz="2800" dirty="0" smtClean="0"/>
-              <a:t>Promotes </a:t>
-            </a:r>
-            <a:r>
-              <a:rPr lang="en-US" sz="2800" dirty="0"/>
-              <a:t>substitutability</a:t>
-            </a:r>
-            <a:r>
-              <a:rPr lang="en-US" sz="2800" dirty="0" smtClean="0"/>
-              <a:t>.</a:t>
-            </a:r>
-          </a:p>
-          <a:p>
-            <a:pPr lvl="1"/>
-            <a:r>
-              <a:rPr lang="en-US" sz="2600" dirty="0" smtClean="0"/>
-              <a:t>Instead of using specific class names, we make use of generic parent class references. This reduces the overall code that needs to be written.</a:t>
-            </a:r>
-          </a:p>
-          <a:p>
-            <a:pPr lvl="1"/>
-            <a:r>
-              <a:rPr lang="en-US" sz="2400" dirty="0" smtClean="0"/>
-              <a:t>Whenever there arises a need for introducing a new type, then the existing code can take care of the new type as well since it is written in a generic way.</a:t>
-            </a:r>
-            <a:endParaRPr lang="en-US" sz="2800" dirty="0"/>
-          </a:p>
-          <a:p>
-            <a:pPr marL="0" indent="0">
-              <a:buNone/>
-            </a:pPr>
-            <a:endParaRPr lang="en-US" sz="2800" dirty="0" smtClean="0"/>
-          </a:p>
-          <a:p>
-            <a:endParaRPr lang="en-US" sz="2800" dirty="0" smtClean="0"/>
-          </a:p>
-        </p:txBody>
-      </p:sp>
-      <p:sp>
-        <p:nvSpPr>
-          <p:cNvPr id="4" name="Slide Number Placeholder 3">
-            <a:extLst>
-              <a:ext uri="{FF2B5EF4-FFF2-40B4-BE49-F238E27FC236}">
-                <a16:creationId xmlns:a16="http://schemas.microsoft.com/office/drawing/2014/main" id="{62B4CE3A-8C88-45AA-A849-57E5A7AC22C1}"/>
-              </a:ext>
-            </a:extLst>
-          </p:cNvPr>
-          <p:cNvSpPr>
-            <a:spLocks noGrp="1"/>
-          </p:cNvSpPr>
-          <p:nvPr>
-            <p:ph type="sldNum" sz="quarter" idx="10"/>
-          </p:nvPr>
-        </p:nvSpPr>
-        <p:spPr>
-          <a:xfrm>
-            <a:off x="11353800" y="6361475"/>
-            <a:ext cx="838200" cy="360000"/>
-          </a:xfrm>
-        </p:spPr>
-        <p:txBody>
-          <a:bodyPr/>
-          <a:lstStyle/>
-          <a:p>
-            <a:r>
-              <a:rPr lang="en-US" dirty="0"/>
-              <a:t>PAGE </a:t>
-            </a:r>
-            <a:fld id="{4A9B5881-4007-4345-955A-79C2656F0C49}" type="slidenum">
-              <a:rPr lang="en-US" smtClean="0"/>
-              <a:pPr/>
-              <a:t>16</a:t>
-            </a:fld>
-            <a:endParaRPr lang="en-US" dirty="0"/>
-          </a:p>
-        </p:txBody>
-      </p:sp>
-      <p:sp>
-        <p:nvSpPr>
-          <p:cNvPr id="11" name="Rectangle 10">
-            <a:extLst>
-              <a:ext uri="{FF2B5EF4-FFF2-40B4-BE49-F238E27FC236}">
-                <a16:creationId xmlns:a16="http://schemas.microsoft.com/office/drawing/2014/main" id="{5F253864-26FA-4AB1-9F0A-4F57D870EE85}"/>
-              </a:ext>
-              <a:ext uri="{C183D7F6-B498-43B3-948B-1728B52AA6E4}">
-                <adec:decorative xmlns:adec="http://schemas.microsoft.com/office/drawing/2017/decorative" xmlns="" val="1"/>
-              </a:ext>
-            </a:extLst>
-          </p:cNvPr>
-          <p:cNvSpPr/>
-          <p:nvPr/>
-        </p:nvSpPr>
-        <p:spPr>
-          <a:xfrm>
-            <a:off x="6249555" y="6562004"/>
-            <a:ext cx="2552123" cy="159471"/>
-          </a:xfrm>
-          <a:prstGeom prst="rect">
-            <a:avLst/>
-          </a:prstGeom>
-          <a:solidFill>
-            <a:schemeClr val="tx1">
-              <a:lumMod val="85000"/>
-              <a:lumOff val="15000"/>
-            </a:schemeClr>
-          </a:solidFill>
-          <a:ln>
-            <a:noFill/>
-          </a:ln>
-        </p:spPr>
-        <p:style>
-          <a:lnRef idx="2">
-            <a:schemeClr val="accent1">
-              <a:shade val="50000"/>
-            </a:schemeClr>
-          </a:lnRef>
-          <a:fillRef idx="1">
-            <a:schemeClr val="accent1"/>
-          </a:fillRef>
-          <a:effectRef idx="0">
-            <a:schemeClr val="accent1"/>
-          </a:effectRef>
-          <a:fontRef idx="minor">
-            <a:schemeClr val="lt1"/>
-          </a:fontRef>
-        </p:style>
-        <p:txBody>
-          <a:bodyPr anchor="ctr"/>
-          <a:lstStyle/>
-          <a:p>
-            <a:pPr algn="ctr"/>
-            <a:endParaRPr lang="en-US" sz="1200" dirty="0"/>
-          </a:p>
-        </p:txBody>
-      </p:sp>
-    </p:spTree>
-    <p:extLst>
-      <p:ext uri="{BB962C8B-B14F-4D97-AF65-F5344CB8AC3E}">
-        <p14:creationId xmlns:p14="http://schemas.microsoft.com/office/powerpoint/2010/main" val="65767595"/>
-      </p:ext>
-    </p:extLst>
-  </p:cSld>
-  <p:clrMapOvr>
-    <a:masterClrMapping/>
-  </p:clrMapOvr>
-  <p:timing>
-    <p:tnLst>
-      <p:par>
-        <p:cTn id="1" dur="indefinite" restart="never" nodeType="tmRoot"/>
-      </p:par>
-    </p:tnLst>
-  </p:timing>
-</p:sld>
-</file>
-
-<file path=ppt/slides/slide17.xml><?xml version="1.0" encoding="utf-8"?>
-<p:sld xmlns:a="http://schemas.openxmlformats.org/drawingml/2006/main" xmlns:r="http://schemas.openxmlformats.org/officeDocument/2006/relationships" xmlns:p="http://schemas.openxmlformats.org/presentationml/2006/main">
-  <p:cSld>
-    <p:spTree>
-      <p:nvGrpSpPr>
-        <p:cNvPr id="1" name=""/>
-        <p:cNvGrpSpPr/>
-        <p:nvPr/>
-      </p:nvGrpSpPr>
-      <p:grpSpPr>
-        <a:xfrm>
-          <a:off x="0" y="0"/>
-          <a:ext cx="0" cy="0"/>
-          <a:chOff x="0" y="0"/>
-          <a:chExt cx="0" cy="0"/>
-        </a:xfrm>
-      </p:grpSpPr>
-      <p:sp>
-        <p:nvSpPr>
-          <p:cNvPr id="2" name="Title 1">
-            <a:extLst>
-              <a:ext uri="{FF2B5EF4-FFF2-40B4-BE49-F238E27FC236}">
-                <a16:creationId xmlns:a16="http://schemas.microsoft.com/office/drawing/2014/main" id="{E199600F-A17E-4354-A7AB-0CC2A43A9354}"/>
-              </a:ext>
-            </a:extLst>
-          </p:cNvPr>
-          <p:cNvSpPr>
-            <a:spLocks noGrp="1"/>
-          </p:cNvSpPr>
-          <p:nvPr>
-            <p:ph type="title"/>
-          </p:nvPr>
-        </p:nvSpPr>
-        <p:spPr>
-          <a:xfrm>
-            <a:off x="838199" y="611079"/>
-            <a:ext cx="10515600" cy="833663"/>
-          </a:xfrm>
-        </p:spPr>
-        <p:txBody>
-          <a:bodyPr/>
-          <a:lstStyle/>
-          <a:p>
-            <a:pPr algn="ctr"/>
-            <a:r>
-              <a:rPr lang="en-US" dirty="0" smtClean="0"/>
-              <a:t>Overriding</a:t>
-            </a:r>
-            <a:endParaRPr lang="en-US" dirty="0"/>
-          </a:p>
-        </p:txBody>
-      </p:sp>
-      <p:sp>
-        <p:nvSpPr>
-          <p:cNvPr id="3" name="Content Placeholder 2">
-            <a:extLst>
-              <a:ext uri="{FF2B5EF4-FFF2-40B4-BE49-F238E27FC236}">
-                <a16:creationId xmlns:a16="http://schemas.microsoft.com/office/drawing/2014/main" id="{FA6A4B49-27C8-46B6-8B11-AD7E8F615E2C}"/>
-              </a:ext>
-            </a:extLst>
-          </p:cNvPr>
-          <p:cNvSpPr>
-            <a:spLocks noGrp="1"/>
-          </p:cNvSpPr>
-          <p:nvPr>
-            <p:ph idx="1"/>
-          </p:nvPr>
-        </p:nvSpPr>
-        <p:spPr>
-          <a:xfrm>
-            <a:off x="838199" y="1825625"/>
-            <a:ext cx="10515599" cy="4351338"/>
-          </a:xfrm>
-        </p:spPr>
-        <p:txBody>
-          <a:bodyPr>
-            <a:normAutofit/>
-          </a:bodyPr>
-          <a:lstStyle/>
-          <a:p>
-            <a:r>
-              <a:rPr lang="en-US" sz="2800" dirty="0" smtClean="0"/>
-              <a:t>Inheritance provides us the luxury of using things from our parents, its like getting the to the hidden reassure of riches from my father. I can use it with no additional efforts.</a:t>
-            </a:r>
-          </a:p>
-          <a:p>
-            <a:r>
-              <a:rPr lang="en-US" sz="2800" noProof="1" smtClean="0"/>
-              <a:t>On the other hand, it may be sometimes necessary that things inherited from our parents/ancestors be changed or modified to make them better or to make them into something that is more useful for us or more accustomed to what we need.</a:t>
-            </a:r>
-          </a:p>
-          <a:p>
-            <a:r>
-              <a:rPr lang="en-US" sz="2800" noProof="1" smtClean="0"/>
-              <a:t>This is where we get to know the phenomenon of overriding.</a:t>
-            </a:r>
-          </a:p>
-          <a:p>
-            <a:r>
-              <a:rPr lang="en-US" sz="2800" noProof="1" smtClean="0"/>
-              <a:t>Imagine getting an old car from your father , Yuck !! Who drives it today. You need something which looks more trendy.</a:t>
-            </a:r>
-          </a:p>
-        </p:txBody>
-      </p:sp>
-      <p:sp>
-        <p:nvSpPr>
-          <p:cNvPr id="4" name="Slide Number Placeholder 3">
-            <a:extLst>
-              <a:ext uri="{FF2B5EF4-FFF2-40B4-BE49-F238E27FC236}">
-                <a16:creationId xmlns:a16="http://schemas.microsoft.com/office/drawing/2014/main" id="{62B4CE3A-8C88-45AA-A849-57E5A7AC22C1}"/>
-              </a:ext>
-            </a:extLst>
-          </p:cNvPr>
-          <p:cNvSpPr>
-            <a:spLocks noGrp="1"/>
-          </p:cNvSpPr>
-          <p:nvPr>
-            <p:ph type="sldNum" sz="quarter" idx="10"/>
-          </p:nvPr>
-        </p:nvSpPr>
-        <p:spPr>
-          <a:xfrm>
-            <a:off x="11353800" y="6361475"/>
-            <a:ext cx="838200" cy="360000"/>
-          </a:xfrm>
-        </p:spPr>
-        <p:txBody>
-          <a:bodyPr/>
-          <a:lstStyle/>
-          <a:p>
-            <a:r>
-              <a:rPr lang="en-US" dirty="0"/>
-              <a:t>PAGE </a:t>
-            </a:r>
-            <a:fld id="{4A9B5881-4007-4345-955A-79C2656F0C49}" type="slidenum">
-              <a:rPr lang="en-US" smtClean="0"/>
-              <a:pPr/>
-              <a:t>17</a:t>
-            </a:fld>
-            <a:endParaRPr lang="en-US" dirty="0"/>
-          </a:p>
-        </p:txBody>
-      </p:sp>
-      <p:sp>
-        <p:nvSpPr>
-          <p:cNvPr id="11" name="Rectangle 10">
-            <a:extLst>
-              <a:ext uri="{FF2B5EF4-FFF2-40B4-BE49-F238E27FC236}">
-                <a16:creationId xmlns:a16="http://schemas.microsoft.com/office/drawing/2014/main" id="{5F253864-26FA-4AB1-9F0A-4F57D870EE85}"/>
-              </a:ext>
-              <a:ext uri="{C183D7F6-B498-43B3-948B-1728B52AA6E4}">
-                <adec:decorative xmlns:adec="http://schemas.microsoft.com/office/drawing/2017/decorative" xmlns="" val="1"/>
-              </a:ext>
-            </a:extLst>
-          </p:cNvPr>
-          <p:cNvSpPr/>
-          <p:nvPr/>
-        </p:nvSpPr>
-        <p:spPr>
-          <a:xfrm>
-            <a:off x="6249555" y="6562004"/>
-            <a:ext cx="2552123" cy="159471"/>
-          </a:xfrm>
-          <a:prstGeom prst="rect">
-            <a:avLst/>
-          </a:prstGeom>
-          <a:solidFill>
-            <a:schemeClr val="tx1">
-              <a:lumMod val="85000"/>
-              <a:lumOff val="15000"/>
-            </a:schemeClr>
-          </a:solidFill>
-          <a:ln>
-            <a:noFill/>
-          </a:ln>
-        </p:spPr>
-        <p:style>
-          <a:lnRef idx="2">
-            <a:schemeClr val="accent1">
-              <a:shade val="50000"/>
-            </a:schemeClr>
-          </a:lnRef>
-          <a:fillRef idx="1">
-            <a:schemeClr val="accent1"/>
-          </a:fillRef>
-          <a:effectRef idx="0">
-            <a:schemeClr val="accent1"/>
-          </a:effectRef>
-          <a:fontRef idx="minor">
-            <a:schemeClr val="lt1"/>
-          </a:fontRef>
-        </p:style>
-        <p:txBody>
-          <a:bodyPr anchor="ctr"/>
-          <a:lstStyle/>
-          <a:p>
-            <a:pPr algn="ctr"/>
-            <a:endParaRPr lang="en-US" sz="1200" dirty="0"/>
-          </a:p>
-        </p:txBody>
-      </p:sp>
-    </p:spTree>
-    <p:extLst>
-      <p:ext uri="{BB962C8B-B14F-4D97-AF65-F5344CB8AC3E}">
-        <p14:creationId xmlns:p14="http://schemas.microsoft.com/office/powerpoint/2010/main" val="859118885"/>
-      </p:ext>
-    </p:extLst>
-  </p:cSld>
-  <p:clrMapOvr>
-    <a:masterClrMapping/>
-  </p:clrMapOvr>
-  <p:timing>
-    <p:tnLst>
-      <p:par>
-        <p:cTn id="1" dur="indefinite" restart="never" nodeType="tmRoot"/>
-      </p:par>
-    </p:tnLst>
-  </p:timing>
-</p:sld>
-</file>
-
-<file path=ppt/slides/slide18.xml><?xml version="1.0" encoding="utf-8"?>
-<p:sld xmlns:a="http://schemas.openxmlformats.org/drawingml/2006/main" xmlns:r="http://schemas.openxmlformats.org/officeDocument/2006/relationships" xmlns:p="http://schemas.openxmlformats.org/presentationml/2006/main">
-  <p:cSld>
-    <p:spTree>
-      <p:nvGrpSpPr>
-        <p:cNvPr id="1" name=""/>
-        <p:cNvGrpSpPr/>
-        <p:nvPr/>
-      </p:nvGrpSpPr>
-      <p:grpSpPr>
-        <a:xfrm>
-          <a:off x="0" y="0"/>
-          <a:ext cx="0" cy="0"/>
-          <a:chOff x="0" y="0"/>
-          <a:chExt cx="0" cy="0"/>
-        </a:xfrm>
-      </p:grpSpPr>
-      <p:sp>
-        <p:nvSpPr>
-          <p:cNvPr id="2" name="Title 1">
-            <a:extLst>
-              <a:ext uri="{FF2B5EF4-FFF2-40B4-BE49-F238E27FC236}">
-                <a16:creationId xmlns:a16="http://schemas.microsoft.com/office/drawing/2014/main" id="{E199600F-A17E-4354-A7AB-0CC2A43A9354}"/>
-              </a:ext>
-            </a:extLst>
-          </p:cNvPr>
-          <p:cNvSpPr>
-            <a:spLocks noGrp="1"/>
-          </p:cNvSpPr>
-          <p:nvPr>
-            <p:ph type="title"/>
-          </p:nvPr>
-        </p:nvSpPr>
-        <p:spPr>
-          <a:xfrm>
-            <a:off x="838199" y="611079"/>
-            <a:ext cx="10515600" cy="833663"/>
-          </a:xfrm>
-        </p:spPr>
-        <p:txBody>
-          <a:bodyPr/>
-          <a:lstStyle/>
-          <a:p>
-            <a:pPr algn="ctr"/>
-            <a:r>
-              <a:rPr lang="en-US" dirty="0" smtClean="0"/>
-              <a:t>Overriding My father’s Old Car</a:t>
-            </a:r>
-            <a:endParaRPr lang="en-US" dirty="0"/>
-          </a:p>
-        </p:txBody>
-      </p:sp>
-      <p:sp>
-        <p:nvSpPr>
-          <p:cNvPr id="4" name="Slide Number Placeholder 3">
-            <a:extLst>
-              <a:ext uri="{FF2B5EF4-FFF2-40B4-BE49-F238E27FC236}">
-                <a16:creationId xmlns:a16="http://schemas.microsoft.com/office/drawing/2014/main" id="{62B4CE3A-8C88-45AA-A849-57E5A7AC22C1}"/>
-              </a:ext>
-            </a:extLst>
-          </p:cNvPr>
-          <p:cNvSpPr>
-            <a:spLocks noGrp="1"/>
-          </p:cNvSpPr>
-          <p:nvPr>
-            <p:ph type="sldNum" sz="quarter" idx="10"/>
-          </p:nvPr>
-        </p:nvSpPr>
-        <p:spPr>
-          <a:xfrm>
-            <a:off x="11353800" y="6361475"/>
-            <a:ext cx="838200" cy="360000"/>
-          </a:xfrm>
-        </p:spPr>
-        <p:txBody>
-          <a:bodyPr/>
-          <a:lstStyle/>
-          <a:p>
-            <a:r>
-              <a:rPr lang="en-US" dirty="0"/>
-              <a:t>PAGE </a:t>
-            </a:r>
-            <a:fld id="{4A9B5881-4007-4345-955A-79C2656F0C49}" type="slidenum">
-              <a:rPr lang="en-US" smtClean="0"/>
-              <a:pPr/>
-              <a:t>18</a:t>
-            </a:fld>
-            <a:endParaRPr lang="en-US" dirty="0"/>
-          </a:p>
-        </p:txBody>
-      </p:sp>
-      <p:sp>
-        <p:nvSpPr>
-          <p:cNvPr id="11" name="Rectangle 10">
-            <a:extLst>
-              <a:ext uri="{FF2B5EF4-FFF2-40B4-BE49-F238E27FC236}">
-                <a16:creationId xmlns:a16="http://schemas.microsoft.com/office/drawing/2014/main" id="{5F253864-26FA-4AB1-9F0A-4F57D870EE85}"/>
-              </a:ext>
-              <a:ext uri="{C183D7F6-B498-43B3-948B-1728B52AA6E4}">
-                <adec:decorative xmlns:adec="http://schemas.microsoft.com/office/drawing/2017/decorative" xmlns="" val="1"/>
-              </a:ext>
-            </a:extLst>
-          </p:cNvPr>
-          <p:cNvSpPr/>
-          <p:nvPr/>
-        </p:nvSpPr>
-        <p:spPr>
-          <a:xfrm>
-            <a:off x="6249555" y="6562004"/>
-            <a:ext cx="2552123" cy="159471"/>
-          </a:xfrm>
-          <a:prstGeom prst="rect">
-            <a:avLst/>
-          </a:prstGeom>
-          <a:solidFill>
-            <a:schemeClr val="tx1">
-              <a:lumMod val="85000"/>
-              <a:lumOff val="15000"/>
-            </a:schemeClr>
-          </a:solidFill>
-          <a:ln>
-            <a:noFill/>
-          </a:ln>
-        </p:spPr>
-        <p:style>
-          <a:lnRef idx="2">
-            <a:schemeClr val="accent1">
-              <a:shade val="50000"/>
-            </a:schemeClr>
-          </a:lnRef>
-          <a:fillRef idx="1">
-            <a:schemeClr val="accent1"/>
-          </a:fillRef>
-          <a:effectRef idx="0">
-            <a:schemeClr val="accent1"/>
-          </a:effectRef>
-          <a:fontRef idx="minor">
-            <a:schemeClr val="lt1"/>
-          </a:fontRef>
-        </p:style>
-        <p:txBody>
-          <a:bodyPr anchor="ctr"/>
-          <a:lstStyle/>
-          <a:p>
-            <a:pPr algn="ctr"/>
-            <a:endParaRPr lang="en-US" sz="1200" dirty="0"/>
-          </a:p>
-        </p:txBody>
-      </p:sp>
-      <p:pic>
-        <p:nvPicPr>
-          <p:cNvPr id="5" name="Content Placeholder 4"/>
-          <p:cNvPicPr>
-            <a:picLocks noGrp="1" noChangeAspect="1"/>
-          </p:cNvPicPr>
-          <p:nvPr>
-            <p:ph idx="1"/>
-          </p:nvPr>
-        </p:nvPicPr>
-        <p:blipFill>
-          <a:blip r:embed="rId2">
-            <a:extLst>
-              <a:ext uri="{28A0092B-C50C-407E-A947-70E740481C1C}">
-                <a14:useLocalDpi xmlns:a14="http://schemas.microsoft.com/office/drawing/2010/main" val="0"/>
-              </a:ext>
-            </a:extLst>
-          </a:blip>
-          <a:stretch>
-            <a:fillRect/>
-          </a:stretch>
-        </p:blipFill>
-        <p:spPr>
-          <a:xfrm>
-            <a:off x="838199" y="1890208"/>
-            <a:ext cx="3983183" cy="3594100"/>
-          </a:xfrm>
-        </p:spPr>
-      </p:pic>
-      <p:pic>
-        <p:nvPicPr>
-          <p:cNvPr id="6" name="Picture 5"/>
-          <p:cNvPicPr>
-            <a:picLocks noChangeAspect="1"/>
-          </p:cNvPicPr>
-          <p:nvPr/>
-        </p:nvPicPr>
-        <p:blipFill>
-          <a:blip r:embed="rId3" cstate="hqprint">
-            <a:extLst>
-              <a:ext uri="{28A0092B-C50C-407E-A947-70E740481C1C}">
-                <a14:useLocalDpi xmlns:a14="http://schemas.microsoft.com/office/drawing/2010/main" val="0"/>
-              </a:ext>
-            </a:extLst>
-          </a:blip>
-          <a:stretch>
-            <a:fillRect/>
-          </a:stretch>
-        </p:blipFill>
-        <p:spPr>
-          <a:xfrm>
-            <a:off x="7342909" y="1890208"/>
-            <a:ext cx="3808018" cy="3594100"/>
-          </a:xfrm>
-          <a:prstGeom prst="rect">
-            <a:avLst/>
-          </a:prstGeom>
-        </p:spPr>
-      </p:pic>
-      <p:pic>
-        <p:nvPicPr>
-          <p:cNvPr id="9" name="Picture 8"/>
-          <p:cNvPicPr>
-            <a:picLocks noChangeAspect="1"/>
-          </p:cNvPicPr>
-          <p:nvPr/>
-        </p:nvPicPr>
-        <p:blipFill>
-          <a:blip r:embed="rId4"/>
-          <a:stretch>
-            <a:fillRect/>
-          </a:stretch>
-        </p:blipFill>
-        <p:spPr>
-          <a:xfrm>
-            <a:off x="1062182" y="5595793"/>
-            <a:ext cx="3546764" cy="574098"/>
-          </a:xfrm>
-          <a:prstGeom prst="rect">
-            <a:avLst/>
-          </a:prstGeom>
-        </p:spPr>
-      </p:pic>
-      <p:pic>
-        <p:nvPicPr>
-          <p:cNvPr id="10" name="Picture 9"/>
-          <p:cNvPicPr>
-            <a:picLocks noChangeAspect="1"/>
-          </p:cNvPicPr>
-          <p:nvPr/>
-        </p:nvPicPr>
-        <p:blipFill>
-          <a:blip r:embed="rId5"/>
-          <a:stretch>
-            <a:fillRect/>
-          </a:stretch>
-        </p:blipFill>
-        <p:spPr>
-          <a:xfrm>
-            <a:off x="7521902" y="5597416"/>
-            <a:ext cx="3629025" cy="572475"/>
-          </a:xfrm>
-          <a:prstGeom prst="rect">
-            <a:avLst/>
-          </a:prstGeom>
-        </p:spPr>
-      </p:pic>
-      <p:pic>
-        <p:nvPicPr>
-          <p:cNvPr id="12" name="Picture 11"/>
-          <p:cNvPicPr>
-            <a:picLocks noChangeAspect="1"/>
-          </p:cNvPicPr>
-          <p:nvPr/>
-        </p:nvPicPr>
-        <p:blipFill>
-          <a:blip r:embed="rId6"/>
-          <a:stretch>
-            <a:fillRect/>
-          </a:stretch>
-        </p:blipFill>
-        <p:spPr>
-          <a:xfrm>
-            <a:off x="4821382" y="3214687"/>
-            <a:ext cx="2410691" cy="428625"/>
-          </a:xfrm>
-          <a:prstGeom prst="rect">
-            <a:avLst/>
-          </a:prstGeom>
-        </p:spPr>
-      </p:pic>
-    </p:spTree>
-    <p:extLst>
-      <p:ext uri="{BB962C8B-B14F-4D97-AF65-F5344CB8AC3E}">
-        <p14:creationId xmlns:p14="http://schemas.microsoft.com/office/powerpoint/2010/main" val="2745771103"/>
-      </p:ext>
-    </p:extLst>
-  </p:cSld>
-  <p:clrMapOvr>
-    <a:masterClrMapping/>
-  </p:clrMapOvr>
-  <p:timing>
-    <p:tnLst>
-      <p:par>
-        <p:cTn id="1" dur="indefinite" restart="never" nodeType="tmRoot"/>
-      </p:par>
-    </p:tnLst>
-  </p:timing>
-</p:sld>
-</file>
-
-<file path=ppt/slides/slide19.xml><?xml version="1.0" encoding="utf-8"?>
-<p:sld xmlns:a="http://schemas.openxmlformats.org/drawingml/2006/main" xmlns:r="http://schemas.openxmlformats.org/officeDocument/2006/relationships" xmlns:p="http://schemas.openxmlformats.org/presentationml/2006/main">
-  <p:cSld>
-    <p:spTree>
-      <p:nvGrpSpPr>
-        <p:cNvPr id="1" name=""/>
-        <p:cNvGrpSpPr/>
-        <p:nvPr/>
-      </p:nvGrpSpPr>
-      <p:grpSpPr>
-        <a:xfrm>
-          <a:off x="0" y="0"/>
-          <a:ext cx="0" cy="0"/>
-          <a:chOff x="0" y="0"/>
-          <a:chExt cx="0" cy="0"/>
-        </a:xfrm>
-      </p:grpSpPr>
-      <p:sp>
-        <p:nvSpPr>
-          <p:cNvPr id="2" name="Title 1">
-            <a:extLst>
-              <a:ext uri="{FF2B5EF4-FFF2-40B4-BE49-F238E27FC236}">
-                <a16:creationId xmlns:a16="http://schemas.microsoft.com/office/drawing/2014/main" id="{E199600F-A17E-4354-A7AB-0CC2A43A9354}"/>
-              </a:ext>
-            </a:extLst>
-          </p:cNvPr>
-          <p:cNvSpPr>
-            <a:spLocks noGrp="1"/>
-          </p:cNvSpPr>
-          <p:nvPr>
-            <p:ph type="title"/>
-          </p:nvPr>
-        </p:nvSpPr>
-        <p:spPr>
-          <a:xfrm>
-            <a:off x="838199" y="611079"/>
-            <a:ext cx="10515600" cy="833663"/>
-          </a:xfrm>
-        </p:spPr>
-        <p:txBody>
-          <a:bodyPr/>
-          <a:lstStyle/>
-          <a:p>
-            <a:pPr algn="ctr"/>
-            <a:r>
-              <a:rPr lang="en-US" dirty="0" smtClean="0"/>
-              <a:t>Overriding….</a:t>
-            </a:r>
-            <a:endParaRPr lang="en-US" dirty="0"/>
-          </a:p>
-        </p:txBody>
-      </p:sp>
-      <p:sp>
-        <p:nvSpPr>
-          <p:cNvPr id="3" name="Content Placeholder 2">
-            <a:extLst>
-              <a:ext uri="{FF2B5EF4-FFF2-40B4-BE49-F238E27FC236}">
-                <a16:creationId xmlns:a16="http://schemas.microsoft.com/office/drawing/2014/main" id="{FA6A4B49-27C8-46B6-8B11-AD7E8F615E2C}"/>
-              </a:ext>
-            </a:extLst>
-          </p:cNvPr>
-          <p:cNvSpPr>
-            <a:spLocks noGrp="1"/>
-          </p:cNvSpPr>
-          <p:nvPr>
-            <p:ph idx="1"/>
-          </p:nvPr>
-        </p:nvSpPr>
-        <p:spPr>
-          <a:xfrm>
-            <a:off x="838199" y="1825625"/>
-            <a:ext cx="10515599" cy="4351338"/>
-          </a:xfrm>
-        </p:spPr>
-        <p:txBody>
-          <a:bodyPr>
-            <a:normAutofit/>
-          </a:bodyPr>
-          <a:lstStyle/>
-          <a:p>
-            <a:endParaRPr lang="en-US" sz="2800" dirty="0" smtClean="0"/>
-          </a:p>
-          <a:p>
-            <a:endParaRPr lang="en-US" sz="2800" dirty="0"/>
-          </a:p>
-          <a:p>
-            <a:r>
-              <a:rPr lang="en-US" sz="2800" dirty="0" smtClean="0"/>
-              <a:t>Overriding only applies to behavioral aspect of the class. This means the subclass can override only the method of the parent class.</a:t>
-            </a:r>
-          </a:p>
-          <a:p>
-            <a:r>
-              <a:rPr lang="en-US" sz="2800" dirty="0" smtClean="0"/>
-              <a:t>In order to transparently override the method from the parent class, it is important to follow certain rules of overriding.</a:t>
-            </a:r>
-          </a:p>
-          <a:p>
-            <a:pPr lvl="1"/>
-            <a:endParaRPr lang="en-US" sz="2600" dirty="0" smtClean="0"/>
-          </a:p>
-        </p:txBody>
-      </p:sp>
-      <p:sp>
-        <p:nvSpPr>
-          <p:cNvPr id="4" name="Slide Number Placeholder 3">
-            <a:extLst>
-              <a:ext uri="{FF2B5EF4-FFF2-40B4-BE49-F238E27FC236}">
-                <a16:creationId xmlns:a16="http://schemas.microsoft.com/office/drawing/2014/main" id="{62B4CE3A-8C88-45AA-A849-57E5A7AC22C1}"/>
-              </a:ext>
-            </a:extLst>
-          </p:cNvPr>
-          <p:cNvSpPr>
-            <a:spLocks noGrp="1"/>
-          </p:cNvSpPr>
-          <p:nvPr>
-            <p:ph type="sldNum" sz="quarter" idx="10"/>
-          </p:nvPr>
-        </p:nvSpPr>
-        <p:spPr>
-          <a:xfrm>
-            <a:off x="11353800" y="6361475"/>
-            <a:ext cx="838200" cy="360000"/>
-          </a:xfrm>
-        </p:spPr>
-        <p:txBody>
-          <a:bodyPr/>
-          <a:lstStyle/>
-          <a:p>
-            <a:r>
-              <a:rPr lang="en-US" dirty="0"/>
-              <a:t>PAGE </a:t>
-            </a:r>
-            <a:fld id="{4A9B5881-4007-4345-955A-79C2656F0C49}" type="slidenum">
-              <a:rPr lang="en-US" smtClean="0"/>
-              <a:pPr/>
-              <a:t>19</a:t>
-            </a:fld>
-            <a:endParaRPr lang="en-US" dirty="0"/>
-          </a:p>
-        </p:txBody>
-      </p:sp>
-      <p:sp>
-        <p:nvSpPr>
-          <p:cNvPr id="11" name="Rectangle 10">
-            <a:extLst>
-              <a:ext uri="{FF2B5EF4-FFF2-40B4-BE49-F238E27FC236}">
-                <a16:creationId xmlns:a16="http://schemas.microsoft.com/office/drawing/2014/main" id="{5F253864-26FA-4AB1-9F0A-4F57D870EE85}"/>
-              </a:ext>
-              <a:ext uri="{C183D7F6-B498-43B3-948B-1728B52AA6E4}">
-                <adec:decorative xmlns:adec="http://schemas.microsoft.com/office/drawing/2017/decorative" xmlns="" val="1"/>
-              </a:ext>
-            </a:extLst>
-          </p:cNvPr>
-          <p:cNvSpPr/>
-          <p:nvPr/>
-        </p:nvSpPr>
-        <p:spPr>
-          <a:xfrm>
-            <a:off x="6249555" y="6562004"/>
-            <a:ext cx="2552123" cy="159471"/>
-          </a:xfrm>
-          <a:prstGeom prst="rect">
-            <a:avLst/>
-          </a:prstGeom>
-          <a:solidFill>
-            <a:schemeClr val="tx1">
-              <a:lumMod val="85000"/>
-              <a:lumOff val="15000"/>
-            </a:schemeClr>
-          </a:solidFill>
-          <a:ln>
-            <a:noFill/>
-          </a:ln>
-        </p:spPr>
-        <p:style>
-          <a:lnRef idx="2">
-            <a:schemeClr val="accent1">
-              <a:shade val="50000"/>
-            </a:schemeClr>
-          </a:lnRef>
-          <a:fillRef idx="1">
-            <a:schemeClr val="accent1"/>
-          </a:fillRef>
-          <a:effectRef idx="0">
-            <a:schemeClr val="accent1"/>
-          </a:effectRef>
-          <a:fontRef idx="minor">
-            <a:schemeClr val="lt1"/>
-          </a:fontRef>
-        </p:style>
-        <p:txBody>
-          <a:bodyPr anchor="ctr"/>
-          <a:lstStyle/>
-          <a:p>
-            <a:pPr algn="ctr"/>
-            <a:endParaRPr lang="en-US" sz="1200" dirty="0"/>
-          </a:p>
-        </p:txBody>
-      </p:sp>
-    </p:spTree>
-    <p:extLst>
-      <p:ext uri="{BB962C8B-B14F-4D97-AF65-F5344CB8AC3E}">
-        <p14:creationId xmlns:p14="http://schemas.microsoft.com/office/powerpoint/2010/main" val="3440705767"/>
+        <p14:creationId xmlns:p14="http://schemas.microsoft.com/office/powerpoint/2010/main" xmlns="" val="1136250268"/>
       </p:ext>
     </p:extLst>
   </p:cSld>
@@ -7137,7 +4705,7 @@
           <p:cNvPr id="2" name="Title 1">
             <a:extLst>
               <a:ext uri="{FF2B5EF4-FFF2-40B4-BE49-F238E27FC236}">
-                <a16:creationId xmlns:a16="http://schemas.microsoft.com/office/drawing/2014/main" id="{E199600F-A17E-4354-A7AB-0CC2A43A9354}"/>
+                <a16:creationId xmlns:a16="http://schemas.microsoft.com/office/drawing/2014/main" xmlns="" id="{E199600F-A17E-4354-A7AB-0CC2A43A9354}"/>
               </a:ext>
             </a:extLst>
           </p:cNvPr>
@@ -7171,7 +4739,7 @@
           <p:cNvPr id="3" name="Content Placeholder 2">
             <a:extLst>
               <a:ext uri="{FF2B5EF4-FFF2-40B4-BE49-F238E27FC236}">
-                <a16:creationId xmlns:a16="http://schemas.microsoft.com/office/drawing/2014/main" id="{FA6A4B49-27C8-46B6-8B11-AD7E8F615E2C}"/>
+                <a16:creationId xmlns:a16="http://schemas.microsoft.com/office/drawing/2014/main" xmlns="" id="{FA6A4B49-27C8-46B6-8B11-AD7E8F615E2C}"/>
               </a:ext>
             </a:extLst>
           </p:cNvPr>
@@ -7182,7 +4750,12 @@
             <p:ph idx="1"/>
           </p:nvPr>
         </p:nvSpPr>
-        <p:spPr/>
+        <p:spPr>
+          <a:xfrm>
+            <a:off x="838200" y="1825625"/>
+            <a:ext cx="5353594" cy="4351338"/>
+          </a:xfrm>
+        </p:spPr>
         <p:txBody>
           <a:bodyPr>
             <a:normAutofit/>
@@ -7249,7 +4822,7 @@
           <p:cNvPr id="4" name="Slide Number Placeholder 3">
             <a:extLst>
               <a:ext uri="{FF2B5EF4-FFF2-40B4-BE49-F238E27FC236}">
-                <a16:creationId xmlns:a16="http://schemas.microsoft.com/office/drawing/2014/main" id="{62B4CE3A-8C88-45AA-A849-57E5A7AC22C1}"/>
+                <a16:creationId xmlns:a16="http://schemas.microsoft.com/office/drawing/2014/main" xmlns="" id="{62B4CE3A-8C88-45AA-A849-57E5A7AC22C1}"/>
               </a:ext>
             </a:extLst>
           </p:cNvPr>
@@ -7288,7 +4861,7 @@
           <p:cNvPr id="11" name="Rectangle 10">
             <a:extLst>
               <a:ext uri="{FF2B5EF4-FFF2-40B4-BE49-F238E27FC236}">
-                <a16:creationId xmlns:a16="http://schemas.microsoft.com/office/drawing/2014/main" id="{5F253864-26FA-4AB1-9F0A-4F57D870EE85}"/>
+                <a16:creationId xmlns:a16="http://schemas.microsoft.com/office/drawing/2014/main" xmlns="" id="{5F253864-26FA-4AB1-9F0A-4F57D870EE85}"/>
               </a:ext>
               <a:ext uri="{C183D7F6-B498-43B3-948B-1728B52AA6E4}">
                 <adec:decorative xmlns:adec="http://schemas.microsoft.com/office/drawing/2017/decorative" xmlns="" val="1"/>
@@ -7343,28 +4916,22 @@
       </p:sp>
       <p:pic>
         <p:nvPicPr>
-          <p:cNvPr id="6" name="Picture 5"/>
+          <p:cNvPr id="7" name="Picture 6" descr="lesson-planning-1-638.png"/>
           <p:cNvPicPr>
             <a:picLocks noChangeAspect="1"/>
           </p:cNvPicPr>
           <p:nvPr/>
         </p:nvPicPr>
         <p:blipFill>
-          <a:blip r:embed="rId2" cstate="print">
-            <a:extLst>
-              <a:ext uri="{28A0092B-C50C-407E-A947-70E740481C1C}">
-                <a14:useLocalDpi xmlns:a14="http://schemas.microsoft.com/office/drawing/2010/main" val="0"/>
-              </a:ext>
-            </a:extLst>
-          </a:blip>
+          <a:blip r:embed="rId2"/>
           <a:stretch>
             <a:fillRect/>
           </a:stretch>
         </p:blipFill>
         <p:spPr>
           <a:xfrm>
-            <a:off x="7777018" y="1670939"/>
-            <a:ext cx="3576781" cy="4464339"/>
+            <a:off x="6204857" y="1774779"/>
+            <a:ext cx="5189492" cy="4562475"/>
           </a:xfrm>
           <a:prstGeom prst="rect">
             <a:avLst/>
@@ -7374,1812 +4941,7 @@
     </p:spTree>
     <p:extLst>
       <p:ext uri="{BB962C8B-B14F-4D97-AF65-F5344CB8AC3E}">
-        <p14:creationId xmlns:p14="http://schemas.microsoft.com/office/powerpoint/2010/main" val="1281103274"/>
-      </p:ext>
-    </p:extLst>
-  </p:cSld>
-  <p:clrMapOvr>
-    <a:masterClrMapping/>
-  </p:clrMapOvr>
-  <p:timing>
-    <p:tnLst>
-      <p:par>
-        <p:cTn id="1" dur="indefinite" restart="never" nodeType="tmRoot"/>
-      </p:par>
-    </p:tnLst>
-  </p:timing>
-</p:sld>
-</file>
-
-<file path=ppt/slides/slide20.xml><?xml version="1.0" encoding="utf-8"?>
-<p:sld xmlns:a="http://schemas.openxmlformats.org/drawingml/2006/main" xmlns:r="http://schemas.openxmlformats.org/officeDocument/2006/relationships" xmlns:p="http://schemas.openxmlformats.org/presentationml/2006/main">
-  <p:cSld>
-    <p:spTree>
-      <p:nvGrpSpPr>
-        <p:cNvPr id="1" name=""/>
-        <p:cNvGrpSpPr/>
-        <p:nvPr/>
-      </p:nvGrpSpPr>
-      <p:grpSpPr>
-        <a:xfrm>
-          <a:off x="0" y="0"/>
-          <a:ext cx="0" cy="0"/>
-          <a:chOff x="0" y="0"/>
-          <a:chExt cx="0" cy="0"/>
-        </a:xfrm>
-      </p:grpSpPr>
-      <p:sp>
-        <p:nvSpPr>
-          <p:cNvPr id="2" name="Title 1">
-            <a:extLst>
-              <a:ext uri="{FF2B5EF4-FFF2-40B4-BE49-F238E27FC236}">
-                <a16:creationId xmlns:a16="http://schemas.microsoft.com/office/drawing/2014/main" id="{E199600F-A17E-4354-A7AB-0CC2A43A9354}"/>
-              </a:ext>
-            </a:extLst>
-          </p:cNvPr>
-          <p:cNvSpPr>
-            <a:spLocks noGrp="1"/>
-          </p:cNvSpPr>
-          <p:nvPr>
-            <p:ph type="title"/>
-          </p:nvPr>
-        </p:nvSpPr>
-        <p:spPr>
-          <a:xfrm>
-            <a:off x="838199" y="611079"/>
-            <a:ext cx="10515600" cy="833663"/>
-          </a:xfrm>
-        </p:spPr>
-        <p:txBody>
-          <a:bodyPr/>
-          <a:lstStyle/>
-          <a:p>
-            <a:pPr algn="ctr"/>
-            <a:r>
-              <a:rPr lang="en-US" dirty="0" smtClean="0"/>
-              <a:t>Rules of Overriding</a:t>
-            </a:r>
-            <a:endParaRPr lang="en-US" dirty="0"/>
-          </a:p>
-        </p:txBody>
-      </p:sp>
-      <p:sp>
-        <p:nvSpPr>
-          <p:cNvPr id="3" name="Content Placeholder 2">
-            <a:extLst>
-              <a:ext uri="{FF2B5EF4-FFF2-40B4-BE49-F238E27FC236}">
-                <a16:creationId xmlns:a16="http://schemas.microsoft.com/office/drawing/2014/main" id="{FA6A4B49-27C8-46B6-8B11-AD7E8F615E2C}"/>
-              </a:ext>
-            </a:extLst>
-          </p:cNvPr>
-          <p:cNvSpPr>
-            <a:spLocks noGrp="1"/>
-          </p:cNvSpPr>
-          <p:nvPr>
-            <p:ph idx="1"/>
-          </p:nvPr>
-        </p:nvSpPr>
-        <p:spPr>
-          <a:xfrm>
-            <a:off x="838199" y="1825625"/>
-            <a:ext cx="10515599" cy="4351338"/>
-          </a:xfrm>
-        </p:spPr>
-        <p:txBody>
-          <a:bodyPr>
-            <a:normAutofit fontScale="55000" lnSpcReduction="20000"/>
-          </a:bodyPr>
-          <a:lstStyle/>
-          <a:p>
-            <a:r>
-              <a:rPr lang="en-US" sz="2800" dirty="0"/>
-              <a:t>In order to override a method from parent class, the child class must ensure following rules : </a:t>
-            </a:r>
-            <a:endParaRPr lang="en-US" sz="2800" dirty="0" smtClean="0"/>
-          </a:p>
-          <a:p>
-            <a:pPr lvl="1"/>
-            <a:r>
-              <a:rPr lang="en-US" sz="2600" dirty="0" smtClean="0"/>
-              <a:t>Name</a:t>
-            </a:r>
-          </a:p>
-          <a:p>
-            <a:pPr lvl="2"/>
-            <a:r>
-              <a:rPr lang="en-US" sz="2400" dirty="0" smtClean="0"/>
-              <a:t>Name of the method must be the same as that of the parent class.</a:t>
-            </a:r>
-          </a:p>
-          <a:p>
-            <a:pPr lvl="1"/>
-            <a:r>
-              <a:rPr lang="en-US" sz="2600" dirty="0" smtClean="0"/>
-              <a:t>Accessibility</a:t>
-            </a:r>
-          </a:p>
-          <a:p>
-            <a:pPr lvl="2"/>
-            <a:r>
-              <a:rPr lang="en-US" sz="2400" dirty="0"/>
-              <a:t>O</a:t>
-            </a:r>
-            <a:r>
-              <a:rPr lang="en-US" sz="2400" dirty="0" smtClean="0"/>
-              <a:t>verriding method can increase the accessibility of the method. This means that if a method is declared as protected in the parent class then the subclass can declare it as public.</a:t>
-            </a:r>
-          </a:p>
-          <a:p>
-            <a:pPr lvl="1"/>
-            <a:r>
-              <a:rPr lang="en-US" sz="2600" dirty="0" smtClean="0"/>
-              <a:t>Return Type</a:t>
-            </a:r>
-          </a:p>
-          <a:p>
-            <a:pPr lvl="2"/>
-            <a:r>
-              <a:rPr lang="en-US" sz="2400" dirty="0" smtClean="0"/>
-              <a:t>Overriding method can declare the same return type as that of the parent or can declare a return type which is a subtype of the return type of parent. </a:t>
-            </a:r>
-          </a:p>
-          <a:p>
-            <a:pPr lvl="2"/>
-            <a:r>
-              <a:rPr lang="en-US" sz="2400" dirty="0" smtClean="0"/>
-              <a:t>For ex. if the parent overridden method declares return type as Object then the overriding method in the subclass can declare return type as Object or a subclass of Object like String, Integer etc. </a:t>
-            </a:r>
-          </a:p>
-          <a:p>
-            <a:pPr lvl="2"/>
-            <a:r>
-              <a:rPr lang="en-US" sz="2400" dirty="0" smtClean="0"/>
-              <a:t>In case of primitive types the return type should match exactly.</a:t>
-            </a:r>
-          </a:p>
-          <a:p>
-            <a:pPr lvl="1"/>
-            <a:r>
-              <a:rPr lang="en-US" sz="2600" dirty="0" smtClean="0"/>
-              <a:t>Parameters</a:t>
-            </a:r>
-          </a:p>
-          <a:p>
-            <a:pPr lvl="2"/>
-            <a:r>
-              <a:rPr lang="en-US" sz="2400" dirty="0" smtClean="0"/>
-              <a:t>The number &amp;  type of parameters should be exactly the same along with its order.</a:t>
-            </a:r>
-          </a:p>
-          <a:p>
-            <a:pPr lvl="1"/>
-            <a:r>
-              <a:rPr lang="en-US" sz="2600" dirty="0" smtClean="0"/>
-              <a:t>Throws Clause</a:t>
-            </a:r>
-          </a:p>
-          <a:p>
-            <a:pPr lvl="2"/>
-            <a:r>
-              <a:rPr lang="en-US" sz="2400" dirty="0" smtClean="0"/>
-              <a:t>Overriding method can declare exception which are same or subtype of the exception declared in the parent class overriding method.</a:t>
-            </a:r>
-          </a:p>
-          <a:p>
-            <a:pPr lvl="2"/>
-            <a:r>
-              <a:rPr lang="en-US" sz="2400" dirty="0" smtClean="0"/>
-              <a:t>Any number </a:t>
-            </a:r>
-            <a:r>
-              <a:rPr lang="en-US" sz="2400" dirty="0"/>
-              <a:t>of exceptions </a:t>
-            </a:r>
-            <a:r>
-              <a:rPr lang="en-US" sz="2400" dirty="0" smtClean="0"/>
-              <a:t>can be declared in </a:t>
-            </a:r>
-            <a:r>
-              <a:rPr lang="en-US" sz="2400" dirty="0"/>
-              <a:t>the overridden method </a:t>
-            </a:r>
-            <a:r>
-              <a:rPr lang="en-US" sz="2400" dirty="0" smtClean="0"/>
-              <a:t>provided they are all subtype of the exception type declared in the parent class overriding method.</a:t>
-            </a:r>
-          </a:p>
-          <a:p>
-            <a:pPr lvl="2"/>
-            <a:r>
-              <a:rPr lang="en-US" sz="2400" dirty="0" smtClean="0"/>
-              <a:t>An overriding class cannot declare exception not listed in the throws clause of parent class overridden method.</a:t>
-            </a:r>
-          </a:p>
-          <a:p>
-            <a:pPr lvl="2"/>
-            <a:r>
-              <a:rPr lang="en-US" sz="2400" dirty="0" smtClean="0"/>
-              <a:t>Overriding method can choose to altogether skip the throws clause.</a:t>
-            </a:r>
-          </a:p>
-          <a:p>
-            <a:pPr lvl="2"/>
-            <a:r>
-              <a:rPr lang="en-US" sz="2400" dirty="0" smtClean="0"/>
-              <a:t>All rules relating to exceptions apply only to checked exceptions. They are no rules for unchecked exceptions.</a:t>
-            </a:r>
-            <a:endParaRPr lang="en-US" sz="2400" dirty="0"/>
-          </a:p>
-          <a:p>
-            <a:pPr lvl="2"/>
-            <a:endParaRPr lang="en-US" sz="2400" dirty="0"/>
-          </a:p>
-          <a:p>
-            <a:pPr lvl="1"/>
-            <a:endParaRPr lang="en-US" sz="2600" dirty="0"/>
-          </a:p>
-        </p:txBody>
-      </p:sp>
-      <p:sp>
-        <p:nvSpPr>
-          <p:cNvPr id="4" name="Slide Number Placeholder 3">
-            <a:extLst>
-              <a:ext uri="{FF2B5EF4-FFF2-40B4-BE49-F238E27FC236}">
-                <a16:creationId xmlns:a16="http://schemas.microsoft.com/office/drawing/2014/main" id="{62B4CE3A-8C88-45AA-A849-57E5A7AC22C1}"/>
-              </a:ext>
-            </a:extLst>
-          </p:cNvPr>
-          <p:cNvSpPr>
-            <a:spLocks noGrp="1"/>
-          </p:cNvSpPr>
-          <p:nvPr>
-            <p:ph type="sldNum" sz="quarter" idx="10"/>
-          </p:nvPr>
-        </p:nvSpPr>
-        <p:spPr>
-          <a:xfrm>
-            <a:off x="11353800" y="6361475"/>
-            <a:ext cx="838200" cy="360000"/>
-          </a:xfrm>
-        </p:spPr>
-        <p:txBody>
-          <a:bodyPr/>
-          <a:lstStyle/>
-          <a:p>
-            <a:r>
-              <a:rPr lang="en-US" dirty="0"/>
-              <a:t>PAGE </a:t>
-            </a:r>
-            <a:fld id="{4A9B5881-4007-4345-955A-79C2656F0C49}" type="slidenum">
-              <a:rPr lang="en-US" smtClean="0"/>
-              <a:pPr/>
-              <a:t>20</a:t>
-            </a:fld>
-            <a:endParaRPr lang="en-US" dirty="0"/>
-          </a:p>
-        </p:txBody>
-      </p:sp>
-      <p:sp>
-        <p:nvSpPr>
-          <p:cNvPr id="11" name="Rectangle 10">
-            <a:extLst>
-              <a:ext uri="{FF2B5EF4-FFF2-40B4-BE49-F238E27FC236}">
-                <a16:creationId xmlns:a16="http://schemas.microsoft.com/office/drawing/2014/main" id="{5F253864-26FA-4AB1-9F0A-4F57D870EE85}"/>
-              </a:ext>
-              <a:ext uri="{C183D7F6-B498-43B3-948B-1728B52AA6E4}">
-                <adec:decorative xmlns:adec="http://schemas.microsoft.com/office/drawing/2017/decorative" xmlns="" val="1"/>
-              </a:ext>
-            </a:extLst>
-          </p:cNvPr>
-          <p:cNvSpPr/>
-          <p:nvPr/>
-        </p:nvSpPr>
-        <p:spPr>
-          <a:xfrm>
-            <a:off x="6249555" y="6562004"/>
-            <a:ext cx="2552123" cy="159471"/>
-          </a:xfrm>
-          <a:prstGeom prst="rect">
-            <a:avLst/>
-          </a:prstGeom>
-          <a:solidFill>
-            <a:schemeClr val="tx1">
-              <a:lumMod val="85000"/>
-              <a:lumOff val="15000"/>
-            </a:schemeClr>
-          </a:solidFill>
-          <a:ln>
-            <a:noFill/>
-          </a:ln>
-        </p:spPr>
-        <p:style>
-          <a:lnRef idx="2">
-            <a:schemeClr val="accent1">
-              <a:shade val="50000"/>
-            </a:schemeClr>
-          </a:lnRef>
-          <a:fillRef idx="1">
-            <a:schemeClr val="accent1"/>
-          </a:fillRef>
-          <a:effectRef idx="0">
-            <a:schemeClr val="accent1"/>
-          </a:effectRef>
-          <a:fontRef idx="minor">
-            <a:schemeClr val="lt1"/>
-          </a:fontRef>
-        </p:style>
-        <p:txBody>
-          <a:bodyPr anchor="ctr"/>
-          <a:lstStyle/>
-          <a:p>
-            <a:pPr algn="ctr"/>
-            <a:endParaRPr lang="en-US" sz="1200" dirty="0"/>
-          </a:p>
-        </p:txBody>
-      </p:sp>
-    </p:spTree>
-    <p:extLst>
-      <p:ext uri="{BB962C8B-B14F-4D97-AF65-F5344CB8AC3E}">
-        <p14:creationId xmlns:p14="http://schemas.microsoft.com/office/powerpoint/2010/main" val="2322328032"/>
-      </p:ext>
-    </p:extLst>
-  </p:cSld>
-  <p:clrMapOvr>
-    <a:masterClrMapping/>
-  </p:clrMapOvr>
-  <p:timing>
-    <p:tnLst>
-      <p:par>
-        <p:cTn id="1" dur="indefinite" restart="never" nodeType="tmRoot"/>
-      </p:par>
-    </p:tnLst>
-  </p:timing>
-</p:sld>
-</file>
-
-<file path=ppt/slides/slide21.xml><?xml version="1.0" encoding="utf-8"?>
-<p:sld xmlns:a="http://schemas.openxmlformats.org/drawingml/2006/main" xmlns:r="http://schemas.openxmlformats.org/officeDocument/2006/relationships" xmlns:p="http://schemas.openxmlformats.org/presentationml/2006/main">
-  <p:cSld>
-    <p:spTree>
-      <p:nvGrpSpPr>
-        <p:cNvPr id="1" name=""/>
-        <p:cNvGrpSpPr/>
-        <p:nvPr/>
-      </p:nvGrpSpPr>
-      <p:grpSpPr>
-        <a:xfrm>
-          <a:off x="0" y="0"/>
-          <a:ext cx="0" cy="0"/>
-          <a:chOff x="0" y="0"/>
-          <a:chExt cx="0" cy="0"/>
-        </a:xfrm>
-      </p:grpSpPr>
-      <p:sp>
-        <p:nvSpPr>
-          <p:cNvPr id="2" name="Title 1">
-            <a:extLst>
-              <a:ext uri="{FF2B5EF4-FFF2-40B4-BE49-F238E27FC236}">
-                <a16:creationId xmlns:a16="http://schemas.microsoft.com/office/drawing/2014/main" id="{E199600F-A17E-4354-A7AB-0CC2A43A9354}"/>
-              </a:ext>
-            </a:extLst>
-          </p:cNvPr>
-          <p:cNvSpPr>
-            <a:spLocks noGrp="1"/>
-          </p:cNvSpPr>
-          <p:nvPr>
-            <p:ph type="title"/>
-          </p:nvPr>
-        </p:nvSpPr>
-        <p:spPr>
-          <a:xfrm>
-            <a:off x="838199" y="611079"/>
-            <a:ext cx="10515600" cy="833663"/>
-          </a:xfrm>
-        </p:spPr>
-        <p:txBody>
-          <a:bodyPr/>
-          <a:lstStyle/>
-          <a:p>
-            <a:pPr algn="ctr"/>
-            <a:r>
-              <a:rPr lang="en-US" dirty="0" smtClean="0"/>
-              <a:t>The “final” class</a:t>
-            </a:r>
-            <a:endParaRPr lang="en-US" dirty="0"/>
-          </a:p>
-        </p:txBody>
-      </p:sp>
-      <p:sp>
-        <p:nvSpPr>
-          <p:cNvPr id="3" name="Content Placeholder 2">
-            <a:extLst>
-              <a:ext uri="{FF2B5EF4-FFF2-40B4-BE49-F238E27FC236}">
-                <a16:creationId xmlns:a16="http://schemas.microsoft.com/office/drawing/2014/main" id="{FA6A4B49-27C8-46B6-8B11-AD7E8F615E2C}"/>
-              </a:ext>
-            </a:extLst>
-          </p:cNvPr>
-          <p:cNvSpPr>
-            <a:spLocks noGrp="1"/>
-          </p:cNvSpPr>
-          <p:nvPr>
-            <p:ph idx="1"/>
-          </p:nvPr>
-        </p:nvSpPr>
-        <p:spPr>
-          <a:xfrm>
-            <a:off x="838199" y="1825625"/>
-            <a:ext cx="5969001" cy="4351338"/>
-          </a:xfrm>
-        </p:spPr>
-        <p:txBody>
-          <a:bodyPr>
-            <a:normAutofit fontScale="92500" lnSpcReduction="10000"/>
-          </a:bodyPr>
-          <a:lstStyle/>
-          <a:p>
-            <a:r>
-              <a:rPr lang="en-US" dirty="0"/>
-              <a:t>Limited edition cars are a special form of art, </a:t>
-            </a:r>
-            <a:r>
-              <a:rPr lang="en-US" dirty="0" smtClean="0"/>
-              <a:t>style </a:t>
-            </a:r>
-            <a:r>
-              <a:rPr lang="en-US" dirty="0"/>
-              <a:t>and performance of a </a:t>
-            </a:r>
-            <a:r>
-              <a:rPr lang="en-US" dirty="0" smtClean="0"/>
-              <a:t>model. </a:t>
-            </a:r>
-            <a:r>
-              <a:rPr lang="en-US" dirty="0"/>
-              <a:t>Limited production cars are usually reserved for a special occasion, maybe an </a:t>
-            </a:r>
-            <a:r>
-              <a:rPr lang="en-US" dirty="0" smtClean="0"/>
-              <a:t>anniversary. They are a one time make and no new cars extending the features of the limited edition car comes out.</a:t>
-            </a:r>
-          </a:p>
-          <a:p>
-            <a:r>
-              <a:rPr lang="en-US" dirty="0" smtClean="0"/>
-              <a:t>Similarly we can make a class that cannot be inherited further. This can be achieved by declaring a class as final.</a:t>
-            </a:r>
-          </a:p>
-          <a:p>
-            <a:r>
-              <a:rPr lang="en-US" dirty="0" smtClean="0"/>
-              <a:t>Generally special purpose classes which have functionality that can be broken by inheriting them are declared as final.</a:t>
-            </a:r>
-          </a:p>
-          <a:p>
-            <a:r>
-              <a:rPr lang="en-US" dirty="0" smtClean="0"/>
-              <a:t>Good example of this is String class. Strings in java are immutable, and if allowed to be inherited then any class can implement them and change the internal functionality.</a:t>
-            </a:r>
-          </a:p>
-        </p:txBody>
-      </p:sp>
-      <p:sp>
-        <p:nvSpPr>
-          <p:cNvPr id="4" name="Slide Number Placeholder 3">
-            <a:extLst>
-              <a:ext uri="{FF2B5EF4-FFF2-40B4-BE49-F238E27FC236}">
-                <a16:creationId xmlns:a16="http://schemas.microsoft.com/office/drawing/2014/main" id="{62B4CE3A-8C88-45AA-A849-57E5A7AC22C1}"/>
-              </a:ext>
-            </a:extLst>
-          </p:cNvPr>
-          <p:cNvSpPr>
-            <a:spLocks noGrp="1"/>
-          </p:cNvSpPr>
-          <p:nvPr>
-            <p:ph type="sldNum" sz="quarter" idx="10"/>
-          </p:nvPr>
-        </p:nvSpPr>
-        <p:spPr>
-          <a:xfrm>
-            <a:off x="11353800" y="6361475"/>
-            <a:ext cx="838200" cy="360000"/>
-          </a:xfrm>
-        </p:spPr>
-        <p:txBody>
-          <a:bodyPr/>
-          <a:lstStyle/>
-          <a:p>
-            <a:r>
-              <a:rPr lang="en-US" dirty="0"/>
-              <a:t>PAGE </a:t>
-            </a:r>
-            <a:fld id="{4A9B5881-4007-4345-955A-79C2656F0C49}" type="slidenum">
-              <a:rPr lang="en-US" smtClean="0"/>
-              <a:pPr/>
-              <a:t>21</a:t>
-            </a:fld>
-            <a:endParaRPr lang="en-US" dirty="0"/>
-          </a:p>
-        </p:txBody>
-      </p:sp>
-      <p:sp>
-        <p:nvSpPr>
-          <p:cNvPr id="11" name="Rectangle 10">
-            <a:extLst>
-              <a:ext uri="{FF2B5EF4-FFF2-40B4-BE49-F238E27FC236}">
-                <a16:creationId xmlns:a16="http://schemas.microsoft.com/office/drawing/2014/main" id="{5F253864-26FA-4AB1-9F0A-4F57D870EE85}"/>
-              </a:ext>
-              <a:ext uri="{C183D7F6-B498-43B3-948B-1728B52AA6E4}">
-                <adec:decorative xmlns:adec="http://schemas.microsoft.com/office/drawing/2017/decorative" xmlns="" val="1"/>
-              </a:ext>
-            </a:extLst>
-          </p:cNvPr>
-          <p:cNvSpPr/>
-          <p:nvPr/>
-        </p:nvSpPr>
-        <p:spPr>
-          <a:xfrm>
-            <a:off x="6249555" y="6562004"/>
-            <a:ext cx="2552123" cy="159471"/>
-          </a:xfrm>
-          <a:prstGeom prst="rect">
-            <a:avLst/>
-          </a:prstGeom>
-          <a:solidFill>
-            <a:schemeClr val="tx1">
-              <a:lumMod val="85000"/>
-              <a:lumOff val="15000"/>
-            </a:schemeClr>
-          </a:solidFill>
-          <a:ln>
-            <a:noFill/>
-          </a:ln>
-        </p:spPr>
-        <p:style>
-          <a:lnRef idx="2">
-            <a:schemeClr val="accent1">
-              <a:shade val="50000"/>
-            </a:schemeClr>
-          </a:lnRef>
-          <a:fillRef idx="1">
-            <a:schemeClr val="accent1"/>
-          </a:fillRef>
-          <a:effectRef idx="0">
-            <a:schemeClr val="accent1"/>
-          </a:effectRef>
-          <a:fontRef idx="minor">
-            <a:schemeClr val="lt1"/>
-          </a:fontRef>
-        </p:style>
-        <p:txBody>
-          <a:bodyPr anchor="ctr"/>
-          <a:lstStyle/>
-          <a:p>
-            <a:pPr algn="ctr"/>
-            <a:endParaRPr lang="en-US" sz="1200" dirty="0"/>
-          </a:p>
-        </p:txBody>
-      </p:sp>
-      <p:pic>
-        <p:nvPicPr>
-          <p:cNvPr id="5" name="Picture 4"/>
-          <p:cNvPicPr>
-            <a:picLocks noChangeAspect="1"/>
-          </p:cNvPicPr>
-          <p:nvPr/>
-        </p:nvPicPr>
-        <p:blipFill>
-          <a:blip r:embed="rId2">
-            <a:extLst>
-              <a:ext uri="{28A0092B-C50C-407E-A947-70E740481C1C}">
-                <a14:useLocalDpi xmlns:a14="http://schemas.microsoft.com/office/drawing/2010/main" val="0"/>
-              </a:ext>
-            </a:extLst>
-          </a:blip>
-          <a:stretch>
-            <a:fillRect/>
-          </a:stretch>
-        </p:blipFill>
-        <p:spPr>
-          <a:xfrm>
-            <a:off x="7204364" y="1754969"/>
-            <a:ext cx="4149435" cy="4421994"/>
-          </a:xfrm>
-          <a:prstGeom prst="rect">
-            <a:avLst/>
-          </a:prstGeom>
-        </p:spPr>
-      </p:pic>
-    </p:spTree>
-    <p:extLst>
-      <p:ext uri="{BB962C8B-B14F-4D97-AF65-F5344CB8AC3E}">
-        <p14:creationId xmlns:p14="http://schemas.microsoft.com/office/powerpoint/2010/main" val="3546705181"/>
-      </p:ext>
-    </p:extLst>
-  </p:cSld>
-  <p:clrMapOvr>
-    <a:masterClrMapping/>
-  </p:clrMapOvr>
-  <p:timing>
-    <p:tnLst>
-      <p:par>
-        <p:cTn id="1" dur="indefinite" restart="never" nodeType="tmRoot"/>
-      </p:par>
-    </p:tnLst>
-  </p:timing>
-</p:sld>
-</file>
-
-<file path=ppt/slides/slide22.xml><?xml version="1.0" encoding="utf-8"?>
-<p:sld xmlns:a="http://schemas.openxmlformats.org/drawingml/2006/main" xmlns:r="http://schemas.openxmlformats.org/officeDocument/2006/relationships" xmlns:p="http://schemas.openxmlformats.org/presentationml/2006/main">
-  <p:cSld>
-    <p:spTree>
-      <p:nvGrpSpPr>
-        <p:cNvPr id="1" name=""/>
-        <p:cNvGrpSpPr/>
-        <p:nvPr/>
-      </p:nvGrpSpPr>
-      <p:grpSpPr>
-        <a:xfrm>
-          <a:off x="0" y="0"/>
-          <a:ext cx="0" cy="0"/>
-          <a:chOff x="0" y="0"/>
-          <a:chExt cx="0" cy="0"/>
-        </a:xfrm>
-      </p:grpSpPr>
-      <p:sp>
-        <p:nvSpPr>
-          <p:cNvPr id="2" name="Title 1">
-            <a:extLst>
-              <a:ext uri="{FF2B5EF4-FFF2-40B4-BE49-F238E27FC236}">
-                <a16:creationId xmlns:a16="http://schemas.microsoft.com/office/drawing/2014/main" id="{E199600F-A17E-4354-A7AB-0CC2A43A9354}"/>
-              </a:ext>
-            </a:extLst>
-          </p:cNvPr>
-          <p:cNvSpPr>
-            <a:spLocks noGrp="1"/>
-          </p:cNvSpPr>
-          <p:nvPr>
-            <p:ph type="title"/>
-          </p:nvPr>
-        </p:nvSpPr>
-        <p:spPr>
-          <a:xfrm>
-            <a:off x="838199" y="611079"/>
-            <a:ext cx="10515600" cy="833663"/>
-          </a:xfrm>
-        </p:spPr>
-        <p:txBody>
-          <a:bodyPr/>
-          <a:lstStyle/>
-          <a:p>
-            <a:pPr algn="ctr"/>
-            <a:r>
-              <a:rPr lang="en-US" dirty="0" smtClean="0"/>
-              <a:t>The “final” method</a:t>
-            </a:r>
-            <a:endParaRPr lang="en-US" dirty="0"/>
-          </a:p>
-        </p:txBody>
-      </p:sp>
-      <p:sp>
-        <p:nvSpPr>
-          <p:cNvPr id="3" name="Content Placeholder 2">
-            <a:extLst>
-              <a:ext uri="{FF2B5EF4-FFF2-40B4-BE49-F238E27FC236}">
-                <a16:creationId xmlns:a16="http://schemas.microsoft.com/office/drawing/2014/main" id="{FA6A4B49-27C8-46B6-8B11-AD7E8F615E2C}"/>
-              </a:ext>
-            </a:extLst>
-          </p:cNvPr>
-          <p:cNvSpPr>
-            <a:spLocks noGrp="1"/>
-          </p:cNvSpPr>
-          <p:nvPr>
-            <p:ph idx="1"/>
-          </p:nvPr>
-        </p:nvSpPr>
-        <p:spPr>
-          <a:xfrm>
-            <a:off x="838199" y="1825625"/>
-            <a:ext cx="5969001" cy="4351338"/>
-          </a:xfrm>
-        </p:spPr>
-        <p:txBody>
-          <a:bodyPr>
-            <a:normAutofit fontScale="77500" lnSpcReduction="20000"/>
-          </a:bodyPr>
-          <a:lstStyle/>
-          <a:p>
-            <a:r>
-              <a:rPr lang="en-US" dirty="0" smtClean="0"/>
-              <a:t>We all have heard about the popularity of open source. One of the main reasons behind its popularity is that anyone can download the code and do changes to it and create something new out of the existing piece of software.</a:t>
-            </a:r>
-          </a:p>
-          <a:p>
-            <a:r>
-              <a:rPr lang="en-US" dirty="0" smtClean="0"/>
-              <a:t>Being freely available and open for modification makes it all the more cool.</a:t>
-            </a:r>
-          </a:p>
-          <a:p>
-            <a:r>
-              <a:rPr lang="en-US" dirty="0" smtClean="0"/>
-              <a:t>On the other hand we also know about licensed </a:t>
-            </a:r>
-            <a:r>
-              <a:rPr lang="en-US" dirty="0" err="1" smtClean="0"/>
-              <a:t>softwares</a:t>
-            </a:r>
-            <a:r>
-              <a:rPr lang="en-US" dirty="0" smtClean="0"/>
-              <a:t> like MS power point or Adobe photo shop.</a:t>
-            </a:r>
-          </a:p>
-          <a:p>
-            <a:r>
-              <a:rPr lang="en-US" dirty="0" smtClean="0"/>
-              <a:t>These are proprietary software and can only be used and provide no way of extending their functionality.</a:t>
-            </a:r>
-          </a:p>
-          <a:p>
-            <a:r>
-              <a:rPr lang="en-US" dirty="0" smtClean="0"/>
-              <a:t>Similarly we have “final” methods in java. These methods prevent the subclasses from overriding the final method.</a:t>
-            </a:r>
-          </a:p>
-          <a:p>
-            <a:r>
-              <a:rPr lang="en-US" dirty="0" smtClean="0"/>
-              <a:t>Unlike “final” classes, in case of “final” method a parent class can be extended completely except that its final methods cannot be overridden by the child class.</a:t>
-            </a:r>
-          </a:p>
-          <a:p>
-            <a:r>
-              <a:rPr lang="en-US" dirty="0" smtClean="0"/>
-              <a:t>Declaring a static method “final”, prevents it from getting hidden by the subclass method. In case we try to declare a method with same signature as parent then compiler raises an exception. This exception that compiler raises is incorrectly </a:t>
-            </a:r>
-            <a:r>
-              <a:rPr lang="en-US" smtClean="0"/>
-              <a:t>written and </a:t>
-            </a:r>
-            <a:r>
-              <a:rPr lang="en-US" dirty="0" smtClean="0"/>
-              <a:t>should I ideally say hiding instead of overriding.</a:t>
-            </a:r>
-          </a:p>
-        </p:txBody>
-      </p:sp>
-      <p:sp>
-        <p:nvSpPr>
-          <p:cNvPr id="4" name="Slide Number Placeholder 3">
-            <a:extLst>
-              <a:ext uri="{FF2B5EF4-FFF2-40B4-BE49-F238E27FC236}">
-                <a16:creationId xmlns:a16="http://schemas.microsoft.com/office/drawing/2014/main" id="{62B4CE3A-8C88-45AA-A849-57E5A7AC22C1}"/>
-              </a:ext>
-            </a:extLst>
-          </p:cNvPr>
-          <p:cNvSpPr>
-            <a:spLocks noGrp="1"/>
-          </p:cNvSpPr>
-          <p:nvPr>
-            <p:ph type="sldNum" sz="quarter" idx="10"/>
-          </p:nvPr>
-        </p:nvSpPr>
-        <p:spPr>
-          <a:xfrm>
-            <a:off x="11353800" y="6361475"/>
-            <a:ext cx="838200" cy="360000"/>
-          </a:xfrm>
-        </p:spPr>
-        <p:txBody>
-          <a:bodyPr/>
-          <a:lstStyle/>
-          <a:p>
-            <a:r>
-              <a:rPr lang="en-US" dirty="0"/>
-              <a:t>PAGE </a:t>
-            </a:r>
-            <a:fld id="{4A9B5881-4007-4345-955A-79C2656F0C49}" type="slidenum">
-              <a:rPr lang="en-US" smtClean="0"/>
-              <a:pPr/>
-              <a:t>22</a:t>
-            </a:fld>
-            <a:endParaRPr lang="en-US" dirty="0"/>
-          </a:p>
-        </p:txBody>
-      </p:sp>
-      <p:sp>
-        <p:nvSpPr>
-          <p:cNvPr id="11" name="Rectangle 10">
-            <a:extLst>
-              <a:ext uri="{FF2B5EF4-FFF2-40B4-BE49-F238E27FC236}">
-                <a16:creationId xmlns:a16="http://schemas.microsoft.com/office/drawing/2014/main" id="{5F253864-26FA-4AB1-9F0A-4F57D870EE85}"/>
-              </a:ext>
-              <a:ext uri="{C183D7F6-B498-43B3-948B-1728B52AA6E4}">
-                <adec:decorative xmlns:adec="http://schemas.microsoft.com/office/drawing/2017/decorative" xmlns="" val="1"/>
-              </a:ext>
-            </a:extLst>
-          </p:cNvPr>
-          <p:cNvSpPr/>
-          <p:nvPr/>
-        </p:nvSpPr>
-        <p:spPr>
-          <a:xfrm>
-            <a:off x="6249555" y="6562004"/>
-            <a:ext cx="2552123" cy="159471"/>
-          </a:xfrm>
-          <a:prstGeom prst="rect">
-            <a:avLst/>
-          </a:prstGeom>
-          <a:solidFill>
-            <a:schemeClr val="tx1">
-              <a:lumMod val="85000"/>
-              <a:lumOff val="15000"/>
-            </a:schemeClr>
-          </a:solidFill>
-          <a:ln>
-            <a:noFill/>
-          </a:ln>
-        </p:spPr>
-        <p:style>
-          <a:lnRef idx="2">
-            <a:schemeClr val="accent1">
-              <a:shade val="50000"/>
-            </a:schemeClr>
-          </a:lnRef>
-          <a:fillRef idx="1">
-            <a:schemeClr val="accent1"/>
-          </a:fillRef>
-          <a:effectRef idx="0">
-            <a:schemeClr val="accent1"/>
-          </a:effectRef>
-          <a:fontRef idx="minor">
-            <a:schemeClr val="lt1"/>
-          </a:fontRef>
-        </p:style>
-        <p:txBody>
-          <a:bodyPr anchor="ctr"/>
-          <a:lstStyle/>
-          <a:p>
-            <a:pPr algn="ctr"/>
-            <a:endParaRPr lang="en-US" sz="1200" dirty="0"/>
-          </a:p>
-        </p:txBody>
-      </p:sp>
-      <p:pic>
-        <p:nvPicPr>
-          <p:cNvPr id="6" name="Picture 5"/>
-          <p:cNvPicPr>
-            <a:picLocks noChangeAspect="1"/>
-          </p:cNvPicPr>
-          <p:nvPr/>
-        </p:nvPicPr>
-        <p:blipFill>
-          <a:blip r:embed="rId2">
-            <a:extLst>
-              <a:ext uri="{28A0092B-C50C-407E-A947-70E740481C1C}">
-                <a14:useLocalDpi xmlns:a14="http://schemas.microsoft.com/office/drawing/2010/main" val="0"/>
-              </a:ext>
-            </a:extLst>
-          </a:blip>
-          <a:stretch>
-            <a:fillRect/>
-          </a:stretch>
-        </p:blipFill>
-        <p:spPr>
-          <a:xfrm>
-            <a:off x="6807199" y="1825625"/>
-            <a:ext cx="4546599" cy="4351338"/>
-          </a:xfrm>
-          <a:prstGeom prst="rect">
-            <a:avLst/>
-          </a:prstGeom>
-        </p:spPr>
-      </p:pic>
-    </p:spTree>
-    <p:extLst>
-      <p:ext uri="{BB962C8B-B14F-4D97-AF65-F5344CB8AC3E}">
-        <p14:creationId xmlns:p14="http://schemas.microsoft.com/office/powerpoint/2010/main" val="3079201952"/>
-      </p:ext>
-    </p:extLst>
-  </p:cSld>
-  <p:clrMapOvr>
-    <a:masterClrMapping/>
-  </p:clrMapOvr>
-  <p:timing>
-    <p:tnLst>
-      <p:par>
-        <p:cTn id="1" dur="indefinite" restart="never" nodeType="tmRoot"/>
-      </p:par>
-    </p:tnLst>
-  </p:timing>
-</p:sld>
-</file>
-
-<file path=ppt/slides/slide23.xml><?xml version="1.0" encoding="utf-8"?>
-<p:sld xmlns:a="http://schemas.openxmlformats.org/drawingml/2006/main" xmlns:r="http://schemas.openxmlformats.org/officeDocument/2006/relationships" xmlns:p="http://schemas.openxmlformats.org/presentationml/2006/main">
-  <p:cSld>
-    <p:spTree>
-      <p:nvGrpSpPr>
-        <p:cNvPr id="1" name=""/>
-        <p:cNvGrpSpPr/>
-        <p:nvPr/>
-      </p:nvGrpSpPr>
-      <p:grpSpPr>
-        <a:xfrm>
-          <a:off x="0" y="0"/>
-          <a:ext cx="0" cy="0"/>
-          <a:chOff x="0" y="0"/>
-          <a:chExt cx="0" cy="0"/>
-        </a:xfrm>
-      </p:grpSpPr>
-      <p:sp>
-        <p:nvSpPr>
-          <p:cNvPr id="2" name="Title 1">
-            <a:extLst>
-              <a:ext uri="{FF2B5EF4-FFF2-40B4-BE49-F238E27FC236}">
-                <a16:creationId xmlns:a16="http://schemas.microsoft.com/office/drawing/2014/main" id="{E199600F-A17E-4354-A7AB-0CC2A43A9354}"/>
-              </a:ext>
-            </a:extLst>
-          </p:cNvPr>
-          <p:cNvSpPr>
-            <a:spLocks noGrp="1"/>
-          </p:cNvSpPr>
-          <p:nvPr>
-            <p:ph type="title"/>
-          </p:nvPr>
-        </p:nvSpPr>
-        <p:spPr>
-          <a:xfrm>
-            <a:off x="838199" y="611079"/>
-            <a:ext cx="10515600" cy="833663"/>
-          </a:xfrm>
-        </p:spPr>
-        <p:txBody>
-          <a:bodyPr/>
-          <a:lstStyle/>
-          <a:p>
-            <a:pPr algn="ctr"/>
-            <a:r>
-              <a:rPr lang="en-US" dirty="0" smtClean="0"/>
-              <a:t>Compiler: Developers true well wisher</a:t>
-            </a:r>
-            <a:endParaRPr lang="en-US" dirty="0"/>
-          </a:p>
-        </p:txBody>
-      </p:sp>
-      <p:sp>
-        <p:nvSpPr>
-          <p:cNvPr id="3" name="Content Placeholder 2">
-            <a:extLst>
-              <a:ext uri="{FF2B5EF4-FFF2-40B4-BE49-F238E27FC236}">
-                <a16:creationId xmlns:a16="http://schemas.microsoft.com/office/drawing/2014/main" id="{FA6A4B49-27C8-46B6-8B11-AD7E8F615E2C}"/>
-              </a:ext>
-            </a:extLst>
-          </p:cNvPr>
-          <p:cNvSpPr>
-            <a:spLocks noGrp="1"/>
-          </p:cNvSpPr>
-          <p:nvPr>
-            <p:ph idx="1"/>
-          </p:nvPr>
-        </p:nvSpPr>
-        <p:spPr>
-          <a:xfrm>
-            <a:off x="838199" y="1689822"/>
-            <a:ext cx="6310746" cy="4487141"/>
-          </a:xfrm>
-        </p:spPr>
-        <p:txBody>
-          <a:bodyPr>
-            <a:normAutofit/>
-          </a:bodyPr>
-          <a:lstStyle/>
-          <a:p>
-            <a:r>
-              <a:rPr lang="en-US" dirty="0" smtClean="0"/>
-              <a:t>Ever saw a soccer coach, prepare his kids for the game. Why does he do that? To ensure that when they go out there in a real game they are able to give their best.</a:t>
-            </a:r>
-          </a:p>
-          <a:p>
-            <a:r>
-              <a:rPr lang="en-US" dirty="0" smtClean="0"/>
-              <a:t>What does a coach do for this ? He points out each and every mistakes to his kids and ensures that every kid works on them, so that in a real game they come out with flying colors.</a:t>
-            </a:r>
-          </a:p>
-          <a:p>
-            <a:r>
-              <a:rPr lang="en-US" dirty="0" smtClean="0"/>
-              <a:t>In the programmers world, none other than the compiler is our true well wisher.</a:t>
-            </a:r>
-          </a:p>
-          <a:p>
-            <a:r>
-              <a:rPr lang="en-US" dirty="0" smtClean="0"/>
-              <a:t>Lets see , How ????</a:t>
-            </a:r>
-          </a:p>
-        </p:txBody>
-      </p:sp>
-      <p:sp>
-        <p:nvSpPr>
-          <p:cNvPr id="4" name="Slide Number Placeholder 3">
-            <a:extLst>
-              <a:ext uri="{FF2B5EF4-FFF2-40B4-BE49-F238E27FC236}">
-                <a16:creationId xmlns:a16="http://schemas.microsoft.com/office/drawing/2014/main" id="{62B4CE3A-8C88-45AA-A849-57E5A7AC22C1}"/>
-              </a:ext>
-            </a:extLst>
-          </p:cNvPr>
-          <p:cNvSpPr>
-            <a:spLocks noGrp="1"/>
-          </p:cNvSpPr>
-          <p:nvPr>
-            <p:ph type="sldNum" sz="quarter" idx="10"/>
-          </p:nvPr>
-        </p:nvSpPr>
-        <p:spPr>
-          <a:xfrm>
-            <a:off x="11353800" y="6361475"/>
-            <a:ext cx="838200" cy="360000"/>
-          </a:xfrm>
-        </p:spPr>
-        <p:txBody>
-          <a:bodyPr/>
-          <a:lstStyle/>
-          <a:p>
-            <a:r>
-              <a:rPr lang="en-US" dirty="0"/>
-              <a:t>PAGE </a:t>
-            </a:r>
-            <a:fld id="{4A9B5881-4007-4345-955A-79C2656F0C49}" type="slidenum">
-              <a:rPr lang="en-US" smtClean="0"/>
-              <a:pPr/>
-              <a:t>23</a:t>
-            </a:fld>
-            <a:endParaRPr lang="en-US" dirty="0"/>
-          </a:p>
-        </p:txBody>
-      </p:sp>
-      <p:sp>
-        <p:nvSpPr>
-          <p:cNvPr id="11" name="Rectangle 10">
-            <a:extLst>
-              <a:ext uri="{FF2B5EF4-FFF2-40B4-BE49-F238E27FC236}">
-                <a16:creationId xmlns:a16="http://schemas.microsoft.com/office/drawing/2014/main" id="{5F253864-26FA-4AB1-9F0A-4F57D870EE85}"/>
-              </a:ext>
-              <a:ext uri="{C183D7F6-B498-43B3-948B-1728B52AA6E4}">
-                <adec:decorative xmlns:adec="http://schemas.microsoft.com/office/drawing/2017/decorative" xmlns="" val="1"/>
-              </a:ext>
-            </a:extLst>
-          </p:cNvPr>
-          <p:cNvSpPr/>
-          <p:nvPr/>
-        </p:nvSpPr>
-        <p:spPr>
-          <a:xfrm>
-            <a:off x="6249555" y="6562004"/>
-            <a:ext cx="2552123" cy="159471"/>
-          </a:xfrm>
-          <a:prstGeom prst="rect">
-            <a:avLst/>
-          </a:prstGeom>
-          <a:solidFill>
-            <a:schemeClr val="tx1">
-              <a:lumMod val="85000"/>
-              <a:lumOff val="15000"/>
-            </a:schemeClr>
-          </a:solidFill>
-          <a:ln>
-            <a:noFill/>
-          </a:ln>
-        </p:spPr>
-        <p:style>
-          <a:lnRef idx="2">
-            <a:schemeClr val="accent1">
-              <a:shade val="50000"/>
-            </a:schemeClr>
-          </a:lnRef>
-          <a:fillRef idx="1">
-            <a:schemeClr val="accent1"/>
-          </a:fillRef>
-          <a:effectRef idx="0">
-            <a:schemeClr val="accent1"/>
-          </a:effectRef>
-          <a:fontRef idx="minor">
-            <a:schemeClr val="lt1"/>
-          </a:fontRef>
-        </p:style>
-        <p:txBody>
-          <a:bodyPr anchor="ctr"/>
-          <a:lstStyle/>
-          <a:p>
-            <a:pPr algn="ctr"/>
-            <a:endParaRPr lang="en-US" sz="1200" dirty="0"/>
-          </a:p>
-        </p:txBody>
-      </p:sp>
-      <p:pic>
-        <p:nvPicPr>
-          <p:cNvPr id="5" name="Picture 4"/>
-          <p:cNvPicPr>
-            <a:picLocks noChangeAspect="1"/>
-          </p:cNvPicPr>
-          <p:nvPr/>
-        </p:nvPicPr>
-        <p:blipFill>
-          <a:blip r:embed="rId2">
-            <a:extLst>
-              <a:ext uri="{28A0092B-C50C-407E-A947-70E740481C1C}">
-                <a14:useLocalDpi xmlns:a14="http://schemas.microsoft.com/office/drawing/2010/main" val="0"/>
-              </a:ext>
-            </a:extLst>
-          </a:blip>
-          <a:stretch>
-            <a:fillRect/>
-          </a:stretch>
-        </p:blipFill>
-        <p:spPr>
-          <a:xfrm>
-            <a:off x="7278255" y="1689822"/>
-            <a:ext cx="4075544" cy="4671653"/>
-          </a:xfrm>
-          <a:prstGeom prst="rect">
-            <a:avLst/>
-          </a:prstGeom>
-        </p:spPr>
-      </p:pic>
-    </p:spTree>
-    <p:extLst>
-      <p:ext uri="{BB962C8B-B14F-4D97-AF65-F5344CB8AC3E}">
-        <p14:creationId xmlns:p14="http://schemas.microsoft.com/office/powerpoint/2010/main" val="495533325"/>
-      </p:ext>
-    </p:extLst>
-  </p:cSld>
-  <p:clrMapOvr>
-    <a:masterClrMapping/>
-  </p:clrMapOvr>
-  <p:timing>
-    <p:tnLst>
-      <p:par>
-        <p:cTn id="1" dur="indefinite" restart="never" nodeType="tmRoot"/>
-      </p:par>
-    </p:tnLst>
-  </p:timing>
-</p:sld>
-</file>
-
-<file path=ppt/slides/slide24.xml><?xml version="1.0" encoding="utf-8"?>
-<p:sld xmlns:a="http://schemas.openxmlformats.org/drawingml/2006/main" xmlns:r="http://schemas.openxmlformats.org/officeDocument/2006/relationships" xmlns:p="http://schemas.openxmlformats.org/presentationml/2006/main">
-  <p:cSld>
-    <p:spTree>
-      <p:nvGrpSpPr>
-        <p:cNvPr id="1" name=""/>
-        <p:cNvGrpSpPr/>
-        <p:nvPr/>
-      </p:nvGrpSpPr>
-      <p:grpSpPr>
-        <a:xfrm>
-          <a:off x="0" y="0"/>
-          <a:ext cx="0" cy="0"/>
-          <a:chOff x="0" y="0"/>
-          <a:chExt cx="0" cy="0"/>
-        </a:xfrm>
-      </p:grpSpPr>
-      <p:sp>
-        <p:nvSpPr>
-          <p:cNvPr id="2" name="Title 1">
-            <a:extLst>
-              <a:ext uri="{FF2B5EF4-FFF2-40B4-BE49-F238E27FC236}">
-                <a16:creationId xmlns:a16="http://schemas.microsoft.com/office/drawing/2014/main" id="{E199600F-A17E-4354-A7AB-0CC2A43A9354}"/>
-              </a:ext>
-            </a:extLst>
-          </p:cNvPr>
-          <p:cNvSpPr>
-            <a:spLocks noGrp="1"/>
-          </p:cNvSpPr>
-          <p:nvPr>
-            <p:ph type="title"/>
-          </p:nvPr>
-        </p:nvSpPr>
-        <p:spPr>
-          <a:xfrm>
-            <a:off x="838199" y="641857"/>
-            <a:ext cx="10515600" cy="772107"/>
-          </a:xfrm>
-        </p:spPr>
-        <p:txBody>
-          <a:bodyPr/>
-          <a:lstStyle/>
-          <a:p>
-            <a:pPr algn="ctr"/>
-            <a:r>
-              <a:rPr lang="en-US" sz="3600" dirty="0" smtClean="0"/>
-              <a:t>Compiler &amp; Polymorphism</a:t>
-            </a:r>
-            <a:endParaRPr lang="en-US" sz="3600" dirty="0"/>
-          </a:p>
-        </p:txBody>
-      </p:sp>
-      <p:sp>
-        <p:nvSpPr>
-          <p:cNvPr id="3" name="Content Placeholder 2">
-            <a:extLst>
-              <a:ext uri="{FF2B5EF4-FFF2-40B4-BE49-F238E27FC236}">
-                <a16:creationId xmlns:a16="http://schemas.microsoft.com/office/drawing/2014/main" id="{FA6A4B49-27C8-46B6-8B11-AD7E8F615E2C}"/>
-              </a:ext>
-            </a:extLst>
-          </p:cNvPr>
-          <p:cNvSpPr>
-            <a:spLocks noGrp="1"/>
-          </p:cNvSpPr>
-          <p:nvPr>
-            <p:ph idx="1"/>
-          </p:nvPr>
-        </p:nvSpPr>
-        <p:spPr>
-          <a:xfrm>
-            <a:off x="838199" y="1625600"/>
-            <a:ext cx="10515599" cy="4735875"/>
-          </a:xfrm>
-        </p:spPr>
-        <p:txBody>
-          <a:bodyPr>
-            <a:normAutofit fontScale="92500" lnSpcReduction="10000"/>
-          </a:bodyPr>
-          <a:lstStyle/>
-          <a:p>
-            <a:r>
-              <a:rPr lang="en-US" sz="2800" dirty="0" smtClean="0"/>
-              <a:t>Due to polymorphic behavior, a reference and the object it points to can be completely different. This is possible because in the case of inheritance a class higher in the hierarchy can point to an object that is lower in the hierarchy.</a:t>
-            </a:r>
-          </a:p>
-          <a:p>
-            <a:r>
-              <a:rPr lang="en-US" sz="2800" dirty="0" smtClean="0"/>
-              <a:t> Example : A reference of Object class can point to an object of String class.</a:t>
-            </a:r>
-          </a:p>
-          <a:p>
-            <a:r>
-              <a:rPr lang="en-US" sz="2800" dirty="0" smtClean="0"/>
-              <a:t>Due to polymorphic behavior, at compile time only type of the reference is known while no whereabouts of the actual object can be known.</a:t>
-            </a:r>
-          </a:p>
-          <a:p>
-            <a:r>
-              <a:rPr lang="en-US" sz="2800" dirty="0" smtClean="0"/>
-              <a:t>As a result of above fact, during assignment of one reference type to other, the compiler ensures that references on the right hand side of the assignment operator(=) always is a subclass of the reference type on the left hand side. This essentially means right hand side reference has “is a” relationship with the reference type on the left hand side.</a:t>
-            </a:r>
-          </a:p>
-          <a:p>
-            <a:r>
-              <a:rPr lang="en-US" sz="2800" dirty="0" smtClean="0"/>
-              <a:t>For example, Fruit f = m(mango type). Here mango “is a” fruit.</a:t>
-            </a:r>
-          </a:p>
-        </p:txBody>
-      </p:sp>
-      <p:sp>
-        <p:nvSpPr>
-          <p:cNvPr id="4" name="Slide Number Placeholder 3">
-            <a:extLst>
-              <a:ext uri="{FF2B5EF4-FFF2-40B4-BE49-F238E27FC236}">
-                <a16:creationId xmlns:a16="http://schemas.microsoft.com/office/drawing/2014/main" id="{62B4CE3A-8C88-45AA-A849-57E5A7AC22C1}"/>
-              </a:ext>
-            </a:extLst>
-          </p:cNvPr>
-          <p:cNvSpPr>
-            <a:spLocks noGrp="1"/>
-          </p:cNvSpPr>
-          <p:nvPr>
-            <p:ph type="sldNum" sz="quarter" idx="10"/>
-          </p:nvPr>
-        </p:nvSpPr>
-        <p:spPr>
-          <a:xfrm>
-            <a:off x="11353800" y="6361475"/>
-            <a:ext cx="838200" cy="360000"/>
-          </a:xfrm>
-        </p:spPr>
-        <p:txBody>
-          <a:bodyPr/>
-          <a:lstStyle/>
-          <a:p>
-            <a:r>
-              <a:rPr lang="en-US" dirty="0"/>
-              <a:t>PAGE </a:t>
-            </a:r>
-            <a:fld id="{4A9B5881-4007-4345-955A-79C2656F0C49}" type="slidenum">
-              <a:rPr lang="en-US" smtClean="0"/>
-              <a:pPr/>
-              <a:t>24</a:t>
-            </a:fld>
-            <a:endParaRPr lang="en-US" dirty="0"/>
-          </a:p>
-        </p:txBody>
-      </p:sp>
-      <p:sp>
-        <p:nvSpPr>
-          <p:cNvPr id="11" name="Rectangle 10">
-            <a:extLst>
-              <a:ext uri="{FF2B5EF4-FFF2-40B4-BE49-F238E27FC236}">
-                <a16:creationId xmlns:a16="http://schemas.microsoft.com/office/drawing/2014/main" id="{5F253864-26FA-4AB1-9F0A-4F57D870EE85}"/>
-              </a:ext>
-              <a:ext uri="{C183D7F6-B498-43B3-948B-1728B52AA6E4}">
-                <adec:decorative xmlns:adec="http://schemas.microsoft.com/office/drawing/2017/decorative" xmlns="" val="1"/>
-              </a:ext>
-            </a:extLst>
-          </p:cNvPr>
-          <p:cNvSpPr/>
-          <p:nvPr/>
-        </p:nvSpPr>
-        <p:spPr>
-          <a:xfrm>
-            <a:off x="6249555" y="6562004"/>
-            <a:ext cx="2552123" cy="159471"/>
-          </a:xfrm>
-          <a:prstGeom prst="rect">
-            <a:avLst/>
-          </a:prstGeom>
-          <a:solidFill>
-            <a:schemeClr val="tx1">
-              <a:lumMod val="85000"/>
-              <a:lumOff val="15000"/>
-            </a:schemeClr>
-          </a:solidFill>
-          <a:ln>
-            <a:noFill/>
-          </a:ln>
-        </p:spPr>
-        <p:style>
-          <a:lnRef idx="2">
-            <a:schemeClr val="accent1">
-              <a:shade val="50000"/>
-            </a:schemeClr>
-          </a:lnRef>
-          <a:fillRef idx="1">
-            <a:schemeClr val="accent1"/>
-          </a:fillRef>
-          <a:effectRef idx="0">
-            <a:schemeClr val="accent1"/>
-          </a:effectRef>
-          <a:fontRef idx="minor">
-            <a:schemeClr val="lt1"/>
-          </a:fontRef>
-        </p:style>
-        <p:txBody>
-          <a:bodyPr anchor="ctr"/>
-          <a:lstStyle/>
-          <a:p>
-            <a:pPr algn="ctr"/>
-            <a:endParaRPr lang="en-US" sz="1200" dirty="0"/>
-          </a:p>
-        </p:txBody>
-      </p:sp>
-    </p:spTree>
-    <p:extLst>
-      <p:ext uri="{BB962C8B-B14F-4D97-AF65-F5344CB8AC3E}">
-        <p14:creationId xmlns:p14="http://schemas.microsoft.com/office/powerpoint/2010/main" val="2549937363"/>
-      </p:ext>
-    </p:extLst>
-  </p:cSld>
-  <p:clrMapOvr>
-    <a:masterClrMapping/>
-  </p:clrMapOvr>
-  <p:timing>
-    <p:tnLst>
-      <p:par>
-        <p:cTn id="1" dur="indefinite" restart="never" nodeType="tmRoot"/>
-      </p:par>
-    </p:tnLst>
-  </p:timing>
-</p:sld>
-</file>
-
-<file path=ppt/slides/slide25.xml><?xml version="1.0" encoding="utf-8"?>
-<p:sld xmlns:a="http://schemas.openxmlformats.org/drawingml/2006/main" xmlns:r="http://schemas.openxmlformats.org/officeDocument/2006/relationships" xmlns:p="http://schemas.openxmlformats.org/presentationml/2006/main">
-  <p:cSld>
-    <p:spTree>
-      <p:nvGrpSpPr>
-        <p:cNvPr id="1" name=""/>
-        <p:cNvGrpSpPr/>
-        <p:nvPr/>
-      </p:nvGrpSpPr>
-      <p:grpSpPr>
-        <a:xfrm>
-          <a:off x="0" y="0"/>
-          <a:ext cx="0" cy="0"/>
-          <a:chOff x="0" y="0"/>
-          <a:chExt cx="0" cy="0"/>
-        </a:xfrm>
-      </p:grpSpPr>
-      <p:sp>
-        <p:nvSpPr>
-          <p:cNvPr id="2" name="Title 1">
-            <a:extLst>
-              <a:ext uri="{FF2B5EF4-FFF2-40B4-BE49-F238E27FC236}">
-                <a16:creationId xmlns:a16="http://schemas.microsoft.com/office/drawing/2014/main" id="{E199600F-A17E-4354-A7AB-0CC2A43A9354}"/>
-              </a:ext>
-            </a:extLst>
-          </p:cNvPr>
-          <p:cNvSpPr>
-            <a:spLocks noGrp="1"/>
-          </p:cNvSpPr>
-          <p:nvPr>
-            <p:ph type="title"/>
-          </p:nvPr>
-        </p:nvSpPr>
-        <p:spPr>
-          <a:xfrm>
-            <a:off x="838199" y="641857"/>
-            <a:ext cx="10515600" cy="772107"/>
-          </a:xfrm>
-        </p:spPr>
-        <p:txBody>
-          <a:bodyPr/>
-          <a:lstStyle/>
-          <a:p>
-            <a:pPr algn="ctr"/>
-            <a:r>
-              <a:rPr lang="en-US" sz="3600" dirty="0" smtClean="0"/>
-              <a:t>Casting</a:t>
-            </a:r>
-            <a:endParaRPr lang="en-US" sz="3600" dirty="0"/>
-          </a:p>
-        </p:txBody>
-      </p:sp>
-      <p:sp>
-        <p:nvSpPr>
-          <p:cNvPr id="3" name="Content Placeholder 2">
-            <a:extLst>
-              <a:ext uri="{FF2B5EF4-FFF2-40B4-BE49-F238E27FC236}">
-                <a16:creationId xmlns:a16="http://schemas.microsoft.com/office/drawing/2014/main" id="{FA6A4B49-27C8-46B6-8B11-AD7E8F615E2C}"/>
-              </a:ext>
-            </a:extLst>
-          </p:cNvPr>
-          <p:cNvSpPr>
-            <a:spLocks noGrp="1"/>
-          </p:cNvSpPr>
-          <p:nvPr>
-            <p:ph idx="1"/>
-          </p:nvPr>
-        </p:nvSpPr>
-        <p:spPr>
-          <a:xfrm>
-            <a:off x="838199" y="1542474"/>
-            <a:ext cx="10515599" cy="5019530"/>
-          </a:xfrm>
-        </p:spPr>
-        <p:txBody>
-          <a:bodyPr>
-            <a:normAutofit/>
-          </a:bodyPr>
-          <a:lstStyle/>
-          <a:p>
-            <a:r>
-              <a:rPr lang="en-US" sz="2800" dirty="0" smtClean="0"/>
-              <a:t>Though the compiler ensures that only subclass reference type be assigned to a parent class reference, there are loopholes in this approach.</a:t>
-            </a:r>
-          </a:p>
-        </p:txBody>
-      </p:sp>
-      <p:sp>
-        <p:nvSpPr>
-          <p:cNvPr id="4" name="Slide Number Placeholder 3">
-            <a:extLst>
-              <a:ext uri="{FF2B5EF4-FFF2-40B4-BE49-F238E27FC236}">
-                <a16:creationId xmlns:a16="http://schemas.microsoft.com/office/drawing/2014/main" id="{62B4CE3A-8C88-45AA-A849-57E5A7AC22C1}"/>
-              </a:ext>
-            </a:extLst>
-          </p:cNvPr>
-          <p:cNvSpPr>
-            <a:spLocks noGrp="1"/>
-          </p:cNvSpPr>
-          <p:nvPr>
-            <p:ph type="sldNum" sz="quarter" idx="10"/>
-          </p:nvPr>
-        </p:nvSpPr>
-        <p:spPr>
-          <a:xfrm>
-            <a:off x="11353800" y="6361475"/>
-            <a:ext cx="838200" cy="360000"/>
-          </a:xfrm>
-        </p:spPr>
-        <p:txBody>
-          <a:bodyPr/>
-          <a:lstStyle/>
-          <a:p>
-            <a:r>
-              <a:rPr lang="en-US" dirty="0"/>
-              <a:t>PAGE </a:t>
-            </a:r>
-            <a:fld id="{4A9B5881-4007-4345-955A-79C2656F0C49}" type="slidenum">
-              <a:rPr lang="en-US" smtClean="0"/>
-              <a:pPr/>
-              <a:t>25</a:t>
-            </a:fld>
-            <a:endParaRPr lang="en-US" dirty="0"/>
-          </a:p>
-        </p:txBody>
-      </p:sp>
-      <p:sp>
-        <p:nvSpPr>
-          <p:cNvPr id="11" name="Rectangle 10">
-            <a:extLst>
-              <a:ext uri="{FF2B5EF4-FFF2-40B4-BE49-F238E27FC236}">
-                <a16:creationId xmlns:a16="http://schemas.microsoft.com/office/drawing/2014/main" id="{5F253864-26FA-4AB1-9F0A-4F57D870EE85}"/>
-              </a:ext>
-              <a:ext uri="{C183D7F6-B498-43B3-948B-1728B52AA6E4}">
-                <adec:decorative xmlns:adec="http://schemas.microsoft.com/office/drawing/2017/decorative" xmlns="" val="1"/>
-              </a:ext>
-            </a:extLst>
-          </p:cNvPr>
-          <p:cNvSpPr/>
-          <p:nvPr/>
-        </p:nvSpPr>
-        <p:spPr>
-          <a:xfrm>
-            <a:off x="6249555" y="6562004"/>
-            <a:ext cx="2552123" cy="159471"/>
-          </a:xfrm>
-          <a:prstGeom prst="rect">
-            <a:avLst/>
-          </a:prstGeom>
-          <a:solidFill>
-            <a:schemeClr val="tx1">
-              <a:lumMod val="85000"/>
-              <a:lumOff val="15000"/>
-            </a:schemeClr>
-          </a:solidFill>
-          <a:ln>
-            <a:noFill/>
-          </a:ln>
-        </p:spPr>
-        <p:style>
-          <a:lnRef idx="2">
-            <a:schemeClr val="accent1">
-              <a:shade val="50000"/>
-            </a:schemeClr>
-          </a:lnRef>
-          <a:fillRef idx="1">
-            <a:schemeClr val="accent1"/>
-          </a:fillRef>
-          <a:effectRef idx="0">
-            <a:schemeClr val="accent1"/>
-          </a:effectRef>
-          <a:fontRef idx="minor">
-            <a:schemeClr val="lt1"/>
-          </a:fontRef>
-        </p:style>
-        <p:txBody>
-          <a:bodyPr anchor="ctr"/>
-          <a:lstStyle/>
-          <a:p>
-            <a:pPr algn="ctr"/>
-            <a:endParaRPr lang="en-US" sz="1200" dirty="0"/>
-          </a:p>
-        </p:txBody>
-      </p:sp>
-    </p:spTree>
-    <p:extLst>
-      <p:ext uri="{BB962C8B-B14F-4D97-AF65-F5344CB8AC3E}">
-        <p14:creationId xmlns:p14="http://schemas.microsoft.com/office/powerpoint/2010/main" val="2912250523"/>
-      </p:ext>
-    </p:extLst>
-  </p:cSld>
-  <p:clrMapOvr>
-    <a:masterClrMapping/>
-  </p:clrMapOvr>
-  <p:timing>
-    <p:tnLst>
-      <p:par>
-        <p:cTn id="1" dur="indefinite" restart="never" nodeType="tmRoot"/>
-      </p:par>
-    </p:tnLst>
-  </p:timing>
-</p:sld>
-</file>
-
-<file path=ppt/slides/slide26.xml><?xml version="1.0" encoding="utf-8"?>
-<p:sld xmlns:a="http://schemas.openxmlformats.org/drawingml/2006/main" xmlns:r="http://schemas.openxmlformats.org/officeDocument/2006/relationships" xmlns:p="http://schemas.openxmlformats.org/presentationml/2006/main">
-  <p:cSld>
-    <p:spTree>
-      <p:nvGrpSpPr>
-        <p:cNvPr id="1" name=""/>
-        <p:cNvGrpSpPr/>
-        <p:nvPr/>
-      </p:nvGrpSpPr>
-      <p:grpSpPr>
-        <a:xfrm>
-          <a:off x="0" y="0"/>
-          <a:ext cx="0" cy="0"/>
-          <a:chOff x="0" y="0"/>
-          <a:chExt cx="0" cy="0"/>
-        </a:xfrm>
-      </p:grpSpPr>
-      <p:sp>
-        <p:nvSpPr>
-          <p:cNvPr id="2" name="Title 1">
-            <a:extLst>
-              <a:ext uri="{FF2B5EF4-FFF2-40B4-BE49-F238E27FC236}">
-                <a16:creationId xmlns:a16="http://schemas.microsoft.com/office/drawing/2014/main" id="{C8F58AE6-56F6-44E8-8BBF-23277B1773E4}"/>
-              </a:ext>
-            </a:extLst>
-          </p:cNvPr>
-          <p:cNvSpPr>
-            <a:spLocks noGrp="1"/>
-          </p:cNvSpPr>
-          <p:nvPr>
-            <p:ph type="title"/>
-          </p:nvPr>
-        </p:nvSpPr>
-        <p:spPr/>
-        <p:txBody>
-          <a:bodyPr/>
-          <a:lstStyle/>
-          <a:p>
-            <a:r>
-              <a:rPr lang="en-US" smtClean="0"/>
-              <a:t>Questions ??</a:t>
-            </a:r>
-            <a:endParaRPr lang="en-US" dirty="0"/>
-          </a:p>
-        </p:txBody>
-      </p:sp>
-      <p:pic>
-        <p:nvPicPr>
-          <p:cNvPr id="3" name="Content Placeholder 2"/>
-          <p:cNvPicPr>
-            <a:picLocks noGrp="1" noChangeAspect="1"/>
-          </p:cNvPicPr>
-          <p:nvPr>
-            <p:ph idx="1"/>
-          </p:nvPr>
-        </p:nvPicPr>
-        <p:blipFill>
-          <a:blip r:embed="rId2">
-            <a:extLst>
-              <a:ext uri="{28A0092B-C50C-407E-A947-70E740481C1C}">
-                <a14:useLocalDpi xmlns:a14="http://schemas.microsoft.com/office/drawing/2010/main" val="0"/>
-              </a:ext>
-            </a:extLst>
-          </a:blip>
-          <a:stretch>
-            <a:fillRect/>
-          </a:stretch>
-        </p:blipFill>
-        <p:spPr>
-          <a:xfrm>
-            <a:off x="4705350" y="1487686"/>
-            <a:ext cx="6648450" cy="3739753"/>
-          </a:xfrm>
-        </p:spPr>
-      </p:pic>
-      <p:sp>
-        <p:nvSpPr>
-          <p:cNvPr id="20" name="Slide Number Placeholder 19">
-            <a:extLst>
-              <a:ext uri="{FF2B5EF4-FFF2-40B4-BE49-F238E27FC236}">
-                <a16:creationId xmlns:a16="http://schemas.microsoft.com/office/drawing/2014/main" id="{3AEC0301-E9AA-4478-9E23-C372DBDCE653}"/>
-              </a:ext>
-            </a:extLst>
-          </p:cNvPr>
-          <p:cNvSpPr>
-            <a:spLocks noGrp="1"/>
-          </p:cNvSpPr>
-          <p:nvPr>
-            <p:ph type="sldNum" sz="quarter" idx="10"/>
-          </p:nvPr>
-        </p:nvSpPr>
-        <p:spPr>
-          <a:xfrm>
-            <a:off x="10717695" y="6363134"/>
-            <a:ext cx="838200" cy="360000"/>
-          </a:xfrm>
-        </p:spPr>
-        <p:txBody>
-          <a:bodyPr/>
-          <a:lstStyle/>
-          <a:p>
-            <a:r>
-              <a:rPr lang="en-US" dirty="0"/>
-              <a:t>PAGE </a:t>
-            </a:r>
-            <a:fld id="{4A9B5881-4007-4345-955A-79C2656F0C49}" type="slidenum">
-              <a:rPr lang="en-US" smtClean="0"/>
-              <a:pPr/>
-              <a:t>26</a:t>
-            </a:fld>
-            <a:endParaRPr lang="en-US" dirty="0"/>
-          </a:p>
-        </p:txBody>
-      </p:sp>
-      <p:sp>
-        <p:nvSpPr>
-          <p:cNvPr id="10" name="Isosceles Triangle 9">
-            <a:extLst>
-              <a:ext uri="{FF2B5EF4-FFF2-40B4-BE49-F238E27FC236}">
-                <a16:creationId xmlns:a16="http://schemas.microsoft.com/office/drawing/2014/main" id="{792980D7-ED01-4955-83DB-59BA18C94FBA}"/>
-              </a:ext>
-              <a:ext uri="{C183D7F6-B498-43B3-948B-1728B52AA6E4}">
-                <adec:decorative xmlns:adec="http://schemas.microsoft.com/office/drawing/2017/decorative" xmlns="" val="1"/>
-              </a:ext>
-            </a:extLst>
-          </p:cNvPr>
-          <p:cNvSpPr/>
-          <p:nvPr/>
-        </p:nvSpPr>
-        <p:spPr>
-          <a:xfrm rot="10800000">
-            <a:off x="10006315" y="6271566"/>
-            <a:ext cx="142847" cy="91567"/>
-          </a:xfrm>
-          <a:prstGeom prst="triangle">
-            <a:avLst/>
-          </a:prstGeom>
-          <a:solidFill>
-            <a:schemeClr val="bg1"/>
-          </a:solidFill>
-          <a:ln>
-            <a:noFill/>
-          </a:ln>
-        </p:spPr>
-        <p:style>
-          <a:lnRef idx="2">
-            <a:schemeClr val="accent1">
-              <a:shade val="50000"/>
-            </a:schemeClr>
-          </a:lnRef>
-          <a:fillRef idx="1">
-            <a:schemeClr val="accent1"/>
-          </a:fillRef>
-          <a:effectRef idx="0">
-            <a:schemeClr val="accent1"/>
-          </a:effectRef>
-          <a:fontRef idx="minor">
-            <a:schemeClr val="lt1"/>
-          </a:fontRef>
-        </p:style>
-        <p:txBody>
-          <a:bodyPr rtlCol="0" anchor="ctr"/>
-          <a:lstStyle/>
-          <a:p>
-            <a:pPr algn="ctr"/>
-            <a:endParaRPr lang="en-US" dirty="0"/>
-          </a:p>
-        </p:txBody>
-      </p:sp>
-      <p:sp>
-        <p:nvSpPr>
-          <p:cNvPr id="4" name="Rectangle 3"/>
-          <p:cNvSpPr/>
-          <p:nvPr/>
-        </p:nvSpPr>
-        <p:spPr>
-          <a:xfrm>
-            <a:off x="5785658" y="3244334"/>
-            <a:ext cx="620683" cy="369332"/>
-          </a:xfrm>
-          <a:prstGeom prst="rect">
-            <a:avLst/>
-          </a:prstGeom>
-        </p:spPr>
-        <p:txBody>
-          <a:bodyPr wrap="none">
-            <a:spAutoFit/>
-          </a:bodyPr>
-          <a:lstStyle/>
-          <a:p>
-            <a:r>
-              <a:rPr lang="en-US" dirty="0"/>
-              <a:t>a b c</a:t>
-            </a:r>
-          </a:p>
-        </p:txBody>
-      </p:sp>
-    </p:spTree>
-    <p:extLst>
-      <p:ext uri="{BB962C8B-B14F-4D97-AF65-F5344CB8AC3E}">
-        <p14:creationId xmlns:p14="http://schemas.microsoft.com/office/powerpoint/2010/main" val="1704949556"/>
+        <p14:creationId xmlns:p14="http://schemas.microsoft.com/office/powerpoint/2010/main" xmlns="" val="1281103274"/>
       </p:ext>
     </p:extLst>
   </p:cSld>
@@ -9218,7 +4980,7 @@
           <p:cNvPr id="2" name="Title 1">
             <a:extLst>
               <a:ext uri="{FF2B5EF4-FFF2-40B4-BE49-F238E27FC236}">
-                <a16:creationId xmlns:a16="http://schemas.microsoft.com/office/drawing/2014/main" id="{E199600F-A17E-4354-A7AB-0CC2A43A9354}"/>
+                <a16:creationId xmlns:a16="http://schemas.microsoft.com/office/drawing/2014/main" xmlns="" id="{E199600F-A17E-4354-A7AB-0CC2A43A9354}"/>
               </a:ext>
             </a:extLst>
           </p:cNvPr>
@@ -9253,7 +5015,7 @@
           <p:cNvPr id="3" name="Content Placeholder 2">
             <a:extLst>
               <a:ext uri="{FF2B5EF4-FFF2-40B4-BE49-F238E27FC236}">
-                <a16:creationId xmlns:a16="http://schemas.microsoft.com/office/drawing/2014/main" id="{FA6A4B49-27C8-46B6-8B11-AD7E8F615E2C}"/>
+                <a16:creationId xmlns:a16="http://schemas.microsoft.com/office/drawing/2014/main" xmlns="" id="{FA6A4B49-27C8-46B6-8B11-AD7E8F615E2C}"/>
               </a:ext>
             </a:extLst>
           </p:cNvPr>
@@ -9282,7 +5044,15 @@
             </a:r>
             <a:r>
               <a:rPr lang="en-US" sz="2800" noProof="1" smtClean="0"/>
-              <a:t>isplay of the mobile serves as an interface to the world that lies inside our mobile phones. Inner complexigties of the working of the mobile phone are all hidden behind the user interface.</a:t>
+              <a:t>isplay of the mobile serves as an interface to the world that lies inside our mobile phones. Inner </a:t>
+            </a:r>
+            <a:r>
+              <a:rPr lang="en-US" sz="2800" noProof="1" smtClean="0"/>
+              <a:t>complexities </a:t>
+            </a:r>
+            <a:r>
+              <a:rPr lang="en-US" sz="2800" noProof="1" smtClean="0"/>
+              <a:t>of the working of the mobile phone are all hidden behind the user interface.</a:t>
             </a:r>
           </a:p>
           <a:p>
@@ -9304,7 +5074,7 @@
           <p:cNvPr id="4" name="Slide Number Placeholder 3">
             <a:extLst>
               <a:ext uri="{FF2B5EF4-FFF2-40B4-BE49-F238E27FC236}">
-                <a16:creationId xmlns:a16="http://schemas.microsoft.com/office/drawing/2014/main" id="{62B4CE3A-8C88-45AA-A849-57E5A7AC22C1}"/>
+                <a16:creationId xmlns:a16="http://schemas.microsoft.com/office/drawing/2014/main" xmlns="" id="{62B4CE3A-8C88-45AA-A849-57E5A7AC22C1}"/>
               </a:ext>
             </a:extLst>
           </p:cNvPr>
@@ -9343,7 +5113,7 @@
           <p:cNvPr id="11" name="Rectangle 10">
             <a:extLst>
               <a:ext uri="{FF2B5EF4-FFF2-40B4-BE49-F238E27FC236}">
-                <a16:creationId xmlns:a16="http://schemas.microsoft.com/office/drawing/2014/main" id="{5F253864-26FA-4AB1-9F0A-4F57D870EE85}"/>
+                <a16:creationId xmlns:a16="http://schemas.microsoft.com/office/drawing/2014/main" xmlns="" id="{5F253864-26FA-4AB1-9F0A-4F57D870EE85}"/>
               </a:ext>
               <a:ext uri="{C183D7F6-B498-43B3-948B-1728B52AA6E4}">
                 <adec:decorative xmlns:adec="http://schemas.microsoft.com/office/drawing/2017/decorative" xmlns="" val="1"/>
@@ -9408,7 +5178,7 @@
           <a:blip r:embed="rId2">
             <a:extLst>
               <a:ext uri="{28A0092B-C50C-407E-A947-70E740481C1C}">
-                <a14:useLocalDpi xmlns:a14="http://schemas.microsoft.com/office/drawing/2010/main" val="0"/>
+                <a14:useLocalDpi xmlns:a14="http://schemas.microsoft.com/office/drawing/2010/main" xmlns="" val="0"/>
               </a:ext>
             </a:extLst>
           </a:blip>
@@ -9428,7 +5198,7 @@
           <a:noFill/>
           <a:extLst>
             <a:ext uri="{909E8E84-426E-40DD-AFC4-6F175D3DCCD1}">
-              <a14:hiddenFill xmlns:a14="http://schemas.microsoft.com/office/drawing/2010/main">
+              <a14:hiddenFill xmlns:a14="http://schemas.microsoft.com/office/drawing/2010/main" xmlns="">
                 <a:solidFill>
                   <a:srgbClr val="FFFFFF"/>
                 </a:solidFill>
@@ -9440,7 +5210,7 @@
     </p:spTree>
     <p:extLst>
       <p:ext uri="{BB962C8B-B14F-4D97-AF65-F5344CB8AC3E}">
-        <p14:creationId xmlns:p14="http://schemas.microsoft.com/office/powerpoint/2010/main" val="486963897"/>
+        <p14:creationId xmlns:p14="http://schemas.microsoft.com/office/powerpoint/2010/main" xmlns="" val="486963897"/>
       </p:ext>
     </p:extLst>
   </p:cSld>
@@ -9479,7 +5249,7 @@
           <p:cNvPr id="2" name="Title 1">
             <a:extLst>
               <a:ext uri="{FF2B5EF4-FFF2-40B4-BE49-F238E27FC236}">
-                <a16:creationId xmlns:a16="http://schemas.microsoft.com/office/drawing/2014/main" id="{E199600F-A17E-4354-A7AB-0CC2A43A9354}"/>
+                <a16:creationId xmlns:a16="http://schemas.microsoft.com/office/drawing/2014/main" xmlns="" id="{E199600F-A17E-4354-A7AB-0CC2A43A9354}"/>
               </a:ext>
             </a:extLst>
           </p:cNvPr>
@@ -9514,7 +5284,7 @@
           <p:cNvPr id="3" name="Content Placeholder 2">
             <a:extLst>
               <a:ext uri="{FF2B5EF4-FFF2-40B4-BE49-F238E27FC236}">
-                <a16:creationId xmlns:a16="http://schemas.microsoft.com/office/drawing/2014/main" id="{FA6A4B49-27C8-46B6-8B11-AD7E8F615E2C}"/>
+                <a16:creationId xmlns:a16="http://schemas.microsoft.com/office/drawing/2014/main" xmlns="" id="{FA6A4B49-27C8-46B6-8B11-AD7E8F615E2C}"/>
               </a:ext>
             </a:extLst>
           </p:cNvPr>
@@ -9533,104 +5303,104 @@
         </p:spPr>
         <p:txBody>
           <a:bodyPr>
-            <a:noAutofit/>
+            <a:normAutofit fontScale="92500" lnSpcReduction="20000"/>
           </a:bodyPr>
           <a:lstStyle/>
           <a:p>
             <a:r>
-              <a:rPr lang="en-US" sz="1800" dirty="0" smtClean="0"/>
+              <a:rPr lang="en-US" dirty="0" smtClean="0"/>
               <a:t>An interface cannot be instantiated. It only serves to declare the contract and allow subclass to provide a definition.</a:t>
             </a:r>
           </a:p>
           <a:p>
             <a:r>
-              <a:rPr lang="en-US" sz="1800" dirty="0" smtClean="0"/>
+              <a:rPr lang="en-US" dirty="0" smtClean="0"/>
               <a:t> Prior to java 8, interface members had following restrictions:</a:t>
             </a:r>
           </a:p>
           <a:p>
             <a:pPr lvl="1"/>
             <a:r>
+              <a:rPr lang="en-US" sz="2000" dirty="0" smtClean="0"/>
+              <a:t>An interface does not provide any implementation and hence cannot be instantiated.</a:t>
+            </a:r>
+          </a:p>
+          <a:p>
+            <a:pPr lvl="1"/>
+            <a:r>
+              <a:rPr lang="en-US" sz="2000" dirty="0" smtClean="0"/>
+              <a:t>All methods were required to be abstract and public.</a:t>
+            </a:r>
+          </a:p>
+          <a:p>
+            <a:pPr lvl="1"/>
+            <a:r>
+              <a:rPr lang="en-US" sz="2000" dirty="0" smtClean="0"/>
+              <a:t>Static methods are not allowed.</a:t>
+            </a:r>
+          </a:p>
+          <a:p>
+            <a:pPr lvl="1"/>
+            <a:r>
+              <a:rPr lang="en-US" sz="2000" dirty="0" smtClean="0"/>
+              <a:t>All data members were required to be public, static, final.</a:t>
+            </a:r>
+          </a:p>
+          <a:p>
+            <a:r>
               <a:rPr lang="en-US" dirty="0" smtClean="0"/>
-              <a:t>An interface does not provide any implementation and hence cannot be instantiated.</a:t>
+              <a:t>After java 9, rules of interface were changed. Following are the new rules :</a:t>
             </a:r>
           </a:p>
           <a:p>
             <a:pPr lvl="1"/>
             <a:r>
-              <a:rPr lang="en-US" dirty="0" smtClean="0"/>
-              <a:t>All methods were required to be abstract and public.</a:t>
+              <a:rPr lang="en-US" sz="2000" dirty="0" smtClean="0"/>
+              <a:t>Methods can have implementation if : </a:t>
+            </a:r>
+          </a:p>
+          <a:p>
+            <a:pPr lvl="2"/>
+            <a:r>
+              <a:rPr lang="en-US" sz="2000" dirty="0"/>
+              <a:t>They are implemented with a keyword default prefixed to their definition.</a:t>
+            </a:r>
+          </a:p>
+          <a:p>
+            <a:pPr lvl="3"/>
+            <a:r>
+              <a:rPr lang="en-US" sz="2000" dirty="0"/>
+              <a:t>This feature was opened up with the launch of Java8.This was implemented so that any new functionality could be provided to all the classes down in the hierarchy rather than implementing it at multiple locations</a:t>
+            </a:r>
+            <a:r>
+              <a:rPr lang="en-US" sz="2000" dirty="0" smtClean="0"/>
+              <a:t>.</a:t>
+            </a:r>
+          </a:p>
+          <a:p>
+            <a:pPr lvl="2"/>
+            <a:r>
+              <a:rPr lang="en-US" sz="2000" dirty="0" smtClean="0"/>
+              <a:t>They </a:t>
+            </a:r>
+            <a:r>
+              <a:rPr lang="en-US" sz="2000" dirty="0"/>
+              <a:t>have private </a:t>
+            </a:r>
+            <a:r>
+              <a:rPr lang="en-US" sz="2000" dirty="0" smtClean="0"/>
+              <a:t>accessibility. This allows for writing all the common functionality at a single place and allowing for a reuse with other methods/default methods.</a:t>
             </a:r>
           </a:p>
           <a:p>
             <a:pPr lvl="1"/>
             <a:r>
-              <a:rPr lang="en-US" dirty="0" smtClean="0"/>
-              <a:t>Static methods are not allowed.</a:t>
-            </a:r>
-          </a:p>
-          <a:p>
-            <a:pPr lvl="1"/>
-            <a:r>
-              <a:rPr lang="en-US" dirty="0" smtClean="0"/>
-              <a:t>All data members were required to be public, static, final.</a:t>
-            </a:r>
-          </a:p>
-          <a:p>
-            <a:r>
-              <a:rPr lang="en-US" sz="1800" dirty="0" smtClean="0"/>
-              <a:t>After java 9, rules of interface were changed. Following are the new rules :</a:t>
-            </a:r>
-          </a:p>
-          <a:p>
-            <a:pPr lvl="1"/>
-            <a:r>
-              <a:rPr lang="en-US" dirty="0" smtClean="0"/>
-              <a:t>Methods can have implementation if : </a:t>
-            </a:r>
-          </a:p>
-          <a:p>
-            <a:pPr lvl="2"/>
-            <a:r>
-              <a:rPr lang="en-US" sz="1800" dirty="0"/>
-              <a:t>They are implemented with a keyword default prefixed to their definition.</a:t>
-            </a:r>
-          </a:p>
-          <a:p>
-            <a:pPr lvl="3"/>
-            <a:r>
-              <a:rPr lang="en-US" sz="1800" dirty="0"/>
-              <a:t>This feature was opened up with the launch of Java8.This was implemented so that any new functionality could be provided to all the classes down in the hierarchy rather than implementing it at multiple locations</a:t>
-            </a:r>
-            <a:r>
-              <a:rPr lang="en-US" sz="1800" dirty="0" smtClean="0"/>
-              <a:t>.</a:t>
-            </a:r>
-          </a:p>
-          <a:p>
-            <a:pPr lvl="2"/>
-            <a:r>
-              <a:rPr lang="en-US" sz="1800" dirty="0" smtClean="0"/>
-              <a:t>They </a:t>
-            </a:r>
-            <a:r>
-              <a:rPr lang="en-US" sz="1800" dirty="0"/>
-              <a:t>have private </a:t>
-            </a:r>
-            <a:r>
-              <a:rPr lang="en-US" sz="1800" dirty="0" smtClean="0"/>
-              <a:t>accessibility. This allows for writing all the common functionality at a single place and allowing for a reuse with other methods/default methods.</a:t>
-            </a:r>
-          </a:p>
-          <a:p>
-            <a:pPr lvl="1"/>
-            <a:r>
-              <a:rPr lang="en-US" dirty="0" smtClean="0"/>
+              <a:rPr lang="en-US" sz="2200" dirty="0" smtClean="0"/>
               <a:t>Static methods can be defined.</a:t>
             </a:r>
           </a:p>
           <a:p>
-            <a:endParaRPr lang="en-US" sz="1800" dirty="0"/>
+            <a:endParaRPr lang="en-US" sz="2400" dirty="0"/>
           </a:p>
         </p:txBody>
       </p:sp>
@@ -9639,7 +5409,7 @@
           <p:cNvPr id="4" name="Slide Number Placeholder 3">
             <a:extLst>
               <a:ext uri="{FF2B5EF4-FFF2-40B4-BE49-F238E27FC236}">
-                <a16:creationId xmlns:a16="http://schemas.microsoft.com/office/drawing/2014/main" id="{62B4CE3A-8C88-45AA-A849-57E5A7AC22C1}"/>
+                <a16:creationId xmlns:a16="http://schemas.microsoft.com/office/drawing/2014/main" xmlns="" id="{62B4CE3A-8C88-45AA-A849-57E5A7AC22C1}"/>
               </a:ext>
             </a:extLst>
           </p:cNvPr>
@@ -9678,7 +5448,7 @@
           <p:cNvPr id="11" name="Rectangle 10">
             <a:extLst>
               <a:ext uri="{FF2B5EF4-FFF2-40B4-BE49-F238E27FC236}">
-                <a16:creationId xmlns:a16="http://schemas.microsoft.com/office/drawing/2014/main" id="{5F253864-26FA-4AB1-9F0A-4F57D870EE85}"/>
+                <a16:creationId xmlns:a16="http://schemas.microsoft.com/office/drawing/2014/main" xmlns="" id="{5F253864-26FA-4AB1-9F0A-4F57D870EE85}"/>
               </a:ext>
               <a:ext uri="{C183D7F6-B498-43B3-948B-1728B52AA6E4}">
                 <adec:decorative xmlns:adec="http://schemas.microsoft.com/office/drawing/2017/decorative" xmlns="" val="1"/>
@@ -9734,7 +5504,7 @@
     </p:spTree>
     <p:extLst>
       <p:ext uri="{BB962C8B-B14F-4D97-AF65-F5344CB8AC3E}">
-        <p14:creationId xmlns:p14="http://schemas.microsoft.com/office/powerpoint/2010/main" val="796273414"/>
+        <p14:creationId xmlns:p14="http://schemas.microsoft.com/office/powerpoint/2010/main" xmlns="" val="796273414"/>
       </p:ext>
     </p:extLst>
   </p:cSld>
@@ -9773,7 +5543,7 @@
           <p:cNvPr id="2" name="Title 1">
             <a:extLst>
               <a:ext uri="{FF2B5EF4-FFF2-40B4-BE49-F238E27FC236}">
-                <a16:creationId xmlns:a16="http://schemas.microsoft.com/office/drawing/2014/main" id="{E199600F-A17E-4354-A7AB-0CC2A43A9354}"/>
+                <a16:creationId xmlns:a16="http://schemas.microsoft.com/office/drawing/2014/main" xmlns="" id="{E199600F-A17E-4354-A7AB-0CC2A43A9354}"/>
               </a:ext>
             </a:extLst>
           </p:cNvPr>
@@ -9808,7 +5578,7 @@
           <p:cNvPr id="3" name="Content Placeholder 2">
             <a:extLst>
               <a:ext uri="{FF2B5EF4-FFF2-40B4-BE49-F238E27FC236}">
-                <a16:creationId xmlns:a16="http://schemas.microsoft.com/office/drawing/2014/main" id="{FA6A4B49-27C8-46B6-8B11-AD7E8F615E2C}"/>
+                <a16:creationId xmlns:a16="http://schemas.microsoft.com/office/drawing/2014/main" xmlns="" id="{FA6A4B49-27C8-46B6-8B11-AD7E8F615E2C}"/>
               </a:ext>
             </a:extLst>
           </p:cNvPr>
@@ -9833,13 +5603,69 @@
           <a:p>
             <a:r>
               <a:rPr lang="en-US" sz="2800" dirty="0" smtClean="0"/>
-              <a:t>As already discussed, an interface provides a blue print of what tall the interface offers. Basis this any class can choose to implement and provide functionality to the interface.</a:t>
-            </a:r>
-          </a:p>
-          <a:p>
+              <a:t>As already discussed, an interface provides a blue print of what </a:t>
+            </a:r>
             <a:r>
               <a:rPr lang="en-US" sz="2800" dirty="0" smtClean="0"/>
-              <a:t>An interface can implemented by any class using the ‘implements’ clause. Note that it is ‘implements’ and not ‘extends’ because it is actually there exist no implementation of an interface and we giving and implementation. On the other hand extending means their exist certain functionality and we are giving it an extension.</a:t>
+              <a:t>all </a:t>
+            </a:r>
+            <a:r>
+              <a:rPr lang="en-US" sz="2800" dirty="0" smtClean="0"/>
+              <a:t>the interface offers. </a:t>
+            </a:r>
+            <a:r>
+              <a:rPr lang="en-US" sz="2800" dirty="0" smtClean="0"/>
+              <a:t>On this basis </a:t>
+            </a:r>
+            <a:r>
+              <a:rPr lang="en-US" sz="2800" dirty="0" smtClean="0"/>
+              <a:t>any class can choose to implement and provide functionality to the interface.</a:t>
+            </a:r>
+          </a:p>
+          <a:p>
+            <a:r>
+              <a:rPr lang="en-US" sz="2800" dirty="0" smtClean="0"/>
+              <a:t>An interface can implemented by any class using the ‘</a:t>
+            </a:r>
+            <a:r>
+              <a:rPr lang="en-US" sz="2800" b="1" i="1" dirty="0" smtClean="0">
+                <a:solidFill>
+                  <a:srgbClr val="FFFF00"/>
+                </a:solidFill>
+              </a:rPr>
+              <a:t>implements</a:t>
+            </a:r>
+            <a:r>
+              <a:rPr lang="en-US" sz="2800" dirty="0" smtClean="0"/>
+              <a:t>’ clause. Note that it is ‘implements’ and not ‘extends’ because </a:t>
+            </a:r>
+            <a:r>
+              <a:rPr lang="en-US" sz="2800" dirty="0" smtClean="0"/>
+              <a:t>there is no existing </a:t>
+            </a:r>
+            <a:r>
+              <a:rPr lang="en-US" sz="2800" dirty="0" smtClean="0"/>
+              <a:t>implementation </a:t>
+            </a:r>
+            <a:r>
+              <a:rPr lang="en-US" sz="2800" dirty="0" smtClean="0"/>
+              <a:t>in</a:t>
+            </a:r>
+            <a:r>
+              <a:rPr lang="en-US" sz="2800" dirty="0" smtClean="0"/>
+              <a:t> </a:t>
+            </a:r>
+            <a:r>
+              <a:rPr lang="en-US" sz="2800" dirty="0" smtClean="0"/>
+              <a:t>an interface and we </a:t>
+            </a:r>
+            <a:r>
+              <a:rPr lang="en-US" sz="2800" dirty="0" smtClean="0"/>
+              <a:t>are providing a new implementation while extending </a:t>
+            </a:r>
+            <a:r>
+              <a:rPr lang="en-US" sz="2800" dirty="0" smtClean="0"/>
+              <a:t>means their exist certain functionality and we are giving it an extension.</a:t>
             </a:r>
           </a:p>
           <a:p>
@@ -9874,7 +5700,7 @@
           <p:cNvPr id="4" name="Slide Number Placeholder 3">
             <a:extLst>
               <a:ext uri="{FF2B5EF4-FFF2-40B4-BE49-F238E27FC236}">
-                <a16:creationId xmlns:a16="http://schemas.microsoft.com/office/drawing/2014/main" id="{62B4CE3A-8C88-45AA-A849-57E5A7AC22C1}"/>
+                <a16:creationId xmlns:a16="http://schemas.microsoft.com/office/drawing/2014/main" xmlns="" id="{62B4CE3A-8C88-45AA-A849-57E5A7AC22C1}"/>
               </a:ext>
             </a:extLst>
           </p:cNvPr>
@@ -9913,7 +5739,7 @@
           <p:cNvPr id="11" name="Rectangle 10">
             <a:extLst>
               <a:ext uri="{FF2B5EF4-FFF2-40B4-BE49-F238E27FC236}">
-                <a16:creationId xmlns:a16="http://schemas.microsoft.com/office/drawing/2014/main" id="{5F253864-26FA-4AB1-9F0A-4F57D870EE85}"/>
+                <a16:creationId xmlns:a16="http://schemas.microsoft.com/office/drawing/2014/main" xmlns="" id="{5F253864-26FA-4AB1-9F0A-4F57D870EE85}"/>
               </a:ext>
               <a:ext uri="{C183D7F6-B498-43B3-948B-1728B52AA6E4}">
                 <adec:decorative xmlns:adec="http://schemas.microsoft.com/office/drawing/2017/decorative" xmlns="" val="1"/>
@@ -9969,7 +5795,7 @@
     </p:spTree>
     <p:extLst>
       <p:ext uri="{BB962C8B-B14F-4D97-AF65-F5344CB8AC3E}">
-        <p14:creationId xmlns:p14="http://schemas.microsoft.com/office/powerpoint/2010/main" val="2029482379"/>
+        <p14:creationId xmlns:p14="http://schemas.microsoft.com/office/powerpoint/2010/main" xmlns="" val="2029482379"/>
       </p:ext>
     </p:extLst>
   </p:cSld>
@@ -10008,7 +5834,7 @@
           <p:cNvPr id="2" name="Title 1">
             <a:extLst>
               <a:ext uri="{FF2B5EF4-FFF2-40B4-BE49-F238E27FC236}">
-                <a16:creationId xmlns:a16="http://schemas.microsoft.com/office/drawing/2014/main" id="{E199600F-A17E-4354-A7AB-0CC2A43A9354}"/>
+                <a16:creationId xmlns:a16="http://schemas.microsoft.com/office/drawing/2014/main" xmlns="" id="{E199600F-A17E-4354-A7AB-0CC2A43A9354}"/>
               </a:ext>
             </a:extLst>
           </p:cNvPr>
@@ -10032,11 +5858,7 @@
             <a:pPr algn="ctr"/>
             <a:r>
               <a:rPr lang="en-US" dirty="0" smtClean="0"/>
-              <a:t>Other </a:t>
-            </a:r>
-            <a:r>
-              <a:rPr lang="en-US" dirty="0" smtClean="0"/>
-              <a:t>points…</a:t>
+              <a:t>Other Important points</a:t>
             </a:r>
             <a:endParaRPr lang="en-US" dirty="0"/>
           </a:p>
@@ -10047,7 +5869,7 @@
           <p:cNvPr id="3" name="Content Placeholder 2">
             <a:extLst>
               <a:ext uri="{FF2B5EF4-FFF2-40B4-BE49-F238E27FC236}">
-                <a16:creationId xmlns:a16="http://schemas.microsoft.com/office/drawing/2014/main" id="{FA6A4B49-27C8-46B6-8B11-AD7E8F615E2C}"/>
+                <a16:creationId xmlns:a16="http://schemas.microsoft.com/office/drawing/2014/main" xmlns="" id="{FA6A4B49-27C8-46B6-8B11-AD7E8F615E2C}"/>
               </a:ext>
             </a:extLst>
           </p:cNvPr>
@@ -10105,7 +5927,7 @@
           <p:cNvPr id="4" name="Slide Number Placeholder 3">
             <a:extLst>
               <a:ext uri="{FF2B5EF4-FFF2-40B4-BE49-F238E27FC236}">
-                <a16:creationId xmlns:a16="http://schemas.microsoft.com/office/drawing/2014/main" id="{62B4CE3A-8C88-45AA-A849-57E5A7AC22C1}"/>
+                <a16:creationId xmlns:a16="http://schemas.microsoft.com/office/drawing/2014/main" xmlns="" id="{62B4CE3A-8C88-45AA-A849-57E5A7AC22C1}"/>
               </a:ext>
             </a:extLst>
           </p:cNvPr>
@@ -10144,7 +5966,7 @@
           <p:cNvPr id="11" name="Rectangle 10">
             <a:extLst>
               <a:ext uri="{FF2B5EF4-FFF2-40B4-BE49-F238E27FC236}">
-                <a16:creationId xmlns:a16="http://schemas.microsoft.com/office/drawing/2014/main" id="{5F253864-26FA-4AB1-9F0A-4F57D870EE85}"/>
+                <a16:creationId xmlns:a16="http://schemas.microsoft.com/office/drawing/2014/main" xmlns="" id="{5F253864-26FA-4AB1-9F0A-4F57D870EE85}"/>
               </a:ext>
               <a:ext uri="{C183D7F6-B498-43B3-948B-1728B52AA6E4}">
                 <adec:decorative xmlns:adec="http://schemas.microsoft.com/office/drawing/2017/decorative" xmlns="" val="1"/>
@@ -10200,7 +6022,7 @@
     </p:spTree>
     <p:extLst>
       <p:ext uri="{BB962C8B-B14F-4D97-AF65-F5344CB8AC3E}">
-        <p14:creationId xmlns:p14="http://schemas.microsoft.com/office/powerpoint/2010/main" val="3934376533"/>
+        <p14:creationId xmlns:p14="http://schemas.microsoft.com/office/powerpoint/2010/main" xmlns="" val="3934376533"/>
       </p:ext>
     </p:extLst>
   </p:cSld>
@@ -10239,7 +6061,7 @@
           <p:cNvPr id="2" name="Title 1">
             <a:extLst>
               <a:ext uri="{FF2B5EF4-FFF2-40B4-BE49-F238E27FC236}">
-                <a16:creationId xmlns:a16="http://schemas.microsoft.com/office/drawing/2014/main" id="{E199600F-A17E-4354-A7AB-0CC2A43A9354}"/>
+                <a16:creationId xmlns:a16="http://schemas.microsoft.com/office/drawing/2014/main" xmlns="" id="{E199600F-A17E-4354-A7AB-0CC2A43A9354}"/>
               </a:ext>
             </a:extLst>
           </p:cNvPr>
@@ -10263,11 +6085,7 @@
             <a:pPr algn="ctr"/>
             <a:r>
               <a:rPr lang="en-US" dirty="0" smtClean="0"/>
-              <a:t>Other </a:t>
-            </a:r>
-            <a:r>
-              <a:rPr lang="en-US" dirty="0" smtClean="0"/>
-              <a:t>points…</a:t>
+              <a:t>Marker Interface</a:t>
             </a:r>
             <a:endParaRPr lang="en-US" dirty="0"/>
           </a:p>
@@ -10278,7 +6096,7 @@
           <p:cNvPr id="3" name="Content Placeholder 2">
             <a:extLst>
               <a:ext uri="{FF2B5EF4-FFF2-40B4-BE49-F238E27FC236}">
-                <a16:creationId xmlns:a16="http://schemas.microsoft.com/office/drawing/2014/main" id="{FA6A4B49-27C8-46B6-8B11-AD7E8F615E2C}"/>
+                <a16:creationId xmlns:a16="http://schemas.microsoft.com/office/drawing/2014/main" xmlns="" id="{FA6A4B49-27C8-46B6-8B11-AD7E8F615E2C}"/>
               </a:ext>
             </a:extLst>
           </p:cNvPr>
@@ -10291,146 +6109,29 @@
         </p:nvSpPr>
         <p:spPr>
           <a:xfrm>
-            <a:off x="838199" y="1597891"/>
-            <a:ext cx="10515599" cy="4839854"/>
+            <a:off x="838199" y="1825625"/>
+            <a:ext cx="10515599" cy="4351338"/>
           </a:xfrm>
         </p:spPr>
         <p:txBody>
           <a:bodyPr>
-            <a:normAutofit fontScale="85000" lnSpcReduction="20000"/>
+            <a:normAutofit/>
           </a:bodyPr>
           <a:lstStyle/>
           <a:p>
             <a:r>
               <a:rPr lang="en-US" sz="2800" dirty="0" smtClean="0"/>
-              <a:t>Show accessibility of fields in the child </a:t>
-            </a:r>
-            <a:r>
-              <a:rPr lang="en-US" sz="2800" dirty="0" smtClean="0"/>
-              <a:t>c</a:t>
-            </a:r>
-            <a:r>
-              <a:rPr lang="en-US" sz="2800" dirty="0" smtClean="0"/>
-              <a:t>lass implementing two </a:t>
-            </a:r>
-            <a:r>
-              <a:rPr lang="en-US" sz="2800" dirty="0"/>
-              <a:t>interfaces having  same-named </a:t>
-            </a:r>
-            <a:r>
-              <a:rPr lang="en-US" sz="2800" dirty="0" smtClean="0"/>
-              <a:t>fields.</a:t>
-            </a:r>
-          </a:p>
-          <a:p>
-            <a:r>
-              <a:rPr lang="en-US" sz="2800" dirty="0" smtClean="0"/>
-              <a:t>In interface can also inherit from other interface by using the ‘extends’ keyword.</a:t>
-            </a:r>
-          </a:p>
-          <a:p>
-            <a:r>
-              <a:rPr lang="en-US" sz="2800" dirty="0" smtClean="0"/>
-              <a:t>A class </a:t>
-            </a:r>
-            <a:r>
-              <a:rPr lang="en-US" sz="2800" dirty="0"/>
-              <a:t>cannot extend an interface, it can only implement </a:t>
-            </a:r>
-            <a:r>
-              <a:rPr lang="en-US" sz="2800" dirty="0"/>
-              <a:t>an interface</a:t>
-            </a:r>
-            <a:r>
-              <a:rPr lang="en-US" sz="2800" dirty="0"/>
-              <a:t>. </a:t>
-            </a:r>
-            <a:r>
-              <a:rPr lang="en-US" sz="2800" dirty="0" smtClean="0"/>
-              <a:t>On the other hand, </a:t>
-            </a:r>
-            <a:r>
-              <a:rPr lang="en-US" sz="2800" dirty="0"/>
-              <a:t>an interface cannot implement any interface it can </a:t>
-            </a:r>
-            <a:r>
-              <a:rPr lang="en-US" sz="2800" dirty="0"/>
-              <a:t>only extend </a:t>
-            </a:r>
-            <a:r>
-              <a:rPr lang="en-US" sz="2800" dirty="0"/>
-              <a:t>an interface</a:t>
+              <a:t>Marker interfaces are special interfaces that are provided with the JDK </a:t>
+            </a:r>
+            <a:r>
+              <a:rPr lang="en-US" sz="2800" dirty="0" err="1" smtClean="0"/>
+              <a:t>api</a:t>
             </a:r>
             <a:r>
               <a:rPr lang="en-US" sz="2800" dirty="0" smtClean="0"/>
               <a:t>.</a:t>
             </a:r>
           </a:p>
-          <a:p>
-            <a:r>
-              <a:rPr lang="en-US" sz="2800" dirty="0" smtClean="0"/>
-              <a:t>Interface to interface inheritance :</a:t>
-            </a:r>
-          </a:p>
-          <a:p>
-            <a:pPr lvl="1"/>
-            <a:r>
-              <a:rPr lang="en-US" sz="2600" dirty="0" smtClean="0"/>
-              <a:t>Same-named fields</a:t>
-            </a:r>
-          </a:p>
-          <a:p>
-            <a:pPr lvl="1"/>
-            <a:r>
-              <a:rPr lang="en-US" sz="2600" dirty="0" smtClean="0"/>
-              <a:t>Same-named default methods</a:t>
-            </a:r>
-          </a:p>
-          <a:p>
-            <a:r>
-              <a:rPr lang="en-US" sz="2800" dirty="0" smtClean="0"/>
-              <a:t>Interface to class inheritance</a:t>
-            </a:r>
-          </a:p>
-          <a:p>
-            <a:pPr lvl="1"/>
-            <a:r>
-              <a:rPr lang="en-US" sz="2600" dirty="0"/>
-              <a:t>Same-named fields</a:t>
-            </a:r>
-          </a:p>
-          <a:p>
-            <a:pPr lvl="1"/>
-            <a:r>
-              <a:rPr lang="en-US" sz="2600" dirty="0"/>
-              <a:t>Same-named default </a:t>
-            </a:r>
-            <a:r>
-              <a:rPr lang="en-US" sz="2600" dirty="0" smtClean="0"/>
-              <a:t>methods</a:t>
-            </a:r>
-          </a:p>
-          <a:p>
-            <a:r>
-              <a:rPr lang="en-US" sz="2800" dirty="0" smtClean="0"/>
-              <a:t>Anonymous classes.</a:t>
-            </a:r>
-          </a:p>
-          <a:p>
-            <a:r>
-              <a:rPr lang="en-US" sz="2800" dirty="0" smtClean="0"/>
-              <a:t>Difference between an interface and an abstract class.</a:t>
-            </a:r>
-            <a:endParaRPr lang="en-US" sz="2800" dirty="0"/>
-          </a:p>
-          <a:p>
-            <a:pPr lvl="1"/>
-            <a:endParaRPr lang="en-US" sz="2600" dirty="0" smtClean="0"/>
-          </a:p>
-          <a:p>
-            <a:pPr lvl="1"/>
-            <a:endParaRPr lang="en-US" sz="2600" dirty="0"/>
-          </a:p>
         </p:txBody>
       </p:sp>
       <p:sp>
@@ -10438,7 +6139,7 @@
           <p:cNvPr id="4" name="Slide Number Placeholder 3">
             <a:extLst>
               <a:ext uri="{FF2B5EF4-FFF2-40B4-BE49-F238E27FC236}">
-                <a16:creationId xmlns:a16="http://schemas.microsoft.com/office/drawing/2014/main" id="{62B4CE3A-8C88-45AA-A849-57E5A7AC22C1}"/>
+                <a16:creationId xmlns:a16="http://schemas.microsoft.com/office/drawing/2014/main" xmlns="" id="{62B4CE3A-8C88-45AA-A849-57E5A7AC22C1}"/>
               </a:ext>
             </a:extLst>
           </p:cNvPr>
@@ -10477,7 +6178,7 @@
           <p:cNvPr id="11" name="Rectangle 10">
             <a:extLst>
               <a:ext uri="{FF2B5EF4-FFF2-40B4-BE49-F238E27FC236}">
-                <a16:creationId xmlns:a16="http://schemas.microsoft.com/office/drawing/2014/main" id="{5F253864-26FA-4AB1-9F0A-4F57D870EE85}"/>
+                <a16:creationId xmlns:a16="http://schemas.microsoft.com/office/drawing/2014/main" xmlns="" id="{5F253864-26FA-4AB1-9F0A-4F57D870EE85}"/>
               </a:ext>
               <a:ext uri="{C183D7F6-B498-43B3-948B-1728B52AA6E4}">
                 <adec:decorative xmlns:adec="http://schemas.microsoft.com/office/drawing/2017/decorative" xmlns="" val="1"/>
@@ -10533,7 +6234,7 @@
     </p:spTree>
     <p:extLst>
       <p:ext uri="{BB962C8B-B14F-4D97-AF65-F5344CB8AC3E}">
-        <p14:creationId xmlns:p14="http://schemas.microsoft.com/office/powerpoint/2010/main" val="1581878262"/>
+        <p14:creationId xmlns:p14="http://schemas.microsoft.com/office/powerpoint/2010/main" xmlns="" val="3666108874"/>
       </p:ext>
     </p:extLst>
   </p:cSld>
@@ -10572,7 +6273,7 @@
           <p:cNvPr id="2" name="Title 1">
             <a:extLst>
               <a:ext uri="{FF2B5EF4-FFF2-40B4-BE49-F238E27FC236}">
-                <a16:creationId xmlns:a16="http://schemas.microsoft.com/office/drawing/2014/main" id="{E199600F-A17E-4354-A7AB-0CC2A43A9354}"/>
+                <a16:creationId xmlns:a16="http://schemas.microsoft.com/office/drawing/2014/main" xmlns="" id="{C8F58AE6-56F6-44E8-8BBF-23277B1773E4}"/>
               </a:ext>
             </a:extLst>
           </p:cNvPr>
@@ -10583,74 +6284,54 @@
             <p:ph type="title"/>
           </p:nvPr>
         </p:nvSpPr>
-        <p:spPr>
-          <a:xfrm>
-            <a:off x="838199" y="611079"/>
-            <a:ext cx="10515600" cy="833663"/>
-          </a:xfrm>
-        </p:spPr>
+        <p:spPr/>
         <p:txBody>
           <a:bodyPr/>
           <a:lstStyle/>
           <a:p>
-            <a:pPr algn="ctr"/>
-            <a:r>
-              <a:rPr lang="en-US" dirty="0" smtClean="0"/>
-              <a:t>Marker Interface</a:t>
+            <a:r>
+              <a:rPr lang="en-US" smtClean="0"/>
+              <a:t>Questions ??</a:t>
             </a:r>
             <a:endParaRPr lang="en-US" dirty="0"/>
           </a:p>
         </p:txBody>
       </p:sp>
-      <p:sp>
-        <p:nvSpPr>
-          <p:cNvPr id="3" name="Content Placeholder 2">
-            <a:extLst>
-              <a:ext uri="{FF2B5EF4-FFF2-40B4-BE49-F238E27FC236}">
-                <a16:creationId xmlns:a16="http://schemas.microsoft.com/office/drawing/2014/main" id="{FA6A4B49-27C8-46B6-8B11-AD7E8F615E2C}"/>
-              </a:ext>
-            </a:extLst>
-          </p:cNvPr>
-          <p:cNvSpPr>
-            <a:spLocks noGrp="1"/>
-          </p:cNvSpPr>
+      <p:pic>
+        <p:nvPicPr>
+          <p:cNvPr id="3" name="Content Placeholder 2"/>
+          <p:cNvPicPr>
+            <a:picLocks noGrp="1" noChangeAspect="1"/>
+          </p:cNvPicPr>
           <p:nvPr>
             <p:ph idx="1"/>
           </p:nvPr>
-        </p:nvSpPr>
-        <p:spPr>
-          <a:xfrm>
-            <a:off x="838199" y="1825625"/>
-            <a:ext cx="10515599" cy="4351338"/>
-          </a:xfrm>
-        </p:spPr>
-        <p:txBody>
-          <a:bodyPr>
-            <a:normAutofit/>
-          </a:bodyPr>
-          <a:lstStyle/>
-          <a:p>
-            <a:r>
-              <a:rPr lang="en-US" sz="2800" dirty="0" smtClean="0"/>
-              <a:t>Marker interfaces are special interfaces that are provided with the JDK </a:t>
-            </a:r>
-            <a:r>
-              <a:rPr lang="en-US" sz="2800" dirty="0" err="1" smtClean="0"/>
-              <a:t>api</a:t>
-            </a:r>
-            <a:r>
-              <a:rPr lang="en-US" sz="2800" dirty="0" smtClean="0"/>
-              <a:t>.</a:t>
-            </a:r>
-          </a:p>
-        </p:txBody>
-      </p:sp>
-      <p:sp>
-        <p:nvSpPr>
-          <p:cNvPr id="4" name="Slide Number Placeholder 3">
-            <a:extLst>
-              <a:ext uri="{FF2B5EF4-FFF2-40B4-BE49-F238E27FC236}">
-                <a16:creationId xmlns:a16="http://schemas.microsoft.com/office/drawing/2014/main" id="{62B4CE3A-8C88-45AA-A849-57E5A7AC22C1}"/>
+        </p:nvPicPr>
+        <p:blipFill>
+          <a:blip r:embed="rId2">
+            <a:extLst>
+              <a:ext uri="{28A0092B-C50C-407E-A947-70E740481C1C}">
+                <a14:useLocalDpi xmlns:a14="http://schemas.microsoft.com/office/drawing/2010/main" xmlns="" val="0"/>
+              </a:ext>
+            </a:extLst>
+          </a:blip>
+          <a:stretch>
+            <a:fillRect/>
+          </a:stretch>
+        </p:blipFill>
+        <p:spPr>
+          <a:xfrm>
+            <a:off x="4705350" y="1487686"/>
+            <a:ext cx="6648450" cy="3739753"/>
+          </a:xfrm>
+        </p:spPr>
+      </p:pic>
+      <p:sp>
+        <p:nvSpPr>
+          <p:cNvPr id="20" name="Slide Number Placeholder 19">
+            <a:extLst>
+              <a:ext uri="{FF2B5EF4-FFF2-40B4-BE49-F238E27FC236}">
+                <a16:creationId xmlns:a16="http://schemas.microsoft.com/office/drawing/2014/main" xmlns="" id="{3AEC0301-E9AA-4478-9E23-C372DBDCE653}"/>
               </a:ext>
             </a:extLst>
           </p:cNvPr>
@@ -10663,7 +6344,7 @@
         </p:nvSpPr>
         <p:spPr>
           <a:xfrm>
-            <a:off x="11353800" y="6361475"/>
+            <a:off x="10717695" y="6363134"/>
             <a:ext cx="838200" cy="360000"/>
           </a:xfrm>
         </p:spPr>
@@ -10686,10 +6367,10 @@
       </p:sp>
       <p:sp>
         <p:nvSpPr>
-          <p:cNvPr id="11" name="Rectangle 10">
-            <a:extLst>
-              <a:ext uri="{FF2B5EF4-FFF2-40B4-BE49-F238E27FC236}">
-                <a16:creationId xmlns:a16="http://schemas.microsoft.com/office/drawing/2014/main" id="{5F253864-26FA-4AB1-9F0A-4F57D870EE85}"/>
+          <p:cNvPr id="10" name="Isosceles Triangle 9">
+            <a:extLst>
+              <a:ext uri="{FF2B5EF4-FFF2-40B4-BE49-F238E27FC236}">
+                <a16:creationId xmlns:a16="http://schemas.microsoft.com/office/drawing/2014/main" xmlns="" id="{792980D7-ED01-4955-83DB-59BA18C94FBA}"/>
               </a:ext>
               <a:ext uri="{C183D7F6-B498-43B3-948B-1728B52AA6E4}">
                 <adec:decorative xmlns:adec="http://schemas.microsoft.com/office/drawing/2017/decorative" xmlns="" val="1"/>
@@ -10700,18 +6381,15 @@
           <p:nvPr/>
         </p:nvSpPr>
         <p:spPr>
-          <a:xfrm>
-            <a:off x="6249555" y="6562004"/>
-            <a:ext cx="2552123" cy="159471"/>
-          </a:xfrm>
-          <a:prstGeom prst="rect">
+          <a:xfrm rot="10800000">
+            <a:off x="10006315" y="6271566"/>
+            <a:ext cx="142847" cy="91567"/>
+          </a:xfrm>
+          <a:prstGeom prst="triangle">
             <a:avLst/>
           </a:prstGeom>
           <a:solidFill>
-            <a:schemeClr val="tx1">
-              <a:lumMod val="85000"/>
-              <a:lumOff val="15000"/>
-            </a:schemeClr>
+            <a:schemeClr val="bg1"/>
           </a:solidFill>
           <a:ln>
             <a:noFill/>
@@ -10734,283 +6412,46 @@
           </a:fontRef>
         </p:style>
         <p:txBody>
-          <a:bodyPr anchor="ctr"/>
+          <a:bodyPr rtlCol="0" anchor="ctr"/>
           <a:lstStyle/>
           <a:p>
             <a:pPr algn="ctr"/>
-            <a:endParaRPr lang="en-US" sz="1200" dirty="0"/>
+            <a:endParaRPr lang="en-US" dirty="0"/>
+          </a:p>
+        </p:txBody>
+      </p:sp>
+      <p:sp>
+        <p:nvSpPr>
+          <p:cNvPr id="4" name="Rectangle 3"/>
+          <p:cNvSpPr/>
+          <p:nvPr/>
+        </p:nvSpPr>
+        <p:spPr>
+          <a:xfrm>
+            <a:off x="5785658" y="3244334"/>
+            <a:ext cx="620683" cy="369332"/>
+          </a:xfrm>
+          <a:prstGeom prst="rect">
+            <a:avLst/>
+          </a:prstGeom>
+        </p:spPr>
+        <p:txBody>
+          <a:bodyPr wrap="none">
+            <a:spAutoFit/>
+          </a:bodyPr>
+          <a:lstStyle/>
+          <a:p>
+            <a:r>
+              <a:rPr lang="en-US" dirty="0"/>
+              <a:t>a b c</a:t>
+            </a:r>
           </a:p>
         </p:txBody>
       </p:sp>
     </p:spTree>
     <p:extLst>
       <p:ext uri="{BB962C8B-B14F-4D97-AF65-F5344CB8AC3E}">
-        <p14:creationId xmlns:p14="http://schemas.microsoft.com/office/powerpoint/2010/main" val="3666108874"/>
-      </p:ext>
-    </p:extLst>
-  </p:cSld>
-  <p:clrMapOvr>
-    <a:masterClrMapping/>
-  </p:clrMapOvr>
-  <p:timing>
-    <p:tnLst>
-      <p:par>
-        <p:cTn id="1" dur="indefinite" restart="never" nodeType="tmRoot"/>
-      </p:par>
-    </p:tnLst>
-  </p:timing>
-</p:sld>
-</file>
-
-<file path=ppt/slides/slide9.xml><?xml version="1.0" encoding="utf-8"?>
-<p:sld xmlns:a="http://schemas.openxmlformats.org/drawingml/2006/main" xmlns:r="http://schemas.openxmlformats.org/officeDocument/2006/relationships" xmlns:p="http://schemas.openxmlformats.org/presentationml/2006/main">
-  <p:cSld>
-    <p:spTree>
-      <p:nvGrpSpPr>
-        <p:cNvPr id="1" name=""/>
-        <p:cNvGrpSpPr/>
-        <p:nvPr/>
-      </p:nvGrpSpPr>
-      <p:grpSpPr>
-        <a:xfrm>
-          <a:off x="0" y="0"/>
-          <a:ext cx="0" cy="0"/>
-          <a:chOff x="0" y="0"/>
-          <a:chExt cx="0" cy="0"/>
-        </a:xfrm>
-      </p:grpSpPr>
-      <p:sp>
-        <p:nvSpPr>
-          <p:cNvPr id="2" name="Title 1">
-            <a:extLst>
-              <a:ext uri="{FF2B5EF4-FFF2-40B4-BE49-F238E27FC236}">
-                <a16:creationId xmlns:a16="http://schemas.microsoft.com/office/drawing/2014/main" id="{E199600F-A17E-4354-A7AB-0CC2A43A9354}"/>
-              </a:ext>
-            </a:extLst>
-          </p:cNvPr>
-          <p:cNvSpPr>
-            <a:spLocks noGrp="1"/>
-          </p:cNvSpPr>
-          <p:nvPr>
-            <p:ph type="title"/>
-          </p:nvPr>
-        </p:nvSpPr>
-        <p:spPr>
-          <a:xfrm>
-            <a:off x="838199" y="611079"/>
-            <a:ext cx="10515600" cy="833663"/>
-          </a:xfrm>
-        </p:spPr>
-        <p:txBody>
-          <a:bodyPr/>
-          <a:lstStyle/>
-          <a:p>
-            <a:pPr algn="ctr"/>
-            <a:r>
-              <a:rPr lang="en-US" dirty="0" smtClean="0"/>
-              <a:t>Access Modifiers</a:t>
-            </a:r>
-            <a:endParaRPr lang="en-US" dirty="0"/>
-          </a:p>
-        </p:txBody>
-      </p:sp>
-      <p:sp>
-        <p:nvSpPr>
-          <p:cNvPr id="3" name="Content Placeholder 2">
-            <a:extLst>
-              <a:ext uri="{FF2B5EF4-FFF2-40B4-BE49-F238E27FC236}">
-                <a16:creationId xmlns:a16="http://schemas.microsoft.com/office/drawing/2014/main" id="{FA6A4B49-27C8-46B6-8B11-AD7E8F615E2C}"/>
-              </a:ext>
-            </a:extLst>
-          </p:cNvPr>
-          <p:cNvSpPr>
-            <a:spLocks noGrp="1"/>
-          </p:cNvSpPr>
-          <p:nvPr>
-            <p:ph idx="1"/>
-          </p:nvPr>
-        </p:nvSpPr>
-        <p:spPr>
-          <a:xfrm>
-            <a:off x="838199" y="1825625"/>
-            <a:ext cx="10515599" cy="4351338"/>
-          </a:xfrm>
-        </p:spPr>
-        <p:txBody>
-          <a:bodyPr>
-            <a:normAutofit fontScale="92500"/>
-          </a:bodyPr>
-          <a:lstStyle/>
-          <a:p>
-            <a:r>
-              <a:rPr lang="en-US" sz="2800" dirty="0" smtClean="0"/>
-              <a:t>Private</a:t>
-            </a:r>
-          </a:p>
-          <a:p>
-            <a:pPr lvl="1"/>
-            <a:r>
-              <a:rPr lang="en-US" sz="2600" dirty="0" smtClean="0"/>
-              <a:t>Members are visible only within the declaring class.</a:t>
-            </a:r>
-          </a:p>
-          <a:p>
-            <a:r>
-              <a:rPr lang="en-US" sz="2800" dirty="0" smtClean="0"/>
-              <a:t>Default</a:t>
-            </a:r>
-          </a:p>
-          <a:p>
-            <a:pPr lvl="1"/>
-            <a:r>
-              <a:rPr lang="en-US" sz="2600" dirty="0" smtClean="0"/>
-              <a:t>Members are visible within the same package as that of the declaring class.</a:t>
-            </a:r>
-          </a:p>
-          <a:p>
-            <a:pPr lvl="1"/>
-            <a:r>
-              <a:rPr lang="en-US" sz="2600" dirty="0" smtClean="0"/>
-              <a:t>Default members are like public members within the package.</a:t>
-            </a:r>
-          </a:p>
-          <a:p>
-            <a:r>
-              <a:rPr lang="en-US" sz="2800" dirty="0" smtClean="0"/>
-              <a:t>Protected</a:t>
-            </a:r>
-          </a:p>
-          <a:p>
-            <a:pPr lvl="1"/>
-            <a:r>
-              <a:rPr lang="en-US" sz="2600" dirty="0" smtClean="0"/>
-              <a:t>Extend the visibility of default package and are also visible in the inheriting class.</a:t>
-            </a:r>
-          </a:p>
-          <a:p>
-            <a:r>
-              <a:rPr lang="en-US" sz="2800" dirty="0" smtClean="0"/>
-              <a:t>Public</a:t>
-            </a:r>
-          </a:p>
-          <a:p>
-            <a:pPr lvl="1"/>
-            <a:r>
-              <a:rPr lang="en-US" sz="2600" dirty="0" smtClean="0"/>
-              <a:t>Members are directly visible </a:t>
-            </a:r>
-            <a:r>
-              <a:rPr lang="en-US" sz="2600" smtClean="0"/>
-              <a:t>from everywhere.</a:t>
-            </a:r>
-            <a:endParaRPr lang="en-US" sz="2600" dirty="0" smtClean="0"/>
-          </a:p>
-          <a:p>
-            <a:endParaRPr lang="en-US" sz="2800" dirty="0" smtClean="0"/>
-          </a:p>
-        </p:txBody>
-      </p:sp>
-      <p:sp>
-        <p:nvSpPr>
-          <p:cNvPr id="4" name="Slide Number Placeholder 3">
-            <a:extLst>
-              <a:ext uri="{FF2B5EF4-FFF2-40B4-BE49-F238E27FC236}">
-                <a16:creationId xmlns:a16="http://schemas.microsoft.com/office/drawing/2014/main" id="{62B4CE3A-8C88-45AA-A849-57E5A7AC22C1}"/>
-              </a:ext>
-            </a:extLst>
-          </p:cNvPr>
-          <p:cNvSpPr>
-            <a:spLocks noGrp="1"/>
-          </p:cNvSpPr>
-          <p:nvPr>
-            <p:ph type="sldNum" sz="quarter" idx="10"/>
-          </p:nvPr>
-        </p:nvSpPr>
-        <p:spPr>
-          <a:xfrm>
-            <a:off x="11353800" y="6361475"/>
-            <a:ext cx="838200" cy="360000"/>
-          </a:xfrm>
-        </p:spPr>
-        <p:txBody>
-          <a:bodyPr/>
-          <a:lstStyle/>
-          <a:p>
-            <a:r>
-              <a:rPr lang="en-US" dirty="0"/>
-              <a:t>PAGE </a:t>
-            </a:r>
-            <a:fld id="{4A9B5881-4007-4345-955A-79C2656F0C49}" type="slidenum">
-              <a:rPr lang="en-US" smtClean="0"/>
-              <a:pPr/>
-              <a:t>9</a:t>
-            </a:fld>
-            <a:endParaRPr lang="en-US" dirty="0"/>
-          </a:p>
-        </p:txBody>
-      </p:sp>
-      <p:sp>
-        <p:nvSpPr>
-          <p:cNvPr id="11" name="Rectangle 10">
-            <a:extLst>
-              <a:ext uri="{FF2B5EF4-FFF2-40B4-BE49-F238E27FC236}">
-                <a16:creationId xmlns:a16="http://schemas.microsoft.com/office/drawing/2014/main" id="{5F253864-26FA-4AB1-9F0A-4F57D870EE85}"/>
-              </a:ext>
-              <a:ext uri="{C183D7F6-B498-43B3-948B-1728B52AA6E4}">
-                <adec:decorative xmlns:adec="http://schemas.microsoft.com/office/drawing/2017/decorative" xmlns="" val="1"/>
-              </a:ext>
-            </a:extLst>
-          </p:cNvPr>
-          <p:cNvSpPr/>
-          <p:nvPr/>
-        </p:nvSpPr>
-        <p:spPr>
-          <a:xfrm>
-            <a:off x="6249555" y="6562004"/>
-            <a:ext cx="2552123" cy="159471"/>
-          </a:xfrm>
-          <a:prstGeom prst="rect">
-            <a:avLst/>
-          </a:prstGeom>
-          <a:solidFill>
-            <a:schemeClr val="tx1">
-              <a:lumMod val="85000"/>
-              <a:lumOff val="15000"/>
-            </a:schemeClr>
-          </a:solidFill>
-          <a:ln>
-            <a:noFill/>
-          </a:ln>
-        </p:spPr>
-        <p:style>
-          <a:lnRef idx="2">
-            <a:schemeClr val="accent1">
-              <a:shade val="50000"/>
-            </a:schemeClr>
-          </a:lnRef>
-          <a:fillRef idx="1">
-            <a:schemeClr val="accent1"/>
-          </a:fillRef>
-          <a:effectRef idx="0">
-            <a:schemeClr val="accent1"/>
-          </a:effectRef>
-          <a:fontRef idx="minor">
-            <a:schemeClr val="lt1"/>
-          </a:fontRef>
-        </p:style>
-        <p:txBody>
-          <a:bodyPr anchor="ctr"/>
-          <a:lstStyle/>
-          <a:p>
-            <a:pPr algn="ctr"/>
-            <a:endParaRPr lang="en-US" sz="1200" dirty="0"/>
-          </a:p>
-        </p:txBody>
-      </p:sp>
-    </p:spTree>
-    <p:extLst>
-      <p:ext uri="{BB962C8B-B14F-4D97-AF65-F5344CB8AC3E}">
-        <p14:creationId xmlns:p14="http://schemas.microsoft.com/office/powerpoint/2010/main" val="4186711489"/>
+        <p14:creationId xmlns:p14="http://schemas.microsoft.com/office/powerpoint/2010/main" xmlns="" val="1704949556"/>
       </p:ext>
     </p:extLst>
   </p:cSld>
@@ -11222,7 +6663,7 @@
   <a:extraClrSchemeLst/>
   <a:extLst>
     <a:ext uri="{05A4C25C-085E-4340-85A3-A5531E510DB2}">
-      <thm15:themeFamily xmlns:thm15="http://schemas.microsoft.com/office/thememl/2012/main" name="Classic-Corporate_Teach a Course_Win32_SB - v2" id="{AAA48AC2-5F99-4B13-8624-B64D50F70391}" vid="{7E93EDBA-CDC2-40D2-AD59-7619D791F782}"/>
+      <thm15:themeFamily xmlns:thm15="http://schemas.microsoft.com/office/thememl/2012/main" xmlns="" name="Classic-Corporate_Teach a Course_Win32_SB - v2" id="{AAA48AC2-5F99-4B13-8624-B64D50F70391}" vid="{7E93EDBA-CDC2-40D2-AD59-7619D791F782}"/>
     </a:ext>
   </a:extLst>
 </a:theme>
@@ -11271,7 +6712,7 @@
     </a:clrScheme>
     <a:fontScheme name="Office">
       <a:majorFont>
-        <a:latin typeface="Calibri Light" panose="020F0302020204030204"/>
+        <a:latin typeface="Calibri Light"/>
         <a:ea typeface=""/>
         <a:cs typeface=""/>
         <a:font script="Jpan" typeface="游ゴシック Light"/>
@@ -11323,7 +6764,7 @@
         <a:font script="Tfng" typeface="Ebrima"/>
       </a:majorFont>
       <a:minorFont>
-        <a:latin typeface="Calibri" panose="020F0502020204030204"/>
+        <a:latin typeface="Calibri"/>
         <a:ea typeface=""/>
         <a:cs typeface=""/>
         <a:font script="Jpan" typeface="游ゴシック"/>
@@ -11517,7 +6958,7 @@
   <a:extraClrSchemeLst/>
   <a:extLst>
     <a:ext uri="{05A4C25C-085E-4340-85A3-A5531E510DB2}">
-      <thm15:themeFamily xmlns:thm15="http://schemas.microsoft.com/office/thememl/2012/main" name="Office Theme" id="{62F939B6-93AF-4DB8-9C6B-D6C7DFDC589F}" vid="{4A3C46E8-61CC-4603-A589-7422A47A8E4A}"/>
+      <thm15:themeFamily xmlns:thm15="http://schemas.microsoft.com/office/thememl/2012/main" xmlns="" name="Office Theme" id="{62F939B6-93AF-4DB8-9C6B-D6C7DFDC589F}" vid="{4A3C46E8-61CC-4603-A589-7422A47A8E4A}"/>
     </a:ext>
   </a:extLst>
 </a:theme>
@@ -11566,7 +7007,7 @@
     </a:clrScheme>
     <a:fontScheme name="Office">
       <a:majorFont>
-        <a:latin typeface="Calibri Light" panose="020F0302020204030204"/>
+        <a:latin typeface="Calibri Light"/>
         <a:ea typeface=""/>
         <a:cs typeface=""/>
         <a:font script="Jpan" typeface="游ゴシック Light"/>
@@ -11618,7 +7059,7 @@
         <a:font script="Tfng" typeface="Ebrima"/>
       </a:majorFont>
       <a:minorFont>
-        <a:latin typeface="Calibri" panose="020F0502020204030204"/>
+        <a:latin typeface="Calibri"/>
         <a:ea typeface=""/>
         <a:cs typeface=""/>
         <a:font script="Jpan" typeface="游ゴシック"/>
@@ -11812,7 +7253,7 @@
   <a:extraClrSchemeLst/>
   <a:extLst>
     <a:ext uri="{05A4C25C-085E-4340-85A3-A5531E510DB2}">
-      <thm15:themeFamily xmlns:thm15="http://schemas.microsoft.com/office/thememl/2012/main" name="Office Theme" id="{62F939B6-93AF-4DB8-9C6B-D6C7DFDC589F}" vid="{4A3C46E8-61CC-4603-A589-7422A47A8E4A}"/>
+      <thm15:themeFamily xmlns:thm15="http://schemas.microsoft.com/office/thememl/2012/main" xmlns="" name="Office Theme" id="{62F939B6-93AF-4DB8-9C6B-D6C7DFDC589F}" vid="{4A3C46E8-61CC-4603-A589-7422A47A8E4A}"/>
     </a:ext>
   </a:extLst>
 </a:theme>
@@ -11905,6 +7346,15 @@
 </file>
 
 <file path=customXml/item1.xml><?xml version="1.0" encoding="utf-8"?>
+<p:properties xmlns:p="http://schemas.microsoft.com/office/2006/metadata/properties" xmlns:xsi="http://www.w3.org/2001/XMLSchema-instance" xmlns:pc="http://schemas.microsoft.com/office/infopath/2007/PartnerControls">
+  <documentManagement>
+    <Status xmlns="71af3243-3dd4-4a8d-8c0d-dd76da1f02a5">Not started</Status>
+    <MediaServiceKeyPoints xmlns="71af3243-3dd4-4a8d-8c0d-dd76da1f02a5" xsi:nil="true"/>
+  </documentManagement>
+</p:properties>
+</file>
+
+<file path=customXml/item2.xml><?xml version="1.0" encoding="utf-8"?>
 <ct:contentTypeSchema xmlns:ct="http://schemas.microsoft.com/office/2006/metadata/contentType" xmlns:ma="http://schemas.microsoft.com/office/2006/metadata/properties/metaAttributes" ct:_="" ma:_="" ma:contentTypeName="Document" ma:contentTypeID="0x01010079F111ED35F8CC479449609E8A0923A6" ma:contentTypeVersion="12" ma:contentTypeDescription="Create a new document." ma:contentTypeScope="" ma:versionID="fa6e671f1cd7e4d96ff9652be322dd5e">
   <xsd:schema xmlns:xsd="http://www.w3.org/2001/XMLSchema" xmlns:xs="http://www.w3.org/2001/XMLSchema" xmlns:p="http://schemas.microsoft.com/office/2006/metadata/properties" xmlns:ns2="71af3243-3dd4-4a8d-8c0d-dd76da1f02a5" xmlns:ns3="16c05727-aa75-4e4a-9b5f-8a80a1165891" targetNamespace="http://schemas.microsoft.com/office/2006/metadata/properties" ma:root="true" ma:fieldsID="4e2496f70b101db0b8013f30a071bbf7" ns2:_="" ns3:_="">
     <xsd:import namespace="71af3243-3dd4-4a8d-8c0d-dd76da1f02a5"/>
@@ -12125,7 +7575,7 @@
 </ct:contentTypeSchema>
 </file>
 
-<file path=customXml/item2.xml><?xml version="1.0" encoding="utf-8"?>
+<file path=customXml/item3.xml><?xml version="1.0" encoding="utf-8"?>
 <?mso-contentType ?>
 <FormTemplates xmlns="http://schemas.microsoft.com/sharepoint/v3/contenttype/forms">
   <Display>DocumentLibraryForm</Display>
@@ -12134,16 +7584,17 @@
 </FormTemplates>
 </file>
 
-<file path=customXml/item3.xml><?xml version="1.0" encoding="utf-8"?>
-<p:properties xmlns:p="http://schemas.microsoft.com/office/2006/metadata/properties" xmlns:xsi="http://www.w3.org/2001/XMLSchema-instance" xmlns:pc="http://schemas.microsoft.com/office/infopath/2007/PartnerControls">
-  <documentManagement>
-    <Status xmlns="71af3243-3dd4-4a8d-8c0d-dd76da1f02a5">Not started</Status>
-    <MediaServiceKeyPoints xmlns="71af3243-3dd4-4a8d-8c0d-dd76da1f02a5" xsi:nil="true"/>
-  </documentManagement>
-</p:properties>
+<file path=customXml/itemProps1.xml><?xml version="1.0" encoding="utf-8"?>
+<ds:datastoreItem xmlns:ds="http://schemas.openxmlformats.org/officeDocument/2006/customXml" ds:itemID="{F4E32C0B-4052-44CB-9341-8AD8B2CC4712}">
+  <ds:schemaRefs>
+    <ds:schemaRef ds:uri="http://schemas.microsoft.com/office/2006/metadata/properties"/>
+    <ds:schemaRef ds:uri="http://schemas.microsoft.com/office/infopath/2007/PartnerControls"/>
+    <ds:schemaRef ds:uri="71af3243-3dd4-4a8d-8c0d-dd76da1f02a5"/>
+  </ds:schemaRefs>
+</ds:datastoreItem>
 </file>
 
-<file path=customXml/itemProps1.xml><?xml version="1.0" encoding="utf-8"?>
+<file path=customXml/itemProps2.xml><?xml version="1.0" encoding="utf-8"?>
 <ds:datastoreItem xmlns:ds="http://schemas.openxmlformats.org/officeDocument/2006/customXml" ds:itemID="{D6766BD6-F648-49AA-B7EC-13E75CECB99A}">
   <ds:schemaRefs>
     <ds:schemaRef ds:uri="http://schemas.microsoft.com/office/2006/metadata/contentType"/>
@@ -12162,20 +7613,10 @@
 </ds:datastoreItem>
 </file>
 
-<file path=customXml/itemProps2.xml><?xml version="1.0" encoding="utf-8"?>
+<file path=customXml/itemProps3.xml><?xml version="1.0" encoding="utf-8"?>
 <ds:datastoreItem xmlns:ds="http://schemas.openxmlformats.org/officeDocument/2006/customXml" ds:itemID="{EBB7C387-AFDC-4FE3-A658-984B7F35F155}">
   <ds:schemaRefs>
     <ds:schemaRef ds:uri="http://schemas.microsoft.com/sharepoint/v3/contenttype/forms"/>
   </ds:schemaRefs>
 </ds:datastoreItem>
-</file>
-
-<file path=customXml/itemProps3.xml><?xml version="1.0" encoding="utf-8"?>
-<ds:datastoreItem xmlns:ds="http://schemas.openxmlformats.org/officeDocument/2006/customXml" ds:itemID="{F4E32C0B-4052-44CB-9341-8AD8B2CC4712}">
-  <ds:schemaRefs>
-    <ds:schemaRef ds:uri="http://schemas.microsoft.com/office/2006/metadata/properties"/>
-    <ds:schemaRef ds:uri="http://schemas.microsoft.com/office/infopath/2007/PartnerControls"/>
-    <ds:schemaRef ds:uri="71af3243-3dd4-4a8d-8c0d-dd76da1f02a5"/>
-  </ds:schemaRefs>
-</ds:datastoreItem>
 </file>